--- a/R Session.pptx
+++ b/R Session.pptx
@@ -5,7 +5,7 @@
     <p:sldMasterId id="2147483660" r:id="rId1"/>
   </p:sldMasterIdLst>
   <p:notesMasterIdLst>
-    <p:notesMasterId r:id="rId44"/>
+    <p:notesMasterId r:id="rId46"/>
   </p:notesMasterIdLst>
   <p:sldIdLst>
     <p:sldId id="258" r:id="rId2"/>
@@ -13,43 +13,45 @@
     <p:sldId id="323" r:id="rId4"/>
     <p:sldId id="302" r:id="rId5"/>
     <p:sldId id="303" r:id="rId6"/>
-    <p:sldId id="344" r:id="rId7"/>
-    <p:sldId id="348" r:id="rId8"/>
-    <p:sldId id="337" r:id="rId9"/>
-    <p:sldId id="336" r:id="rId10"/>
-    <p:sldId id="338" r:id="rId11"/>
-    <p:sldId id="349" r:id="rId12"/>
-    <p:sldId id="350" r:id="rId13"/>
-    <p:sldId id="339" r:id="rId14"/>
-    <p:sldId id="340" r:id="rId15"/>
-    <p:sldId id="314" r:id="rId16"/>
-    <p:sldId id="328" r:id="rId17"/>
-    <p:sldId id="313" r:id="rId18"/>
-    <p:sldId id="312" r:id="rId19"/>
-    <p:sldId id="320" r:id="rId20"/>
-    <p:sldId id="321" r:id="rId21"/>
-    <p:sldId id="334" r:id="rId22"/>
-    <p:sldId id="335" r:id="rId23"/>
-    <p:sldId id="324" r:id="rId24"/>
-    <p:sldId id="308" r:id="rId25"/>
-    <p:sldId id="305" r:id="rId26"/>
-    <p:sldId id="341" r:id="rId27"/>
-    <p:sldId id="342" r:id="rId28"/>
-    <p:sldId id="351" r:id="rId29"/>
-    <p:sldId id="317" r:id="rId30"/>
-    <p:sldId id="325" r:id="rId31"/>
-    <p:sldId id="347" r:id="rId32"/>
-    <p:sldId id="327" r:id="rId33"/>
-    <p:sldId id="310" r:id="rId34"/>
-    <p:sldId id="343" r:id="rId35"/>
-    <p:sldId id="322" r:id="rId36"/>
-    <p:sldId id="329" r:id="rId37"/>
-    <p:sldId id="332" r:id="rId38"/>
-    <p:sldId id="315" r:id="rId39"/>
-    <p:sldId id="301" r:id="rId40"/>
-    <p:sldId id="326" r:id="rId41"/>
-    <p:sldId id="345" r:id="rId42"/>
-    <p:sldId id="346" r:id="rId43"/>
+    <p:sldId id="348" r:id="rId7"/>
+    <p:sldId id="337" r:id="rId8"/>
+    <p:sldId id="336" r:id="rId9"/>
+    <p:sldId id="338" r:id="rId10"/>
+    <p:sldId id="353" r:id="rId11"/>
+    <p:sldId id="352" r:id="rId12"/>
+    <p:sldId id="349" r:id="rId13"/>
+    <p:sldId id="350" r:id="rId14"/>
+    <p:sldId id="339" r:id="rId15"/>
+    <p:sldId id="340" r:id="rId16"/>
+    <p:sldId id="314" r:id="rId17"/>
+    <p:sldId id="354" r:id="rId18"/>
+    <p:sldId id="328" r:id="rId19"/>
+    <p:sldId id="313" r:id="rId20"/>
+    <p:sldId id="312" r:id="rId21"/>
+    <p:sldId id="320" r:id="rId22"/>
+    <p:sldId id="321" r:id="rId23"/>
+    <p:sldId id="334" r:id="rId24"/>
+    <p:sldId id="335" r:id="rId25"/>
+    <p:sldId id="324" r:id="rId26"/>
+    <p:sldId id="308" r:id="rId27"/>
+    <p:sldId id="305" r:id="rId28"/>
+    <p:sldId id="341" r:id="rId29"/>
+    <p:sldId id="342" r:id="rId30"/>
+    <p:sldId id="351" r:id="rId31"/>
+    <p:sldId id="317" r:id="rId32"/>
+    <p:sldId id="325" r:id="rId33"/>
+    <p:sldId id="347" r:id="rId34"/>
+    <p:sldId id="327" r:id="rId35"/>
+    <p:sldId id="310" r:id="rId36"/>
+    <p:sldId id="343" r:id="rId37"/>
+    <p:sldId id="322" r:id="rId38"/>
+    <p:sldId id="329" r:id="rId39"/>
+    <p:sldId id="332" r:id="rId40"/>
+    <p:sldId id="315" r:id="rId41"/>
+    <p:sldId id="301" r:id="rId42"/>
+    <p:sldId id="326" r:id="rId43"/>
+    <p:sldId id="345" r:id="rId44"/>
+    <p:sldId id="346" r:id="rId45"/>
   </p:sldIdLst>
   <p:sldSz cx="12192000" cy="6858000"/>
   <p:notesSz cx="6858000" cy="9144000"/>
@@ -241,7 +243,7 @@
           <a:p>
             <a:fld id="{E81C8EEB-7BA9-464D-8F34-E5231E8E18BB}" type="datetimeFigureOut">
               <a:rPr lang="en-US" smtClean="0"/>
-              <a:t>9/15/2016</a:t>
+              <a:t>9/18/2016</a:t>
             </a:fld>
             <a:endParaRPr lang="en-US"/>
           </a:p>
@@ -667,7 +669,7 @@
     </p:spTree>
     <p:extLst>
       <p:ext uri="{BB962C8B-B14F-4D97-AF65-F5344CB8AC3E}">
-        <p14:creationId xmlns:p14="http://schemas.microsoft.com/office/powerpoint/2010/main" val="2508865709"/>
+        <p14:creationId xmlns:p14="http://schemas.microsoft.com/office/powerpoint/2010/main" val="3859815466"/>
       </p:ext>
     </p:extLst>
   </p:cSld>
@@ -751,7 +753,7 @@
     </p:spTree>
     <p:extLst>
       <p:ext uri="{BB962C8B-B14F-4D97-AF65-F5344CB8AC3E}">
-        <p14:creationId xmlns:p14="http://schemas.microsoft.com/office/powerpoint/2010/main" val="339134014"/>
+        <p14:creationId xmlns:p14="http://schemas.microsoft.com/office/powerpoint/2010/main" val="311696781"/>
       </p:ext>
     </p:extLst>
   </p:cSld>
@@ -835,7 +837,7 @@
     </p:spTree>
     <p:extLst>
       <p:ext uri="{BB962C8B-B14F-4D97-AF65-F5344CB8AC3E}">
-        <p14:creationId xmlns:p14="http://schemas.microsoft.com/office/powerpoint/2010/main" val="3519534297"/>
+        <p14:creationId xmlns:p14="http://schemas.microsoft.com/office/powerpoint/2010/main" val="339134014"/>
       </p:ext>
     </p:extLst>
   </p:cSld>
@@ -919,7 +921,7 @@
     </p:spTree>
     <p:extLst>
       <p:ext uri="{BB962C8B-B14F-4D97-AF65-F5344CB8AC3E}">
-        <p14:creationId xmlns:p14="http://schemas.microsoft.com/office/powerpoint/2010/main" val="135005617"/>
+        <p14:creationId xmlns:p14="http://schemas.microsoft.com/office/powerpoint/2010/main" val="3519534297"/>
       </p:ext>
     </p:extLst>
   </p:cSld>
@@ -994,7 +996,7 @@
           <a:p>
             <a:fld id="{E35866A8-0950-4713-8AD1-561C9B0A68EB}" type="slidenum">
               <a:rPr lang="en-US" smtClean="0"/>
-              <a:t>24</a:t>
+              <a:t>14</a:t>
             </a:fld>
             <a:endParaRPr lang="en-US"/>
           </a:p>
@@ -1003,7 +1005,7 @@
     </p:spTree>
     <p:extLst>
       <p:ext uri="{BB962C8B-B14F-4D97-AF65-F5344CB8AC3E}">
-        <p14:creationId xmlns:p14="http://schemas.microsoft.com/office/powerpoint/2010/main" val="1375352231"/>
+        <p14:creationId xmlns:p14="http://schemas.microsoft.com/office/powerpoint/2010/main" val="135005617"/>
       </p:ext>
     </p:extLst>
   </p:cSld>
@@ -1078,7 +1080,7 @@
           <a:p>
             <a:fld id="{E35866A8-0950-4713-8AD1-561C9B0A68EB}" type="slidenum">
               <a:rPr lang="en-US" smtClean="0"/>
-              <a:t>25</a:t>
+              <a:t>26</a:t>
             </a:fld>
             <a:endParaRPr lang="en-US"/>
           </a:p>
@@ -1087,7 +1089,7 @@
     </p:spTree>
     <p:extLst>
       <p:ext uri="{BB962C8B-B14F-4D97-AF65-F5344CB8AC3E}">
-        <p14:creationId xmlns:p14="http://schemas.microsoft.com/office/powerpoint/2010/main" val="677373472"/>
+        <p14:creationId xmlns:p14="http://schemas.microsoft.com/office/powerpoint/2010/main" val="1375352231"/>
       </p:ext>
     </p:extLst>
   </p:cSld>
@@ -1162,7 +1164,7 @@
           <a:p>
             <a:fld id="{E35866A8-0950-4713-8AD1-561C9B0A68EB}" type="slidenum">
               <a:rPr lang="en-US" smtClean="0"/>
-              <a:t>26</a:t>
+              <a:t>27</a:t>
             </a:fld>
             <a:endParaRPr lang="en-US"/>
           </a:p>
@@ -1171,7 +1173,7 @@
     </p:spTree>
     <p:extLst>
       <p:ext uri="{BB962C8B-B14F-4D97-AF65-F5344CB8AC3E}">
-        <p14:creationId xmlns:p14="http://schemas.microsoft.com/office/powerpoint/2010/main" val="584357807"/>
+        <p14:creationId xmlns:p14="http://schemas.microsoft.com/office/powerpoint/2010/main" val="677373472"/>
       </p:ext>
     </p:extLst>
   </p:cSld>
@@ -1246,7 +1248,7 @@
           <a:p>
             <a:fld id="{E35866A8-0950-4713-8AD1-561C9B0A68EB}" type="slidenum">
               <a:rPr lang="en-US" smtClean="0"/>
-              <a:t>27</a:t>
+              <a:t>28</a:t>
             </a:fld>
             <a:endParaRPr lang="en-US"/>
           </a:p>
@@ -1255,7 +1257,7 @@
     </p:spTree>
     <p:extLst>
       <p:ext uri="{BB962C8B-B14F-4D97-AF65-F5344CB8AC3E}">
-        <p14:creationId xmlns:p14="http://schemas.microsoft.com/office/powerpoint/2010/main" val="3053599116"/>
+        <p14:creationId xmlns:p14="http://schemas.microsoft.com/office/powerpoint/2010/main" val="584357807"/>
       </p:ext>
     </p:extLst>
   </p:cSld>
@@ -1330,7 +1332,7 @@
           <a:p>
             <a:fld id="{E35866A8-0950-4713-8AD1-561C9B0A68EB}" type="slidenum">
               <a:rPr lang="en-US" smtClean="0"/>
-              <a:t>28</a:t>
+              <a:t>29</a:t>
             </a:fld>
             <a:endParaRPr lang="en-US"/>
           </a:p>
@@ -1339,7 +1341,7 @@
     </p:spTree>
     <p:extLst>
       <p:ext uri="{BB962C8B-B14F-4D97-AF65-F5344CB8AC3E}">
-        <p14:creationId xmlns:p14="http://schemas.microsoft.com/office/powerpoint/2010/main" val="2014278500"/>
+        <p14:creationId xmlns:p14="http://schemas.microsoft.com/office/powerpoint/2010/main" val="3053599116"/>
       </p:ext>
     </p:extLst>
   </p:cSld>
@@ -1393,16 +1395,7 @@
           <a:bodyPr/>
           <a:lstStyle/>
           <a:p>
-            <a:pPr lvl="0"/>
-            <a:endParaRPr lang="en-US" sz="1200" kern="1200" dirty="0">
-              <a:solidFill>
-                <a:schemeClr val="tx1"/>
-              </a:solidFill>
-              <a:effectLst/>
-              <a:latin typeface="+mn-lt"/>
-              <a:ea typeface="+mn-ea"/>
-              <a:cs typeface="+mn-cs"/>
-            </a:endParaRPr>
+            <a:endParaRPr lang="en-US" dirty="0"/>
           </a:p>
         </p:txBody>
       </p:sp>
@@ -1423,7 +1416,7 @@
           <a:p>
             <a:fld id="{E35866A8-0950-4713-8AD1-561C9B0A68EB}" type="slidenum">
               <a:rPr lang="en-US" smtClean="0"/>
-              <a:t>39</a:t>
+              <a:t>30</a:t>
             </a:fld>
             <a:endParaRPr lang="en-US"/>
           </a:p>
@@ -1432,7 +1425,7 @@
     </p:spTree>
     <p:extLst>
       <p:ext uri="{BB962C8B-B14F-4D97-AF65-F5344CB8AC3E}">
-        <p14:creationId xmlns:p14="http://schemas.microsoft.com/office/powerpoint/2010/main" val="3012097016"/>
+        <p14:creationId xmlns:p14="http://schemas.microsoft.com/office/powerpoint/2010/main" val="2014278500"/>
       </p:ext>
     </p:extLst>
   </p:cSld>
@@ -1600,7 +1593,7 @@
           <a:p>
             <a:fld id="{E35866A8-0950-4713-8AD1-561C9B0A68EB}" type="slidenum">
               <a:rPr lang="en-US" smtClean="0"/>
-              <a:t>40</a:t>
+              <a:t>41</a:t>
             </a:fld>
             <a:endParaRPr lang="en-US"/>
           </a:p>
@@ -1609,7 +1602,7 @@
     </p:spTree>
     <p:extLst>
       <p:ext uri="{BB962C8B-B14F-4D97-AF65-F5344CB8AC3E}">
-        <p14:creationId xmlns:p14="http://schemas.microsoft.com/office/powerpoint/2010/main" val="3805700673"/>
+        <p14:creationId xmlns:p14="http://schemas.microsoft.com/office/powerpoint/2010/main" val="3012097016"/>
       </p:ext>
     </p:extLst>
   </p:cSld>
@@ -1693,7 +1686,7 @@
           <a:p>
             <a:fld id="{E35866A8-0950-4713-8AD1-561C9B0A68EB}" type="slidenum">
               <a:rPr lang="en-US" smtClean="0"/>
-              <a:t>41</a:t>
+              <a:t>42</a:t>
             </a:fld>
             <a:endParaRPr lang="en-US"/>
           </a:p>
@@ -1702,7 +1695,7 @@
     </p:spTree>
     <p:extLst>
       <p:ext uri="{BB962C8B-B14F-4D97-AF65-F5344CB8AC3E}">
-        <p14:creationId xmlns:p14="http://schemas.microsoft.com/office/powerpoint/2010/main" val="2184133532"/>
+        <p14:creationId xmlns:p14="http://schemas.microsoft.com/office/powerpoint/2010/main" val="3805700673"/>
       </p:ext>
     </p:extLst>
   </p:cSld>
@@ -1757,7 +1750,15 @@
           <a:lstStyle/>
           <a:p>
             <a:pPr lvl="0"/>
-            <a:endParaRPr lang="en-US" dirty="0"/>
+            <a:endParaRPr lang="en-US" sz="1200" kern="1200" dirty="0">
+              <a:solidFill>
+                <a:schemeClr val="tx1"/>
+              </a:solidFill>
+              <a:effectLst/>
+              <a:latin typeface="+mn-lt"/>
+              <a:ea typeface="+mn-ea"/>
+              <a:cs typeface="+mn-cs"/>
+            </a:endParaRPr>
           </a:p>
         </p:txBody>
       </p:sp>
@@ -1778,7 +1779,92 @@
           <a:p>
             <a:fld id="{E35866A8-0950-4713-8AD1-561C9B0A68EB}" type="slidenum">
               <a:rPr lang="en-US" smtClean="0"/>
-              <a:t>42</a:t>
+              <a:t>43</a:t>
+            </a:fld>
+            <a:endParaRPr lang="en-US"/>
+          </a:p>
+        </p:txBody>
+      </p:sp>
+    </p:spTree>
+    <p:extLst>
+      <p:ext uri="{BB962C8B-B14F-4D97-AF65-F5344CB8AC3E}">
+        <p14:creationId xmlns:p14="http://schemas.microsoft.com/office/powerpoint/2010/main" val="2184133532"/>
+      </p:ext>
+    </p:extLst>
+  </p:cSld>
+  <p:clrMapOvr>
+    <a:masterClrMapping/>
+  </p:clrMapOvr>
+</p:notes>
+</file>
+
+<file path=ppt/notesSlides/notesSlide23.xml><?xml version="1.0" encoding="utf-8"?>
+<p:notes xmlns:a="http://schemas.openxmlformats.org/drawingml/2006/main" xmlns:r="http://schemas.openxmlformats.org/officeDocument/2006/relationships" xmlns:p="http://schemas.openxmlformats.org/presentationml/2006/main">
+  <p:cSld>
+    <p:spTree>
+      <p:nvGrpSpPr>
+        <p:cNvPr id="1" name=""/>
+        <p:cNvGrpSpPr/>
+        <p:nvPr/>
+      </p:nvGrpSpPr>
+      <p:grpSpPr>
+        <a:xfrm>
+          <a:off x="0" y="0"/>
+          <a:ext cx="0" cy="0"/>
+          <a:chOff x="0" y="0"/>
+          <a:chExt cx="0" cy="0"/>
+        </a:xfrm>
+      </p:grpSpPr>
+      <p:sp>
+        <p:nvSpPr>
+          <p:cNvPr id="2" name="Slide Image Placeholder 1"/>
+          <p:cNvSpPr>
+            <a:spLocks noGrp="1" noRot="1" noChangeAspect="1"/>
+          </p:cNvSpPr>
+          <p:nvPr>
+            <p:ph type="sldImg"/>
+          </p:nvPr>
+        </p:nvSpPr>
+        <p:spPr/>
+      </p:sp>
+      <p:sp>
+        <p:nvSpPr>
+          <p:cNvPr id="3" name="Notes Placeholder 2"/>
+          <p:cNvSpPr>
+            <a:spLocks noGrp="1"/>
+          </p:cNvSpPr>
+          <p:nvPr>
+            <p:ph type="body" idx="1"/>
+          </p:nvPr>
+        </p:nvSpPr>
+        <p:spPr/>
+        <p:txBody>
+          <a:bodyPr/>
+          <a:lstStyle/>
+          <a:p>
+            <a:pPr lvl="0"/>
+            <a:endParaRPr lang="en-US" dirty="0"/>
+          </a:p>
+        </p:txBody>
+      </p:sp>
+      <p:sp>
+        <p:nvSpPr>
+          <p:cNvPr id="4" name="Slide Number Placeholder 3"/>
+          <p:cNvSpPr>
+            <a:spLocks noGrp="1"/>
+          </p:cNvSpPr>
+          <p:nvPr>
+            <p:ph type="sldNum" sz="quarter" idx="10"/>
+          </p:nvPr>
+        </p:nvSpPr>
+        <p:spPr/>
+        <p:txBody>
+          <a:bodyPr/>
+          <a:lstStyle/>
+          <a:p>
+            <a:fld id="{E35866A8-0950-4713-8AD1-561C9B0A68EB}" type="slidenum">
+              <a:rPr lang="en-US" smtClean="0"/>
+              <a:t>44</a:t>
             </a:fld>
             <a:endParaRPr lang="en-US"/>
           </a:p>
@@ -2123,7 +2209,7 @@
     </p:spTree>
     <p:extLst>
       <p:ext uri="{BB962C8B-B14F-4D97-AF65-F5344CB8AC3E}">
-        <p14:creationId xmlns:p14="http://schemas.microsoft.com/office/powerpoint/2010/main" val="2484659960"/>
+        <p14:creationId xmlns:p14="http://schemas.microsoft.com/office/powerpoint/2010/main" val="1085003013"/>
       </p:ext>
     </p:extLst>
   </p:cSld>
@@ -2207,7 +2293,7 @@
     </p:spTree>
     <p:extLst>
       <p:ext uri="{BB962C8B-B14F-4D97-AF65-F5344CB8AC3E}">
-        <p14:creationId xmlns:p14="http://schemas.microsoft.com/office/powerpoint/2010/main" val="1085003013"/>
+        <p14:creationId xmlns:p14="http://schemas.microsoft.com/office/powerpoint/2010/main" val="3936666738"/>
       </p:ext>
     </p:extLst>
   </p:cSld>
@@ -2291,7 +2377,7 @@
     </p:spTree>
     <p:extLst>
       <p:ext uri="{BB962C8B-B14F-4D97-AF65-F5344CB8AC3E}">
-        <p14:creationId xmlns:p14="http://schemas.microsoft.com/office/powerpoint/2010/main" val="3936666738"/>
+        <p14:creationId xmlns:p14="http://schemas.microsoft.com/office/powerpoint/2010/main" val="43736104"/>
       </p:ext>
     </p:extLst>
   </p:cSld>
@@ -2375,7 +2461,7 @@
     </p:spTree>
     <p:extLst>
       <p:ext uri="{BB962C8B-B14F-4D97-AF65-F5344CB8AC3E}">
-        <p14:creationId xmlns:p14="http://schemas.microsoft.com/office/powerpoint/2010/main" val="43736104"/>
+        <p14:creationId xmlns:p14="http://schemas.microsoft.com/office/powerpoint/2010/main" val="2508865709"/>
       </p:ext>
     </p:extLst>
   </p:cSld>
@@ -11178,7 +11264,7 @@
           <a:p>
             <a:fld id="{C798C88A-3EB1-48EE-BAEA-CE01783A4B66}" type="datetimeFigureOut">
               <a:rPr lang="en-US" smtClean="0"/>
-              <a:t>9/15/2016</a:t>
+              <a:t>9/18/2016</a:t>
             </a:fld>
             <a:endParaRPr lang="en-US"/>
           </a:p>
@@ -11385,7 +11471,7 @@
           <a:p>
             <a:fld id="{C798C88A-3EB1-48EE-BAEA-CE01783A4B66}" type="datetimeFigureOut">
               <a:rPr lang="en-US" smtClean="0"/>
-              <a:t>9/15/2016</a:t>
+              <a:t>9/18/2016</a:t>
             </a:fld>
             <a:endParaRPr lang="en-US"/>
           </a:p>
@@ -11565,7 +11651,7 @@
           <a:p>
             <a:fld id="{C798C88A-3EB1-48EE-BAEA-CE01783A4B66}" type="datetimeFigureOut">
               <a:rPr lang="en-US" smtClean="0"/>
-              <a:t>9/15/2016</a:t>
+              <a:t>9/18/2016</a:t>
             </a:fld>
             <a:endParaRPr lang="en-US"/>
           </a:p>
@@ -11770,7 +11856,7 @@
           <a:p>
             <a:fld id="{C798C88A-3EB1-48EE-BAEA-CE01783A4B66}" type="datetimeFigureOut">
               <a:rPr lang="en-US" smtClean="0"/>
-              <a:t>9/15/2016</a:t>
+              <a:t>9/18/2016</a:t>
             </a:fld>
             <a:endParaRPr lang="en-US"/>
           </a:p>
@@ -20668,7 +20754,7 @@
           <a:p>
             <a:fld id="{C798C88A-3EB1-48EE-BAEA-CE01783A4B66}" type="datetimeFigureOut">
               <a:rPr lang="en-US" smtClean="0"/>
-              <a:t>9/15/2016</a:t>
+              <a:t>9/18/2016</a:t>
             </a:fld>
             <a:endParaRPr lang="en-US"/>
           </a:p>
@@ -20942,7 +21028,7 @@
           <a:p>
             <a:fld id="{C798C88A-3EB1-48EE-BAEA-CE01783A4B66}" type="datetimeFigureOut">
               <a:rPr lang="en-US" smtClean="0"/>
-              <a:t>9/15/2016</a:t>
+              <a:t>9/18/2016</a:t>
             </a:fld>
             <a:endParaRPr lang="en-US"/>
           </a:p>
@@ -21340,7 +21426,7 @@
           <a:p>
             <a:fld id="{C798C88A-3EB1-48EE-BAEA-CE01783A4B66}" type="datetimeFigureOut">
               <a:rPr lang="en-US" smtClean="0"/>
-              <a:t>9/15/2016</a:t>
+              <a:t>9/18/2016</a:t>
             </a:fld>
             <a:endParaRPr lang="en-US"/>
           </a:p>
@@ -21458,7 +21544,7 @@
           <a:p>
             <a:fld id="{C798C88A-3EB1-48EE-BAEA-CE01783A4B66}" type="datetimeFigureOut">
               <a:rPr lang="en-US" smtClean="0"/>
-              <a:t>9/15/2016</a:t>
+              <a:t>9/18/2016</a:t>
             </a:fld>
             <a:endParaRPr lang="en-US"/>
           </a:p>
@@ -21553,7 +21639,7 @@
           <a:p>
             <a:fld id="{C798C88A-3EB1-48EE-BAEA-CE01783A4B66}" type="datetimeFigureOut">
               <a:rPr lang="en-US" smtClean="0"/>
-              <a:t>9/15/2016</a:t>
+              <a:t>9/18/2016</a:t>
             </a:fld>
             <a:endParaRPr lang="en-US"/>
           </a:p>
@@ -21843,7 +21929,7 @@
           <a:p>
             <a:fld id="{C798C88A-3EB1-48EE-BAEA-CE01783A4B66}" type="datetimeFigureOut">
               <a:rPr lang="en-US" smtClean="0"/>
-              <a:t>9/15/2016</a:t>
+              <a:t>9/18/2016</a:t>
             </a:fld>
             <a:endParaRPr lang="en-US"/>
           </a:p>
@@ -22123,7 +22209,7 @@
           <a:p>
             <a:fld id="{C798C88A-3EB1-48EE-BAEA-CE01783A4B66}" type="datetimeFigureOut">
               <a:rPr lang="en-US" smtClean="0"/>
-              <a:t>9/15/2016</a:t>
+              <a:t>9/18/2016</a:t>
             </a:fld>
             <a:endParaRPr lang="en-US"/>
           </a:p>
@@ -22403,7 +22489,7 @@
           <a:p>
             <a:fld id="{C798C88A-3EB1-48EE-BAEA-CE01783A4B66}" type="datetimeFigureOut">
               <a:rPr lang="en-US" smtClean="0"/>
-              <a:t>9/15/2016</a:t>
+              <a:t>9/18/2016</a:t>
             </a:fld>
             <a:endParaRPr lang="en-US"/>
           </a:p>
@@ -23430,8 +23516,8 @@
         </p:nvSpPr>
         <p:spPr>
           <a:xfrm>
-            <a:off x="3168183" y="256864"/>
-            <a:ext cx="5835858" cy="646331"/>
+            <a:off x="1967948" y="256864"/>
+            <a:ext cx="7990250" cy="646331"/>
           </a:xfrm>
           <a:prstGeom prst="rect">
             <a:avLst/>
@@ -23454,7 +23540,7 @@
             </a:r>
             <a:r>
               <a:rPr lang="en-US" sz="3600" i="1" dirty="0"/>
-              <a:t> - Syntax </a:t>
+              <a:t> – Math Operators	 </a:t>
             </a:r>
           </a:p>
         </p:txBody>
@@ -23468,14 +23554,626 @@
           <p:nvPr>
             <p:extLst>
               <p:ext uri="{D42A27DB-BD31-4B8C-83A1-F6EECF244321}">
-                <p14:modId xmlns:p14="http://schemas.microsoft.com/office/powerpoint/2010/main" val="2829761721"/>
+                <p14:modId xmlns:p14="http://schemas.microsoft.com/office/powerpoint/2010/main" val="1328644851"/>
               </p:ext>
             </p:extLst>
           </p:nvPr>
         </p:nvGraphicFramePr>
         <p:xfrm>
-          <a:off x="119270" y="1352938"/>
-          <a:ext cx="10515600" cy="4954556"/>
+          <a:off x="109331" y="1352938"/>
+          <a:ext cx="10525541" cy="3627120"/>
+        </p:xfrm>
+        <a:graphic>
+          <a:graphicData uri="http://schemas.openxmlformats.org/drawingml/2006/table">
+            <a:tbl>
+              <a:tblPr firstRow="1" bandRow="1">
+                <a:tableStyleId>{5940675A-B579-460E-94D1-54222C63F5DA}</a:tableStyleId>
+              </a:tblPr>
+              <a:tblGrid>
+                <a:gridCol w="1938130">
+                  <a:extLst>
+                    <a:ext uri="{9D8B030D-6E8A-4147-A177-3AD203B41FA5}">
+                      <a16:colId xmlns:a16="http://schemas.microsoft.com/office/drawing/2014/main" val="1181532389"/>
+                    </a:ext>
+                  </a:extLst>
+                </a:gridCol>
+                <a:gridCol w="3892948">
+                  <a:extLst>
+                    <a:ext uri="{9D8B030D-6E8A-4147-A177-3AD203B41FA5}">
+                      <a16:colId xmlns:a16="http://schemas.microsoft.com/office/drawing/2014/main" val="2146270149"/>
+                    </a:ext>
+                  </a:extLst>
+                </a:gridCol>
+                <a:gridCol w="4694463">
+                  <a:extLst>
+                    <a:ext uri="{9D8B030D-6E8A-4147-A177-3AD203B41FA5}">
+                      <a16:colId xmlns:a16="http://schemas.microsoft.com/office/drawing/2014/main" val="1215416758"/>
+                    </a:ext>
+                  </a:extLst>
+                </a:gridCol>
+              </a:tblGrid>
+              <a:tr h="291681">
+                <a:tc>
+                  <a:txBody>
+                    <a:bodyPr/>
+                    <a:lstStyle/>
+                    <a:p>
+                      <a:pPr algn="ctr"/>
+                      <a:r>
+                        <a:rPr lang="en-US" sz="2800" dirty="0"/>
+                        <a:t>+</a:t>
+                      </a:r>
+                    </a:p>
+                  </a:txBody>
+                  <a:tcPr/>
+                </a:tc>
+                <a:tc>
+                  <a:txBody>
+                    <a:bodyPr/>
+                    <a:lstStyle/>
+                    <a:p>
+                      <a:r>
+                        <a:rPr lang="en-US" sz="2800" dirty="0"/>
+                        <a:t>Addition</a:t>
+                      </a:r>
+                    </a:p>
+                  </a:txBody>
+                  <a:tcPr/>
+                </a:tc>
+                <a:tc>
+                  <a:txBody>
+                    <a:bodyPr/>
+                    <a:lstStyle/>
+                    <a:p>
+                      <a:r>
+                        <a:rPr lang="en-US" sz="2800" dirty="0"/>
+                        <a:t>a + b</a:t>
+                      </a:r>
+                    </a:p>
+                  </a:txBody>
+                  <a:tcPr/>
+                </a:tc>
+                <a:extLst>
+                  <a:ext uri="{0D108BD9-81ED-4DB2-BD59-A6C34878D82A}">
+                    <a16:rowId xmlns:a16="http://schemas.microsoft.com/office/drawing/2014/main" val="4018408536"/>
+                  </a:ext>
+                </a:extLst>
+              </a:tr>
+              <a:tr h="291681">
+                <a:tc>
+                  <a:txBody>
+                    <a:bodyPr/>
+                    <a:lstStyle/>
+                    <a:p>
+                      <a:pPr algn="ctr"/>
+                      <a:r>
+                        <a:rPr lang="en-US" sz="2800" dirty="0"/>
+                        <a:t>-</a:t>
+                      </a:r>
+                    </a:p>
+                  </a:txBody>
+                  <a:tcPr/>
+                </a:tc>
+                <a:tc>
+                  <a:txBody>
+                    <a:bodyPr/>
+                    <a:lstStyle/>
+                    <a:p>
+                      <a:r>
+                        <a:rPr lang="en-US" sz="2800" dirty="0"/>
+                        <a:t>Subtraction</a:t>
+                      </a:r>
+                    </a:p>
+                  </a:txBody>
+                  <a:tcPr/>
+                </a:tc>
+                <a:tc>
+                  <a:txBody>
+                    <a:bodyPr/>
+                    <a:lstStyle/>
+                    <a:p>
+                      <a:r>
+                        <a:rPr lang="en-US" sz="2800" dirty="0"/>
+                        <a:t>a – b</a:t>
+                      </a:r>
+                    </a:p>
+                  </a:txBody>
+                  <a:tcPr/>
+                </a:tc>
+                <a:extLst>
+                  <a:ext uri="{0D108BD9-81ED-4DB2-BD59-A6C34878D82A}">
+                    <a16:rowId xmlns:a16="http://schemas.microsoft.com/office/drawing/2014/main" val="731116331"/>
+                  </a:ext>
+                </a:extLst>
+              </a:tr>
+              <a:tr h="291681">
+                <a:tc>
+                  <a:txBody>
+                    <a:bodyPr/>
+                    <a:lstStyle/>
+                    <a:p>
+                      <a:pPr algn="ctr"/>
+                      <a:r>
+                        <a:rPr lang="en-US" sz="2800" dirty="0"/>
+                        <a:t>*</a:t>
+                      </a:r>
+                    </a:p>
+                  </a:txBody>
+                  <a:tcPr/>
+                </a:tc>
+                <a:tc>
+                  <a:txBody>
+                    <a:bodyPr/>
+                    <a:lstStyle/>
+                    <a:p>
+                      <a:r>
+                        <a:rPr lang="en-US" sz="2800" dirty="0"/>
+                        <a:t>Multiplication</a:t>
+                      </a:r>
+                    </a:p>
+                  </a:txBody>
+                  <a:tcPr/>
+                </a:tc>
+                <a:tc>
+                  <a:txBody>
+                    <a:bodyPr/>
+                    <a:lstStyle/>
+                    <a:p>
+                      <a:r>
+                        <a:rPr lang="en-US" sz="2800" dirty="0"/>
+                        <a:t>a * b</a:t>
+                      </a:r>
+                    </a:p>
+                  </a:txBody>
+                  <a:tcPr/>
+                </a:tc>
+                <a:extLst>
+                  <a:ext uri="{0D108BD9-81ED-4DB2-BD59-A6C34878D82A}">
+                    <a16:rowId xmlns:a16="http://schemas.microsoft.com/office/drawing/2014/main" val="4266040652"/>
+                  </a:ext>
+                </a:extLst>
+              </a:tr>
+              <a:tr h="291681">
+                <a:tc>
+                  <a:txBody>
+                    <a:bodyPr/>
+                    <a:lstStyle/>
+                    <a:p>
+                      <a:pPr algn="ctr"/>
+                      <a:r>
+                        <a:rPr lang="en-US" sz="2800" dirty="0"/>
+                        <a:t>/</a:t>
+                      </a:r>
+                    </a:p>
+                  </a:txBody>
+                  <a:tcPr/>
+                </a:tc>
+                <a:tc>
+                  <a:txBody>
+                    <a:bodyPr/>
+                    <a:lstStyle/>
+                    <a:p>
+                      <a:r>
+                        <a:rPr lang="en-US" sz="2800" dirty="0"/>
+                        <a:t>Division</a:t>
+                      </a:r>
+                    </a:p>
+                  </a:txBody>
+                  <a:tcPr/>
+                </a:tc>
+                <a:tc>
+                  <a:txBody>
+                    <a:bodyPr/>
+                    <a:lstStyle/>
+                    <a:p>
+                      <a:r>
+                        <a:rPr lang="en-US" sz="2800" dirty="0"/>
+                        <a:t>a</a:t>
+                      </a:r>
+                      <a:r>
+                        <a:rPr lang="en-US" sz="2800" baseline="0" dirty="0"/>
+                        <a:t> / b</a:t>
+                      </a:r>
+                      <a:endParaRPr lang="en-US" sz="2800" dirty="0"/>
+                    </a:p>
+                  </a:txBody>
+                  <a:tcPr/>
+                </a:tc>
+                <a:extLst>
+                  <a:ext uri="{0D108BD9-81ED-4DB2-BD59-A6C34878D82A}">
+                    <a16:rowId xmlns:a16="http://schemas.microsoft.com/office/drawing/2014/main" val="4111463717"/>
+                  </a:ext>
+                </a:extLst>
+              </a:tr>
+              <a:tr h="291681">
+                <a:tc>
+                  <a:txBody>
+                    <a:bodyPr/>
+                    <a:lstStyle/>
+                    <a:p>
+                      <a:pPr algn="ctr"/>
+                      <a:r>
+                        <a:rPr lang="en-US" sz="2800" dirty="0"/>
+                        <a:t>%/%</a:t>
+                      </a:r>
+                    </a:p>
+                  </a:txBody>
+                  <a:tcPr/>
+                </a:tc>
+                <a:tc>
+                  <a:txBody>
+                    <a:bodyPr/>
+                    <a:lstStyle/>
+                    <a:p>
+                      <a:r>
+                        <a:rPr lang="en-US" sz="2800" dirty="0"/>
+                        <a:t>Integer Division</a:t>
+                      </a:r>
+                    </a:p>
+                  </a:txBody>
+                  <a:tcPr/>
+                </a:tc>
+                <a:tc>
+                  <a:txBody>
+                    <a:bodyPr/>
+                    <a:lstStyle/>
+                    <a:p>
+                      <a:r>
+                        <a:rPr lang="en-US" sz="2800" dirty="0"/>
+                        <a:t>a %/% b</a:t>
+                      </a:r>
+                    </a:p>
+                  </a:txBody>
+                  <a:tcPr/>
+                </a:tc>
+                <a:extLst>
+                  <a:ext uri="{0D108BD9-81ED-4DB2-BD59-A6C34878D82A}">
+                    <a16:rowId xmlns:a16="http://schemas.microsoft.com/office/drawing/2014/main" val="4164079006"/>
+                  </a:ext>
+                </a:extLst>
+              </a:tr>
+              <a:tr h="291681">
+                <a:tc>
+                  <a:txBody>
+                    <a:bodyPr/>
+                    <a:lstStyle/>
+                    <a:p>
+                      <a:pPr algn="ctr"/>
+                      <a:r>
+                        <a:rPr lang="en-US" sz="2800" dirty="0"/>
+                        <a:t>%% or **</a:t>
+                      </a:r>
+                    </a:p>
+                  </a:txBody>
+                  <a:tcPr/>
+                </a:tc>
+                <a:tc>
+                  <a:txBody>
+                    <a:bodyPr/>
+                    <a:lstStyle/>
+                    <a:p>
+                      <a:r>
+                        <a:rPr lang="en-US" sz="2800" dirty="0"/>
+                        <a:t>Modulus</a:t>
+                      </a:r>
+                    </a:p>
+                  </a:txBody>
+                  <a:tcPr/>
+                </a:tc>
+                <a:tc>
+                  <a:txBody>
+                    <a:bodyPr/>
+                    <a:lstStyle/>
+                    <a:p>
+                      <a:r>
+                        <a:rPr lang="en-US" sz="2800" dirty="0"/>
+                        <a:t>a %% b</a:t>
+                      </a:r>
+                    </a:p>
+                  </a:txBody>
+                  <a:tcPr/>
+                </a:tc>
+                <a:extLst>
+                  <a:ext uri="{0D108BD9-81ED-4DB2-BD59-A6C34878D82A}">
+                    <a16:rowId xmlns:a16="http://schemas.microsoft.com/office/drawing/2014/main" val="1938743737"/>
+                  </a:ext>
+                </a:extLst>
+              </a:tr>
+              <a:tr h="291681">
+                <a:tc>
+                  <a:txBody>
+                    <a:bodyPr/>
+                    <a:lstStyle/>
+                    <a:p>
+                      <a:pPr algn="ctr"/>
+                      <a:r>
+                        <a:rPr lang="en-US" sz="2800" dirty="0"/>
+                        <a:t>^</a:t>
+                      </a:r>
+                    </a:p>
+                  </a:txBody>
+                  <a:tcPr/>
+                </a:tc>
+                <a:tc>
+                  <a:txBody>
+                    <a:bodyPr/>
+                    <a:lstStyle/>
+                    <a:p>
+                      <a:r>
+                        <a:rPr lang="en-US" sz="2800" dirty="0"/>
+                        <a:t>Exponent</a:t>
+                      </a:r>
+                    </a:p>
+                  </a:txBody>
+                  <a:tcPr/>
+                </a:tc>
+                <a:tc>
+                  <a:txBody>
+                    <a:bodyPr/>
+                    <a:lstStyle/>
+                    <a:p>
+                      <a:r>
+                        <a:rPr lang="en-US" sz="2800" dirty="0"/>
+                        <a:t>a ^ b</a:t>
+                      </a:r>
+                    </a:p>
+                  </a:txBody>
+                  <a:tcPr/>
+                </a:tc>
+                <a:extLst>
+                  <a:ext uri="{0D108BD9-81ED-4DB2-BD59-A6C34878D82A}">
+                    <a16:rowId xmlns:a16="http://schemas.microsoft.com/office/drawing/2014/main" val="288305825"/>
+                  </a:ext>
+                </a:extLst>
+              </a:tr>
+            </a:tbl>
+          </a:graphicData>
+        </a:graphic>
+      </p:graphicFrame>
+    </p:spTree>
+    <p:extLst>
+      <p:ext uri="{BB962C8B-B14F-4D97-AF65-F5344CB8AC3E}">
+        <p14:creationId xmlns:p14="http://schemas.microsoft.com/office/powerpoint/2010/main" val="1321197698"/>
+      </p:ext>
+    </p:extLst>
+  </p:cSld>
+  <p:clrMapOvr>
+    <a:masterClrMapping/>
+  </p:clrMapOvr>
+</p:sld>
+</file>
+
+<file path=ppt/slides/slide11.xml><?xml version="1.0" encoding="utf-8"?>
+<p:sld xmlns:a="http://schemas.openxmlformats.org/drawingml/2006/main" xmlns:r="http://schemas.openxmlformats.org/officeDocument/2006/relationships" xmlns:p="http://schemas.openxmlformats.org/presentationml/2006/main">
+  <p:cSld>
+    <p:spTree>
+      <p:nvGrpSpPr>
+        <p:cNvPr id="1" name=""/>
+        <p:cNvGrpSpPr/>
+        <p:nvPr/>
+      </p:nvGrpSpPr>
+      <p:grpSpPr>
+        <a:xfrm>
+          <a:off x="0" y="0"/>
+          <a:ext cx="0" cy="0"/>
+          <a:chOff x="0" y="0"/>
+          <a:chExt cx="0" cy="0"/>
+        </a:xfrm>
+      </p:grpSpPr>
+      <p:sp>
+        <p:nvSpPr>
+          <p:cNvPr id="4" name="Oval 3"/>
+          <p:cNvSpPr/>
+          <p:nvPr/>
+        </p:nvSpPr>
+        <p:spPr>
+          <a:xfrm>
+            <a:off x="10882952" y="327547"/>
+            <a:ext cx="504967" cy="504967"/>
+          </a:xfrm>
+          <a:prstGeom prst="ellipse">
+            <a:avLst/>
+          </a:prstGeom>
+        </p:spPr>
+        <p:style>
+          <a:lnRef idx="2">
+            <a:schemeClr val="accent6"/>
+          </a:lnRef>
+          <a:fillRef idx="1">
+            <a:schemeClr val="lt1"/>
+          </a:fillRef>
+          <a:effectRef idx="0">
+            <a:schemeClr val="accent6"/>
+          </a:effectRef>
+          <a:fontRef idx="minor">
+            <a:schemeClr val="dk1"/>
+          </a:fontRef>
+        </p:style>
+        <p:txBody>
+          <a:bodyPr rtlCol="0" anchor="ctr"/>
+          <a:lstStyle/>
+          <a:p>
+            <a:pPr algn="ctr"/>
+            <a:endParaRPr lang="en-US"/>
+          </a:p>
+        </p:txBody>
+      </p:sp>
+      <p:cxnSp>
+        <p:nvCxnSpPr>
+          <p:cNvPr id="5" name="Straight Connector 4"/>
+          <p:cNvCxnSpPr>
+            <a:stCxn id="4" idx="4"/>
+          </p:cNvCxnSpPr>
+          <p:nvPr/>
+        </p:nvCxnSpPr>
+        <p:spPr>
+          <a:xfrm>
+            <a:off x="11135436" y="832514"/>
+            <a:ext cx="20471" cy="777923"/>
+          </a:xfrm>
+          <a:prstGeom prst="line">
+            <a:avLst/>
+          </a:prstGeom>
+        </p:spPr>
+        <p:style>
+          <a:lnRef idx="1">
+            <a:schemeClr val="accent1"/>
+          </a:lnRef>
+          <a:fillRef idx="0">
+            <a:schemeClr val="accent1"/>
+          </a:fillRef>
+          <a:effectRef idx="0">
+            <a:schemeClr val="accent1"/>
+          </a:effectRef>
+          <a:fontRef idx="minor">
+            <a:schemeClr val="tx1"/>
+          </a:fontRef>
+        </p:style>
+      </p:cxnSp>
+      <p:cxnSp>
+        <p:nvCxnSpPr>
+          <p:cNvPr id="6" name="Straight Connector 5"/>
+          <p:cNvCxnSpPr/>
+          <p:nvPr/>
+        </p:nvCxnSpPr>
+        <p:spPr>
+          <a:xfrm>
+            <a:off x="10882952" y="1160061"/>
+            <a:ext cx="614149" cy="0"/>
+          </a:xfrm>
+          <a:prstGeom prst="line">
+            <a:avLst/>
+          </a:prstGeom>
+        </p:spPr>
+        <p:style>
+          <a:lnRef idx="1">
+            <a:schemeClr val="accent1"/>
+          </a:lnRef>
+          <a:fillRef idx="0">
+            <a:schemeClr val="accent1"/>
+          </a:fillRef>
+          <a:effectRef idx="0">
+            <a:schemeClr val="accent1"/>
+          </a:effectRef>
+          <a:fontRef idx="minor">
+            <a:schemeClr val="tx1"/>
+          </a:fontRef>
+        </p:style>
+      </p:cxnSp>
+      <p:cxnSp>
+        <p:nvCxnSpPr>
+          <p:cNvPr id="7" name="Straight Connector 6"/>
+          <p:cNvCxnSpPr/>
+          <p:nvPr/>
+        </p:nvCxnSpPr>
+        <p:spPr>
+          <a:xfrm flipH="1">
+            <a:off x="10773770" y="1610437"/>
+            <a:ext cx="382137" cy="218364"/>
+          </a:xfrm>
+          <a:prstGeom prst="line">
+            <a:avLst/>
+          </a:prstGeom>
+        </p:spPr>
+        <p:style>
+          <a:lnRef idx="1">
+            <a:schemeClr val="accent1"/>
+          </a:lnRef>
+          <a:fillRef idx="0">
+            <a:schemeClr val="accent1"/>
+          </a:fillRef>
+          <a:effectRef idx="0">
+            <a:schemeClr val="accent1"/>
+          </a:effectRef>
+          <a:fontRef idx="minor">
+            <a:schemeClr val="tx1"/>
+          </a:fontRef>
+        </p:style>
+      </p:cxnSp>
+      <p:cxnSp>
+        <p:nvCxnSpPr>
+          <p:cNvPr id="8" name="Straight Connector 7"/>
+          <p:cNvCxnSpPr/>
+          <p:nvPr/>
+        </p:nvCxnSpPr>
+        <p:spPr>
+          <a:xfrm>
+            <a:off x="11155907" y="1610437"/>
+            <a:ext cx="341194" cy="170596"/>
+          </a:xfrm>
+          <a:prstGeom prst="line">
+            <a:avLst/>
+          </a:prstGeom>
+        </p:spPr>
+        <p:style>
+          <a:lnRef idx="1">
+            <a:schemeClr val="accent1"/>
+          </a:lnRef>
+          <a:fillRef idx="0">
+            <a:schemeClr val="accent1"/>
+          </a:fillRef>
+          <a:effectRef idx="0">
+            <a:schemeClr val="accent1"/>
+          </a:effectRef>
+          <a:fontRef idx="minor">
+            <a:schemeClr val="tx1"/>
+          </a:fontRef>
+        </p:style>
+      </p:cxnSp>
+      <p:sp>
+        <p:nvSpPr>
+          <p:cNvPr id="2" name="TextBox 1"/>
+          <p:cNvSpPr txBox="1"/>
+          <p:nvPr/>
+        </p:nvSpPr>
+        <p:spPr>
+          <a:xfrm>
+            <a:off x="1630017" y="256864"/>
+            <a:ext cx="8557592" cy="646331"/>
+          </a:xfrm>
+          <a:prstGeom prst="rect">
+            <a:avLst/>
+          </a:prstGeom>
+          <a:noFill/>
+        </p:spPr>
+        <p:txBody>
+          <a:bodyPr wrap="square" rtlCol="0">
+            <a:spAutoFit/>
+          </a:bodyPr>
+          <a:lstStyle/>
+          <a:p>
+            <a:r>
+              <a:rPr lang="en-US" sz="3600" i="1" dirty="0"/>
+              <a:t>A Little “</a:t>
+            </a:r>
+            <a:r>
+              <a:rPr lang="en-US" sz="3600" i="1" dirty="0" err="1"/>
+              <a:t>R”efresher</a:t>
+            </a:r>
+            <a:r>
+              <a:rPr lang="en-US" sz="3600" i="1" dirty="0"/>
+              <a:t> – Logical Operators </a:t>
+            </a:r>
+          </a:p>
+        </p:txBody>
+      </p:sp>
+      <p:graphicFrame>
+        <p:nvGraphicFramePr>
+          <p:cNvPr id="9" name="Table 8"/>
+          <p:cNvGraphicFramePr>
+            <a:graphicFrameLocks noGrp="1"/>
+          </p:cNvGraphicFramePr>
+          <p:nvPr>
+            <p:extLst>
+              <p:ext uri="{D42A27DB-BD31-4B8C-83A1-F6EECF244321}">
+                <p14:modId xmlns:p14="http://schemas.microsoft.com/office/powerpoint/2010/main" val="2632922311"/>
+              </p:ext>
+            </p:extLst>
+          </p:nvPr>
+        </p:nvGraphicFramePr>
+        <p:xfrm>
+          <a:off x="436520" y="1828801"/>
+          <a:ext cx="10515600" cy="4663440"/>
         </p:xfrm>
         <a:graphic>
           <a:graphicData uri="http://schemas.openxmlformats.org/drawingml/2006/table">
@@ -23512,7 +24210,11 @@
                     <a:bodyPr/>
                     <a:lstStyle/>
                     <a:p>
-                      <a:endParaRPr lang="en-US" dirty="0"/>
+                      <a:pPr algn="ctr"/>
+                      <a:r>
+                        <a:rPr lang="en-US" sz="2800" dirty="0"/>
+                        <a:t>== </a:t>
+                      </a:r>
                     </a:p>
                   </a:txBody>
                   <a:tcPr/>
@@ -23522,7 +24224,15 @@
                     <a:bodyPr/>
                     <a:lstStyle/>
                     <a:p>
-                      <a:endParaRPr lang="en-US" dirty="0"/>
+                      <a:r>
+                        <a:rPr lang="en-US" sz="2800" dirty="0"/>
+                        <a:t>Is</a:t>
+                      </a:r>
+                      <a:r>
+                        <a:rPr lang="en-US" sz="2800" baseline="0" dirty="0"/>
+                        <a:t> equal</a:t>
+                      </a:r>
+                      <a:endParaRPr lang="en-US" sz="2800" dirty="0"/>
                     </a:p>
                   </a:txBody>
                   <a:tcPr/>
@@ -23532,7 +24242,10 @@
                     <a:bodyPr/>
                     <a:lstStyle/>
                     <a:p>
-                      <a:endParaRPr lang="en-US" dirty="0"/>
+                      <a:r>
+                        <a:rPr lang="en-US" sz="2800" dirty="0"/>
+                        <a:t>If a == b</a:t>
+                      </a:r>
                     </a:p>
                   </a:txBody>
                   <a:tcPr/>
@@ -23549,9 +24262,10 @@
                     <a:bodyPr/>
                     <a:lstStyle/>
                     <a:p>
+                      <a:pPr algn="ctr"/>
                       <a:r>
                         <a:rPr lang="en-US" sz="2800" dirty="0"/>
-                        <a:t>#</a:t>
+                        <a:t>!=</a:t>
                       </a:r>
                     </a:p>
                   </a:txBody>
@@ -23564,7 +24278,7 @@
                     <a:p>
                       <a:r>
                         <a:rPr lang="en-US" sz="2800" dirty="0"/>
-                        <a:t>Comments</a:t>
+                        <a:t>Is not equal</a:t>
                       </a:r>
                     </a:p>
                   </a:txBody>
@@ -23577,13 +24291,8 @@
                     <a:p>
                       <a:r>
                         <a:rPr lang="en-US" sz="2800" dirty="0"/>
-                        <a:t># This is</a:t>
+                        <a:t>If a != b</a:t>
                       </a:r>
-                      <a:r>
-                        <a:rPr lang="en-US" sz="2800" baseline="0" dirty="0"/>
-                        <a:t> a comment</a:t>
-                      </a:r>
-                      <a:endParaRPr lang="en-US" sz="2800" dirty="0"/>
                     </a:p>
                   </a:txBody>
                   <a:tcPr/>
@@ -23600,9 +24309,10 @@
                     <a:bodyPr/>
                     <a:lstStyle/>
                     <a:p>
+                      <a:pPr algn="ctr"/>
                       <a:r>
                         <a:rPr lang="en-US" sz="2800" dirty="0"/>
-                        <a:t>&lt;- or =</a:t>
+                        <a:t>&gt;</a:t>
                       </a:r>
                     </a:p>
                   </a:txBody>
@@ -23615,7 +24325,7 @@
                     <a:p>
                       <a:r>
                         <a:rPr lang="en-US" sz="2800" dirty="0"/>
-                        <a:t>Assignment (&lt;- is preferred)</a:t>
+                        <a:t>Is greater</a:t>
                       </a:r>
                     </a:p>
                   </a:txBody>
@@ -23628,7 +24338,7 @@
                     <a:p>
                       <a:r>
                         <a:rPr lang="en-US" sz="2800" dirty="0"/>
-                        <a:t>a &lt;- 1 or b = 2</a:t>
+                        <a:t>If a &gt; b</a:t>
                       </a:r>
                     </a:p>
                   </a:txBody>
@@ -23646,9 +24356,10 @@
                     <a:bodyPr/>
                     <a:lstStyle/>
                     <a:p>
+                      <a:pPr algn="ctr"/>
                       <a:r>
                         <a:rPr lang="en-US" sz="2800" dirty="0"/>
-                        <a:t>a[1]</a:t>
+                        <a:t>&gt;=</a:t>
                       </a:r>
                     </a:p>
                   </a:txBody>
@@ -23661,7 +24372,7 @@
                     <a:p>
                       <a:r>
                         <a:rPr lang="en-US" sz="2800" dirty="0"/>
-                        <a:t>First element in a vector</a:t>
+                        <a:t>Is greater or equal</a:t>
                       </a:r>
                     </a:p>
                   </a:txBody>
@@ -23674,7 +24385,7 @@
                     <a:p>
                       <a:r>
                         <a:rPr lang="en-US" sz="2800" dirty="0"/>
-                        <a:t>a[1]</a:t>
+                        <a:t>If a &gt;= b</a:t>
                       </a:r>
                     </a:p>
                   </a:txBody>
@@ -23692,21 +24403,10 @@
                     <a:bodyPr/>
                     <a:lstStyle/>
                     <a:p>
-                      <a:r>
-                        <a:rPr lang="en-US" sz="2800" dirty="0" err="1"/>
-                        <a:t>df</a:t>
-                      </a:r>
+                      <a:pPr algn="ctr"/>
                       <a:r>
                         <a:rPr lang="en-US" sz="2800" dirty="0"/>
-                        <a:t>[</a:t>
-                      </a:r>
-                      <a:r>
-                        <a:rPr lang="en-US" sz="2800" baseline="0" dirty="0"/>
-                        <a:t> </a:t>
-                      </a:r>
-                      <a:r>
-                        <a:rPr lang="en-US" sz="2800" dirty="0"/>
-                        <a:t>, ]</a:t>
+                        <a:t>&lt;</a:t>
                       </a:r>
                     </a:p>
                   </a:txBody>
@@ -23719,13 +24419,8 @@
                     <a:p>
                       <a:r>
                         <a:rPr lang="en-US" sz="2800" dirty="0"/>
-                        <a:t>Select data</a:t>
+                        <a:t>Is lesser</a:t>
                       </a:r>
-                      <a:r>
-                        <a:rPr lang="en-US" sz="2800" baseline="0" dirty="0"/>
-                        <a:t> frame element</a:t>
-                      </a:r>
-                      <a:endParaRPr lang="en-US" sz="2800" dirty="0"/>
                     </a:p>
                   </a:txBody>
                   <a:tcPr/>
@@ -23736,31 +24431,14 @@
                     <a:lstStyle/>
                     <a:p>
                       <a:r>
-                        <a:rPr lang="en-US" sz="2800" dirty="0" err="1"/>
-                        <a:t>df</a:t>
-                      </a:r>
-                      <a:r>
                         <a:rPr lang="en-US" sz="2800" dirty="0"/>
-                        <a:t>[</a:t>
+                        <a:t>If a &lt;</a:t>
                       </a:r>
                       <a:r>
                         <a:rPr lang="en-US" sz="2800" baseline="0" dirty="0"/>
-                        <a:t> </a:t>
+                        <a:t> b</a:t>
                       </a:r>
-                      <a:r>
-                        <a:rPr lang="en-US" sz="2800" dirty="0"/>
-                        <a:t>, 1] = all rows in first column</a:t>
-                      </a:r>
-                    </a:p>
-                    <a:p>
-                      <a:r>
-                        <a:rPr lang="en-US" sz="2800" dirty="0" err="1"/>
-                        <a:t>df</a:t>
-                      </a:r>
-                      <a:r>
-                        <a:rPr lang="en-US" sz="2800" dirty="0"/>
-                        <a:t>[1, ] = first row in all columns</a:t>
-                      </a:r>
+                      <a:endParaRPr lang="en-US" sz="2800" dirty="0"/>
                     </a:p>
                   </a:txBody>
                   <a:tcPr/>
@@ -23777,9 +24455,10 @@
                     <a:bodyPr/>
                     <a:lstStyle/>
                     <a:p>
+                      <a:pPr algn="ctr"/>
                       <a:r>
                         <a:rPr lang="en-US" sz="2800" dirty="0"/>
-                        <a:t>c()</a:t>
+                        <a:t>&lt;= </a:t>
                       </a:r>
                     </a:p>
                   </a:txBody>
@@ -23792,8 +24471,13 @@
                     <a:p>
                       <a:r>
                         <a:rPr lang="en-US" sz="2800" dirty="0"/>
-                        <a:t>Concatenation</a:t>
+                        <a:t>Is lesser</a:t>
                       </a:r>
+                      <a:r>
+                        <a:rPr lang="en-US" sz="2800" baseline="0" dirty="0"/>
+                        <a:t> or equal</a:t>
+                      </a:r>
+                      <a:endParaRPr lang="en-US" sz="2800" dirty="0"/>
                     </a:p>
                   </a:txBody>
                   <a:tcPr/>
@@ -23805,8 +24489,13 @@
                     <a:p>
                       <a:r>
                         <a:rPr lang="en-US" sz="2800" dirty="0"/>
-                        <a:t>a &lt;- c(1, 2, 3, 4, 5)</a:t>
+                        <a:t>If</a:t>
                       </a:r>
+                      <a:r>
+                        <a:rPr lang="en-US" sz="2800" baseline="0" dirty="0"/>
+                        <a:t> a &lt;= b</a:t>
+                      </a:r>
+                      <a:endParaRPr lang="en-US" sz="2800" dirty="0"/>
                     </a:p>
                   </a:txBody>
                   <a:tcPr/>
@@ -23823,9 +24512,10 @@
                     <a:bodyPr/>
                     <a:lstStyle/>
                     <a:p>
+                      <a:pPr algn="ctr"/>
                       <a:r>
                         <a:rPr lang="en-US" sz="2800" dirty="0"/>
-                        <a:t>:</a:t>
+                        <a:t>|</a:t>
                       </a:r>
                     </a:p>
                   </a:txBody>
@@ -23838,7 +24528,7 @@
                     <a:p>
                       <a:r>
                         <a:rPr lang="en-US" sz="2800" dirty="0"/>
-                        <a:t>Sequence</a:t>
+                        <a:t>Logical Or</a:t>
                       </a:r>
                     </a:p>
                   </a:txBody>
@@ -23851,7 +24541,7 @@
                     <a:p>
                       <a:r>
                         <a:rPr lang="en-US" sz="2800" dirty="0"/>
-                        <a:t>a &lt;- c(1:5), same as above</a:t>
+                        <a:t>a | b</a:t>
                       </a:r>
                     </a:p>
                   </a:txBody>
@@ -23859,7 +24549,7 @@
                 </a:tc>
                 <a:extLst>
                   <a:ext uri="{0D108BD9-81ED-4DB2-BD59-A6C34878D82A}">
-                    <a16:rowId xmlns:a16="http://schemas.microsoft.com/office/drawing/2014/main" val="1061680962"/>
+                    <a16:rowId xmlns:a16="http://schemas.microsoft.com/office/drawing/2014/main" val="640501161"/>
                   </a:ext>
                 </a:extLst>
               </a:tr>
@@ -23869,9 +24559,10 @@
                     <a:bodyPr/>
                     <a:lstStyle/>
                     <a:p>
+                      <a:pPr algn="ctr"/>
                       <a:r>
                         <a:rPr lang="en-US" sz="2800" dirty="0"/>
-                        <a:t>==</a:t>
+                        <a:t>&amp;</a:t>
                       </a:r>
                     </a:p>
                   </a:txBody>
@@ -23884,7 +24575,7 @@
                     <a:p>
                       <a:r>
                         <a:rPr lang="en-US" sz="2800" dirty="0"/>
-                        <a:t>Is Equal To</a:t>
+                        <a:t>Logical And</a:t>
                       </a:r>
                     </a:p>
                   </a:txBody>
@@ -23897,7 +24588,7 @@
                     <a:p>
                       <a:r>
                         <a:rPr lang="en-US" sz="2800" dirty="0"/>
-                        <a:t>If (a == 1)</a:t>
+                        <a:t>a &amp; b</a:t>
                       </a:r>
                     </a:p>
                   </a:txBody>
@@ -23905,7 +24596,7 @@
                 </a:tc>
                 <a:extLst>
                   <a:ext uri="{0D108BD9-81ED-4DB2-BD59-A6C34878D82A}">
-                    <a16:rowId xmlns:a16="http://schemas.microsoft.com/office/drawing/2014/main" val="4164079006"/>
+                    <a16:rowId xmlns:a16="http://schemas.microsoft.com/office/drawing/2014/main" val="30186561"/>
                   </a:ext>
                 </a:extLst>
               </a:tr>
@@ -23915,9 +24606,10 @@
                     <a:bodyPr/>
                     <a:lstStyle/>
                     <a:p>
+                      <a:pPr algn="ctr"/>
                       <a:r>
                         <a:rPr lang="en-US" sz="2800" dirty="0"/>
-                        <a:t>!=</a:t>
+                        <a:t>is.na()</a:t>
                       </a:r>
                     </a:p>
                   </a:txBody>
@@ -23930,8 +24622,13 @@
                     <a:p>
                       <a:r>
                         <a:rPr lang="en-US" sz="2800" dirty="0"/>
-                        <a:t>Is Not Equal To</a:t>
+                        <a:t>Is missing</a:t>
                       </a:r>
+                      <a:r>
+                        <a:rPr lang="en-US" sz="2800" baseline="0" dirty="0"/>
+                        <a:t> - </a:t>
+                      </a:r>
+                      <a:endParaRPr lang="en-US" sz="2800" dirty="0"/>
                     </a:p>
                   </a:txBody>
                   <a:tcPr/>
@@ -23943,15 +24640,20 @@
                     <a:p>
                       <a:r>
                         <a:rPr lang="en-US" sz="2800" dirty="0"/>
-                        <a:t>If (a != 1)</a:t>
+                        <a:t>If</a:t>
                       </a:r>
+                      <a:r>
+                        <a:rPr lang="en-US" sz="2800" baseline="0" dirty="0"/>
+                        <a:t> is.na(a)</a:t>
+                      </a:r>
+                      <a:endParaRPr lang="en-US" sz="2800" dirty="0"/>
                     </a:p>
                   </a:txBody>
                   <a:tcPr/>
                 </a:tc>
                 <a:extLst>
                   <a:ext uri="{0D108BD9-81ED-4DB2-BD59-A6C34878D82A}">
-                    <a16:rowId xmlns:a16="http://schemas.microsoft.com/office/drawing/2014/main" val="1938743737"/>
+                    <a16:rowId xmlns:a16="http://schemas.microsoft.com/office/drawing/2014/main" val="1061680962"/>
                   </a:ext>
                 </a:extLst>
               </a:tr>
@@ -23962,7 +24664,7 @@
     </p:spTree>
     <p:extLst>
       <p:ext uri="{BB962C8B-B14F-4D97-AF65-F5344CB8AC3E}">
-        <p14:creationId xmlns:p14="http://schemas.microsoft.com/office/powerpoint/2010/main" val="767628358"/>
+        <p14:creationId xmlns:p14="http://schemas.microsoft.com/office/powerpoint/2010/main" val="2934883564"/>
       </p:ext>
     </p:extLst>
   </p:cSld>
@@ -23972,7 +24674,7 @@
 </p:sld>
 </file>
 
-<file path=ppt/slides/slide11.xml><?xml version="1.0" encoding="utf-8"?>
+<file path=ppt/slides/slide12.xml><?xml version="1.0" encoding="utf-8"?>
 <p:sld xmlns:a="http://schemas.openxmlformats.org/drawingml/2006/main" xmlns:r="http://schemas.openxmlformats.org/officeDocument/2006/relationships" xmlns:p="http://schemas.openxmlformats.org/presentationml/2006/main">
   <p:cSld>
     <p:spTree>
@@ -24025,7 +24727,7 @@
 </p:sld>
 </file>
 
-<file path=ppt/slides/slide12.xml><?xml version="1.0" encoding="utf-8"?>
+<file path=ppt/slides/slide13.xml><?xml version="1.0" encoding="utf-8"?>
 <p:sld xmlns:a="http://schemas.openxmlformats.org/drawingml/2006/main" xmlns:r="http://schemas.openxmlformats.org/officeDocument/2006/relationships" xmlns:p="http://schemas.openxmlformats.org/presentationml/2006/main">
   <p:cSld>
     <p:spTree>
@@ -24069,366 +24771,6 @@
     <p:extLst>
       <p:ext uri="{BB962C8B-B14F-4D97-AF65-F5344CB8AC3E}">
         <p14:creationId xmlns:p14="http://schemas.microsoft.com/office/powerpoint/2010/main" val="2187546137"/>
-      </p:ext>
-    </p:extLst>
-  </p:cSld>
-  <p:clrMapOvr>
-    <a:masterClrMapping/>
-  </p:clrMapOvr>
-</p:sld>
-</file>
-
-<file path=ppt/slides/slide13.xml><?xml version="1.0" encoding="utf-8"?>
-<p:sld xmlns:a="http://schemas.openxmlformats.org/drawingml/2006/main" xmlns:r="http://schemas.openxmlformats.org/officeDocument/2006/relationships" xmlns:p="http://schemas.openxmlformats.org/presentationml/2006/main">
-  <p:cSld>
-    <p:spTree>
-      <p:nvGrpSpPr>
-        <p:cNvPr id="1" name=""/>
-        <p:cNvGrpSpPr/>
-        <p:nvPr/>
-      </p:nvGrpSpPr>
-      <p:grpSpPr>
-        <a:xfrm>
-          <a:off x="0" y="0"/>
-          <a:ext cx="0" cy="0"/>
-          <a:chOff x="0" y="0"/>
-          <a:chExt cx="0" cy="0"/>
-        </a:xfrm>
-      </p:grpSpPr>
-      <p:sp>
-        <p:nvSpPr>
-          <p:cNvPr id="4" name="Oval 3"/>
-          <p:cNvSpPr/>
-          <p:nvPr/>
-        </p:nvSpPr>
-        <p:spPr>
-          <a:xfrm>
-            <a:off x="10882952" y="327547"/>
-            <a:ext cx="504967" cy="504967"/>
-          </a:xfrm>
-          <a:prstGeom prst="ellipse">
-            <a:avLst/>
-          </a:prstGeom>
-        </p:spPr>
-        <p:style>
-          <a:lnRef idx="2">
-            <a:schemeClr val="accent6"/>
-          </a:lnRef>
-          <a:fillRef idx="1">
-            <a:schemeClr val="lt1"/>
-          </a:fillRef>
-          <a:effectRef idx="0">
-            <a:schemeClr val="accent6"/>
-          </a:effectRef>
-          <a:fontRef idx="minor">
-            <a:schemeClr val="dk1"/>
-          </a:fontRef>
-        </p:style>
-        <p:txBody>
-          <a:bodyPr rtlCol="0" anchor="ctr"/>
-          <a:lstStyle/>
-          <a:p>
-            <a:pPr algn="ctr"/>
-            <a:endParaRPr lang="en-US"/>
-          </a:p>
-        </p:txBody>
-      </p:sp>
-      <p:cxnSp>
-        <p:nvCxnSpPr>
-          <p:cNvPr id="5" name="Straight Connector 4"/>
-          <p:cNvCxnSpPr>
-            <a:stCxn id="4" idx="4"/>
-          </p:cNvCxnSpPr>
-          <p:nvPr/>
-        </p:nvCxnSpPr>
-        <p:spPr>
-          <a:xfrm>
-            <a:off x="11135436" y="832514"/>
-            <a:ext cx="20471" cy="777923"/>
-          </a:xfrm>
-          <a:prstGeom prst="line">
-            <a:avLst/>
-          </a:prstGeom>
-        </p:spPr>
-        <p:style>
-          <a:lnRef idx="1">
-            <a:schemeClr val="accent1"/>
-          </a:lnRef>
-          <a:fillRef idx="0">
-            <a:schemeClr val="accent1"/>
-          </a:fillRef>
-          <a:effectRef idx="0">
-            <a:schemeClr val="accent1"/>
-          </a:effectRef>
-          <a:fontRef idx="minor">
-            <a:schemeClr val="tx1"/>
-          </a:fontRef>
-        </p:style>
-      </p:cxnSp>
-      <p:cxnSp>
-        <p:nvCxnSpPr>
-          <p:cNvPr id="6" name="Straight Connector 5"/>
-          <p:cNvCxnSpPr/>
-          <p:nvPr/>
-        </p:nvCxnSpPr>
-        <p:spPr>
-          <a:xfrm>
-            <a:off x="10882952" y="1160061"/>
-            <a:ext cx="614149" cy="0"/>
-          </a:xfrm>
-          <a:prstGeom prst="line">
-            <a:avLst/>
-          </a:prstGeom>
-        </p:spPr>
-        <p:style>
-          <a:lnRef idx="1">
-            <a:schemeClr val="accent1"/>
-          </a:lnRef>
-          <a:fillRef idx="0">
-            <a:schemeClr val="accent1"/>
-          </a:fillRef>
-          <a:effectRef idx="0">
-            <a:schemeClr val="accent1"/>
-          </a:effectRef>
-          <a:fontRef idx="minor">
-            <a:schemeClr val="tx1"/>
-          </a:fontRef>
-        </p:style>
-      </p:cxnSp>
-      <p:cxnSp>
-        <p:nvCxnSpPr>
-          <p:cNvPr id="7" name="Straight Connector 6"/>
-          <p:cNvCxnSpPr/>
-          <p:nvPr/>
-        </p:nvCxnSpPr>
-        <p:spPr>
-          <a:xfrm flipH="1">
-            <a:off x="10773770" y="1610437"/>
-            <a:ext cx="382137" cy="218364"/>
-          </a:xfrm>
-          <a:prstGeom prst="line">
-            <a:avLst/>
-          </a:prstGeom>
-        </p:spPr>
-        <p:style>
-          <a:lnRef idx="1">
-            <a:schemeClr val="accent1"/>
-          </a:lnRef>
-          <a:fillRef idx="0">
-            <a:schemeClr val="accent1"/>
-          </a:fillRef>
-          <a:effectRef idx="0">
-            <a:schemeClr val="accent1"/>
-          </a:effectRef>
-          <a:fontRef idx="minor">
-            <a:schemeClr val="tx1"/>
-          </a:fontRef>
-        </p:style>
-      </p:cxnSp>
-      <p:cxnSp>
-        <p:nvCxnSpPr>
-          <p:cNvPr id="8" name="Straight Connector 7"/>
-          <p:cNvCxnSpPr/>
-          <p:nvPr/>
-        </p:nvCxnSpPr>
-        <p:spPr>
-          <a:xfrm>
-            <a:off x="11155907" y="1610437"/>
-            <a:ext cx="341194" cy="170596"/>
-          </a:xfrm>
-          <a:prstGeom prst="line">
-            <a:avLst/>
-          </a:prstGeom>
-        </p:spPr>
-        <p:style>
-          <a:lnRef idx="1">
-            <a:schemeClr val="accent1"/>
-          </a:lnRef>
-          <a:fillRef idx="0">
-            <a:schemeClr val="accent1"/>
-          </a:fillRef>
-          <a:effectRef idx="0">
-            <a:schemeClr val="accent1"/>
-          </a:effectRef>
-          <a:fontRef idx="minor">
-            <a:schemeClr val="tx1"/>
-          </a:fontRef>
-        </p:style>
-      </p:cxnSp>
-      <p:sp>
-        <p:nvSpPr>
-          <p:cNvPr id="2" name="TextBox 1"/>
-          <p:cNvSpPr txBox="1"/>
-          <p:nvPr/>
-        </p:nvSpPr>
-        <p:spPr>
-          <a:xfrm>
-            <a:off x="3168183" y="256864"/>
-            <a:ext cx="5835858" cy="646331"/>
-          </a:xfrm>
-          <a:prstGeom prst="rect">
-            <a:avLst/>
-          </a:prstGeom>
-          <a:noFill/>
-        </p:spPr>
-        <p:txBody>
-          <a:bodyPr wrap="square" rtlCol="0">
-            <a:spAutoFit/>
-          </a:bodyPr>
-          <a:lstStyle/>
-          <a:p>
-            <a:r>
-              <a:rPr lang="en-US" sz="3600" i="1" dirty="0"/>
-              <a:t>A Little “</a:t>
-            </a:r>
-            <a:r>
-              <a:rPr lang="en-US" sz="3600" i="1" dirty="0" err="1"/>
-              <a:t>R”efresher</a:t>
-            </a:r>
-            <a:r>
-              <a:rPr lang="en-US" sz="3600" i="1" dirty="0"/>
-              <a:t> - Packages </a:t>
-            </a:r>
-          </a:p>
-        </p:txBody>
-      </p:sp>
-      <p:sp>
-        <p:nvSpPr>
-          <p:cNvPr id="3" name="TextBox 2"/>
-          <p:cNvSpPr txBox="1"/>
-          <p:nvPr/>
-        </p:nvSpPr>
-        <p:spPr>
-          <a:xfrm>
-            <a:off x="765313" y="1391478"/>
-            <a:ext cx="9680713" cy="4832092"/>
-          </a:xfrm>
-          <a:prstGeom prst="rect">
-            <a:avLst/>
-          </a:prstGeom>
-          <a:noFill/>
-        </p:spPr>
-        <p:txBody>
-          <a:bodyPr wrap="square" rtlCol="0">
-            <a:spAutoFit/>
-          </a:bodyPr>
-          <a:lstStyle/>
-          <a:p>
-            <a:r>
-              <a:rPr lang="en-US" sz="2800" dirty="0" err="1"/>
-              <a:t>install.packages</a:t>
-            </a:r>
-            <a:r>
-              <a:rPr lang="en-US" sz="2800" dirty="0"/>
-              <a:t>(“package name”, lib = “path”)</a:t>
-            </a:r>
-          </a:p>
-          <a:p>
-            <a:pPr marL="914400" lvl="1" indent="-457200">
-              <a:buFont typeface="Arial" panose="020B0604020202020204" pitchFamily="34" charset="0"/>
-              <a:buChar char="•"/>
-            </a:pPr>
-            <a:r>
-              <a:rPr lang="en-US" sz="2800" dirty="0"/>
-              <a:t>lib = optional, path where package is installed </a:t>
-            </a:r>
-          </a:p>
-          <a:p>
-            <a:pPr marL="914400" lvl="1" indent="-457200">
-              <a:buFont typeface="Arial" panose="020B0604020202020204" pitchFamily="34" charset="0"/>
-              <a:buChar char="•"/>
-            </a:pPr>
-            <a:r>
-              <a:rPr lang="en-US" sz="2800" dirty="0"/>
-              <a:t>May be asked for mirror path</a:t>
-            </a:r>
-          </a:p>
-          <a:p>
-            <a:pPr lvl="1"/>
-            <a:endParaRPr lang="en-US" sz="2800" dirty="0"/>
-          </a:p>
-          <a:p>
-            <a:r>
-              <a:rPr lang="en-US" sz="2800" dirty="0"/>
-              <a:t>library(package name, </a:t>
-            </a:r>
-            <a:r>
-              <a:rPr lang="en-US" sz="2800" dirty="0" err="1"/>
-              <a:t>lib.loc</a:t>
-            </a:r>
-            <a:r>
-              <a:rPr lang="en-US" sz="2800" dirty="0"/>
-              <a:t> = “path”) – load package for use</a:t>
-            </a:r>
-          </a:p>
-          <a:p>
-            <a:pPr marL="914400" lvl="1" indent="-457200">
-              <a:buFont typeface="Arial" panose="020B0604020202020204" pitchFamily="34" charset="0"/>
-              <a:buChar char="•"/>
-            </a:pPr>
-            <a:r>
-              <a:rPr lang="en-US" sz="2800" dirty="0"/>
-              <a:t>Lib is optional	</a:t>
-            </a:r>
-          </a:p>
-          <a:p>
-            <a:pPr marL="914400" lvl="1" indent="-457200">
-              <a:buFont typeface="Arial" panose="020B0604020202020204" pitchFamily="34" charset="0"/>
-              <a:buChar char="•"/>
-            </a:pPr>
-            <a:endParaRPr lang="en-US" sz="2800" dirty="0"/>
-          </a:p>
-          <a:p>
-            <a:r>
-              <a:rPr lang="en-US" sz="2800" dirty="0"/>
-              <a:t>Some popular packages</a:t>
-            </a:r>
-          </a:p>
-          <a:p>
-            <a:pPr marL="914400" lvl="1" indent="-457200">
-              <a:buFont typeface="Arial" panose="020B0604020202020204" pitchFamily="34" charset="0"/>
-              <a:buChar char="•"/>
-            </a:pPr>
-            <a:r>
-              <a:rPr lang="en-US" sz="2800" dirty="0"/>
-              <a:t>ggplot2 – plots</a:t>
-            </a:r>
-          </a:p>
-          <a:p>
-            <a:pPr marL="914400" lvl="1" indent="-457200">
-              <a:buFont typeface="Arial" panose="020B0604020202020204" pitchFamily="34" charset="0"/>
-              <a:buChar char="•"/>
-            </a:pPr>
-            <a:r>
-              <a:rPr lang="en-US" sz="2800" dirty="0" err="1"/>
-              <a:t>dplyr</a:t>
-            </a:r>
-            <a:r>
-              <a:rPr lang="en-US" sz="2800" dirty="0"/>
-              <a:t> – manipulating data 	</a:t>
-            </a:r>
-          </a:p>
-          <a:p>
-            <a:pPr marL="914400" lvl="1" indent="-457200">
-              <a:buFont typeface="Arial" panose="020B0604020202020204" pitchFamily="34" charset="0"/>
-              <a:buChar char="•"/>
-            </a:pPr>
-            <a:r>
-              <a:rPr lang="en-US" sz="2800" dirty="0"/>
-              <a:t>RODBC – connections to ODBC </a:t>
-            </a:r>
-            <a:r>
-              <a:rPr lang="en-US" sz="2800"/>
-              <a:t>data sources</a:t>
-            </a:r>
-            <a:endParaRPr lang="en-US" sz="2800" dirty="0"/>
-          </a:p>
-        </p:txBody>
-      </p:sp>
-    </p:spTree>
-    <p:extLst>
-      <p:ext uri="{BB962C8B-B14F-4D97-AF65-F5344CB8AC3E}">
-        <p14:creationId xmlns:p14="http://schemas.microsoft.com/office/powerpoint/2010/main" val="2631767298"/>
       </p:ext>
     </p:extLst>
   </p:cSld>
@@ -24623,8 +24965,8 @@
         </p:nvSpPr>
         <p:spPr>
           <a:xfrm>
-            <a:off x="4107903" y="2812497"/>
-            <a:ext cx="3328595" cy="1200329"/>
+            <a:off x="3168183" y="256864"/>
+            <a:ext cx="5835858" cy="646331"/>
           </a:xfrm>
           <a:prstGeom prst="rect">
             <a:avLst/>
@@ -24638,8 +24980,148 @@
           <a:lstStyle/>
           <a:p>
             <a:r>
-              <a:rPr lang="en-US" sz="7200" dirty="0"/>
-              <a:t>R Demo</a:t>
+              <a:rPr lang="en-US" sz="3600" i="1" dirty="0"/>
+              <a:t>A Little “</a:t>
+            </a:r>
+            <a:r>
+              <a:rPr lang="en-US" sz="3600" i="1" dirty="0" err="1"/>
+              <a:t>R”efresher</a:t>
+            </a:r>
+            <a:r>
+              <a:rPr lang="en-US" sz="3600" i="1" dirty="0"/>
+              <a:t> - Packages </a:t>
+            </a:r>
+          </a:p>
+        </p:txBody>
+      </p:sp>
+      <p:sp>
+        <p:nvSpPr>
+          <p:cNvPr id="3" name="TextBox 2"/>
+          <p:cNvSpPr txBox="1"/>
+          <p:nvPr/>
+        </p:nvSpPr>
+        <p:spPr>
+          <a:xfrm>
+            <a:off x="765313" y="1391478"/>
+            <a:ext cx="9680713" cy="4832092"/>
+          </a:xfrm>
+          <a:prstGeom prst="rect">
+            <a:avLst/>
+          </a:prstGeom>
+          <a:noFill/>
+        </p:spPr>
+        <p:txBody>
+          <a:bodyPr wrap="square" rtlCol="0">
+            <a:spAutoFit/>
+          </a:bodyPr>
+          <a:lstStyle/>
+          <a:p>
+            <a:r>
+              <a:rPr lang="en-US" sz="2800" dirty="0" err="1"/>
+              <a:t>install.packages</a:t>
+            </a:r>
+            <a:r>
+              <a:rPr lang="en-US" sz="2800" dirty="0"/>
+              <a:t>(“package name”, lib = “path”)</a:t>
+            </a:r>
+          </a:p>
+          <a:p>
+            <a:pPr marL="914400" lvl="1" indent="-457200">
+              <a:buFont typeface="Arial" panose="020B0604020202020204" pitchFamily="34" charset="0"/>
+              <a:buChar char="•"/>
+            </a:pPr>
+            <a:r>
+              <a:rPr lang="en-US" sz="2800" dirty="0"/>
+              <a:t>lib = optional, path where package is installed </a:t>
+            </a:r>
+          </a:p>
+          <a:p>
+            <a:pPr marL="914400" lvl="1" indent="-457200">
+              <a:buFont typeface="Arial" panose="020B0604020202020204" pitchFamily="34" charset="0"/>
+              <a:buChar char="•"/>
+            </a:pPr>
+            <a:r>
+              <a:rPr lang="en-US" sz="2800" dirty="0"/>
+              <a:t>May be asked for mirror path</a:t>
+            </a:r>
+          </a:p>
+          <a:p>
+            <a:pPr lvl="1"/>
+            <a:endParaRPr lang="en-US" sz="2800" dirty="0"/>
+          </a:p>
+          <a:p>
+            <a:r>
+              <a:rPr lang="en-US" sz="2800" dirty="0"/>
+              <a:t>library(package name, </a:t>
+            </a:r>
+            <a:r>
+              <a:rPr lang="en-US" sz="2800" dirty="0" err="1"/>
+              <a:t>lib.loc</a:t>
+            </a:r>
+            <a:r>
+              <a:rPr lang="en-US" sz="2800" dirty="0"/>
+              <a:t> = “path”) – load package for use</a:t>
+            </a:r>
+          </a:p>
+          <a:p>
+            <a:pPr marL="914400" lvl="1" indent="-457200">
+              <a:buFont typeface="Arial" panose="020B0604020202020204" pitchFamily="34" charset="0"/>
+              <a:buChar char="•"/>
+            </a:pPr>
+            <a:r>
+              <a:rPr lang="en-US" sz="2800" dirty="0" err="1"/>
+              <a:t>lib.loc</a:t>
+            </a:r>
+            <a:r>
+              <a:rPr lang="en-US" sz="2800" dirty="0"/>
+              <a:t> is optional	</a:t>
+            </a:r>
+          </a:p>
+          <a:p>
+            <a:pPr marL="914400" lvl="1" indent="-457200">
+              <a:buFont typeface="Arial" panose="020B0604020202020204" pitchFamily="34" charset="0"/>
+              <a:buChar char="•"/>
+            </a:pPr>
+            <a:endParaRPr lang="en-US" sz="2800" dirty="0"/>
+          </a:p>
+          <a:p>
+            <a:r>
+              <a:rPr lang="en-US" sz="2800" dirty="0"/>
+              <a:t>Some popular packages</a:t>
+            </a:r>
+          </a:p>
+          <a:p>
+            <a:pPr marL="914400" lvl="1" indent="-457200">
+              <a:buFont typeface="Arial" panose="020B0604020202020204" pitchFamily="34" charset="0"/>
+              <a:buChar char="•"/>
+            </a:pPr>
+            <a:r>
+              <a:rPr lang="en-US" sz="2800" dirty="0"/>
+              <a:t>ggplot2 – plots</a:t>
+            </a:r>
+          </a:p>
+          <a:p>
+            <a:pPr marL="914400" lvl="1" indent="-457200">
+              <a:buFont typeface="Arial" panose="020B0604020202020204" pitchFamily="34" charset="0"/>
+              <a:buChar char="•"/>
+            </a:pPr>
+            <a:r>
+              <a:rPr lang="en-US" sz="2800" dirty="0" err="1"/>
+              <a:t>dplyr</a:t>
+            </a:r>
+            <a:r>
+              <a:rPr lang="en-US" sz="2800" dirty="0"/>
+              <a:t> – manipulating data 	</a:t>
+            </a:r>
+          </a:p>
+          <a:p>
+            <a:pPr marL="914400" lvl="1" indent="-457200">
+              <a:buFont typeface="Arial" panose="020B0604020202020204" pitchFamily="34" charset="0"/>
+              <a:buChar char="•"/>
+            </a:pPr>
+            <a:r>
+              <a:rPr lang="en-US" sz="2800" dirty="0"/>
+              <a:t>RODBC – connections to ODBC data sources</a:t>
             </a:r>
           </a:p>
         </p:txBody>
@@ -24647,7 +25129,7 @@
     </p:spTree>
     <p:extLst>
       <p:ext uri="{BB962C8B-B14F-4D97-AF65-F5344CB8AC3E}">
-        <p14:creationId xmlns:p14="http://schemas.microsoft.com/office/powerpoint/2010/main" val="2937746500"/>
+        <p14:creationId xmlns:p14="http://schemas.microsoft.com/office/powerpoint/2010/main" val="2631767298"/>
       </p:ext>
     </p:extLst>
   </p:cSld>
@@ -24842,6 +25324,531 @@
         </p:nvSpPr>
         <p:spPr>
           <a:xfrm>
+            <a:off x="4107903" y="2812497"/>
+            <a:ext cx="3328595" cy="1200329"/>
+          </a:xfrm>
+          <a:prstGeom prst="rect">
+            <a:avLst/>
+          </a:prstGeom>
+          <a:noFill/>
+        </p:spPr>
+        <p:txBody>
+          <a:bodyPr wrap="square" rtlCol="0">
+            <a:spAutoFit/>
+          </a:bodyPr>
+          <a:lstStyle/>
+          <a:p>
+            <a:r>
+              <a:rPr lang="en-US" sz="7200" dirty="0"/>
+              <a:t>R Demo</a:t>
+            </a:r>
+          </a:p>
+        </p:txBody>
+      </p:sp>
+    </p:spTree>
+    <p:extLst>
+      <p:ext uri="{BB962C8B-B14F-4D97-AF65-F5344CB8AC3E}">
+        <p14:creationId xmlns:p14="http://schemas.microsoft.com/office/powerpoint/2010/main" val="2937746500"/>
+      </p:ext>
+    </p:extLst>
+  </p:cSld>
+  <p:clrMapOvr>
+    <a:masterClrMapping/>
+  </p:clrMapOvr>
+</p:sld>
+</file>
+
+<file path=ppt/slides/slide16.xml><?xml version="1.0" encoding="utf-8"?>
+<p:sld xmlns:a="http://schemas.openxmlformats.org/drawingml/2006/main" xmlns:r="http://schemas.openxmlformats.org/officeDocument/2006/relationships" xmlns:p="http://schemas.openxmlformats.org/presentationml/2006/main">
+  <p:cSld>
+    <p:spTree>
+      <p:nvGrpSpPr>
+        <p:cNvPr id="1" name=""/>
+        <p:cNvGrpSpPr/>
+        <p:nvPr/>
+      </p:nvGrpSpPr>
+      <p:grpSpPr>
+        <a:xfrm>
+          <a:off x="0" y="0"/>
+          <a:ext cx="0" cy="0"/>
+          <a:chOff x="0" y="0"/>
+          <a:chExt cx="0" cy="0"/>
+        </a:xfrm>
+      </p:grpSpPr>
+      <p:sp>
+        <p:nvSpPr>
+          <p:cNvPr id="4" name="Oval 3"/>
+          <p:cNvSpPr/>
+          <p:nvPr/>
+        </p:nvSpPr>
+        <p:spPr>
+          <a:xfrm>
+            <a:off x="10882952" y="327547"/>
+            <a:ext cx="504967" cy="504967"/>
+          </a:xfrm>
+          <a:prstGeom prst="ellipse">
+            <a:avLst/>
+          </a:prstGeom>
+        </p:spPr>
+        <p:style>
+          <a:lnRef idx="2">
+            <a:schemeClr val="accent6"/>
+          </a:lnRef>
+          <a:fillRef idx="1">
+            <a:schemeClr val="lt1"/>
+          </a:fillRef>
+          <a:effectRef idx="0">
+            <a:schemeClr val="accent6"/>
+          </a:effectRef>
+          <a:fontRef idx="minor">
+            <a:schemeClr val="dk1"/>
+          </a:fontRef>
+        </p:style>
+        <p:txBody>
+          <a:bodyPr rtlCol="0" anchor="ctr"/>
+          <a:lstStyle/>
+          <a:p>
+            <a:pPr algn="ctr"/>
+            <a:endParaRPr lang="en-US"/>
+          </a:p>
+        </p:txBody>
+      </p:sp>
+      <p:cxnSp>
+        <p:nvCxnSpPr>
+          <p:cNvPr id="5" name="Straight Connector 4"/>
+          <p:cNvCxnSpPr>
+            <a:stCxn id="4" idx="4"/>
+          </p:cNvCxnSpPr>
+          <p:nvPr/>
+        </p:nvCxnSpPr>
+        <p:spPr>
+          <a:xfrm>
+            <a:off x="11135436" y="832514"/>
+            <a:ext cx="20471" cy="777923"/>
+          </a:xfrm>
+          <a:prstGeom prst="line">
+            <a:avLst/>
+          </a:prstGeom>
+        </p:spPr>
+        <p:style>
+          <a:lnRef idx="1">
+            <a:schemeClr val="accent1"/>
+          </a:lnRef>
+          <a:fillRef idx="0">
+            <a:schemeClr val="accent1"/>
+          </a:fillRef>
+          <a:effectRef idx="0">
+            <a:schemeClr val="accent1"/>
+          </a:effectRef>
+          <a:fontRef idx="minor">
+            <a:schemeClr val="tx1"/>
+          </a:fontRef>
+        </p:style>
+      </p:cxnSp>
+      <p:cxnSp>
+        <p:nvCxnSpPr>
+          <p:cNvPr id="6" name="Straight Connector 5"/>
+          <p:cNvCxnSpPr/>
+          <p:nvPr/>
+        </p:nvCxnSpPr>
+        <p:spPr>
+          <a:xfrm>
+            <a:off x="10882952" y="1160061"/>
+            <a:ext cx="614149" cy="0"/>
+          </a:xfrm>
+          <a:prstGeom prst="line">
+            <a:avLst/>
+          </a:prstGeom>
+        </p:spPr>
+        <p:style>
+          <a:lnRef idx="1">
+            <a:schemeClr val="accent1"/>
+          </a:lnRef>
+          <a:fillRef idx="0">
+            <a:schemeClr val="accent1"/>
+          </a:fillRef>
+          <a:effectRef idx="0">
+            <a:schemeClr val="accent1"/>
+          </a:effectRef>
+          <a:fontRef idx="minor">
+            <a:schemeClr val="tx1"/>
+          </a:fontRef>
+        </p:style>
+      </p:cxnSp>
+      <p:cxnSp>
+        <p:nvCxnSpPr>
+          <p:cNvPr id="7" name="Straight Connector 6"/>
+          <p:cNvCxnSpPr/>
+          <p:nvPr/>
+        </p:nvCxnSpPr>
+        <p:spPr>
+          <a:xfrm flipH="1">
+            <a:off x="10773770" y="1610437"/>
+            <a:ext cx="382137" cy="218364"/>
+          </a:xfrm>
+          <a:prstGeom prst="line">
+            <a:avLst/>
+          </a:prstGeom>
+        </p:spPr>
+        <p:style>
+          <a:lnRef idx="1">
+            <a:schemeClr val="accent1"/>
+          </a:lnRef>
+          <a:fillRef idx="0">
+            <a:schemeClr val="accent1"/>
+          </a:fillRef>
+          <a:effectRef idx="0">
+            <a:schemeClr val="accent1"/>
+          </a:effectRef>
+          <a:fontRef idx="minor">
+            <a:schemeClr val="tx1"/>
+          </a:fontRef>
+        </p:style>
+      </p:cxnSp>
+      <p:cxnSp>
+        <p:nvCxnSpPr>
+          <p:cNvPr id="8" name="Straight Connector 7"/>
+          <p:cNvCxnSpPr/>
+          <p:nvPr/>
+        </p:nvCxnSpPr>
+        <p:spPr>
+          <a:xfrm>
+            <a:off x="11155907" y="1610437"/>
+            <a:ext cx="341194" cy="170596"/>
+          </a:xfrm>
+          <a:prstGeom prst="line">
+            <a:avLst/>
+          </a:prstGeom>
+        </p:spPr>
+        <p:style>
+          <a:lnRef idx="1">
+            <a:schemeClr val="accent1"/>
+          </a:lnRef>
+          <a:fillRef idx="0">
+            <a:schemeClr val="accent1"/>
+          </a:fillRef>
+          <a:effectRef idx="0">
+            <a:schemeClr val="accent1"/>
+          </a:effectRef>
+          <a:fontRef idx="minor">
+            <a:schemeClr val="tx1"/>
+          </a:fontRef>
+        </p:style>
+      </p:cxnSp>
+      <p:sp>
+        <p:nvSpPr>
+          <p:cNvPr id="2" name="TextBox 1"/>
+          <p:cNvSpPr txBox="1"/>
+          <p:nvPr/>
+        </p:nvSpPr>
+        <p:spPr>
+          <a:xfrm>
+            <a:off x="2246242" y="255313"/>
+            <a:ext cx="4492487" cy="646331"/>
+          </a:xfrm>
+          <a:prstGeom prst="rect">
+            <a:avLst/>
+          </a:prstGeom>
+          <a:noFill/>
+        </p:spPr>
+        <p:txBody>
+          <a:bodyPr wrap="square" rtlCol="0">
+            <a:spAutoFit/>
+          </a:bodyPr>
+          <a:lstStyle/>
+          <a:p>
+            <a:r>
+              <a:rPr lang="en-US" sz="3600" i="1" dirty="0"/>
+              <a:t>Disadvantages Of R</a:t>
+            </a:r>
+          </a:p>
+        </p:txBody>
+      </p:sp>
+      <p:sp>
+        <p:nvSpPr>
+          <p:cNvPr id="3" name="TextBox 2"/>
+          <p:cNvSpPr txBox="1"/>
+          <p:nvPr/>
+        </p:nvSpPr>
+        <p:spPr>
+          <a:xfrm>
+            <a:off x="785191" y="1530626"/>
+            <a:ext cx="9756567" cy="3539430"/>
+          </a:xfrm>
+          <a:prstGeom prst="rect">
+            <a:avLst/>
+          </a:prstGeom>
+          <a:noFill/>
+        </p:spPr>
+        <p:txBody>
+          <a:bodyPr wrap="square" rtlCol="0">
+            <a:spAutoFit/>
+          </a:bodyPr>
+          <a:lstStyle/>
+          <a:p>
+            <a:pPr marL="285750" indent="-285750">
+              <a:buFont typeface="Arial" panose="020B0604020202020204" pitchFamily="34" charset="0"/>
+              <a:buChar char="•"/>
+            </a:pPr>
+            <a:r>
+              <a:rPr lang="en-US" sz="2800" dirty="0"/>
+              <a:t>Data sets are stored in memory</a:t>
+            </a:r>
+          </a:p>
+          <a:p>
+            <a:pPr marL="742950" lvl="1" indent="-285750">
+              <a:buFont typeface="Arial" panose="020B0604020202020204" pitchFamily="34" charset="0"/>
+              <a:buChar char="•"/>
+            </a:pPr>
+            <a:r>
+              <a:rPr lang="en-US" sz="2800" dirty="0"/>
+              <a:t>Workstations may not have enough RAM to load large data sets</a:t>
+            </a:r>
+          </a:p>
+          <a:p>
+            <a:pPr marL="742950" lvl="1" indent="-285750">
+              <a:buFont typeface="Arial" panose="020B0604020202020204" pitchFamily="34" charset="0"/>
+              <a:buChar char="•"/>
+            </a:pPr>
+            <a:endParaRPr lang="en-US" sz="2800" dirty="0"/>
+          </a:p>
+          <a:p>
+            <a:pPr marL="285750" indent="-285750">
+              <a:buFont typeface="Arial" panose="020B0604020202020204" pitchFamily="34" charset="0"/>
+              <a:buChar char="•"/>
+            </a:pPr>
+            <a:r>
+              <a:rPr lang="en-US" sz="2800" dirty="0"/>
+              <a:t>R is single threaded by default</a:t>
+            </a:r>
+          </a:p>
+          <a:p>
+            <a:pPr marL="742950" lvl="1" indent="-285750">
+              <a:buFont typeface="Arial" panose="020B0604020202020204" pitchFamily="34" charset="0"/>
+              <a:buChar char="•"/>
+            </a:pPr>
+            <a:r>
+              <a:rPr lang="en-US" sz="2800" dirty="0"/>
+              <a:t>But can be modified by using packages</a:t>
+            </a:r>
+          </a:p>
+          <a:p>
+            <a:pPr marL="742950" lvl="1" indent="-285750">
+              <a:buFont typeface="Arial" panose="020B0604020202020204" pitchFamily="34" charset="0"/>
+              <a:buChar char="•"/>
+            </a:pPr>
+            <a:endParaRPr lang="en-US" sz="2800" dirty="0"/>
+          </a:p>
+          <a:p>
+            <a:pPr marL="285750" indent="-285750">
+              <a:buFont typeface="Arial" panose="020B0604020202020204" pitchFamily="34" charset="0"/>
+              <a:buChar char="•"/>
+            </a:pPr>
+            <a:r>
+              <a:rPr lang="en-US" sz="2800" dirty="0"/>
+              <a:t>Steep learning curve (?)</a:t>
+            </a:r>
+          </a:p>
+        </p:txBody>
+      </p:sp>
+    </p:spTree>
+    <p:extLst>
+      <p:ext uri="{BB962C8B-B14F-4D97-AF65-F5344CB8AC3E}">
+        <p14:creationId xmlns:p14="http://schemas.microsoft.com/office/powerpoint/2010/main" val="1569974121"/>
+      </p:ext>
+    </p:extLst>
+  </p:cSld>
+  <p:clrMapOvr>
+    <a:masterClrMapping/>
+  </p:clrMapOvr>
+</p:sld>
+</file>
+
+<file path=ppt/slides/slide17.xml><?xml version="1.0" encoding="utf-8"?>
+<p:sld xmlns:a="http://schemas.openxmlformats.org/drawingml/2006/main" xmlns:r="http://schemas.openxmlformats.org/officeDocument/2006/relationships" xmlns:p="http://schemas.openxmlformats.org/presentationml/2006/main">
+  <p:cSld>
+    <p:spTree>
+      <p:nvGrpSpPr>
+        <p:cNvPr id="1" name=""/>
+        <p:cNvGrpSpPr/>
+        <p:nvPr/>
+      </p:nvGrpSpPr>
+      <p:grpSpPr>
+        <a:xfrm>
+          <a:off x="0" y="0"/>
+          <a:ext cx="0" cy="0"/>
+          <a:chOff x="0" y="0"/>
+          <a:chExt cx="0" cy="0"/>
+        </a:xfrm>
+      </p:grpSpPr>
+      <p:sp>
+        <p:nvSpPr>
+          <p:cNvPr id="4" name="Oval 3"/>
+          <p:cNvSpPr/>
+          <p:nvPr/>
+        </p:nvSpPr>
+        <p:spPr>
+          <a:xfrm>
+            <a:off x="10882952" y="327547"/>
+            <a:ext cx="504967" cy="504967"/>
+          </a:xfrm>
+          <a:prstGeom prst="ellipse">
+            <a:avLst/>
+          </a:prstGeom>
+        </p:spPr>
+        <p:style>
+          <a:lnRef idx="2">
+            <a:schemeClr val="accent6"/>
+          </a:lnRef>
+          <a:fillRef idx="1">
+            <a:schemeClr val="lt1"/>
+          </a:fillRef>
+          <a:effectRef idx="0">
+            <a:schemeClr val="accent6"/>
+          </a:effectRef>
+          <a:fontRef idx="minor">
+            <a:schemeClr val="dk1"/>
+          </a:fontRef>
+        </p:style>
+        <p:txBody>
+          <a:bodyPr rtlCol="0" anchor="ctr"/>
+          <a:lstStyle/>
+          <a:p>
+            <a:pPr algn="ctr"/>
+            <a:endParaRPr lang="en-US"/>
+          </a:p>
+        </p:txBody>
+      </p:sp>
+      <p:cxnSp>
+        <p:nvCxnSpPr>
+          <p:cNvPr id="5" name="Straight Connector 4"/>
+          <p:cNvCxnSpPr>
+            <a:stCxn id="4" idx="4"/>
+          </p:cNvCxnSpPr>
+          <p:nvPr/>
+        </p:nvCxnSpPr>
+        <p:spPr>
+          <a:xfrm>
+            <a:off x="11135436" y="832514"/>
+            <a:ext cx="20471" cy="777923"/>
+          </a:xfrm>
+          <a:prstGeom prst="line">
+            <a:avLst/>
+          </a:prstGeom>
+        </p:spPr>
+        <p:style>
+          <a:lnRef idx="1">
+            <a:schemeClr val="accent1"/>
+          </a:lnRef>
+          <a:fillRef idx="0">
+            <a:schemeClr val="accent1"/>
+          </a:fillRef>
+          <a:effectRef idx="0">
+            <a:schemeClr val="accent1"/>
+          </a:effectRef>
+          <a:fontRef idx="minor">
+            <a:schemeClr val="tx1"/>
+          </a:fontRef>
+        </p:style>
+      </p:cxnSp>
+      <p:cxnSp>
+        <p:nvCxnSpPr>
+          <p:cNvPr id="6" name="Straight Connector 5"/>
+          <p:cNvCxnSpPr/>
+          <p:nvPr/>
+        </p:nvCxnSpPr>
+        <p:spPr>
+          <a:xfrm>
+            <a:off x="10882952" y="1160061"/>
+            <a:ext cx="614149" cy="0"/>
+          </a:xfrm>
+          <a:prstGeom prst="line">
+            <a:avLst/>
+          </a:prstGeom>
+        </p:spPr>
+        <p:style>
+          <a:lnRef idx="1">
+            <a:schemeClr val="accent1"/>
+          </a:lnRef>
+          <a:fillRef idx="0">
+            <a:schemeClr val="accent1"/>
+          </a:fillRef>
+          <a:effectRef idx="0">
+            <a:schemeClr val="accent1"/>
+          </a:effectRef>
+          <a:fontRef idx="minor">
+            <a:schemeClr val="tx1"/>
+          </a:fontRef>
+        </p:style>
+      </p:cxnSp>
+      <p:cxnSp>
+        <p:nvCxnSpPr>
+          <p:cNvPr id="7" name="Straight Connector 6"/>
+          <p:cNvCxnSpPr/>
+          <p:nvPr/>
+        </p:nvCxnSpPr>
+        <p:spPr>
+          <a:xfrm flipH="1">
+            <a:off x="10773770" y="1610437"/>
+            <a:ext cx="382137" cy="218364"/>
+          </a:xfrm>
+          <a:prstGeom prst="line">
+            <a:avLst/>
+          </a:prstGeom>
+        </p:spPr>
+        <p:style>
+          <a:lnRef idx="1">
+            <a:schemeClr val="accent1"/>
+          </a:lnRef>
+          <a:fillRef idx="0">
+            <a:schemeClr val="accent1"/>
+          </a:fillRef>
+          <a:effectRef idx="0">
+            <a:schemeClr val="accent1"/>
+          </a:effectRef>
+          <a:fontRef idx="minor">
+            <a:schemeClr val="tx1"/>
+          </a:fontRef>
+        </p:style>
+      </p:cxnSp>
+      <p:cxnSp>
+        <p:nvCxnSpPr>
+          <p:cNvPr id="8" name="Straight Connector 7"/>
+          <p:cNvCxnSpPr/>
+          <p:nvPr/>
+        </p:nvCxnSpPr>
+        <p:spPr>
+          <a:xfrm>
+            <a:off x="11155907" y="1610437"/>
+            <a:ext cx="341194" cy="170596"/>
+          </a:xfrm>
+          <a:prstGeom prst="line">
+            <a:avLst/>
+          </a:prstGeom>
+        </p:spPr>
+        <p:style>
+          <a:lnRef idx="1">
+            <a:schemeClr val="accent1"/>
+          </a:lnRef>
+          <a:fillRef idx="0">
+            <a:schemeClr val="accent1"/>
+          </a:fillRef>
+          <a:effectRef idx="0">
+            <a:schemeClr val="accent1"/>
+          </a:effectRef>
+          <a:fontRef idx="minor">
+            <a:schemeClr val="tx1"/>
+          </a:fontRef>
+        </p:style>
+      </p:cxnSp>
+      <p:sp>
+        <p:nvSpPr>
+          <p:cNvPr id="2" name="TextBox 1"/>
+          <p:cNvSpPr txBox="1"/>
+          <p:nvPr/>
+        </p:nvSpPr>
+        <p:spPr>
+          <a:xfrm>
             <a:off x="954157" y="186183"/>
             <a:ext cx="8209722" cy="646331"/>
           </a:xfrm>
@@ -24897,7 +25904,7 @@
     </p:spTree>
     <p:extLst>
       <p:ext uri="{BB962C8B-B14F-4D97-AF65-F5344CB8AC3E}">
-        <p14:creationId xmlns:p14="http://schemas.microsoft.com/office/powerpoint/2010/main" val="1569974121"/>
+        <p14:creationId xmlns:p14="http://schemas.microsoft.com/office/powerpoint/2010/main" val="2003362600"/>
       </p:ext>
     </p:extLst>
   </p:cSld>
@@ -24982,7 +25989,7 @@
 </p:sld>
 </file>
 
-<file path=ppt/slides/slide16.xml><?xml version="1.0" encoding="utf-8"?>
+<file path=ppt/slides/slide18.xml><?xml version="1.0" encoding="utf-8"?>
 <p:sld xmlns:a="http://schemas.openxmlformats.org/drawingml/2006/main" xmlns:r="http://schemas.openxmlformats.org/officeDocument/2006/relationships" xmlns:p="http://schemas.openxmlformats.org/presentationml/2006/main">
   <p:cSld>
     <p:spTree>
@@ -25294,7 +26301,7 @@
 </p:sld>
 </file>
 
-<file path=ppt/slides/slide17.xml><?xml version="1.0" encoding="utf-8"?>
+<file path=ppt/slides/slide19.xml><?xml version="1.0" encoding="utf-8"?>
 <p:sld xmlns:a="http://schemas.openxmlformats.org/drawingml/2006/main" xmlns:r="http://schemas.openxmlformats.org/officeDocument/2006/relationships" xmlns:p="http://schemas.openxmlformats.org/presentationml/2006/main">
   <p:cSld>
     <p:spTree>
@@ -25556,653 +26563,6 @@
 </p:sld>
 </file>
 
-<file path=ppt/slides/slide18.xml><?xml version="1.0" encoding="utf-8"?>
-<p:sld xmlns:a="http://schemas.openxmlformats.org/drawingml/2006/main" xmlns:r="http://schemas.openxmlformats.org/officeDocument/2006/relationships" xmlns:p="http://schemas.openxmlformats.org/presentationml/2006/main">
-  <p:cSld>
-    <p:spTree>
-      <p:nvGrpSpPr>
-        <p:cNvPr id="1" name=""/>
-        <p:cNvGrpSpPr/>
-        <p:nvPr/>
-      </p:nvGrpSpPr>
-      <p:grpSpPr>
-        <a:xfrm>
-          <a:off x="0" y="0"/>
-          <a:ext cx="0" cy="0"/>
-          <a:chOff x="0" y="0"/>
-          <a:chExt cx="0" cy="0"/>
-        </a:xfrm>
-      </p:grpSpPr>
-      <p:sp>
-        <p:nvSpPr>
-          <p:cNvPr id="4" name="Oval 3"/>
-          <p:cNvSpPr/>
-          <p:nvPr/>
-        </p:nvSpPr>
-        <p:spPr>
-          <a:xfrm>
-            <a:off x="10882952" y="327547"/>
-            <a:ext cx="504967" cy="504967"/>
-          </a:xfrm>
-          <a:prstGeom prst="ellipse">
-            <a:avLst/>
-          </a:prstGeom>
-        </p:spPr>
-        <p:style>
-          <a:lnRef idx="2">
-            <a:schemeClr val="accent6"/>
-          </a:lnRef>
-          <a:fillRef idx="1">
-            <a:schemeClr val="lt1"/>
-          </a:fillRef>
-          <a:effectRef idx="0">
-            <a:schemeClr val="accent6"/>
-          </a:effectRef>
-          <a:fontRef idx="minor">
-            <a:schemeClr val="dk1"/>
-          </a:fontRef>
-        </p:style>
-        <p:txBody>
-          <a:bodyPr rtlCol="0" anchor="ctr"/>
-          <a:lstStyle/>
-          <a:p>
-            <a:pPr algn="ctr"/>
-            <a:endParaRPr lang="en-US"/>
-          </a:p>
-        </p:txBody>
-      </p:sp>
-      <p:cxnSp>
-        <p:nvCxnSpPr>
-          <p:cNvPr id="5" name="Straight Connector 4"/>
-          <p:cNvCxnSpPr>
-            <a:stCxn id="4" idx="4"/>
-          </p:cNvCxnSpPr>
-          <p:nvPr/>
-        </p:nvCxnSpPr>
-        <p:spPr>
-          <a:xfrm>
-            <a:off x="11135436" y="832514"/>
-            <a:ext cx="20471" cy="777923"/>
-          </a:xfrm>
-          <a:prstGeom prst="line">
-            <a:avLst/>
-          </a:prstGeom>
-        </p:spPr>
-        <p:style>
-          <a:lnRef idx="1">
-            <a:schemeClr val="accent1"/>
-          </a:lnRef>
-          <a:fillRef idx="0">
-            <a:schemeClr val="accent1"/>
-          </a:fillRef>
-          <a:effectRef idx="0">
-            <a:schemeClr val="accent1"/>
-          </a:effectRef>
-          <a:fontRef idx="minor">
-            <a:schemeClr val="tx1"/>
-          </a:fontRef>
-        </p:style>
-      </p:cxnSp>
-      <p:cxnSp>
-        <p:nvCxnSpPr>
-          <p:cNvPr id="6" name="Straight Connector 5"/>
-          <p:cNvCxnSpPr/>
-          <p:nvPr/>
-        </p:nvCxnSpPr>
-        <p:spPr>
-          <a:xfrm>
-            <a:off x="10882952" y="1160061"/>
-            <a:ext cx="614149" cy="0"/>
-          </a:xfrm>
-          <a:prstGeom prst="line">
-            <a:avLst/>
-          </a:prstGeom>
-        </p:spPr>
-        <p:style>
-          <a:lnRef idx="1">
-            <a:schemeClr val="accent1"/>
-          </a:lnRef>
-          <a:fillRef idx="0">
-            <a:schemeClr val="accent1"/>
-          </a:fillRef>
-          <a:effectRef idx="0">
-            <a:schemeClr val="accent1"/>
-          </a:effectRef>
-          <a:fontRef idx="minor">
-            <a:schemeClr val="tx1"/>
-          </a:fontRef>
-        </p:style>
-      </p:cxnSp>
-      <p:cxnSp>
-        <p:nvCxnSpPr>
-          <p:cNvPr id="7" name="Straight Connector 6"/>
-          <p:cNvCxnSpPr/>
-          <p:nvPr/>
-        </p:nvCxnSpPr>
-        <p:spPr>
-          <a:xfrm flipH="1">
-            <a:off x="10773770" y="1610437"/>
-            <a:ext cx="382137" cy="218364"/>
-          </a:xfrm>
-          <a:prstGeom prst="line">
-            <a:avLst/>
-          </a:prstGeom>
-        </p:spPr>
-        <p:style>
-          <a:lnRef idx="1">
-            <a:schemeClr val="accent1"/>
-          </a:lnRef>
-          <a:fillRef idx="0">
-            <a:schemeClr val="accent1"/>
-          </a:fillRef>
-          <a:effectRef idx="0">
-            <a:schemeClr val="accent1"/>
-          </a:effectRef>
-          <a:fontRef idx="minor">
-            <a:schemeClr val="tx1"/>
-          </a:fontRef>
-        </p:style>
-      </p:cxnSp>
-      <p:cxnSp>
-        <p:nvCxnSpPr>
-          <p:cNvPr id="8" name="Straight Connector 7"/>
-          <p:cNvCxnSpPr/>
-          <p:nvPr/>
-        </p:nvCxnSpPr>
-        <p:spPr>
-          <a:xfrm>
-            <a:off x="11155907" y="1610437"/>
-            <a:ext cx="341194" cy="170596"/>
-          </a:xfrm>
-          <a:prstGeom prst="line">
-            <a:avLst/>
-          </a:prstGeom>
-        </p:spPr>
-        <p:style>
-          <a:lnRef idx="1">
-            <a:schemeClr val="accent1"/>
-          </a:lnRef>
-          <a:fillRef idx="0">
-            <a:schemeClr val="accent1"/>
-          </a:fillRef>
-          <a:effectRef idx="0">
-            <a:schemeClr val="accent1"/>
-          </a:effectRef>
-          <a:fontRef idx="minor">
-            <a:schemeClr val="tx1"/>
-          </a:fontRef>
-        </p:style>
-      </p:cxnSp>
-      <p:sp>
-        <p:nvSpPr>
-          <p:cNvPr id="14" name="TextBox 13"/>
-          <p:cNvSpPr txBox="1"/>
-          <p:nvPr/>
-        </p:nvSpPr>
-        <p:spPr>
-          <a:xfrm>
-            <a:off x="406145" y="903195"/>
-            <a:ext cx="10186792" cy="4893647"/>
-          </a:xfrm>
-          <a:prstGeom prst="rect">
-            <a:avLst/>
-          </a:prstGeom>
-          <a:noFill/>
-        </p:spPr>
-        <p:txBody>
-          <a:bodyPr wrap="square" rtlCol="0">
-            <a:spAutoFit/>
-          </a:bodyPr>
-          <a:lstStyle/>
-          <a:p>
-            <a:pPr marL="342900" indent="-342900">
-              <a:buFont typeface="Arial" panose="020B0604020202020204" pitchFamily="34" charset="0"/>
-              <a:buChar char="•"/>
-            </a:pPr>
-            <a:r>
-              <a:rPr lang="en-US" sz="2400" i="1" dirty="0"/>
-              <a:t>Free and open source R distribution</a:t>
-            </a:r>
-          </a:p>
-          <a:p>
-            <a:pPr marL="342900" indent="-342900">
-              <a:buFont typeface="Arial" panose="020B0604020202020204" pitchFamily="34" charset="0"/>
-              <a:buChar char="•"/>
-            </a:pPr>
-            <a:endParaRPr lang="en-US" sz="2400" i="1" dirty="0"/>
-          </a:p>
-          <a:p>
-            <a:pPr marL="342900" indent="-342900">
-              <a:buFont typeface="Arial" panose="020B0604020202020204" pitchFamily="34" charset="0"/>
-              <a:buChar char="•"/>
-            </a:pPr>
-            <a:r>
-              <a:rPr lang="en-US" sz="2400" i="1" dirty="0"/>
-              <a:t>Enhanced version of base R released by Revolution Analytics</a:t>
-            </a:r>
-          </a:p>
-          <a:p>
-            <a:pPr marL="800100" lvl="1" indent="-342900">
-              <a:buFont typeface="Arial" panose="020B0604020202020204" pitchFamily="34" charset="0"/>
-              <a:buChar char="•"/>
-            </a:pPr>
-            <a:endParaRPr lang="en-US" sz="2400" i="1" dirty="0"/>
-          </a:p>
-          <a:p>
-            <a:pPr marL="800100" lvl="1" indent="-342900">
-              <a:buFont typeface="Arial" panose="020B0604020202020204" pitchFamily="34" charset="0"/>
-              <a:buChar char="•"/>
-            </a:pPr>
-            <a:r>
-              <a:rPr lang="en-US" sz="2400" i="1" dirty="0"/>
-              <a:t>Performance</a:t>
-            </a:r>
-          </a:p>
-          <a:p>
-            <a:pPr marL="342900" indent="-342900">
-              <a:buFont typeface="Arial" panose="020B0604020202020204" pitchFamily="34" charset="0"/>
-              <a:buChar char="•"/>
-            </a:pPr>
-            <a:endParaRPr lang="en-US" sz="2400" i="1" dirty="0"/>
-          </a:p>
-          <a:p>
-            <a:pPr marL="800100" lvl="1" indent="-342900">
-              <a:buFont typeface="Arial" panose="020B0604020202020204" pitchFamily="34" charset="0"/>
-              <a:buChar char="•"/>
-            </a:pPr>
-            <a:r>
-              <a:rPr lang="en-US" sz="2400" i="1" dirty="0"/>
-              <a:t>Multithreading (available through MKL) 	</a:t>
-            </a:r>
-          </a:p>
-          <a:p>
-            <a:pPr marL="342900" indent="-342900">
-              <a:buFont typeface="Arial" panose="020B0604020202020204" pitchFamily="34" charset="0"/>
-              <a:buChar char="•"/>
-            </a:pPr>
-            <a:endParaRPr lang="en-US" sz="2400" i="1" dirty="0"/>
-          </a:p>
-          <a:p>
-            <a:pPr marL="800100" lvl="1" indent="-342900">
-              <a:buFont typeface="Arial" panose="020B0604020202020204" pitchFamily="34" charset="0"/>
-              <a:buChar char="•"/>
-            </a:pPr>
-            <a:r>
-              <a:rPr lang="en-US" sz="2400" i="1" dirty="0"/>
-              <a:t>Package Time Machine (</a:t>
-            </a:r>
-            <a:r>
-              <a:rPr lang="en-US" sz="2400" i="1" dirty="0" err="1"/>
-              <a:t>checkpointing</a:t>
-            </a:r>
-            <a:r>
-              <a:rPr lang="en-US" sz="2400" i="1" dirty="0"/>
-              <a:t>) for reproducible code </a:t>
-            </a:r>
-          </a:p>
-          <a:p>
-            <a:pPr marL="342900" indent="-342900">
-              <a:buFont typeface="Arial" panose="020B0604020202020204" pitchFamily="34" charset="0"/>
-              <a:buChar char="•"/>
-            </a:pPr>
-            <a:endParaRPr lang="en-US" sz="2400" i="1" dirty="0"/>
-          </a:p>
-          <a:p>
-            <a:pPr marL="342900" indent="-342900">
-              <a:buFont typeface="Arial" panose="020B0604020202020204" pitchFamily="34" charset="0"/>
-              <a:buChar char="•"/>
-            </a:pPr>
-            <a:r>
-              <a:rPr lang="en-US" sz="2400" i="1" dirty="0"/>
-              <a:t>Same functionality and access to R packages</a:t>
-            </a:r>
-          </a:p>
-          <a:p>
-            <a:pPr marL="342900" indent="-342900">
-              <a:buFont typeface="Arial" panose="020B0604020202020204" pitchFamily="34" charset="0"/>
-              <a:buChar char="•"/>
-            </a:pPr>
-            <a:endParaRPr lang="en-US" sz="2400" i="1" dirty="0"/>
-          </a:p>
-          <a:p>
-            <a:pPr marL="342900" indent="-342900">
-              <a:buFont typeface="Arial" panose="020B0604020202020204" pitchFamily="34" charset="0"/>
-              <a:buChar char="•"/>
-            </a:pPr>
-            <a:r>
-              <a:rPr lang="en-US" sz="2400" i="1" dirty="0"/>
-              <a:t>Use any IDE to run scripts</a:t>
-            </a:r>
-          </a:p>
-        </p:txBody>
-      </p:sp>
-      <p:sp>
-        <p:nvSpPr>
-          <p:cNvPr id="3" name="TextBox 2"/>
-          <p:cNvSpPr txBox="1"/>
-          <p:nvPr/>
-        </p:nvSpPr>
-        <p:spPr>
-          <a:xfrm>
-            <a:off x="3319670" y="256864"/>
-            <a:ext cx="6649278" cy="646331"/>
-          </a:xfrm>
-          <a:prstGeom prst="rect">
-            <a:avLst/>
-          </a:prstGeom>
-          <a:noFill/>
-        </p:spPr>
-        <p:txBody>
-          <a:bodyPr wrap="square" rtlCol="0">
-            <a:spAutoFit/>
-          </a:bodyPr>
-          <a:lstStyle/>
-          <a:p>
-            <a:r>
-              <a:rPr lang="en-US" sz="3600" i="1" dirty="0"/>
-              <a:t>Microsoft R Open</a:t>
-            </a:r>
-          </a:p>
-        </p:txBody>
-      </p:sp>
-    </p:spTree>
-    <p:extLst>
-      <p:ext uri="{BB962C8B-B14F-4D97-AF65-F5344CB8AC3E}">
-        <p14:creationId xmlns:p14="http://schemas.microsoft.com/office/powerpoint/2010/main" val="2259798693"/>
-      </p:ext>
-    </p:extLst>
-  </p:cSld>
-  <p:clrMapOvr>
-    <a:masterClrMapping/>
-  </p:clrMapOvr>
-</p:sld>
-</file>
-
-<file path=ppt/slides/slide19.xml><?xml version="1.0" encoding="utf-8"?>
-<p:sld xmlns:a="http://schemas.openxmlformats.org/drawingml/2006/main" xmlns:r="http://schemas.openxmlformats.org/officeDocument/2006/relationships" xmlns:p="http://schemas.openxmlformats.org/presentationml/2006/main">
-  <p:cSld>
-    <p:spTree>
-      <p:nvGrpSpPr>
-        <p:cNvPr id="1" name=""/>
-        <p:cNvGrpSpPr/>
-        <p:nvPr/>
-      </p:nvGrpSpPr>
-      <p:grpSpPr>
-        <a:xfrm>
-          <a:off x="0" y="0"/>
-          <a:ext cx="0" cy="0"/>
-          <a:chOff x="0" y="0"/>
-          <a:chExt cx="0" cy="0"/>
-        </a:xfrm>
-      </p:grpSpPr>
-      <p:sp>
-        <p:nvSpPr>
-          <p:cNvPr id="4" name="Oval 3"/>
-          <p:cNvSpPr/>
-          <p:nvPr/>
-        </p:nvSpPr>
-        <p:spPr>
-          <a:xfrm>
-            <a:off x="10882952" y="327547"/>
-            <a:ext cx="504967" cy="504967"/>
-          </a:xfrm>
-          <a:prstGeom prst="ellipse">
-            <a:avLst/>
-          </a:prstGeom>
-        </p:spPr>
-        <p:style>
-          <a:lnRef idx="2">
-            <a:schemeClr val="accent6"/>
-          </a:lnRef>
-          <a:fillRef idx="1">
-            <a:schemeClr val="lt1"/>
-          </a:fillRef>
-          <a:effectRef idx="0">
-            <a:schemeClr val="accent6"/>
-          </a:effectRef>
-          <a:fontRef idx="minor">
-            <a:schemeClr val="dk1"/>
-          </a:fontRef>
-        </p:style>
-        <p:txBody>
-          <a:bodyPr rtlCol="0" anchor="ctr"/>
-          <a:lstStyle/>
-          <a:p>
-            <a:pPr algn="ctr"/>
-            <a:endParaRPr lang="en-US"/>
-          </a:p>
-        </p:txBody>
-      </p:sp>
-      <p:cxnSp>
-        <p:nvCxnSpPr>
-          <p:cNvPr id="5" name="Straight Connector 4"/>
-          <p:cNvCxnSpPr>
-            <a:stCxn id="4" idx="4"/>
-          </p:cNvCxnSpPr>
-          <p:nvPr/>
-        </p:nvCxnSpPr>
-        <p:spPr>
-          <a:xfrm>
-            <a:off x="11135436" y="832514"/>
-            <a:ext cx="20471" cy="777923"/>
-          </a:xfrm>
-          <a:prstGeom prst="line">
-            <a:avLst/>
-          </a:prstGeom>
-        </p:spPr>
-        <p:style>
-          <a:lnRef idx="1">
-            <a:schemeClr val="accent1"/>
-          </a:lnRef>
-          <a:fillRef idx="0">
-            <a:schemeClr val="accent1"/>
-          </a:fillRef>
-          <a:effectRef idx="0">
-            <a:schemeClr val="accent1"/>
-          </a:effectRef>
-          <a:fontRef idx="minor">
-            <a:schemeClr val="tx1"/>
-          </a:fontRef>
-        </p:style>
-      </p:cxnSp>
-      <p:cxnSp>
-        <p:nvCxnSpPr>
-          <p:cNvPr id="6" name="Straight Connector 5"/>
-          <p:cNvCxnSpPr/>
-          <p:nvPr/>
-        </p:nvCxnSpPr>
-        <p:spPr>
-          <a:xfrm>
-            <a:off x="10882952" y="1160061"/>
-            <a:ext cx="614149" cy="0"/>
-          </a:xfrm>
-          <a:prstGeom prst="line">
-            <a:avLst/>
-          </a:prstGeom>
-        </p:spPr>
-        <p:style>
-          <a:lnRef idx="1">
-            <a:schemeClr val="accent1"/>
-          </a:lnRef>
-          <a:fillRef idx="0">
-            <a:schemeClr val="accent1"/>
-          </a:fillRef>
-          <a:effectRef idx="0">
-            <a:schemeClr val="accent1"/>
-          </a:effectRef>
-          <a:fontRef idx="minor">
-            <a:schemeClr val="tx1"/>
-          </a:fontRef>
-        </p:style>
-      </p:cxnSp>
-      <p:cxnSp>
-        <p:nvCxnSpPr>
-          <p:cNvPr id="7" name="Straight Connector 6"/>
-          <p:cNvCxnSpPr/>
-          <p:nvPr/>
-        </p:nvCxnSpPr>
-        <p:spPr>
-          <a:xfrm flipH="1">
-            <a:off x="10773770" y="1610437"/>
-            <a:ext cx="382137" cy="218364"/>
-          </a:xfrm>
-          <a:prstGeom prst="line">
-            <a:avLst/>
-          </a:prstGeom>
-        </p:spPr>
-        <p:style>
-          <a:lnRef idx="1">
-            <a:schemeClr val="accent1"/>
-          </a:lnRef>
-          <a:fillRef idx="0">
-            <a:schemeClr val="accent1"/>
-          </a:fillRef>
-          <a:effectRef idx="0">
-            <a:schemeClr val="accent1"/>
-          </a:effectRef>
-          <a:fontRef idx="minor">
-            <a:schemeClr val="tx1"/>
-          </a:fontRef>
-        </p:style>
-      </p:cxnSp>
-      <p:cxnSp>
-        <p:nvCxnSpPr>
-          <p:cNvPr id="8" name="Straight Connector 7"/>
-          <p:cNvCxnSpPr/>
-          <p:nvPr/>
-        </p:nvCxnSpPr>
-        <p:spPr>
-          <a:xfrm>
-            <a:off x="11155907" y="1610437"/>
-            <a:ext cx="341194" cy="170596"/>
-          </a:xfrm>
-          <a:prstGeom prst="line">
-            <a:avLst/>
-          </a:prstGeom>
-        </p:spPr>
-        <p:style>
-          <a:lnRef idx="1">
-            <a:schemeClr val="accent1"/>
-          </a:lnRef>
-          <a:fillRef idx="0">
-            <a:schemeClr val="accent1"/>
-          </a:fillRef>
-          <a:effectRef idx="0">
-            <a:schemeClr val="accent1"/>
-          </a:effectRef>
-          <a:fontRef idx="minor">
-            <a:schemeClr val="tx1"/>
-          </a:fontRef>
-        </p:style>
-      </p:cxnSp>
-      <p:sp>
-        <p:nvSpPr>
-          <p:cNvPr id="13" name="TextBox 12"/>
-          <p:cNvSpPr txBox="1"/>
-          <p:nvPr/>
-        </p:nvSpPr>
-        <p:spPr>
-          <a:xfrm>
-            <a:off x="765922" y="256865"/>
-            <a:ext cx="8891262" cy="646331"/>
-          </a:xfrm>
-          <a:prstGeom prst="rect">
-            <a:avLst/>
-          </a:prstGeom>
-          <a:noFill/>
-        </p:spPr>
-        <p:txBody>
-          <a:bodyPr wrap="square" rtlCol="0">
-            <a:spAutoFit/>
-          </a:bodyPr>
-          <a:lstStyle/>
-          <a:p>
-            <a:r>
-              <a:rPr lang="en-US" sz="3600" i="1" dirty="0"/>
-              <a:t>Microsoft R Open – Performance Comparison</a:t>
-            </a:r>
-          </a:p>
-        </p:txBody>
-      </p:sp>
-      <p:sp>
-        <p:nvSpPr>
-          <p:cNvPr id="9" name="TextBox 8"/>
-          <p:cNvSpPr txBox="1"/>
-          <p:nvPr/>
-        </p:nvSpPr>
-        <p:spPr>
-          <a:xfrm>
-            <a:off x="1273244" y="6410739"/>
-            <a:ext cx="7673009" cy="369332"/>
-          </a:xfrm>
-          <a:prstGeom prst="rect">
-            <a:avLst/>
-          </a:prstGeom>
-          <a:noFill/>
-        </p:spPr>
-        <p:txBody>
-          <a:bodyPr wrap="square" rtlCol="0">
-            <a:spAutoFit/>
-          </a:bodyPr>
-          <a:lstStyle/>
-          <a:p>
-            <a:r>
-              <a:rPr lang="en-US" dirty="0"/>
-              <a:t>SOURCE: </a:t>
-            </a:r>
-            <a:r>
-              <a:rPr lang="en-US" dirty="0">
-                <a:hlinkClick r:id="rId2"/>
-              </a:rPr>
-              <a:t>https://mran.revolutionanalytics.com/documents/rro/multithread/</a:t>
-            </a:r>
-            <a:endParaRPr lang="en-US" dirty="0"/>
-          </a:p>
-        </p:txBody>
-      </p:sp>
-      <p:pic>
-        <p:nvPicPr>
-          <p:cNvPr id="2" name="Picture 1"/>
-          <p:cNvPicPr>
-            <a:picLocks noChangeAspect="1"/>
-          </p:cNvPicPr>
-          <p:nvPr/>
-        </p:nvPicPr>
-        <p:blipFill>
-          <a:blip r:embed="rId3">
-            <a:extLst>
-              <a:ext uri="{28A0092B-C50C-407E-A947-70E740481C1C}">
-                <a14:useLocalDpi xmlns:a14="http://schemas.microsoft.com/office/drawing/2010/main" val="0"/>
-              </a:ext>
-            </a:extLst>
-          </a:blip>
-          <a:stretch>
-            <a:fillRect/>
-          </a:stretch>
-        </p:blipFill>
-        <p:spPr>
-          <a:xfrm>
-            <a:off x="1819469" y="903197"/>
-            <a:ext cx="7315200" cy="5507542"/>
-          </a:xfrm>
-          <a:prstGeom prst="rect">
-            <a:avLst/>
-          </a:prstGeom>
-        </p:spPr>
-      </p:pic>
-    </p:spTree>
-    <p:extLst>
-      <p:ext uri="{BB962C8B-B14F-4D97-AF65-F5344CB8AC3E}">
-        <p14:creationId xmlns:p14="http://schemas.microsoft.com/office/powerpoint/2010/main" val="1646370379"/>
-      </p:ext>
-    </p:extLst>
-  </p:cSld>
-  <p:clrMapOvr>
-    <a:masterClrMapping/>
-  </p:clrMapOvr>
-</p:sld>
-</file>
-
 <file path=ppt/slides/slide2.xml><?xml version="1.0" encoding="utf-8"?>
 <p:sld xmlns:a="http://schemas.openxmlformats.org/drawingml/2006/main" xmlns:r="http://schemas.openxmlformats.org/officeDocument/2006/relationships" xmlns:p="http://schemas.openxmlformats.org/presentationml/2006/main" showMasterSp="0">
   <p:cSld>
@@ -26671,6 +27031,653 @@
       </p:cxnSp>
       <p:sp>
         <p:nvSpPr>
+          <p:cNvPr id="14" name="TextBox 13"/>
+          <p:cNvSpPr txBox="1"/>
+          <p:nvPr/>
+        </p:nvSpPr>
+        <p:spPr>
+          <a:xfrm>
+            <a:off x="406145" y="903195"/>
+            <a:ext cx="10186792" cy="4893647"/>
+          </a:xfrm>
+          <a:prstGeom prst="rect">
+            <a:avLst/>
+          </a:prstGeom>
+          <a:noFill/>
+        </p:spPr>
+        <p:txBody>
+          <a:bodyPr wrap="square" rtlCol="0">
+            <a:spAutoFit/>
+          </a:bodyPr>
+          <a:lstStyle/>
+          <a:p>
+            <a:pPr marL="342900" indent="-342900">
+              <a:buFont typeface="Arial" panose="020B0604020202020204" pitchFamily="34" charset="0"/>
+              <a:buChar char="•"/>
+            </a:pPr>
+            <a:r>
+              <a:rPr lang="en-US" sz="2400" i="1" dirty="0"/>
+              <a:t>Free and based on open source R distribution</a:t>
+            </a:r>
+          </a:p>
+          <a:p>
+            <a:pPr marL="342900" indent="-342900">
+              <a:buFont typeface="Arial" panose="020B0604020202020204" pitchFamily="34" charset="0"/>
+              <a:buChar char="•"/>
+            </a:pPr>
+            <a:endParaRPr lang="en-US" sz="2400" i="1" dirty="0"/>
+          </a:p>
+          <a:p>
+            <a:pPr marL="342900" indent="-342900">
+              <a:buFont typeface="Arial" panose="020B0604020202020204" pitchFamily="34" charset="0"/>
+              <a:buChar char="•"/>
+            </a:pPr>
+            <a:r>
+              <a:rPr lang="en-US" sz="2400" i="1" dirty="0"/>
+              <a:t>Enhanced version of base R released by Revolution Analytics</a:t>
+            </a:r>
+          </a:p>
+          <a:p>
+            <a:pPr marL="800100" lvl="1" indent="-342900">
+              <a:buFont typeface="Arial" panose="020B0604020202020204" pitchFamily="34" charset="0"/>
+              <a:buChar char="•"/>
+            </a:pPr>
+            <a:endParaRPr lang="en-US" sz="2400" i="1" dirty="0"/>
+          </a:p>
+          <a:p>
+            <a:pPr marL="800100" lvl="1" indent="-342900">
+              <a:buFont typeface="Arial" panose="020B0604020202020204" pitchFamily="34" charset="0"/>
+              <a:buChar char="•"/>
+            </a:pPr>
+            <a:r>
+              <a:rPr lang="en-US" sz="2400" i="1" dirty="0"/>
+              <a:t>Performance</a:t>
+            </a:r>
+          </a:p>
+          <a:p>
+            <a:pPr marL="342900" indent="-342900">
+              <a:buFont typeface="Arial" panose="020B0604020202020204" pitchFamily="34" charset="0"/>
+              <a:buChar char="•"/>
+            </a:pPr>
+            <a:endParaRPr lang="en-US" sz="2400" i="1" dirty="0"/>
+          </a:p>
+          <a:p>
+            <a:pPr marL="800100" lvl="1" indent="-342900">
+              <a:buFont typeface="Arial" panose="020B0604020202020204" pitchFamily="34" charset="0"/>
+              <a:buChar char="•"/>
+            </a:pPr>
+            <a:r>
+              <a:rPr lang="en-US" sz="2400" i="1" dirty="0"/>
+              <a:t>Multithreading (available through MKL) 	</a:t>
+            </a:r>
+          </a:p>
+          <a:p>
+            <a:pPr marL="342900" indent="-342900">
+              <a:buFont typeface="Arial" panose="020B0604020202020204" pitchFamily="34" charset="0"/>
+              <a:buChar char="•"/>
+            </a:pPr>
+            <a:endParaRPr lang="en-US" sz="2400" i="1" dirty="0"/>
+          </a:p>
+          <a:p>
+            <a:pPr marL="800100" lvl="1" indent="-342900">
+              <a:buFont typeface="Arial" panose="020B0604020202020204" pitchFamily="34" charset="0"/>
+              <a:buChar char="•"/>
+            </a:pPr>
+            <a:r>
+              <a:rPr lang="en-US" sz="2400" i="1" dirty="0"/>
+              <a:t>Package Time Machine (</a:t>
+            </a:r>
+            <a:r>
+              <a:rPr lang="en-US" sz="2400" i="1" dirty="0" err="1"/>
+              <a:t>checkpointing</a:t>
+            </a:r>
+            <a:r>
+              <a:rPr lang="en-US" sz="2400" i="1" dirty="0"/>
+              <a:t>) for reproducible code </a:t>
+            </a:r>
+          </a:p>
+          <a:p>
+            <a:pPr marL="342900" indent="-342900">
+              <a:buFont typeface="Arial" panose="020B0604020202020204" pitchFamily="34" charset="0"/>
+              <a:buChar char="•"/>
+            </a:pPr>
+            <a:endParaRPr lang="en-US" sz="2400" i="1" dirty="0"/>
+          </a:p>
+          <a:p>
+            <a:pPr marL="342900" indent="-342900">
+              <a:buFont typeface="Arial" panose="020B0604020202020204" pitchFamily="34" charset="0"/>
+              <a:buChar char="•"/>
+            </a:pPr>
+            <a:r>
+              <a:rPr lang="en-US" sz="2400" i="1" dirty="0"/>
+              <a:t>Same functionality and access to R packages</a:t>
+            </a:r>
+          </a:p>
+          <a:p>
+            <a:pPr marL="342900" indent="-342900">
+              <a:buFont typeface="Arial" panose="020B0604020202020204" pitchFamily="34" charset="0"/>
+              <a:buChar char="•"/>
+            </a:pPr>
+            <a:endParaRPr lang="en-US" sz="2400" i="1" dirty="0"/>
+          </a:p>
+          <a:p>
+            <a:pPr marL="342900" indent="-342900">
+              <a:buFont typeface="Arial" panose="020B0604020202020204" pitchFamily="34" charset="0"/>
+              <a:buChar char="•"/>
+            </a:pPr>
+            <a:r>
+              <a:rPr lang="en-US" sz="2400" i="1" dirty="0"/>
+              <a:t>Use any IDE to run scripts</a:t>
+            </a:r>
+          </a:p>
+        </p:txBody>
+      </p:sp>
+      <p:sp>
+        <p:nvSpPr>
+          <p:cNvPr id="3" name="TextBox 2"/>
+          <p:cNvSpPr txBox="1"/>
+          <p:nvPr/>
+        </p:nvSpPr>
+        <p:spPr>
+          <a:xfrm>
+            <a:off x="3319670" y="256864"/>
+            <a:ext cx="6649278" cy="646331"/>
+          </a:xfrm>
+          <a:prstGeom prst="rect">
+            <a:avLst/>
+          </a:prstGeom>
+          <a:noFill/>
+        </p:spPr>
+        <p:txBody>
+          <a:bodyPr wrap="square" rtlCol="0">
+            <a:spAutoFit/>
+          </a:bodyPr>
+          <a:lstStyle/>
+          <a:p>
+            <a:r>
+              <a:rPr lang="en-US" sz="3600" i="1" dirty="0"/>
+              <a:t>Microsoft R Open</a:t>
+            </a:r>
+          </a:p>
+        </p:txBody>
+      </p:sp>
+    </p:spTree>
+    <p:extLst>
+      <p:ext uri="{BB962C8B-B14F-4D97-AF65-F5344CB8AC3E}">
+        <p14:creationId xmlns:p14="http://schemas.microsoft.com/office/powerpoint/2010/main" val="2259798693"/>
+      </p:ext>
+    </p:extLst>
+  </p:cSld>
+  <p:clrMapOvr>
+    <a:masterClrMapping/>
+  </p:clrMapOvr>
+</p:sld>
+</file>
+
+<file path=ppt/slides/slide21.xml><?xml version="1.0" encoding="utf-8"?>
+<p:sld xmlns:a="http://schemas.openxmlformats.org/drawingml/2006/main" xmlns:r="http://schemas.openxmlformats.org/officeDocument/2006/relationships" xmlns:p="http://schemas.openxmlformats.org/presentationml/2006/main">
+  <p:cSld>
+    <p:spTree>
+      <p:nvGrpSpPr>
+        <p:cNvPr id="1" name=""/>
+        <p:cNvGrpSpPr/>
+        <p:nvPr/>
+      </p:nvGrpSpPr>
+      <p:grpSpPr>
+        <a:xfrm>
+          <a:off x="0" y="0"/>
+          <a:ext cx="0" cy="0"/>
+          <a:chOff x="0" y="0"/>
+          <a:chExt cx="0" cy="0"/>
+        </a:xfrm>
+      </p:grpSpPr>
+      <p:sp>
+        <p:nvSpPr>
+          <p:cNvPr id="4" name="Oval 3"/>
+          <p:cNvSpPr/>
+          <p:nvPr/>
+        </p:nvSpPr>
+        <p:spPr>
+          <a:xfrm>
+            <a:off x="10882952" y="327547"/>
+            <a:ext cx="504967" cy="504967"/>
+          </a:xfrm>
+          <a:prstGeom prst="ellipse">
+            <a:avLst/>
+          </a:prstGeom>
+        </p:spPr>
+        <p:style>
+          <a:lnRef idx="2">
+            <a:schemeClr val="accent6"/>
+          </a:lnRef>
+          <a:fillRef idx="1">
+            <a:schemeClr val="lt1"/>
+          </a:fillRef>
+          <a:effectRef idx="0">
+            <a:schemeClr val="accent6"/>
+          </a:effectRef>
+          <a:fontRef idx="minor">
+            <a:schemeClr val="dk1"/>
+          </a:fontRef>
+        </p:style>
+        <p:txBody>
+          <a:bodyPr rtlCol="0" anchor="ctr"/>
+          <a:lstStyle/>
+          <a:p>
+            <a:pPr algn="ctr"/>
+            <a:endParaRPr lang="en-US"/>
+          </a:p>
+        </p:txBody>
+      </p:sp>
+      <p:cxnSp>
+        <p:nvCxnSpPr>
+          <p:cNvPr id="5" name="Straight Connector 4"/>
+          <p:cNvCxnSpPr>
+            <a:stCxn id="4" idx="4"/>
+          </p:cNvCxnSpPr>
+          <p:nvPr/>
+        </p:nvCxnSpPr>
+        <p:spPr>
+          <a:xfrm>
+            <a:off x="11135436" y="832514"/>
+            <a:ext cx="20471" cy="777923"/>
+          </a:xfrm>
+          <a:prstGeom prst="line">
+            <a:avLst/>
+          </a:prstGeom>
+        </p:spPr>
+        <p:style>
+          <a:lnRef idx="1">
+            <a:schemeClr val="accent1"/>
+          </a:lnRef>
+          <a:fillRef idx="0">
+            <a:schemeClr val="accent1"/>
+          </a:fillRef>
+          <a:effectRef idx="0">
+            <a:schemeClr val="accent1"/>
+          </a:effectRef>
+          <a:fontRef idx="minor">
+            <a:schemeClr val="tx1"/>
+          </a:fontRef>
+        </p:style>
+      </p:cxnSp>
+      <p:cxnSp>
+        <p:nvCxnSpPr>
+          <p:cNvPr id="6" name="Straight Connector 5"/>
+          <p:cNvCxnSpPr/>
+          <p:nvPr/>
+        </p:nvCxnSpPr>
+        <p:spPr>
+          <a:xfrm>
+            <a:off x="10882952" y="1160061"/>
+            <a:ext cx="614149" cy="0"/>
+          </a:xfrm>
+          <a:prstGeom prst="line">
+            <a:avLst/>
+          </a:prstGeom>
+        </p:spPr>
+        <p:style>
+          <a:lnRef idx="1">
+            <a:schemeClr val="accent1"/>
+          </a:lnRef>
+          <a:fillRef idx="0">
+            <a:schemeClr val="accent1"/>
+          </a:fillRef>
+          <a:effectRef idx="0">
+            <a:schemeClr val="accent1"/>
+          </a:effectRef>
+          <a:fontRef idx="minor">
+            <a:schemeClr val="tx1"/>
+          </a:fontRef>
+        </p:style>
+      </p:cxnSp>
+      <p:cxnSp>
+        <p:nvCxnSpPr>
+          <p:cNvPr id="7" name="Straight Connector 6"/>
+          <p:cNvCxnSpPr/>
+          <p:nvPr/>
+        </p:nvCxnSpPr>
+        <p:spPr>
+          <a:xfrm flipH="1">
+            <a:off x="10773770" y="1610437"/>
+            <a:ext cx="382137" cy="218364"/>
+          </a:xfrm>
+          <a:prstGeom prst="line">
+            <a:avLst/>
+          </a:prstGeom>
+        </p:spPr>
+        <p:style>
+          <a:lnRef idx="1">
+            <a:schemeClr val="accent1"/>
+          </a:lnRef>
+          <a:fillRef idx="0">
+            <a:schemeClr val="accent1"/>
+          </a:fillRef>
+          <a:effectRef idx="0">
+            <a:schemeClr val="accent1"/>
+          </a:effectRef>
+          <a:fontRef idx="minor">
+            <a:schemeClr val="tx1"/>
+          </a:fontRef>
+        </p:style>
+      </p:cxnSp>
+      <p:cxnSp>
+        <p:nvCxnSpPr>
+          <p:cNvPr id="8" name="Straight Connector 7"/>
+          <p:cNvCxnSpPr/>
+          <p:nvPr/>
+        </p:nvCxnSpPr>
+        <p:spPr>
+          <a:xfrm>
+            <a:off x="11155907" y="1610437"/>
+            <a:ext cx="341194" cy="170596"/>
+          </a:xfrm>
+          <a:prstGeom prst="line">
+            <a:avLst/>
+          </a:prstGeom>
+        </p:spPr>
+        <p:style>
+          <a:lnRef idx="1">
+            <a:schemeClr val="accent1"/>
+          </a:lnRef>
+          <a:fillRef idx="0">
+            <a:schemeClr val="accent1"/>
+          </a:fillRef>
+          <a:effectRef idx="0">
+            <a:schemeClr val="accent1"/>
+          </a:effectRef>
+          <a:fontRef idx="minor">
+            <a:schemeClr val="tx1"/>
+          </a:fontRef>
+        </p:style>
+      </p:cxnSp>
+      <p:sp>
+        <p:nvSpPr>
+          <p:cNvPr id="13" name="TextBox 12"/>
+          <p:cNvSpPr txBox="1"/>
+          <p:nvPr/>
+        </p:nvSpPr>
+        <p:spPr>
+          <a:xfrm>
+            <a:off x="765922" y="256865"/>
+            <a:ext cx="8891262" cy="646331"/>
+          </a:xfrm>
+          <a:prstGeom prst="rect">
+            <a:avLst/>
+          </a:prstGeom>
+          <a:noFill/>
+        </p:spPr>
+        <p:txBody>
+          <a:bodyPr wrap="square" rtlCol="0">
+            <a:spAutoFit/>
+          </a:bodyPr>
+          <a:lstStyle/>
+          <a:p>
+            <a:r>
+              <a:rPr lang="en-US" sz="3600" i="1" dirty="0"/>
+              <a:t>Microsoft R Open – Performance Comparison</a:t>
+            </a:r>
+          </a:p>
+        </p:txBody>
+      </p:sp>
+      <p:sp>
+        <p:nvSpPr>
+          <p:cNvPr id="9" name="TextBox 8"/>
+          <p:cNvSpPr txBox="1"/>
+          <p:nvPr/>
+        </p:nvSpPr>
+        <p:spPr>
+          <a:xfrm>
+            <a:off x="1273244" y="6410739"/>
+            <a:ext cx="7673009" cy="369332"/>
+          </a:xfrm>
+          <a:prstGeom prst="rect">
+            <a:avLst/>
+          </a:prstGeom>
+          <a:noFill/>
+        </p:spPr>
+        <p:txBody>
+          <a:bodyPr wrap="square" rtlCol="0">
+            <a:spAutoFit/>
+          </a:bodyPr>
+          <a:lstStyle/>
+          <a:p>
+            <a:r>
+              <a:rPr lang="en-US" dirty="0"/>
+              <a:t>SOURCE: </a:t>
+            </a:r>
+            <a:r>
+              <a:rPr lang="en-US" dirty="0">
+                <a:hlinkClick r:id="rId2"/>
+              </a:rPr>
+              <a:t>https://mran.revolutionanalytics.com/documents/rro/multithread/</a:t>
+            </a:r>
+            <a:endParaRPr lang="en-US" dirty="0"/>
+          </a:p>
+        </p:txBody>
+      </p:sp>
+      <p:pic>
+        <p:nvPicPr>
+          <p:cNvPr id="2" name="Picture 1"/>
+          <p:cNvPicPr>
+            <a:picLocks noChangeAspect="1"/>
+          </p:cNvPicPr>
+          <p:nvPr/>
+        </p:nvPicPr>
+        <p:blipFill>
+          <a:blip r:embed="rId3">
+            <a:extLst>
+              <a:ext uri="{28A0092B-C50C-407E-A947-70E740481C1C}">
+                <a14:useLocalDpi xmlns:a14="http://schemas.microsoft.com/office/drawing/2010/main" val="0"/>
+              </a:ext>
+            </a:extLst>
+          </a:blip>
+          <a:stretch>
+            <a:fillRect/>
+          </a:stretch>
+        </p:blipFill>
+        <p:spPr>
+          <a:xfrm>
+            <a:off x="1819469" y="903197"/>
+            <a:ext cx="7315200" cy="5507542"/>
+          </a:xfrm>
+          <a:prstGeom prst="rect">
+            <a:avLst/>
+          </a:prstGeom>
+        </p:spPr>
+      </p:pic>
+    </p:spTree>
+    <p:extLst>
+      <p:ext uri="{BB962C8B-B14F-4D97-AF65-F5344CB8AC3E}">
+        <p14:creationId xmlns:p14="http://schemas.microsoft.com/office/powerpoint/2010/main" val="1646370379"/>
+      </p:ext>
+    </p:extLst>
+  </p:cSld>
+  <p:clrMapOvr>
+    <a:masterClrMapping/>
+  </p:clrMapOvr>
+</p:sld>
+</file>
+
+<file path=ppt/slides/slide22.xml><?xml version="1.0" encoding="utf-8"?>
+<p:sld xmlns:a="http://schemas.openxmlformats.org/drawingml/2006/main" xmlns:r="http://schemas.openxmlformats.org/officeDocument/2006/relationships" xmlns:p="http://schemas.openxmlformats.org/presentationml/2006/main">
+  <p:cSld>
+    <p:spTree>
+      <p:nvGrpSpPr>
+        <p:cNvPr id="1" name=""/>
+        <p:cNvGrpSpPr/>
+        <p:nvPr/>
+      </p:nvGrpSpPr>
+      <p:grpSpPr>
+        <a:xfrm>
+          <a:off x="0" y="0"/>
+          <a:ext cx="0" cy="0"/>
+          <a:chOff x="0" y="0"/>
+          <a:chExt cx="0" cy="0"/>
+        </a:xfrm>
+      </p:grpSpPr>
+      <p:sp>
+        <p:nvSpPr>
+          <p:cNvPr id="4" name="Oval 3"/>
+          <p:cNvSpPr/>
+          <p:nvPr/>
+        </p:nvSpPr>
+        <p:spPr>
+          <a:xfrm>
+            <a:off x="10882952" y="327547"/>
+            <a:ext cx="504967" cy="504967"/>
+          </a:xfrm>
+          <a:prstGeom prst="ellipse">
+            <a:avLst/>
+          </a:prstGeom>
+        </p:spPr>
+        <p:style>
+          <a:lnRef idx="2">
+            <a:schemeClr val="accent6"/>
+          </a:lnRef>
+          <a:fillRef idx="1">
+            <a:schemeClr val="lt1"/>
+          </a:fillRef>
+          <a:effectRef idx="0">
+            <a:schemeClr val="accent6"/>
+          </a:effectRef>
+          <a:fontRef idx="minor">
+            <a:schemeClr val="dk1"/>
+          </a:fontRef>
+        </p:style>
+        <p:txBody>
+          <a:bodyPr rtlCol="0" anchor="ctr"/>
+          <a:lstStyle/>
+          <a:p>
+            <a:pPr algn="ctr"/>
+            <a:endParaRPr lang="en-US"/>
+          </a:p>
+        </p:txBody>
+      </p:sp>
+      <p:cxnSp>
+        <p:nvCxnSpPr>
+          <p:cNvPr id="5" name="Straight Connector 4"/>
+          <p:cNvCxnSpPr>
+            <a:stCxn id="4" idx="4"/>
+          </p:cNvCxnSpPr>
+          <p:nvPr/>
+        </p:nvCxnSpPr>
+        <p:spPr>
+          <a:xfrm>
+            <a:off x="11135436" y="832514"/>
+            <a:ext cx="20471" cy="777923"/>
+          </a:xfrm>
+          <a:prstGeom prst="line">
+            <a:avLst/>
+          </a:prstGeom>
+        </p:spPr>
+        <p:style>
+          <a:lnRef idx="1">
+            <a:schemeClr val="accent1"/>
+          </a:lnRef>
+          <a:fillRef idx="0">
+            <a:schemeClr val="accent1"/>
+          </a:fillRef>
+          <a:effectRef idx="0">
+            <a:schemeClr val="accent1"/>
+          </a:effectRef>
+          <a:fontRef idx="minor">
+            <a:schemeClr val="tx1"/>
+          </a:fontRef>
+        </p:style>
+      </p:cxnSp>
+      <p:cxnSp>
+        <p:nvCxnSpPr>
+          <p:cNvPr id="6" name="Straight Connector 5"/>
+          <p:cNvCxnSpPr/>
+          <p:nvPr/>
+        </p:nvCxnSpPr>
+        <p:spPr>
+          <a:xfrm>
+            <a:off x="10882952" y="1160061"/>
+            <a:ext cx="614149" cy="0"/>
+          </a:xfrm>
+          <a:prstGeom prst="line">
+            <a:avLst/>
+          </a:prstGeom>
+        </p:spPr>
+        <p:style>
+          <a:lnRef idx="1">
+            <a:schemeClr val="accent1"/>
+          </a:lnRef>
+          <a:fillRef idx="0">
+            <a:schemeClr val="accent1"/>
+          </a:fillRef>
+          <a:effectRef idx="0">
+            <a:schemeClr val="accent1"/>
+          </a:effectRef>
+          <a:fontRef idx="minor">
+            <a:schemeClr val="tx1"/>
+          </a:fontRef>
+        </p:style>
+      </p:cxnSp>
+      <p:cxnSp>
+        <p:nvCxnSpPr>
+          <p:cNvPr id="7" name="Straight Connector 6"/>
+          <p:cNvCxnSpPr/>
+          <p:nvPr/>
+        </p:nvCxnSpPr>
+        <p:spPr>
+          <a:xfrm flipH="1">
+            <a:off x="10773770" y="1610437"/>
+            <a:ext cx="382137" cy="218364"/>
+          </a:xfrm>
+          <a:prstGeom prst="line">
+            <a:avLst/>
+          </a:prstGeom>
+        </p:spPr>
+        <p:style>
+          <a:lnRef idx="1">
+            <a:schemeClr val="accent1"/>
+          </a:lnRef>
+          <a:fillRef idx="0">
+            <a:schemeClr val="accent1"/>
+          </a:fillRef>
+          <a:effectRef idx="0">
+            <a:schemeClr val="accent1"/>
+          </a:effectRef>
+          <a:fontRef idx="minor">
+            <a:schemeClr val="tx1"/>
+          </a:fontRef>
+        </p:style>
+      </p:cxnSp>
+      <p:cxnSp>
+        <p:nvCxnSpPr>
+          <p:cNvPr id="8" name="Straight Connector 7"/>
+          <p:cNvCxnSpPr/>
+          <p:nvPr/>
+        </p:nvCxnSpPr>
+        <p:spPr>
+          <a:xfrm>
+            <a:off x="11155907" y="1610437"/>
+            <a:ext cx="341194" cy="170596"/>
+          </a:xfrm>
+          <a:prstGeom prst="line">
+            <a:avLst/>
+          </a:prstGeom>
+        </p:spPr>
+        <p:style>
+          <a:lnRef idx="1">
+            <a:schemeClr val="accent1"/>
+          </a:lnRef>
+          <a:fillRef idx="0">
+            <a:schemeClr val="accent1"/>
+          </a:fillRef>
+          <a:effectRef idx="0">
+            <a:schemeClr val="accent1"/>
+          </a:effectRef>
+          <a:fontRef idx="minor">
+            <a:schemeClr val="tx1"/>
+          </a:fontRef>
+        </p:style>
+      </p:cxnSp>
+      <p:sp>
+        <p:nvSpPr>
           <p:cNvPr id="3" name="TextBox 2"/>
           <p:cNvSpPr txBox="1"/>
           <p:nvPr/>
@@ -26773,7 +27780,7 @@
 </p:sld>
 </file>
 
-<file path=ppt/slides/slide21.xml><?xml version="1.0" encoding="utf-8"?>
+<file path=ppt/slides/slide23.xml><?xml version="1.0" encoding="utf-8"?>
 <p:sld xmlns:a="http://schemas.openxmlformats.org/drawingml/2006/main" xmlns:r="http://schemas.openxmlformats.org/officeDocument/2006/relationships" xmlns:p="http://schemas.openxmlformats.org/presentationml/2006/main">
   <p:cSld>
     <p:spTree>
@@ -27022,633 +28029,6 @@
 </p:sld>
 </file>
 
-<file path=ppt/slides/slide22.xml><?xml version="1.0" encoding="utf-8"?>
-<p:sld xmlns:a="http://schemas.openxmlformats.org/drawingml/2006/main" xmlns:r="http://schemas.openxmlformats.org/officeDocument/2006/relationships" xmlns:p="http://schemas.openxmlformats.org/presentationml/2006/main">
-  <p:cSld>
-    <p:spTree>
-      <p:nvGrpSpPr>
-        <p:cNvPr id="1" name=""/>
-        <p:cNvGrpSpPr/>
-        <p:nvPr/>
-      </p:nvGrpSpPr>
-      <p:grpSpPr>
-        <a:xfrm>
-          <a:off x="0" y="0"/>
-          <a:ext cx="0" cy="0"/>
-          <a:chOff x="0" y="0"/>
-          <a:chExt cx="0" cy="0"/>
-        </a:xfrm>
-      </p:grpSpPr>
-      <p:sp>
-        <p:nvSpPr>
-          <p:cNvPr id="4" name="Oval 3"/>
-          <p:cNvSpPr/>
-          <p:nvPr/>
-        </p:nvSpPr>
-        <p:spPr>
-          <a:xfrm>
-            <a:off x="10882952" y="327547"/>
-            <a:ext cx="504967" cy="504967"/>
-          </a:xfrm>
-          <a:prstGeom prst="ellipse">
-            <a:avLst/>
-          </a:prstGeom>
-        </p:spPr>
-        <p:style>
-          <a:lnRef idx="2">
-            <a:schemeClr val="accent6"/>
-          </a:lnRef>
-          <a:fillRef idx="1">
-            <a:schemeClr val="lt1"/>
-          </a:fillRef>
-          <a:effectRef idx="0">
-            <a:schemeClr val="accent6"/>
-          </a:effectRef>
-          <a:fontRef idx="minor">
-            <a:schemeClr val="dk1"/>
-          </a:fontRef>
-        </p:style>
-        <p:txBody>
-          <a:bodyPr rtlCol="0" anchor="ctr"/>
-          <a:lstStyle/>
-          <a:p>
-            <a:pPr algn="ctr"/>
-            <a:endParaRPr lang="en-US"/>
-          </a:p>
-        </p:txBody>
-      </p:sp>
-      <p:cxnSp>
-        <p:nvCxnSpPr>
-          <p:cNvPr id="5" name="Straight Connector 4"/>
-          <p:cNvCxnSpPr>
-            <a:stCxn id="4" idx="4"/>
-          </p:cNvCxnSpPr>
-          <p:nvPr/>
-        </p:nvCxnSpPr>
-        <p:spPr>
-          <a:xfrm>
-            <a:off x="11135436" y="832514"/>
-            <a:ext cx="20471" cy="777923"/>
-          </a:xfrm>
-          <a:prstGeom prst="line">
-            <a:avLst/>
-          </a:prstGeom>
-        </p:spPr>
-        <p:style>
-          <a:lnRef idx="1">
-            <a:schemeClr val="accent1"/>
-          </a:lnRef>
-          <a:fillRef idx="0">
-            <a:schemeClr val="accent1"/>
-          </a:fillRef>
-          <a:effectRef idx="0">
-            <a:schemeClr val="accent1"/>
-          </a:effectRef>
-          <a:fontRef idx="minor">
-            <a:schemeClr val="tx1"/>
-          </a:fontRef>
-        </p:style>
-      </p:cxnSp>
-      <p:cxnSp>
-        <p:nvCxnSpPr>
-          <p:cNvPr id="6" name="Straight Connector 5"/>
-          <p:cNvCxnSpPr/>
-          <p:nvPr/>
-        </p:nvCxnSpPr>
-        <p:spPr>
-          <a:xfrm>
-            <a:off x="10882952" y="1160061"/>
-            <a:ext cx="614149" cy="0"/>
-          </a:xfrm>
-          <a:prstGeom prst="line">
-            <a:avLst/>
-          </a:prstGeom>
-        </p:spPr>
-        <p:style>
-          <a:lnRef idx="1">
-            <a:schemeClr val="accent1"/>
-          </a:lnRef>
-          <a:fillRef idx="0">
-            <a:schemeClr val="accent1"/>
-          </a:fillRef>
-          <a:effectRef idx="0">
-            <a:schemeClr val="accent1"/>
-          </a:effectRef>
-          <a:fontRef idx="minor">
-            <a:schemeClr val="tx1"/>
-          </a:fontRef>
-        </p:style>
-      </p:cxnSp>
-      <p:cxnSp>
-        <p:nvCxnSpPr>
-          <p:cNvPr id="7" name="Straight Connector 6"/>
-          <p:cNvCxnSpPr/>
-          <p:nvPr/>
-        </p:nvCxnSpPr>
-        <p:spPr>
-          <a:xfrm flipH="1">
-            <a:off x="10773770" y="1610437"/>
-            <a:ext cx="382137" cy="218364"/>
-          </a:xfrm>
-          <a:prstGeom prst="line">
-            <a:avLst/>
-          </a:prstGeom>
-        </p:spPr>
-        <p:style>
-          <a:lnRef idx="1">
-            <a:schemeClr val="accent1"/>
-          </a:lnRef>
-          <a:fillRef idx="0">
-            <a:schemeClr val="accent1"/>
-          </a:fillRef>
-          <a:effectRef idx="0">
-            <a:schemeClr val="accent1"/>
-          </a:effectRef>
-          <a:fontRef idx="minor">
-            <a:schemeClr val="tx1"/>
-          </a:fontRef>
-        </p:style>
-      </p:cxnSp>
-      <p:cxnSp>
-        <p:nvCxnSpPr>
-          <p:cNvPr id="8" name="Straight Connector 7"/>
-          <p:cNvCxnSpPr/>
-          <p:nvPr/>
-        </p:nvCxnSpPr>
-        <p:spPr>
-          <a:xfrm>
-            <a:off x="11155907" y="1610437"/>
-            <a:ext cx="341194" cy="170596"/>
-          </a:xfrm>
-          <a:prstGeom prst="line">
-            <a:avLst/>
-          </a:prstGeom>
-        </p:spPr>
-        <p:style>
-          <a:lnRef idx="1">
-            <a:schemeClr val="accent1"/>
-          </a:lnRef>
-          <a:fillRef idx="0">
-            <a:schemeClr val="accent1"/>
-          </a:fillRef>
-          <a:effectRef idx="0">
-            <a:schemeClr val="accent1"/>
-          </a:effectRef>
-          <a:fontRef idx="minor">
-            <a:schemeClr val="tx1"/>
-          </a:fontRef>
-        </p:style>
-      </p:cxnSp>
-      <p:sp>
-        <p:nvSpPr>
-          <p:cNvPr id="15" name="TextBox 14"/>
-          <p:cNvSpPr txBox="1"/>
-          <p:nvPr/>
-        </p:nvSpPr>
-        <p:spPr>
-          <a:xfrm>
-            <a:off x="1020740" y="1828801"/>
-            <a:ext cx="9252475" cy="3539430"/>
-          </a:xfrm>
-          <a:prstGeom prst="rect">
-            <a:avLst/>
-          </a:prstGeom>
-          <a:noFill/>
-        </p:spPr>
-        <p:txBody>
-          <a:bodyPr wrap="square" rtlCol="0">
-            <a:spAutoFit/>
-          </a:bodyPr>
-          <a:lstStyle/>
-          <a:p>
-            <a:pPr marL="342900" indent="-342900">
-              <a:buFont typeface="Arial" panose="020B0604020202020204" pitchFamily="34" charset="0"/>
-              <a:buChar char="•"/>
-            </a:pPr>
-            <a:r>
-              <a:rPr lang="en-US" sz="2800" i="1" dirty="0"/>
-              <a:t>R Service (In-Database)</a:t>
-            </a:r>
-          </a:p>
-          <a:p>
-            <a:pPr marL="800100" lvl="1" indent="-342900">
-              <a:buFont typeface="Arial" panose="020B0604020202020204" pitchFamily="34" charset="0"/>
-              <a:buChar char="•"/>
-            </a:pPr>
-            <a:r>
-              <a:rPr lang="en-US" sz="2800" i="1" dirty="0"/>
-              <a:t>Advanced Analytics Extension</a:t>
-            </a:r>
-          </a:p>
-          <a:p>
-            <a:pPr marL="342900" indent="-342900">
-              <a:buFont typeface="Arial" panose="020B0604020202020204" pitchFamily="34" charset="0"/>
-              <a:buChar char="•"/>
-            </a:pPr>
-            <a:endParaRPr lang="en-US" sz="2800" i="1" dirty="0"/>
-          </a:p>
-          <a:p>
-            <a:pPr marL="342900" indent="-342900">
-              <a:buFont typeface="Arial" panose="020B0604020202020204" pitchFamily="34" charset="0"/>
-              <a:buChar char="•"/>
-            </a:pPr>
-            <a:r>
-              <a:rPr lang="en-US" sz="2800" i="1" dirty="0"/>
-              <a:t>R scripts executed through system stored procedure</a:t>
-            </a:r>
-          </a:p>
-          <a:p>
-            <a:pPr marL="342900" indent="-342900">
-              <a:buFont typeface="Arial" panose="020B0604020202020204" pitchFamily="34" charset="0"/>
-              <a:buChar char="•"/>
-            </a:pPr>
-            <a:endParaRPr lang="en-US" sz="2800" i="1" dirty="0"/>
-          </a:p>
-          <a:p>
-            <a:pPr marL="342900" indent="-342900">
-              <a:buFont typeface="Arial" panose="020B0604020202020204" pitchFamily="34" charset="0"/>
-              <a:buChar char="•"/>
-            </a:pPr>
-            <a:r>
-              <a:rPr lang="en-US" sz="2800" i="1" dirty="0"/>
-              <a:t>Close to the data</a:t>
-            </a:r>
-          </a:p>
-          <a:p>
-            <a:pPr marL="342900" indent="-342900">
-              <a:buFont typeface="Arial" panose="020B0604020202020204" pitchFamily="34" charset="0"/>
-              <a:buChar char="•"/>
-            </a:pPr>
-            <a:endParaRPr lang="en-US" sz="2800" i="1" dirty="0"/>
-          </a:p>
-          <a:p>
-            <a:pPr marL="342900" indent="-342900">
-              <a:buFont typeface="Arial" panose="020B0604020202020204" pitchFamily="34" charset="0"/>
-              <a:buChar char="•"/>
-            </a:pPr>
-            <a:r>
-              <a:rPr lang="en-US" sz="2800" i="1" dirty="0"/>
-              <a:t>Use plots in SSRS</a:t>
-            </a:r>
-          </a:p>
-        </p:txBody>
-      </p:sp>
-      <p:sp>
-        <p:nvSpPr>
-          <p:cNvPr id="3" name="TextBox 2"/>
-          <p:cNvSpPr txBox="1"/>
-          <p:nvPr/>
-        </p:nvSpPr>
-        <p:spPr>
-          <a:xfrm>
-            <a:off x="1113183" y="576470"/>
-            <a:ext cx="5774634" cy="646331"/>
-          </a:xfrm>
-          <a:prstGeom prst="rect">
-            <a:avLst/>
-          </a:prstGeom>
-          <a:noFill/>
-        </p:spPr>
-        <p:txBody>
-          <a:bodyPr wrap="square" rtlCol="0">
-            <a:spAutoFit/>
-          </a:bodyPr>
-          <a:lstStyle/>
-          <a:p>
-            <a:r>
-              <a:rPr lang="en-US" sz="3600" i="1" dirty="0"/>
-              <a:t>SQL 2016 R Service</a:t>
-            </a:r>
-          </a:p>
-        </p:txBody>
-      </p:sp>
-    </p:spTree>
-    <p:extLst>
-      <p:ext uri="{BB962C8B-B14F-4D97-AF65-F5344CB8AC3E}">
-        <p14:creationId xmlns:p14="http://schemas.microsoft.com/office/powerpoint/2010/main" val="314266407"/>
-      </p:ext>
-    </p:extLst>
-  </p:cSld>
-  <p:clrMapOvr>
-    <a:masterClrMapping/>
-  </p:clrMapOvr>
-</p:sld>
-</file>
-
-<file path=ppt/slides/slide23.xml><?xml version="1.0" encoding="utf-8"?>
-<p:sld xmlns:a="http://schemas.openxmlformats.org/drawingml/2006/main" xmlns:r="http://schemas.openxmlformats.org/officeDocument/2006/relationships" xmlns:p="http://schemas.openxmlformats.org/presentationml/2006/main">
-  <p:cSld>
-    <p:spTree>
-      <p:nvGrpSpPr>
-        <p:cNvPr id="1" name=""/>
-        <p:cNvGrpSpPr/>
-        <p:nvPr/>
-      </p:nvGrpSpPr>
-      <p:grpSpPr>
-        <a:xfrm>
-          <a:off x="0" y="0"/>
-          <a:ext cx="0" cy="0"/>
-          <a:chOff x="0" y="0"/>
-          <a:chExt cx="0" cy="0"/>
-        </a:xfrm>
-      </p:grpSpPr>
-      <p:sp>
-        <p:nvSpPr>
-          <p:cNvPr id="4" name="Oval 3"/>
-          <p:cNvSpPr/>
-          <p:nvPr/>
-        </p:nvSpPr>
-        <p:spPr>
-          <a:xfrm>
-            <a:off x="10882952" y="327547"/>
-            <a:ext cx="504967" cy="504967"/>
-          </a:xfrm>
-          <a:prstGeom prst="ellipse">
-            <a:avLst/>
-          </a:prstGeom>
-        </p:spPr>
-        <p:style>
-          <a:lnRef idx="2">
-            <a:schemeClr val="accent6"/>
-          </a:lnRef>
-          <a:fillRef idx="1">
-            <a:schemeClr val="lt1"/>
-          </a:fillRef>
-          <a:effectRef idx="0">
-            <a:schemeClr val="accent6"/>
-          </a:effectRef>
-          <a:fontRef idx="minor">
-            <a:schemeClr val="dk1"/>
-          </a:fontRef>
-        </p:style>
-        <p:txBody>
-          <a:bodyPr rtlCol="0" anchor="ctr"/>
-          <a:lstStyle/>
-          <a:p>
-            <a:pPr algn="ctr"/>
-            <a:endParaRPr lang="en-US"/>
-          </a:p>
-        </p:txBody>
-      </p:sp>
-      <p:cxnSp>
-        <p:nvCxnSpPr>
-          <p:cNvPr id="5" name="Straight Connector 4"/>
-          <p:cNvCxnSpPr>
-            <a:stCxn id="4" idx="4"/>
-          </p:cNvCxnSpPr>
-          <p:nvPr/>
-        </p:nvCxnSpPr>
-        <p:spPr>
-          <a:xfrm>
-            <a:off x="11135436" y="832514"/>
-            <a:ext cx="20471" cy="777923"/>
-          </a:xfrm>
-          <a:prstGeom prst="line">
-            <a:avLst/>
-          </a:prstGeom>
-        </p:spPr>
-        <p:style>
-          <a:lnRef idx="1">
-            <a:schemeClr val="accent1"/>
-          </a:lnRef>
-          <a:fillRef idx="0">
-            <a:schemeClr val="accent1"/>
-          </a:fillRef>
-          <a:effectRef idx="0">
-            <a:schemeClr val="accent1"/>
-          </a:effectRef>
-          <a:fontRef idx="minor">
-            <a:schemeClr val="tx1"/>
-          </a:fontRef>
-        </p:style>
-      </p:cxnSp>
-      <p:cxnSp>
-        <p:nvCxnSpPr>
-          <p:cNvPr id="6" name="Straight Connector 5"/>
-          <p:cNvCxnSpPr/>
-          <p:nvPr/>
-        </p:nvCxnSpPr>
-        <p:spPr>
-          <a:xfrm>
-            <a:off x="10882952" y="1160061"/>
-            <a:ext cx="614149" cy="0"/>
-          </a:xfrm>
-          <a:prstGeom prst="line">
-            <a:avLst/>
-          </a:prstGeom>
-        </p:spPr>
-        <p:style>
-          <a:lnRef idx="1">
-            <a:schemeClr val="accent1"/>
-          </a:lnRef>
-          <a:fillRef idx="0">
-            <a:schemeClr val="accent1"/>
-          </a:fillRef>
-          <a:effectRef idx="0">
-            <a:schemeClr val="accent1"/>
-          </a:effectRef>
-          <a:fontRef idx="minor">
-            <a:schemeClr val="tx1"/>
-          </a:fontRef>
-        </p:style>
-      </p:cxnSp>
-      <p:cxnSp>
-        <p:nvCxnSpPr>
-          <p:cNvPr id="7" name="Straight Connector 6"/>
-          <p:cNvCxnSpPr/>
-          <p:nvPr/>
-        </p:nvCxnSpPr>
-        <p:spPr>
-          <a:xfrm flipH="1">
-            <a:off x="10773770" y="1610437"/>
-            <a:ext cx="382137" cy="218364"/>
-          </a:xfrm>
-          <a:prstGeom prst="line">
-            <a:avLst/>
-          </a:prstGeom>
-        </p:spPr>
-        <p:style>
-          <a:lnRef idx="1">
-            <a:schemeClr val="accent1"/>
-          </a:lnRef>
-          <a:fillRef idx="0">
-            <a:schemeClr val="accent1"/>
-          </a:fillRef>
-          <a:effectRef idx="0">
-            <a:schemeClr val="accent1"/>
-          </a:effectRef>
-          <a:fontRef idx="minor">
-            <a:schemeClr val="tx1"/>
-          </a:fontRef>
-        </p:style>
-      </p:cxnSp>
-      <p:cxnSp>
-        <p:nvCxnSpPr>
-          <p:cNvPr id="8" name="Straight Connector 7"/>
-          <p:cNvCxnSpPr/>
-          <p:nvPr/>
-        </p:nvCxnSpPr>
-        <p:spPr>
-          <a:xfrm>
-            <a:off x="11155907" y="1610437"/>
-            <a:ext cx="341194" cy="170596"/>
-          </a:xfrm>
-          <a:prstGeom prst="line">
-            <a:avLst/>
-          </a:prstGeom>
-        </p:spPr>
-        <p:style>
-          <a:lnRef idx="1">
-            <a:schemeClr val="accent1"/>
-          </a:lnRef>
-          <a:fillRef idx="0">
-            <a:schemeClr val="accent1"/>
-          </a:fillRef>
-          <a:effectRef idx="0">
-            <a:schemeClr val="accent1"/>
-          </a:effectRef>
-          <a:fontRef idx="minor">
-            <a:schemeClr val="tx1"/>
-          </a:fontRef>
-        </p:style>
-      </p:cxnSp>
-      <p:sp>
-        <p:nvSpPr>
-          <p:cNvPr id="2" name="TextBox 1"/>
-          <p:cNvSpPr txBox="1"/>
-          <p:nvPr/>
-        </p:nvSpPr>
-        <p:spPr>
-          <a:xfrm>
-            <a:off x="2325756" y="2915134"/>
-            <a:ext cx="10151461" cy="2308324"/>
-          </a:xfrm>
-          <a:prstGeom prst="rect">
-            <a:avLst/>
-          </a:prstGeom>
-          <a:noFill/>
-        </p:spPr>
-        <p:txBody>
-          <a:bodyPr wrap="square" rtlCol="0">
-            <a:spAutoFit/>
-          </a:bodyPr>
-          <a:lstStyle/>
-          <a:p>
-            <a:endParaRPr lang="en-US" sz="7200" dirty="0"/>
-          </a:p>
-          <a:p>
-            <a:endParaRPr lang="en-US" sz="7200" dirty="0"/>
-          </a:p>
-        </p:txBody>
-      </p:sp>
-      <p:sp>
-        <p:nvSpPr>
-          <p:cNvPr id="9" name="TextBox 8"/>
-          <p:cNvSpPr txBox="1"/>
-          <p:nvPr/>
-        </p:nvSpPr>
-        <p:spPr>
-          <a:xfrm>
-            <a:off x="1113183" y="576470"/>
-            <a:ext cx="5774634" cy="646331"/>
-          </a:xfrm>
-          <a:prstGeom prst="rect">
-            <a:avLst/>
-          </a:prstGeom>
-          <a:noFill/>
-        </p:spPr>
-        <p:txBody>
-          <a:bodyPr wrap="square" rtlCol="0">
-            <a:spAutoFit/>
-          </a:bodyPr>
-          <a:lstStyle/>
-          <a:p>
-            <a:r>
-              <a:rPr lang="en-US" sz="3600" i="1" dirty="0"/>
-              <a:t>SQL 2016 R Service</a:t>
-            </a:r>
-          </a:p>
-        </p:txBody>
-      </p:sp>
-      <p:sp>
-        <p:nvSpPr>
-          <p:cNvPr id="10" name="TextBox 9"/>
-          <p:cNvSpPr txBox="1"/>
-          <p:nvPr/>
-        </p:nvSpPr>
-        <p:spPr>
-          <a:xfrm>
-            <a:off x="2405269" y="6364243"/>
-            <a:ext cx="7543800" cy="369332"/>
-          </a:xfrm>
-          <a:prstGeom prst="rect">
-            <a:avLst/>
-          </a:prstGeom>
-          <a:noFill/>
-        </p:spPr>
-        <p:txBody>
-          <a:bodyPr wrap="square" rtlCol="0">
-            <a:spAutoFit/>
-          </a:bodyPr>
-          <a:lstStyle/>
-          <a:p>
-            <a:r>
-              <a:rPr lang="en-US" dirty="0"/>
-              <a:t>SOURCE: </a:t>
-            </a:r>
-            <a:r>
-              <a:rPr lang="en-US" dirty="0">
-                <a:hlinkClick r:id="rId2"/>
-              </a:rPr>
-              <a:t>https://msdn.microsoft.com/en-us/library/mt604885.aspx</a:t>
-            </a:r>
-            <a:endParaRPr lang="en-US" dirty="0"/>
-          </a:p>
-        </p:txBody>
-      </p:sp>
-      <p:pic>
-        <p:nvPicPr>
-          <p:cNvPr id="11" name="Picture 10"/>
-          <p:cNvPicPr>
-            <a:picLocks noChangeAspect="1"/>
-          </p:cNvPicPr>
-          <p:nvPr/>
-        </p:nvPicPr>
-        <p:blipFill>
-          <a:blip r:embed="rId3">
-            <a:extLst>
-              <a:ext uri="{28A0092B-C50C-407E-A947-70E740481C1C}">
-                <a14:useLocalDpi xmlns:a14="http://schemas.microsoft.com/office/drawing/2010/main" val="0"/>
-              </a:ext>
-            </a:extLst>
-          </a:blip>
-          <a:stretch>
-            <a:fillRect/>
-          </a:stretch>
-        </p:blipFill>
-        <p:spPr>
-          <a:xfrm>
-            <a:off x="964096" y="1610437"/>
-            <a:ext cx="9662716" cy="4054867"/>
-          </a:xfrm>
-          <a:prstGeom prst="rect">
-            <a:avLst/>
-          </a:prstGeom>
-        </p:spPr>
-      </p:pic>
-    </p:spTree>
-    <p:extLst>
-      <p:ext uri="{BB962C8B-B14F-4D97-AF65-F5344CB8AC3E}">
-        <p14:creationId xmlns:p14="http://schemas.microsoft.com/office/powerpoint/2010/main" val="727811896"/>
-      </p:ext>
-    </p:extLst>
-  </p:cSld>
-  <p:clrMapOvr>
-    <a:masterClrMapping/>
-  </p:clrMapOvr>
-</p:sld>
-</file>
-
 <file path=ppt/slides/slide24.xml><?xml version="1.0" encoding="utf-8"?>
 <p:sld xmlns:a="http://schemas.openxmlformats.org/drawingml/2006/main" xmlns:r="http://schemas.openxmlformats.org/officeDocument/2006/relationships" xmlns:p="http://schemas.openxmlformats.org/presentationml/2006/main">
   <p:cSld>
@@ -27828,14 +28208,14 @@
       </p:cxnSp>
       <p:sp>
         <p:nvSpPr>
-          <p:cNvPr id="3" name="TextBox 2"/>
+          <p:cNvPr id="15" name="TextBox 14"/>
           <p:cNvSpPr txBox="1"/>
           <p:nvPr/>
         </p:nvSpPr>
         <p:spPr>
           <a:xfrm>
-            <a:off x="228524" y="1230452"/>
-            <a:ext cx="11839150" cy="4893647"/>
+            <a:off x="1020740" y="1828801"/>
+            <a:ext cx="9252475" cy="3539430"/>
           </a:xfrm>
           <a:prstGeom prst="rect">
             <a:avLst/>
@@ -27848,142 +28228,87 @@
           </a:bodyPr>
           <a:lstStyle/>
           <a:p>
-            <a:pPr marL="457200" indent="-457200">
+            <a:pPr marL="342900" indent="-342900">
               <a:buFont typeface="Arial" panose="020B0604020202020204" pitchFamily="34" charset="0"/>
               <a:buChar char="•"/>
             </a:pPr>
             <a:r>
-              <a:rPr lang="en-US" sz="2400" i="1" dirty="0"/>
-              <a:t>Install R Service Standalone if you just want the client</a:t>
+              <a:rPr lang="en-US" sz="2800" i="1" dirty="0"/>
+              <a:t>R Service (In-Database)</a:t>
             </a:r>
           </a:p>
           <a:p>
-            <a:pPr marL="914400" lvl="1" indent="-457200">
-              <a:buFont typeface="Arial" panose="020B0604020202020204" pitchFamily="34" charset="0"/>
-              <a:buChar char="•"/>
-            </a:pPr>
-            <a:endParaRPr lang="en-US" sz="2400" i="1" dirty="0"/>
-          </a:p>
-          <a:p>
-            <a:pPr marL="457200" indent="-457200">
+            <a:pPr marL="800100" lvl="1" indent="-342900">
               <a:buFont typeface="Arial" panose="020B0604020202020204" pitchFamily="34" charset="0"/>
               <a:buChar char="•"/>
             </a:pPr>
             <a:r>
-              <a:rPr lang="en-US" sz="2400" i="1" dirty="0"/>
-              <a:t>Choose R Services (In-Database) on each instance when installing </a:t>
+              <a:rPr lang="en-US" sz="2800" i="1" dirty="0"/>
+              <a:t>Advanced Analytics Extension</a:t>
             </a:r>
           </a:p>
           <a:p>
-            <a:pPr marL="914400" lvl="1" indent="-457200">
+            <a:pPr marL="342900" indent="-342900">
+              <a:buFont typeface="Arial" panose="020B0604020202020204" pitchFamily="34" charset="0"/>
+              <a:buChar char="•"/>
+            </a:pPr>
+            <a:endParaRPr lang="en-US" sz="2800" i="1" dirty="0"/>
+          </a:p>
+          <a:p>
+            <a:pPr marL="342900" indent="-342900">
               <a:buFont typeface="Arial" panose="020B0604020202020204" pitchFamily="34" charset="0"/>
               <a:buChar char="•"/>
             </a:pPr>
             <a:r>
-              <a:rPr lang="en-US" sz="2400" i="1" dirty="0"/>
-              <a:t>Choose R Server if you also want to install the client</a:t>
+              <a:rPr lang="en-US" sz="2800" i="1" dirty="0"/>
+              <a:t>R scripts executed through system stored procedure</a:t>
             </a:r>
           </a:p>
           <a:p>
-            <a:pPr marL="457200" indent="-457200">
+            <a:pPr marL="342900" indent="-342900">
               <a:buFont typeface="Arial" panose="020B0604020202020204" pitchFamily="34" charset="0"/>
               <a:buChar char="•"/>
             </a:pPr>
-            <a:endParaRPr lang="en-US" sz="2400" i="1" dirty="0"/>
-          </a:p>
-          <a:p>
-            <a:pPr marL="457200" indent="-457200">
+            <a:endParaRPr lang="en-US" sz="2800" i="1" dirty="0"/>
+          </a:p>
+          <a:p>
+            <a:pPr marL="342900" indent="-342900">
               <a:buFont typeface="Arial" panose="020B0604020202020204" pitchFamily="34" charset="0"/>
               <a:buChar char="•"/>
             </a:pPr>
             <a:r>
-              <a:rPr lang="en-US" sz="2400" i="1" dirty="0"/>
-              <a:t>If SQL instance is not connected to the internet:</a:t>
+              <a:rPr lang="en-US" sz="2800" i="1" dirty="0"/>
+              <a:t>Close to the data</a:t>
             </a:r>
           </a:p>
           <a:p>
-            <a:pPr marL="914400" lvl="1" indent="-457200">
+            <a:pPr marL="342900" indent="-342900">
+              <a:buFont typeface="Arial" panose="020B0604020202020204" pitchFamily="34" charset="0"/>
+              <a:buChar char="•"/>
+            </a:pPr>
+            <a:endParaRPr lang="en-US" sz="2800" i="1" dirty="0"/>
+          </a:p>
+          <a:p>
+            <a:pPr marL="342900" indent="-342900">
               <a:buFont typeface="Arial" panose="020B0604020202020204" pitchFamily="34" charset="0"/>
               <a:buChar char="•"/>
             </a:pPr>
             <a:r>
-              <a:rPr lang="en-US" sz="2400" i="1" dirty="0"/>
-              <a:t>Pause install when you get to screen agreeing to download R Open</a:t>
+              <a:rPr lang="en-US" sz="2800" i="1" dirty="0"/>
+              <a:t>Use plots in SSRS</a:t>
             </a:r>
-          </a:p>
-          <a:p>
-            <a:pPr marL="914400" lvl="1" indent="-457200">
-              <a:buFont typeface="Arial" panose="020B0604020202020204" pitchFamily="34" charset="0"/>
-              <a:buChar char="•"/>
-            </a:pPr>
-            <a:r>
-              <a:rPr lang="en-US" sz="2400" i="1" dirty="0"/>
-              <a:t>Copy download link from popup screen</a:t>
-            </a:r>
-          </a:p>
-          <a:p>
-            <a:pPr marL="914400" lvl="1" indent="-457200">
-              <a:buFont typeface="Arial" panose="020B0604020202020204" pitchFamily="34" charset="0"/>
-              <a:buChar char="•"/>
-            </a:pPr>
-            <a:r>
-              <a:rPr lang="en-US" sz="2400" i="1" dirty="0"/>
-              <a:t>Download R service components on another computer and move to instance</a:t>
-            </a:r>
-          </a:p>
-          <a:p>
-            <a:pPr marL="914400" lvl="1" indent="-457200">
-              <a:buFont typeface="Arial" panose="020B0604020202020204" pitchFamily="34" charset="0"/>
-              <a:buChar char="•"/>
-            </a:pPr>
-            <a:r>
-              <a:rPr lang="en-US" sz="2400" i="1" dirty="0"/>
-              <a:t>Resume installation</a:t>
-            </a:r>
-          </a:p>
-          <a:p>
-            <a:pPr marL="914400" lvl="1" indent="-457200">
-              <a:buFont typeface="Arial" panose="020B0604020202020204" pitchFamily="34" charset="0"/>
-              <a:buChar char="•"/>
-            </a:pPr>
-            <a:endParaRPr lang="en-US" sz="2400" i="1" dirty="0"/>
-          </a:p>
-          <a:p>
-            <a:pPr marL="457200" indent="-457200">
-              <a:buFont typeface="Arial" panose="020B0604020202020204" pitchFamily="34" charset="0"/>
-              <a:buChar char="•"/>
-            </a:pPr>
-            <a:r>
-              <a:rPr lang="en-US" sz="2400" i="1" dirty="0"/>
-              <a:t>Run EXEC </a:t>
-            </a:r>
-            <a:r>
-              <a:rPr lang="en-US" sz="2400" i="1" dirty="0" err="1"/>
-              <a:t>sp_configure</a:t>
-            </a:r>
-            <a:r>
-              <a:rPr lang="en-US" sz="2400" i="1" dirty="0"/>
-              <a:t> ‘external scripts enabled’, 1 after installation</a:t>
-            </a:r>
-          </a:p>
-          <a:p>
-            <a:pPr marL="457200" indent="-457200">
-              <a:buFont typeface="Arial" panose="020B0604020202020204" pitchFamily="34" charset="0"/>
-              <a:buChar char="•"/>
-            </a:pPr>
-            <a:endParaRPr lang="en-US" sz="2400" i="1" dirty="0"/>
           </a:p>
         </p:txBody>
       </p:sp>
       <p:sp>
         <p:nvSpPr>
-          <p:cNvPr id="9" name="TextBox 8"/>
+          <p:cNvPr id="3" name="TextBox 2"/>
           <p:cNvSpPr txBox="1"/>
           <p:nvPr/>
         </p:nvSpPr>
         <p:spPr>
           <a:xfrm>
-            <a:off x="491398" y="225761"/>
+            <a:off x="1113183" y="576470"/>
             <a:ext cx="5774634" cy="646331"/>
           </a:xfrm>
           <a:prstGeom prst="rect">
@@ -28007,7 +28332,7 @@
     </p:spTree>
     <p:extLst>
       <p:ext uri="{BB962C8B-B14F-4D97-AF65-F5344CB8AC3E}">
-        <p14:creationId xmlns:p14="http://schemas.microsoft.com/office/powerpoint/2010/main" val="1029668123"/>
+        <p14:creationId xmlns:p14="http://schemas.microsoft.com/office/powerpoint/2010/main" val="314266407"/>
       </p:ext>
     </p:extLst>
   </p:cSld>
@@ -28194,15 +28519,109 @@
           </a:fontRef>
         </p:style>
       </p:cxnSp>
+      <p:sp>
+        <p:nvSpPr>
+          <p:cNvPr id="2" name="TextBox 1"/>
+          <p:cNvSpPr txBox="1"/>
+          <p:nvPr/>
+        </p:nvSpPr>
+        <p:spPr>
+          <a:xfrm>
+            <a:off x="2325756" y="2915134"/>
+            <a:ext cx="10151461" cy="2308324"/>
+          </a:xfrm>
+          <a:prstGeom prst="rect">
+            <a:avLst/>
+          </a:prstGeom>
+          <a:noFill/>
+        </p:spPr>
+        <p:txBody>
+          <a:bodyPr wrap="square" rtlCol="0">
+            <a:spAutoFit/>
+          </a:bodyPr>
+          <a:lstStyle/>
+          <a:p>
+            <a:endParaRPr lang="en-US" sz="7200" dirty="0"/>
+          </a:p>
+          <a:p>
+            <a:endParaRPr lang="en-US" sz="7200" dirty="0"/>
+          </a:p>
+        </p:txBody>
+      </p:sp>
+      <p:sp>
+        <p:nvSpPr>
+          <p:cNvPr id="9" name="TextBox 8"/>
+          <p:cNvSpPr txBox="1"/>
+          <p:nvPr/>
+        </p:nvSpPr>
+        <p:spPr>
+          <a:xfrm>
+            <a:off x="1113183" y="576470"/>
+            <a:ext cx="5774634" cy="646331"/>
+          </a:xfrm>
+          <a:prstGeom prst="rect">
+            <a:avLst/>
+          </a:prstGeom>
+          <a:noFill/>
+        </p:spPr>
+        <p:txBody>
+          <a:bodyPr wrap="square" rtlCol="0">
+            <a:spAutoFit/>
+          </a:bodyPr>
+          <a:lstStyle/>
+          <a:p>
+            <a:r>
+              <a:rPr lang="en-US" sz="3600" i="1" dirty="0"/>
+              <a:t>SQL 2016 R Service</a:t>
+            </a:r>
+          </a:p>
+        </p:txBody>
+      </p:sp>
+      <p:sp>
+        <p:nvSpPr>
+          <p:cNvPr id="10" name="TextBox 9"/>
+          <p:cNvSpPr txBox="1"/>
+          <p:nvPr/>
+        </p:nvSpPr>
+        <p:spPr>
+          <a:xfrm>
+            <a:off x="2405269" y="6364243"/>
+            <a:ext cx="7543800" cy="369332"/>
+          </a:xfrm>
+          <a:prstGeom prst="rect">
+            <a:avLst/>
+          </a:prstGeom>
+          <a:noFill/>
+        </p:spPr>
+        <p:txBody>
+          <a:bodyPr wrap="square" rtlCol="0">
+            <a:spAutoFit/>
+          </a:bodyPr>
+          <a:lstStyle/>
+          <a:p>
+            <a:r>
+              <a:rPr lang="en-US" dirty="0"/>
+              <a:t>SOURCE: </a:t>
+            </a:r>
+            <a:r>
+              <a:rPr lang="en-US" dirty="0">
+                <a:hlinkClick r:id="rId2"/>
+              </a:rPr>
+              <a:t>https://msdn.microsoft.com/en-us/library/mt604885.aspx</a:t>
+            </a:r>
+            <a:endParaRPr lang="en-US" dirty="0"/>
+          </a:p>
+        </p:txBody>
+      </p:sp>
       <p:pic>
         <p:nvPicPr>
-          <p:cNvPr id="3" name="Picture 2"/>
+          <p:cNvPr id="11" name="Picture 10"/>
           <p:cNvPicPr>
             <a:picLocks noChangeAspect="1"/>
           </p:cNvPicPr>
           <p:nvPr/>
         </p:nvPicPr>
-        <p:blipFill rotWithShape="1">
+        <p:blipFill>
           <a:blip r:embed="rId3">
             <a:extLst>
               <a:ext uri="{28A0092B-C50C-407E-A947-70E740481C1C}">
@@ -28210,13 +28629,14 @@
               </a:ext>
             </a:extLst>
           </a:blip>
-          <a:srcRect r="32147" b="15415"/>
-          <a:stretch/>
+          <a:stretch>
+            <a:fillRect/>
+          </a:stretch>
         </p:blipFill>
         <p:spPr>
           <a:xfrm>
-            <a:off x="609599" y="342900"/>
-            <a:ext cx="8892209" cy="6235337"/>
+            <a:off x="964096" y="1610437"/>
+            <a:ext cx="9662716" cy="4054867"/>
           </a:xfrm>
           <a:prstGeom prst="rect">
             <a:avLst/>
@@ -28226,7 +28646,7 @@
     </p:spTree>
     <p:extLst>
       <p:ext uri="{BB962C8B-B14F-4D97-AF65-F5344CB8AC3E}">
-        <p14:creationId xmlns:p14="http://schemas.microsoft.com/office/powerpoint/2010/main" val="382377200"/>
+        <p14:creationId xmlns:p14="http://schemas.microsoft.com/office/powerpoint/2010/main" val="727811896"/>
       </p:ext>
     </p:extLst>
   </p:cSld>
@@ -28413,39 +28833,188 @@
           </a:fontRef>
         </p:style>
       </p:cxnSp>
-      <p:pic>
-        <p:nvPicPr>
-          <p:cNvPr id="3" name="Picture 2"/>
-          <p:cNvPicPr>
-            <a:picLocks noChangeAspect="1"/>
-          </p:cNvPicPr>
+      <p:sp>
+        <p:nvSpPr>
+          <p:cNvPr id="3" name="TextBox 2"/>
+          <p:cNvSpPr txBox="1"/>
           <p:nvPr/>
-        </p:nvPicPr>
-        <p:blipFill rotWithShape="1">
-          <a:blip r:embed="rId3">
-            <a:extLst>
-              <a:ext uri="{28A0092B-C50C-407E-A947-70E740481C1C}">
-                <a14:useLocalDpi xmlns:a14="http://schemas.microsoft.com/office/drawing/2010/main" val="0"/>
-              </a:ext>
-            </a:extLst>
-          </a:blip>
-          <a:srcRect r="49774" b="37756"/>
-          <a:stretch/>
-        </p:blipFill>
+        </p:nvSpPr>
         <p:spPr>
           <a:xfrm>
-            <a:off x="643618" y="327547"/>
-            <a:ext cx="9027156" cy="6073792"/>
+            <a:off x="228524" y="1230452"/>
+            <a:ext cx="11839150" cy="4893647"/>
           </a:xfrm>
           <a:prstGeom prst="rect">
             <a:avLst/>
           </a:prstGeom>
+          <a:noFill/>
         </p:spPr>
-      </p:pic>
+        <p:txBody>
+          <a:bodyPr wrap="square" rtlCol="0">
+            <a:spAutoFit/>
+          </a:bodyPr>
+          <a:lstStyle/>
+          <a:p>
+            <a:pPr marL="457200" indent="-457200">
+              <a:buFont typeface="Arial" panose="020B0604020202020204" pitchFamily="34" charset="0"/>
+              <a:buChar char="•"/>
+            </a:pPr>
+            <a:r>
+              <a:rPr lang="en-US" sz="2400" i="1" dirty="0"/>
+              <a:t>Install R Service Standalone if you just want the client</a:t>
+            </a:r>
+          </a:p>
+          <a:p>
+            <a:pPr marL="914400" lvl="1" indent="-457200">
+              <a:buFont typeface="Arial" panose="020B0604020202020204" pitchFamily="34" charset="0"/>
+              <a:buChar char="•"/>
+            </a:pPr>
+            <a:endParaRPr lang="en-US" sz="2400" i="1" dirty="0"/>
+          </a:p>
+          <a:p>
+            <a:pPr marL="457200" indent="-457200">
+              <a:buFont typeface="Arial" panose="020B0604020202020204" pitchFamily="34" charset="0"/>
+              <a:buChar char="•"/>
+            </a:pPr>
+            <a:r>
+              <a:rPr lang="en-US" sz="2400" i="1" dirty="0"/>
+              <a:t>Choose R Services (In-Database) on each instance when installing </a:t>
+            </a:r>
+          </a:p>
+          <a:p>
+            <a:pPr marL="914400" lvl="1" indent="-457200">
+              <a:buFont typeface="Arial" panose="020B0604020202020204" pitchFamily="34" charset="0"/>
+              <a:buChar char="•"/>
+            </a:pPr>
+            <a:r>
+              <a:rPr lang="en-US" sz="2400" i="1" dirty="0"/>
+              <a:t>Choose R Server if you also want to install the client</a:t>
+            </a:r>
+          </a:p>
+          <a:p>
+            <a:pPr marL="457200" indent="-457200">
+              <a:buFont typeface="Arial" panose="020B0604020202020204" pitchFamily="34" charset="0"/>
+              <a:buChar char="•"/>
+            </a:pPr>
+            <a:endParaRPr lang="en-US" sz="2400" i="1" dirty="0"/>
+          </a:p>
+          <a:p>
+            <a:pPr marL="457200" indent="-457200">
+              <a:buFont typeface="Arial" panose="020B0604020202020204" pitchFamily="34" charset="0"/>
+              <a:buChar char="•"/>
+            </a:pPr>
+            <a:r>
+              <a:rPr lang="en-US" sz="2400" i="1" dirty="0"/>
+              <a:t>If SQL instance is not connected to the internet:</a:t>
+            </a:r>
+          </a:p>
+          <a:p>
+            <a:pPr marL="914400" lvl="1" indent="-457200">
+              <a:buFont typeface="Arial" panose="020B0604020202020204" pitchFamily="34" charset="0"/>
+              <a:buChar char="•"/>
+            </a:pPr>
+            <a:r>
+              <a:rPr lang="en-US" sz="2400" i="1" dirty="0"/>
+              <a:t>Pause install when you get to screen agreeing to download R Open</a:t>
+            </a:r>
+          </a:p>
+          <a:p>
+            <a:pPr marL="914400" lvl="1" indent="-457200">
+              <a:buFont typeface="Arial" panose="020B0604020202020204" pitchFamily="34" charset="0"/>
+              <a:buChar char="•"/>
+            </a:pPr>
+            <a:r>
+              <a:rPr lang="en-US" sz="2400" i="1" dirty="0"/>
+              <a:t>Copy download link from popup screen</a:t>
+            </a:r>
+          </a:p>
+          <a:p>
+            <a:pPr marL="914400" lvl="1" indent="-457200">
+              <a:buFont typeface="Arial" panose="020B0604020202020204" pitchFamily="34" charset="0"/>
+              <a:buChar char="•"/>
+            </a:pPr>
+            <a:r>
+              <a:rPr lang="en-US" sz="2400" i="1" dirty="0"/>
+              <a:t>Download R service components on another computer and move to instance</a:t>
+            </a:r>
+          </a:p>
+          <a:p>
+            <a:pPr marL="914400" lvl="1" indent="-457200">
+              <a:buFont typeface="Arial" panose="020B0604020202020204" pitchFamily="34" charset="0"/>
+              <a:buChar char="•"/>
+            </a:pPr>
+            <a:r>
+              <a:rPr lang="en-US" sz="2400" i="1" dirty="0"/>
+              <a:t>Resume installation</a:t>
+            </a:r>
+          </a:p>
+          <a:p>
+            <a:pPr marL="914400" lvl="1" indent="-457200">
+              <a:buFont typeface="Arial" panose="020B0604020202020204" pitchFamily="34" charset="0"/>
+              <a:buChar char="•"/>
+            </a:pPr>
+            <a:endParaRPr lang="en-US" sz="2400" i="1" dirty="0"/>
+          </a:p>
+          <a:p>
+            <a:pPr marL="457200" indent="-457200">
+              <a:buFont typeface="Arial" panose="020B0604020202020204" pitchFamily="34" charset="0"/>
+              <a:buChar char="•"/>
+            </a:pPr>
+            <a:r>
+              <a:rPr lang="en-US" sz="2400" i="1" dirty="0"/>
+              <a:t>Run EXEC </a:t>
+            </a:r>
+            <a:r>
+              <a:rPr lang="en-US" sz="2400" i="1" dirty="0" err="1"/>
+              <a:t>sp_configure</a:t>
+            </a:r>
+            <a:r>
+              <a:rPr lang="en-US" sz="2400" i="1" dirty="0"/>
+              <a:t> ‘external scripts enabled’, 1 after installation</a:t>
+            </a:r>
+          </a:p>
+          <a:p>
+            <a:pPr marL="457200" indent="-457200">
+              <a:buFont typeface="Arial" panose="020B0604020202020204" pitchFamily="34" charset="0"/>
+              <a:buChar char="•"/>
+            </a:pPr>
+            <a:endParaRPr lang="en-US" sz="2400" i="1" dirty="0"/>
+          </a:p>
+        </p:txBody>
+      </p:sp>
+      <p:sp>
+        <p:nvSpPr>
+          <p:cNvPr id="9" name="TextBox 8"/>
+          <p:cNvSpPr txBox="1"/>
+          <p:nvPr/>
+        </p:nvSpPr>
+        <p:spPr>
+          <a:xfrm>
+            <a:off x="491398" y="225761"/>
+            <a:ext cx="5774634" cy="646331"/>
+          </a:xfrm>
+          <a:prstGeom prst="rect">
+            <a:avLst/>
+          </a:prstGeom>
+          <a:noFill/>
+        </p:spPr>
+        <p:txBody>
+          <a:bodyPr wrap="square" rtlCol="0">
+            <a:spAutoFit/>
+          </a:bodyPr>
+          <a:lstStyle/>
+          <a:p>
+            <a:r>
+              <a:rPr lang="en-US" sz="3600" i="1" dirty="0"/>
+              <a:t>SQL 2016 R Service</a:t>
+            </a:r>
+          </a:p>
+        </p:txBody>
+      </p:sp>
     </p:spTree>
     <p:extLst>
       <p:ext uri="{BB962C8B-B14F-4D97-AF65-F5344CB8AC3E}">
-        <p14:creationId xmlns:p14="http://schemas.microsoft.com/office/powerpoint/2010/main" val="3745766993"/>
+        <p14:creationId xmlns:p14="http://schemas.microsoft.com/office/powerpoint/2010/main" val="1029668123"/>
       </p:ext>
     </p:extLst>
   </p:cSld>
@@ -28640,16 +29209,21 @@
           </p:cNvPicPr>
           <p:nvPr/>
         </p:nvPicPr>
-        <p:blipFill>
-          <a:blip r:embed="rId3"/>
-          <a:stretch>
-            <a:fillRect/>
-          </a:stretch>
+        <p:blipFill rotWithShape="1">
+          <a:blip r:embed="rId3">
+            <a:extLst>
+              <a:ext uri="{28A0092B-C50C-407E-A947-70E740481C1C}">
+                <a14:useLocalDpi xmlns:a14="http://schemas.microsoft.com/office/drawing/2010/main" val="0"/>
+              </a:ext>
+            </a:extLst>
+          </a:blip>
+          <a:srcRect r="32147" b="15415"/>
+          <a:stretch/>
         </p:blipFill>
         <p:spPr>
           <a:xfrm>
-            <a:off x="1885556" y="580030"/>
-            <a:ext cx="7895764" cy="5956110"/>
+            <a:off x="609599" y="342900"/>
+            <a:ext cx="8892209" cy="6235337"/>
           </a:xfrm>
           <a:prstGeom prst="rect">
             <a:avLst/>
@@ -28659,7 +29233,7 @@
     </p:spTree>
     <p:extLst>
       <p:ext uri="{BB962C8B-B14F-4D97-AF65-F5344CB8AC3E}">
-        <p14:creationId xmlns:p14="http://schemas.microsoft.com/office/powerpoint/2010/main" val="2967133174"/>
+        <p14:creationId xmlns:p14="http://schemas.microsoft.com/office/powerpoint/2010/main" val="382377200"/>
       </p:ext>
     </p:extLst>
   </p:cSld>
@@ -28848,22 +29422,27 @@
       </p:cxnSp>
       <p:pic>
         <p:nvPicPr>
-          <p:cNvPr id="2" name="Picture 1"/>
+          <p:cNvPr id="3" name="Picture 2"/>
           <p:cNvPicPr>
             <a:picLocks noChangeAspect="1"/>
           </p:cNvPicPr>
           <p:nvPr/>
         </p:nvPicPr>
-        <p:blipFill>
-          <a:blip r:embed="rId3"/>
-          <a:stretch>
-            <a:fillRect/>
-          </a:stretch>
+        <p:blipFill rotWithShape="1">
+          <a:blip r:embed="rId3">
+            <a:extLst>
+              <a:ext uri="{28A0092B-C50C-407E-A947-70E740481C1C}">
+                <a14:useLocalDpi xmlns:a14="http://schemas.microsoft.com/office/drawing/2010/main" val="0"/>
+              </a:ext>
+            </a:extLst>
+          </a:blip>
+          <a:srcRect r="49774" b="37756"/>
+          <a:stretch/>
         </p:blipFill>
         <p:spPr>
           <a:xfrm>
-            <a:off x="1446245" y="533400"/>
-            <a:ext cx="8488330" cy="5791200"/>
+            <a:off x="643618" y="327547"/>
+            <a:ext cx="9027156" cy="6073792"/>
           </a:xfrm>
           <a:prstGeom prst="rect">
             <a:avLst/>
@@ -28873,7 +29452,7 @@
     </p:spTree>
     <p:extLst>
       <p:ext uri="{BB962C8B-B14F-4D97-AF65-F5344CB8AC3E}">
-        <p14:creationId xmlns:p14="http://schemas.microsoft.com/office/powerpoint/2010/main" val="3517665564"/>
+        <p14:creationId xmlns:p14="http://schemas.microsoft.com/office/powerpoint/2010/main" val="3745766993"/>
       </p:ext>
     </p:extLst>
   </p:cSld>
@@ -29060,173 +29639,34 @@
           </a:fontRef>
         </p:style>
       </p:cxnSp>
-      <p:sp>
-        <p:nvSpPr>
-          <p:cNvPr id="2" name="TextBox 1"/>
-          <p:cNvSpPr txBox="1"/>
+      <p:pic>
+        <p:nvPicPr>
+          <p:cNvPr id="3" name="Picture 2"/>
+          <p:cNvPicPr>
+            <a:picLocks noChangeAspect="1"/>
+          </p:cNvPicPr>
           <p:nvPr/>
-        </p:nvSpPr>
+        </p:nvPicPr>
+        <p:blipFill>
+          <a:blip r:embed="rId3"/>
+          <a:stretch>
+            <a:fillRect/>
+          </a:stretch>
+        </p:blipFill>
         <p:spPr>
           <a:xfrm>
-            <a:off x="290945" y="327547"/>
-            <a:ext cx="9788236" cy="5816977"/>
+            <a:off x="1885556" y="580030"/>
+            <a:ext cx="7895764" cy="5956110"/>
           </a:xfrm>
           <a:prstGeom prst="rect">
             <a:avLst/>
           </a:prstGeom>
-          <a:noFill/>
         </p:spPr>
-        <p:txBody>
-          <a:bodyPr wrap="square" rtlCol="0">
-            <a:spAutoFit/>
-          </a:bodyPr>
-          <a:lstStyle/>
-          <a:p>
-            <a:r>
-              <a:rPr lang="en-US" sz="3600" i="1" dirty="0"/>
-              <a:t>Configure Launchpad Service </a:t>
-            </a:r>
-          </a:p>
-          <a:p>
-            <a:endParaRPr lang="en-US" sz="2400" dirty="0"/>
-          </a:p>
-          <a:p>
-            <a:pPr marL="285750" indent="-285750">
-              <a:buFont typeface="Arial" panose="020B0604020202020204" pitchFamily="34" charset="0"/>
-              <a:buChar char="•"/>
-            </a:pPr>
-            <a:r>
-              <a:rPr lang="en-US" sz="2400" i="1" dirty="0"/>
-              <a:t>&lt;SQL installation path&gt;\</a:t>
-            </a:r>
-            <a:r>
-              <a:rPr lang="en-US" sz="2400" i="1" dirty="0" err="1"/>
-              <a:t>binn</a:t>
-            </a:r>
-            <a:r>
-              <a:rPr lang="en-US" sz="2400" i="1" dirty="0"/>
-              <a:t>\</a:t>
-            </a:r>
-            <a:r>
-              <a:rPr lang="en-US" sz="2400" i="1" dirty="0" err="1"/>
-              <a:t>Rlauncher.config</a:t>
-            </a:r>
-            <a:endParaRPr lang="en-US" sz="2400" i="1" dirty="0"/>
-          </a:p>
-          <a:p>
-            <a:pPr marL="285750" indent="-285750">
-              <a:buFont typeface="Arial" panose="020B0604020202020204" pitchFamily="34" charset="0"/>
-              <a:buChar char="•"/>
-            </a:pPr>
-            <a:endParaRPr lang="en-US" sz="2400" i="1" dirty="0"/>
-          </a:p>
-          <a:p>
-            <a:pPr marL="285750" indent="-285750">
-              <a:buFont typeface="Arial" panose="020B0604020202020204" pitchFamily="34" charset="0"/>
-              <a:buChar char="•"/>
-            </a:pPr>
-            <a:r>
-              <a:rPr lang="en-US" sz="2400" i="1" dirty="0"/>
-              <a:t>MEMORY_LIMIT_PERCENT (default is 20%)</a:t>
-            </a:r>
-          </a:p>
-          <a:p>
-            <a:pPr marL="285750" indent="-285750">
-              <a:buFont typeface="Arial" panose="020B0604020202020204" pitchFamily="34" charset="0"/>
-              <a:buChar char="•"/>
-            </a:pPr>
-            <a:endParaRPr lang="en-US" sz="2400" i="1" dirty="0"/>
-          </a:p>
-          <a:p>
-            <a:pPr marL="285750" indent="-285750">
-              <a:buFont typeface="Arial" panose="020B0604020202020204" pitchFamily="34" charset="0"/>
-              <a:buChar char="•"/>
-            </a:pPr>
-            <a:r>
-              <a:rPr lang="en-US" sz="2400" i="1" dirty="0"/>
-              <a:t>TRACE_LEVEL (default is 1)</a:t>
-            </a:r>
-          </a:p>
-          <a:p>
-            <a:pPr marL="285750" indent="-285750">
-              <a:buFont typeface="Arial" panose="020B0604020202020204" pitchFamily="34" charset="0"/>
-              <a:buChar char="•"/>
-            </a:pPr>
-            <a:endParaRPr lang="en-US" sz="2400" i="1" dirty="0"/>
-          </a:p>
-          <a:p>
-            <a:pPr marL="285750" indent="-285750">
-              <a:buFont typeface="Arial" panose="020B0604020202020204" pitchFamily="34" charset="0"/>
-              <a:buChar char="•"/>
-            </a:pPr>
-            <a:r>
-              <a:rPr lang="en-US" sz="2400" i="1" dirty="0"/>
-              <a:t>USER_POOL_SIZE (default is 0)</a:t>
-            </a:r>
-          </a:p>
-          <a:p>
-            <a:pPr marL="285750" indent="-285750">
-              <a:buFont typeface="Arial" panose="020B0604020202020204" pitchFamily="34" charset="0"/>
-              <a:buChar char="•"/>
-            </a:pPr>
-            <a:endParaRPr lang="en-US" sz="2400" i="1" dirty="0"/>
-          </a:p>
-          <a:p>
-            <a:pPr marL="285750" indent="-285750">
-              <a:buFont typeface="Arial" panose="020B0604020202020204" pitchFamily="34" charset="0"/>
-              <a:buChar char="•"/>
-            </a:pPr>
-            <a:r>
-              <a:rPr lang="en-US" sz="2400" i="1" dirty="0"/>
-              <a:t>Other settings -- MSDN says don’t change</a:t>
-            </a:r>
-          </a:p>
-          <a:p>
-            <a:pPr marL="742950" lvl="1" indent="-285750">
-              <a:buFont typeface="Arial" panose="020B0604020202020204" pitchFamily="34" charset="0"/>
-              <a:buChar char="•"/>
-            </a:pPr>
-            <a:r>
-              <a:rPr lang="en-US" sz="2400" i="1" dirty="0"/>
-              <a:t>WORKING_DIRECTORY – for R sessions</a:t>
-            </a:r>
-          </a:p>
-          <a:p>
-            <a:pPr marL="742950" lvl="1" indent="-285750">
-              <a:buFont typeface="Arial" panose="020B0604020202020204" pitchFamily="34" charset="0"/>
-              <a:buChar char="•"/>
-            </a:pPr>
-            <a:r>
-              <a:rPr lang="en-US" sz="2400" i="1" dirty="0"/>
-              <a:t>JOB_CLEANUP_ON_EXIT – default is 1</a:t>
-            </a:r>
-          </a:p>
-          <a:p>
-            <a:pPr marL="742950" lvl="1" indent="-285750">
-              <a:buFont typeface="Arial" panose="020B0604020202020204" pitchFamily="34" charset="0"/>
-              <a:buChar char="•"/>
-            </a:pPr>
-            <a:r>
-              <a:rPr lang="en-US" sz="2400" i="1" dirty="0"/>
-              <a:t>LOG_DIRECTORY --</a:t>
-            </a:r>
-          </a:p>
-          <a:p>
-            <a:pPr marL="742950" lvl="1" indent="-285750">
-              <a:buFont typeface="Arial" panose="020B0604020202020204" pitchFamily="34" charset="0"/>
-              <a:buChar char="•"/>
-            </a:pPr>
-            <a:r>
-              <a:rPr lang="en-US" sz="2400" i="1" dirty="0"/>
-              <a:t>RHOME, MPI_HOME – directories for RRO and MPI</a:t>
-            </a:r>
-          </a:p>
-        </p:txBody>
-      </p:sp>
+      </p:pic>
     </p:spTree>
     <p:extLst>
       <p:ext uri="{BB962C8B-B14F-4D97-AF65-F5344CB8AC3E}">
-        <p14:creationId xmlns:p14="http://schemas.microsoft.com/office/powerpoint/2010/main" val="1034167651"/>
+        <p14:creationId xmlns:p14="http://schemas.microsoft.com/office/powerpoint/2010/main" val="2967133174"/>
       </p:ext>
     </p:extLst>
   </p:cSld>
@@ -29672,140 +30112,34 @@
           </a:fontRef>
         </p:style>
       </p:cxnSp>
-      <p:sp>
-        <p:nvSpPr>
-          <p:cNvPr id="2" name="TextBox 1"/>
-          <p:cNvSpPr txBox="1"/>
+      <p:pic>
+        <p:nvPicPr>
+          <p:cNvPr id="2" name="Picture 1"/>
+          <p:cNvPicPr>
+            <a:picLocks noChangeAspect="1"/>
+          </p:cNvPicPr>
           <p:nvPr/>
-        </p:nvSpPr>
+        </p:nvPicPr>
+        <p:blipFill>
+          <a:blip r:embed="rId3"/>
+          <a:stretch>
+            <a:fillRect/>
+          </a:stretch>
+        </p:blipFill>
         <p:spPr>
           <a:xfrm>
-            <a:off x="290945" y="327547"/>
-            <a:ext cx="9788236" cy="4339650"/>
+            <a:off x="1446245" y="533400"/>
+            <a:ext cx="8488330" cy="5791200"/>
           </a:xfrm>
           <a:prstGeom prst="rect">
             <a:avLst/>
           </a:prstGeom>
-          <a:noFill/>
         </p:spPr>
-        <p:txBody>
-          <a:bodyPr wrap="square" rtlCol="0">
-            <a:spAutoFit/>
-          </a:bodyPr>
-          <a:lstStyle/>
-          <a:p>
-            <a:r>
-              <a:rPr lang="en-US" sz="3600" i="1" dirty="0"/>
-              <a:t>Configure </a:t>
-            </a:r>
-            <a:r>
-              <a:rPr lang="en-US" sz="3600" i="1" dirty="0" err="1"/>
-              <a:t>RegisterRext.exe.config</a:t>
-            </a:r>
-            <a:r>
-              <a:rPr lang="en-US" sz="3600" i="1" dirty="0"/>
-              <a:t> </a:t>
-            </a:r>
-          </a:p>
-          <a:p>
-            <a:endParaRPr lang="en-US" sz="2400" dirty="0"/>
-          </a:p>
-          <a:p>
-            <a:pPr marL="285750" indent="-285750">
-              <a:buFont typeface="Arial" panose="020B0604020202020204" pitchFamily="34" charset="0"/>
-              <a:buChar char="•"/>
-            </a:pPr>
-            <a:r>
-              <a:rPr lang="en-US" sz="2400" i="1" dirty="0"/>
-              <a:t>C:\Program Files\Microsoft SQL Server\MSSQL13.MSSQLSERVER\R_SERVICES\library\</a:t>
-            </a:r>
-            <a:r>
-              <a:rPr lang="en-US" sz="2400" i="1" dirty="0" err="1"/>
-              <a:t>RevoScaleR</a:t>
-            </a:r>
-            <a:r>
-              <a:rPr lang="en-US" sz="2400" i="1" dirty="0"/>
-              <a:t>\</a:t>
-            </a:r>
-            <a:r>
-              <a:rPr lang="en-US" sz="2400" i="1" dirty="0" err="1"/>
-              <a:t>rxLibs</a:t>
-            </a:r>
-            <a:r>
-              <a:rPr lang="en-US" sz="2400" i="1" dirty="0"/>
-              <a:t>\x64\</a:t>
-            </a:r>
-            <a:r>
-              <a:rPr lang="en-US" sz="2400" i="1" dirty="0" err="1"/>
-              <a:t>RegisterRext.exe.config</a:t>
-            </a:r>
-            <a:endParaRPr lang="en-US" sz="2400" i="1" dirty="0"/>
-          </a:p>
-          <a:p>
-            <a:pPr marL="285750" indent="-285750">
-              <a:buFont typeface="Arial" panose="020B0604020202020204" pitchFamily="34" charset="0"/>
-              <a:buChar char="•"/>
-            </a:pPr>
-            <a:endParaRPr lang="en-US" sz="2400" i="1" dirty="0"/>
-          </a:p>
-          <a:p>
-            <a:pPr marL="285750" indent="-285750">
-              <a:buFont typeface="Arial" panose="020B0604020202020204" pitchFamily="34" charset="0"/>
-              <a:buChar char="•"/>
-            </a:pPr>
-            <a:r>
-              <a:rPr lang="en-US" sz="2400" i="1" dirty="0"/>
-              <a:t>&lt;add key="</a:t>
-            </a:r>
-            <a:r>
-              <a:rPr lang="en-US" sz="2400" i="1" dirty="0" err="1"/>
-              <a:t>UserAccountPoolSize</a:t>
-            </a:r>
-            <a:r>
-              <a:rPr lang="en-US" sz="2400" i="1" dirty="0"/>
-              <a:t>" value="20" /&gt;</a:t>
-            </a:r>
-          </a:p>
-          <a:p>
-            <a:pPr marL="285750" indent="-285750">
-              <a:buFont typeface="Arial" panose="020B0604020202020204" pitchFamily="34" charset="0"/>
-              <a:buChar char="•"/>
-            </a:pPr>
-            <a:endParaRPr lang="en-US" sz="2400" i="1" dirty="0"/>
-          </a:p>
-          <a:p>
-            <a:pPr marL="285750" indent="-285750">
-              <a:buFont typeface="Arial" panose="020B0604020202020204" pitchFamily="34" charset="0"/>
-              <a:buChar char="•"/>
-            </a:pPr>
-            <a:r>
-              <a:rPr lang="en-US" sz="2400" i="1" dirty="0"/>
-              <a:t>Rerun registerRext.exe /uninstall (if you’re already run it once)</a:t>
-            </a:r>
-          </a:p>
-          <a:p>
-            <a:pPr marL="285750" indent="-285750">
-              <a:buFont typeface="Arial" panose="020B0604020202020204" pitchFamily="34" charset="0"/>
-              <a:buChar char="•"/>
-            </a:pPr>
-            <a:endParaRPr lang="en-US" sz="2400" i="1" dirty="0"/>
-          </a:p>
-          <a:p>
-            <a:pPr marL="285750" indent="-285750">
-              <a:buFont typeface="Arial" panose="020B0604020202020204" pitchFamily="34" charset="0"/>
-              <a:buChar char="•"/>
-            </a:pPr>
-            <a:r>
-              <a:rPr lang="en-US" sz="2400" i="1" dirty="0"/>
-              <a:t>Rerun registerRext.exe /install</a:t>
-            </a:r>
-          </a:p>
-        </p:txBody>
-      </p:sp>
+      </p:pic>
     </p:spTree>
     <p:extLst>
       <p:ext uri="{BB962C8B-B14F-4D97-AF65-F5344CB8AC3E}">
-        <p14:creationId xmlns:p14="http://schemas.microsoft.com/office/powerpoint/2010/main" val="3591440731"/>
+        <p14:creationId xmlns:p14="http://schemas.microsoft.com/office/powerpoint/2010/main" val="3517665564"/>
       </p:ext>
     </p:extLst>
   </p:cSld>
@@ -30000,8 +30334,8 @@
         </p:nvSpPr>
         <p:spPr>
           <a:xfrm>
-            <a:off x="316170" y="327547"/>
-            <a:ext cx="9788236" cy="646331"/>
+            <a:off x="290945" y="327547"/>
+            <a:ext cx="9788236" cy="5816977"/>
           </a:xfrm>
           <a:prstGeom prst="rect">
             <a:avLst/>
@@ -30016,71 +30350,141 @@
           <a:p>
             <a:r>
               <a:rPr lang="en-US" sz="3600" i="1" dirty="0"/>
-              <a:t>Configure </a:t>
+              <a:t>Configure Launchpad Service </a:t>
+            </a:r>
+          </a:p>
+          <a:p>
+            <a:endParaRPr lang="en-US" sz="2400" dirty="0"/>
+          </a:p>
+          <a:p>
+            <a:pPr marL="285750" indent="-285750">
+              <a:buFont typeface="Arial" panose="020B0604020202020204" pitchFamily="34" charset="0"/>
+              <a:buChar char="•"/>
+            </a:pPr>
+            <a:r>
+              <a:rPr lang="en-US" sz="2400" i="1" dirty="0"/>
+              <a:t>&lt;SQL installation path&gt;\</a:t>
             </a:r>
             <a:r>
-              <a:rPr lang="en-US" sz="3600" i="1" dirty="0" err="1"/>
-              <a:t>RegisterRext.exe.config</a:t>
+              <a:rPr lang="en-US" sz="2400" i="1" dirty="0" err="1"/>
+              <a:t>binn</a:t>
             </a:r>
-            <a:endParaRPr lang="en-US" sz="2400" dirty="0"/>
-          </a:p>
-        </p:txBody>
-      </p:sp>
-      <p:pic>
-        <p:nvPicPr>
-          <p:cNvPr id="9" name="Picture 8"/>
-          <p:cNvPicPr>
-            <a:picLocks noChangeAspect="1"/>
-          </p:cNvPicPr>
-          <p:nvPr/>
-        </p:nvPicPr>
-        <p:blipFill>
-          <a:blip r:embed="rId2"/>
-          <a:stretch>
-            <a:fillRect/>
-          </a:stretch>
-        </p:blipFill>
-        <p:spPr>
-          <a:xfrm>
-            <a:off x="4237770" y="1296974"/>
-            <a:ext cx="4445877" cy="5100946"/>
-          </a:xfrm>
-          <a:prstGeom prst="rect">
-            <a:avLst/>
-          </a:prstGeom>
-        </p:spPr>
-      </p:pic>
-      <p:sp>
-        <p:nvSpPr>
-          <p:cNvPr id="10" name="TextBox 9"/>
-          <p:cNvSpPr txBox="1"/>
-          <p:nvPr/>
-        </p:nvSpPr>
-        <p:spPr>
-          <a:xfrm>
-            <a:off x="1563939" y="2099967"/>
-            <a:ext cx="1910781" cy="2308324"/>
-          </a:xfrm>
-          <a:prstGeom prst="rect">
-            <a:avLst/>
-          </a:prstGeom>
-          <a:noFill/>
-        </p:spPr>
-        <p:txBody>
-          <a:bodyPr wrap="square" rtlCol="0">
-            <a:spAutoFit/>
-          </a:bodyPr>
-          <a:lstStyle/>
-          <a:p>
             <a:r>
-              <a:rPr lang="en-US" sz="4800" dirty="0">
-                <a:solidFill>
-                  <a:schemeClr val="accent1">
-                    <a:lumMod val="50000"/>
-                  </a:schemeClr>
-                </a:solidFill>
-              </a:rPr>
-              <a:t>The Easy Button</a:t>
+              <a:rPr lang="en-US" sz="2400" i="1" dirty="0"/>
+              <a:t>\</a:t>
+            </a:r>
+            <a:r>
+              <a:rPr lang="en-US" sz="2400" i="1" dirty="0" err="1"/>
+              <a:t>Rlauncher.config</a:t>
+            </a:r>
+            <a:endParaRPr lang="en-US" sz="2400" i="1" dirty="0"/>
+          </a:p>
+          <a:p>
+            <a:pPr marL="285750" indent="-285750">
+              <a:buFont typeface="Arial" panose="020B0604020202020204" pitchFamily="34" charset="0"/>
+              <a:buChar char="•"/>
+            </a:pPr>
+            <a:endParaRPr lang="en-US" sz="2400" i="1" dirty="0"/>
+          </a:p>
+          <a:p>
+            <a:pPr marL="285750" indent="-285750">
+              <a:buFont typeface="Arial" panose="020B0604020202020204" pitchFamily="34" charset="0"/>
+              <a:buChar char="•"/>
+            </a:pPr>
+            <a:r>
+              <a:rPr lang="en-US" sz="2400" i="1" dirty="0"/>
+              <a:t>MEMORY_LIMIT_PERCENT (default is 20%)</a:t>
+            </a:r>
+          </a:p>
+          <a:p>
+            <a:pPr marL="285750" indent="-285750">
+              <a:buFont typeface="Arial" panose="020B0604020202020204" pitchFamily="34" charset="0"/>
+              <a:buChar char="•"/>
+            </a:pPr>
+            <a:endParaRPr lang="en-US" sz="2400" i="1" dirty="0"/>
+          </a:p>
+          <a:p>
+            <a:pPr marL="285750" indent="-285750">
+              <a:buFont typeface="Arial" panose="020B0604020202020204" pitchFamily="34" charset="0"/>
+              <a:buChar char="•"/>
+            </a:pPr>
+            <a:r>
+              <a:rPr lang="en-US" sz="2400" i="1" dirty="0"/>
+              <a:t>TRACE_LEVEL (default is 1)</a:t>
+            </a:r>
+          </a:p>
+          <a:p>
+            <a:pPr marL="285750" indent="-285750">
+              <a:buFont typeface="Arial" panose="020B0604020202020204" pitchFamily="34" charset="0"/>
+              <a:buChar char="•"/>
+            </a:pPr>
+            <a:endParaRPr lang="en-US" sz="2400" i="1" dirty="0"/>
+          </a:p>
+          <a:p>
+            <a:pPr marL="285750" indent="-285750">
+              <a:buFont typeface="Arial" panose="020B0604020202020204" pitchFamily="34" charset="0"/>
+              <a:buChar char="•"/>
+            </a:pPr>
+            <a:r>
+              <a:rPr lang="en-US" sz="2400" i="1" dirty="0"/>
+              <a:t>USER_POOL_SIZE (default is 0)</a:t>
+            </a:r>
+          </a:p>
+          <a:p>
+            <a:pPr marL="285750" indent="-285750">
+              <a:buFont typeface="Arial" panose="020B0604020202020204" pitchFamily="34" charset="0"/>
+              <a:buChar char="•"/>
+            </a:pPr>
+            <a:endParaRPr lang="en-US" sz="2400" i="1" dirty="0"/>
+          </a:p>
+          <a:p>
+            <a:pPr marL="285750" indent="-285750">
+              <a:buFont typeface="Arial" panose="020B0604020202020204" pitchFamily="34" charset="0"/>
+              <a:buChar char="•"/>
+            </a:pPr>
+            <a:r>
+              <a:rPr lang="en-US" sz="2400" i="1" dirty="0"/>
+              <a:t>Other settings -- MSDN says don’t change</a:t>
+            </a:r>
+          </a:p>
+          <a:p>
+            <a:pPr marL="742950" lvl="1" indent="-285750">
+              <a:buFont typeface="Arial" panose="020B0604020202020204" pitchFamily="34" charset="0"/>
+              <a:buChar char="•"/>
+            </a:pPr>
+            <a:r>
+              <a:rPr lang="en-US" sz="2400" i="1" dirty="0"/>
+              <a:t>WORKING_DIRECTORY – for R sessions</a:t>
+            </a:r>
+          </a:p>
+          <a:p>
+            <a:pPr marL="742950" lvl="1" indent="-285750">
+              <a:buFont typeface="Arial" panose="020B0604020202020204" pitchFamily="34" charset="0"/>
+              <a:buChar char="•"/>
+            </a:pPr>
+            <a:r>
+              <a:rPr lang="en-US" sz="2400" i="1" dirty="0"/>
+              <a:t>JOB_CLEANUP_ON_EXIT – default is 1</a:t>
+            </a:r>
+          </a:p>
+          <a:p>
+            <a:pPr marL="742950" lvl="1" indent="-285750">
+              <a:buFont typeface="Arial" panose="020B0604020202020204" pitchFamily="34" charset="0"/>
+              <a:buChar char="•"/>
+            </a:pPr>
+            <a:r>
+              <a:rPr lang="en-US" sz="2400" i="1" dirty="0"/>
+              <a:t>LOG_DIRECTORY --</a:t>
+            </a:r>
+          </a:p>
+          <a:p>
+            <a:pPr marL="742950" lvl="1" indent="-285750">
+              <a:buFont typeface="Arial" panose="020B0604020202020204" pitchFamily="34" charset="0"/>
+              <a:buChar char="•"/>
+            </a:pPr>
+            <a:r>
+              <a:rPr lang="en-US" sz="2400" i="1" dirty="0"/>
+              <a:t>RHOME, MPI_HOME – directories for RRO and MPI</a:t>
             </a:r>
           </a:p>
         </p:txBody>
@@ -30088,7 +30492,7 @@
     </p:spTree>
     <p:extLst>
       <p:ext uri="{BB962C8B-B14F-4D97-AF65-F5344CB8AC3E}">
-        <p14:creationId xmlns:p14="http://schemas.microsoft.com/office/powerpoint/2010/main" val="2726245880"/>
+        <p14:creationId xmlns:p14="http://schemas.microsoft.com/office/powerpoint/2010/main" val="1034167651"/>
       </p:ext>
     </p:extLst>
   </p:cSld>
@@ -30283,8 +30687,8 @@
         </p:nvSpPr>
         <p:spPr>
           <a:xfrm>
-            <a:off x="290944" y="327547"/>
-            <a:ext cx="10141631" cy="2492990"/>
+            <a:off x="290945" y="327547"/>
+            <a:ext cx="9788236" cy="4339650"/>
           </a:xfrm>
           <a:prstGeom prst="rect">
             <a:avLst/>
@@ -30299,98 +30703,116 @@
           <a:p>
             <a:r>
               <a:rPr lang="en-US" sz="3600" i="1" dirty="0"/>
-              <a:t>Packages</a:t>
+              <a:t>Configure </a:t>
             </a:r>
-          </a:p>
-          <a:p>
-            <a:endParaRPr lang="en-US" sz="2400" i="1" dirty="0"/>
-          </a:p>
-          <a:p>
-            <a:pPr marL="342900" indent="-342900">
+            <a:r>
+              <a:rPr lang="en-US" sz="3600" i="1" dirty="0" err="1"/>
+              <a:t>RegisterRext.exe.config</a:t>
+            </a:r>
+            <a:r>
+              <a:rPr lang="en-US" sz="3600" i="1" dirty="0"/>
+              <a:t> </a:t>
+            </a:r>
+          </a:p>
+          <a:p>
+            <a:endParaRPr lang="en-US" sz="2400" dirty="0"/>
+          </a:p>
+          <a:p>
+            <a:pPr marL="285750" indent="-285750">
               <a:buFont typeface="Arial" panose="020B0604020202020204" pitchFamily="34" charset="0"/>
               <a:buChar char="•"/>
             </a:pPr>
             <a:r>
               <a:rPr lang="en-US" sz="2400" i="1" dirty="0"/>
-              <a:t>Default location C:/Program Files/Microsoft SQL Server/MSSQL13.MSSQLSERVER/R_SERVICES/library</a:t>
+              <a:t>C:\Program Files\Microsoft SQL Server\MSSQL13.MSSQLSERVER\R_SERVICES\library\</a:t>
             </a:r>
-          </a:p>
-          <a:p>
-            <a:pPr marL="342900" indent="-342900">
+            <a:r>
+              <a:rPr lang="en-US" sz="2400" i="1" dirty="0" err="1"/>
+              <a:t>RevoScaleR</a:t>
+            </a:r>
+            <a:r>
+              <a:rPr lang="en-US" sz="2400" i="1" dirty="0"/>
+              <a:t>\</a:t>
+            </a:r>
+            <a:r>
+              <a:rPr lang="en-US" sz="2400" i="1" dirty="0" err="1"/>
+              <a:t>rxLibs</a:t>
+            </a:r>
+            <a:r>
+              <a:rPr lang="en-US" sz="2400" i="1" dirty="0"/>
+              <a:t>\x64\</a:t>
+            </a:r>
+            <a:r>
+              <a:rPr lang="en-US" sz="2400" i="1" dirty="0" err="1"/>
+              <a:t>RegisterRext.exe.config</a:t>
+            </a:r>
+            <a:endParaRPr lang="en-US" sz="2400" i="1" dirty="0"/>
+          </a:p>
+          <a:p>
+            <a:pPr marL="285750" indent="-285750">
+              <a:buFont typeface="Arial" panose="020B0604020202020204" pitchFamily="34" charset="0"/>
+              <a:buChar char="•"/>
+            </a:pPr>
+            <a:endParaRPr lang="en-US" sz="2400" i="1" dirty="0"/>
+          </a:p>
+          <a:p>
+            <a:pPr marL="285750" indent="-285750">
               <a:buFont typeface="Arial" panose="020B0604020202020204" pitchFamily="34" charset="0"/>
               <a:buChar char="•"/>
             </a:pPr>
             <a:r>
               <a:rPr lang="en-US" sz="2400" i="1" dirty="0"/>
-              <a:t>Must install new packages as administrator</a:t>
+              <a:t>&lt;add key="</a:t>
             </a:r>
-          </a:p>
-          <a:p>
-            <a:pPr lvl="1"/>
+            <a:r>
+              <a:rPr lang="en-US" sz="2400" i="1" dirty="0" err="1"/>
+              <a:t>UserAccountPoolSize</a:t>
+            </a:r>
+            <a:r>
+              <a:rPr lang="en-US" sz="2400" i="1" dirty="0"/>
+              <a:t>" value="20" /&gt;</a:t>
+            </a:r>
+          </a:p>
+          <a:p>
+            <a:pPr marL="285750" indent="-285750">
+              <a:buFont typeface="Arial" panose="020B0604020202020204" pitchFamily="34" charset="0"/>
+              <a:buChar char="•"/>
+            </a:pPr>
             <a:endParaRPr lang="en-US" sz="2400" i="1" dirty="0"/>
           </a:p>
-        </p:txBody>
-      </p:sp>
-      <p:sp>
-        <p:nvSpPr>
-          <p:cNvPr id="9" name="TextBox 8"/>
-          <p:cNvSpPr txBox="1"/>
-          <p:nvPr/>
-        </p:nvSpPr>
-        <p:spPr>
-          <a:xfrm>
-            <a:off x="290943" y="3203270"/>
-            <a:ext cx="10141631" cy="2123658"/>
-          </a:xfrm>
-          <a:prstGeom prst="rect">
-            <a:avLst/>
-          </a:prstGeom>
-          <a:noFill/>
-        </p:spPr>
-        <p:txBody>
-          <a:bodyPr wrap="square" rtlCol="0">
-            <a:spAutoFit/>
-          </a:bodyPr>
-          <a:lstStyle/>
-          <a:p>
-            <a:r>
-              <a:rPr lang="en-US" sz="3600" i="1" dirty="0"/>
-              <a:t>Permissions</a:t>
-            </a:r>
-          </a:p>
-          <a:p>
-            <a:endParaRPr lang="en-US" sz="2400" i="1" dirty="0"/>
-          </a:p>
-          <a:p>
-            <a:pPr marL="342900" indent="-342900">
+          <a:p>
+            <a:pPr marL="285750" indent="-285750">
               <a:buFont typeface="Arial" panose="020B0604020202020204" pitchFamily="34" charset="0"/>
               <a:buChar char="•"/>
             </a:pPr>
             <a:r>
               <a:rPr lang="en-US" sz="2400" i="1" dirty="0"/>
-              <a:t>In database:</a:t>
+              <a:t>Rerun registerRext.exe /uninstall (if you’re already run it once)</a:t>
             </a:r>
           </a:p>
           <a:p>
-            <a:pPr lvl="1"/>
-            <a:r>
-              <a:rPr lang="en-US" sz="2400" i="1" dirty="0"/>
-              <a:t>	GRANT EXECUTE ANY EXTERNAL SCRIPT TO &lt;user name&gt;</a:t>
-            </a:r>
-          </a:p>
-          <a:p>
-            <a:pPr marL="342900" indent="-342900">
+            <a:pPr marL="285750" indent="-285750">
               <a:buFont typeface="Arial" panose="020B0604020202020204" pitchFamily="34" charset="0"/>
               <a:buChar char="•"/>
             </a:pPr>
             <a:endParaRPr lang="en-US" sz="2400" i="1" dirty="0"/>
+          </a:p>
+          <a:p>
+            <a:pPr marL="285750" indent="-285750">
+              <a:buFont typeface="Arial" panose="020B0604020202020204" pitchFamily="34" charset="0"/>
+              <a:buChar char="•"/>
+            </a:pPr>
+            <a:r>
+              <a:rPr lang="en-US" sz="2400" i="1" dirty="0"/>
+              <a:t>Rerun registerRext.exe /install</a:t>
+            </a:r>
           </a:p>
         </p:txBody>
       </p:sp>
     </p:spTree>
     <p:extLst>
       <p:ext uri="{BB962C8B-B14F-4D97-AF65-F5344CB8AC3E}">
-        <p14:creationId xmlns:p14="http://schemas.microsoft.com/office/powerpoint/2010/main" val="1768717212"/>
+        <p14:creationId xmlns:p14="http://schemas.microsoft.com/office/powerpoint/2010/main" val="3591440731"/>
       </p:ext>
     </p:extLst>
   </p:cSld>
@@ -30585,8 +31007,8 @@
         </p:nvSpPr>
         <p:spPr>
           <a:xfrm>
-            <a:off x="307676" y="190669"/>
-            <a:ext cx="11803459" cy="6247864"/>
+            <a:off x="316170" y="327547"/>
+            <a:ext cx="9788236" cy="646331"/>
           </a:xfrm>
           <a:prstGeom prst="rect">
             <a:avLst/>
@@ -30600,177 +31022,72 @@
           <a:lstStyle/>
           <a:p>
             <a:r>
-              <a:rPr lang="en-US" sz="2800" i="1" dirty="0"/>
-              <a:t>EXEC </a:t>
+              <a:rPr lang="en-US" sz="3600" i="1" dirty="0"/>
+              <a:t>Configure </a:t>
             </a:r>
             <a:r>
-              <a:rPr lang="en-US" sz="2800" i="1" dirty="0" err="1"/>
-              <a:t>sp_execute_external_script</a:t>
+              <a:rPr lang="en-US" sz="3600" i="1" dirty="0" err="1"/>
+              <a:t>RegisterRext.exe.config</a:t>
             </a:r>
-            <a:endParaRPr lang="en-US" sz="2800" i="1" dirty="0"/>
-          </a:p>
+            <a:endParaRPr lang="en-US" sz="2400" dirty="0"/>
+          </a:p>
+        </p:txBody>
+      </p:sp>
+      <p:pic>
+        <p:nvPicPr>
+          <p:cNvPr id="9" name="Picture 8"/>
+          <p:cNvPicPr>
+            <a:picLocks noChangeAspect="1"/>
+          </p:cNvPicPr>
+          <p:nvPr/>
+        </p:nvPicPr>
+        <p:blipFill>
+          <a:blip r:embed="rId2"/>
+          <a:stretch>
+            <a:fillRect/>
+          </a:stretch>
+        </p:blipFill>
+        <p:spPr>
+          <a:xfrm>
+            <a:off x="4237770" y="1296974"/>
+            <a:ext cx="4445877" cy="5100946"/>
+          </a:xfrm>
+          <a:prstGeom prst="rect">
+            <a:avLst/>
+          </a:prstGeom>
+        </p:spPr>
+      </p:pic>
+      <p:sp>
+        <p:nvSpPr>
+          <p:cNvPr id="10" name="TextBox 9"/>
+          <p:cNvSpPr txBox="1"/>
+          <p:nvPr/>
+        </p:nvSpPr>
+        <p:spPr>
+          <a:xfrm>
+            <a:off x="1563939" y="2099967"/>
+            <a:ext cx="1910781" cy="2308324"/>
+          </a:xfrm>
+          <a:prstGeom prst="rect">
+            <a:avLst/>
+          </a:prstGeom>
+          <a:noFill/>
+        </p:spPr>
+        <p:txBody>
+          <a:bodyPr wrap="square" rtlCol="0">
+            <a:spAutoFit/>
+          </a:bodyPr>
+          <a:lstStyle/>
           <a:p>
             <a:r>
-              <a:rPr lang="en-US" sz="2800" i="1" dirty="0"/>
-              <a:t>	</a:t>
-            </a:r>
-            <a:r>
-              <a:rPr lang="en-US" sz="2800" b="1" i="1" dirty="0">
+              <a:rPr lang="en-US" sz="4800" dirty="0">
                 <a:solidFill>
-                  <a:srgbClr val="FF0000"/>
+                  <a:schemeClr val="accent1">
+                    <a:lumMod val="50000"/>
+                  </a:schemeClr>
                 </a:solidFill>
               </a:rPr>
-              <a:t>@language = </a:t>
-            </a:r>
-            <a:r>
-              <a:rPr lang="en-US" sz="2800" b="1" i="1" dirty="0" err="1">
-                <a:solidFill>
-                  <a:srgbClr val="FF0000"/>
-                </a:solidFill>
-              </a:rPr>
-              <a:t>N’language</a:t>
-            </a:r>
-            <a:r>
-              <a:rPr lang="en-US" sz="2800" b="1" i="1" dirty="0">
-                <a:solidFill>
-                  <a:srgbClr val="FF0000"/>
-                </a:solidFill>
-              </a:rPr>
-              <a:t>’,</a:t>
-            </a:r>
-          </a:p>
-          <a:p>
-            <a:r>
-              <a:rPr lang="en-US" sz="2800" b="1" i="1" dirty="0">
-                <a:solidFill>
-                  <a:srgbClr val="FF0000"/>
-                </a:solidFill>
-              </a:rPr>
-              <a:t>	@script = </a:t>
-            </a:r>
-            <a:r>
-              <a:rPr lang="en-US" sz="2800" b="1" i="1" dirty="0" err="1">
-                <a:solidFill>
-                  <a:srgbClr val="FF0000"/>
-                </a:solidFill>
-              </a:rPr>
-              <a:t>N’Your</a:t>
-            </a:r>
-            <a:r>
-              <a:rPr lang="en-US" sz="2800" b="1" i="1" dirty="0">
-                <a:solidFill>
-                  <a:srgbClr val="FF0000"/>
-                </a:solidFill>
-              </a:rPr>
-              <a:t> R code goes here’,</a:t>
-            </a:r>
-          </a:p>
-          <a:p>
-            <a:r>
-              <a:rPr lang="en-US" sz="2800" i="1" dirty="0"/>
-              <a:t>	@input_data_1 = N’’,</a:t>
-            </a:r>
-          </a:p>
-          <a:p>
-            <a:r>
-              <a:rPr lang="en-US" sz="2800" i="1" dirty="0"/>
-              <a:t>  	[@input_data_1_name = N’’],</a:t>
-            </a:r>
-          </a:p>
-          <a:p>
-            <a:r>
-              <a:rPr lang="en-US" sz="2800" i="1" dirty="0"/>
-              <a:t>	[@output_data_1_name = N’’],</a:t>
-            </a:r>
-            <a:r>
-              <a:rPr lang="en-US" i="1" dirty="0"/>
-              <a:t> </a:t>
-            </a:r>
-          </a:p>
-          <a:p>
-            <a:r>
-              <a:rPr lang="en-US" sz="2800" i="1" dirty="0"/>
-              <a:t>	[@parallel = 0 | 1],</a:t>
-            </a:r>
-          </a:p>
-          <a:p>
-            <a:r>
-              <a:rPr lang="en-US" sz="2800" dirty="0"/>
-              <a:t>	</a:t>
-            </a:r>
-            <a:r>
-              <a:rPr lang="en-US" sz="2800" i="1" dirty="0"/>
-              <a:t>[@</a:t>
-            </a:r>
-            <a:r>
-              <a:rPr lang="en-US" sz="2800" i="1" dirty="0" err="1"/>
-              <a:t>params</a:t>
-            </a:r>
-            <a:r>
-              <a:rPr lang="en-US" sz="2800" i="1" dirty="0"/>
-              <a:t> = N'@</a:t>
-            </a:r>
-            <a:r>
-              <a:rPr lang="en-US" sz="2800" i="1" dirty="0" err="1"/>
-              <a:t>parameter_name</a:t>
-            </a:r>
-            <a:r>
-              <a:rPr lang="en-US" sz="2800" i="1" dirty="0"/>
-              <a:t> </a:t>
-            </a:r>
-            <a:r>
-              <a:rPr lang="en-US" sz="2800" i="1" dirty="0" err="1"/>
-              <a:t>data_type</a:t>
-            </a:r>
-            <a:r>
-              <a:rPr lang="en-US" sz="2800" i="1" dirty="0"/>
-              <a:t> [ OUT | OUTPUT ] [ ,...n ]' ], 	[@parameter1 = 'value1' [ OUT | OUTPUT ] [ ,...n ] ]</a:t>
-            </a:r>
-          </a:p>
-          <a:p>
-            <a:r>
-              <a:rPr lang="en-US" sz="2800" i="1" dirty="0"/>
-              <a:t>WITH RESULT_SETS (</a:t>
-            </a:r>
-          </a:p>
-          <a:p>
-            <a:r>
-              <a:rPr lang="en-US" sz="2800" i="1" dirty="0"/>
-              <a:t>	{</a:t>
-            </a:r>
-            <a:r>
-              <a:rPr lang="en-US" sz="2800" i="1" dirty="0" err="1"/>
-              <a:t>column_name</a:t>
-            </a:r>
-            <a:r>
-              <a:rPr lang="en-US" sz="2800" i="1" dirty="0"/>
-              <a:t>, </a:t>
-            </a:r>
-            <a:r>
-              <a:rPr lang="en-US" sz="2800" i="1" dirty="0" err="1"/>
-              <a:t>data_type</a:t>
-            </a:r>
-            <a:r>
-              <a:rPr lang="en-US" sz="2800" i="1" dirty="0"/>
-              <a:t> [,,,n]}</a:t>
-            </a:r>
-          </a:p>
-          <a:p>
-            <a:r>
-              <a:rPr lang="en-US" sz="2800" i="1" dirty="0"/>
-              <a:t>         {UNDEFINED}</a:t>
-            </a:r>
-          </a:p>
-          <a:p>
-            <a:r>
-              <a:rPr lang="en-US" sz="2800" i="1" dirty="0"/>
-              <a:t>	{NONE})</a:t>
-            </a:r>
-          </a:p>
-          <a:p>
-            <a:r>
-              <a:rPr lang="en-US" sz="3600" dirty="0"/>
-              <a:t>	</a:t>
+              <a:t>The Easy Button</a:t>
             </a:r>
           </a:p>
         </p:txBody>
@@ -30778,7 +31095,7 @@
     </p:spTree>
     <p:extLst>
       <p:ext uri="{BB962C8B-B14F-4D97-AF65-F5344CB8AC3E}">
-        <p14:creationId xmlns:p14="http://schemas.microsoft.com/office/powerpoint/2010/main" val="2950449558"/>
+        <p14:creationId xmlns:p14="http://schemas.microsoft.com/office/powerpoint/2010/main" val="2726245880"/>
       </p:ext>
     </p:extLst>
   </p:cSld>
@@ -30973,8 +31290,8 @@
         </p:nvSpPr>
         <p:spPr>
           <a:xfrm>
-            <a:off x="307676" y="190669"/>
-            <a:ext cx="11803459" cy="6678751"/>
+            <a:off x="290944" y="327547"/>
+            <a:ext cx="10141631" cy="2492990"/>
           </a:xfrm>
           <a:prstGeom prst="rect">
             <a:avLst/>
@@ -30988,175 +31305,99 @@
           <a:lstStyle/>
           <a:p>
             <a:r>
-              <a:rPr lang="en-US" sz="2800" i="1" dirty="0"/>
-              <a:t>EXEC </a:t>
+              <a:rPr lang="en-US" sz="3600" i="1" dirty="0"/>
+              <a:t>Packages</a:t>
             </a:r>
-            <a:r>
-              <a:rPr lang="en-US" sz="2800" i="1" dirty="0" err="1"/>
-              <a:t>sp_execute_external_script</a:t>
-            </a:r>
-            <a:r>
-              <a:rPr lang="en-US" sz="2800" i="1" dirty="0"/>
-              <a:t>…</a:t>
-            </a:r>
-          </a:p>
-          <a:p>
-            <a:pPr marL="1028700" lvl="1" indent="-571500">
-              <a:buFont typeface="Arial" panose="020B0604020202020204" pitchFamily="34" charset="0"/>
-              <a:buChar char="•"/>
-            </a:pPr>
-            <a:endParaRPr lang="en-US" sz="3600" dirty="0"/>
-          </a:p>
-          <a:p>
-            <a:pPr marL="1028700" lvl="1" indent="-571500">
+          </a:p>
+          <a:p>
+            <a:endParaRPr lang="en-US" sz="2400" i="1" dirty="0"/>
+          </a:p>
+          <a:p>
+            <a:pPr marL="342900" indent="-342900">
               <a:buFont typeface="Arial" panose="020B0604020202020204" pitchFamily="34" charset="0"/>
               <a:buChar char="•"/>
             </a:pPr>
             <a:r>
-              <a:rPr lang="en-US" sz="2800" dirty="0"/>
-              <a:t>RESULT SET must be a data frame from R</a:t>
+              <a:rPr lang="en-US" sz="2400" i="1" dirty="0"/>
+              <a:t>Default location C:/Program Files/Microsoft SQL Server/MSSQL13.MSSQLSERVER/R_SERVICES/library</a:t>
             </a:r>
           </a:p>
           <a:p>
-            <a:pPr marL="1028700" lvl="1" indent="-571500">
-              <a:buFont typeface="Arial" panose="020B0604020202020204" pitchFamily="34" charset="0"/>
-              <a:buChar char="•"/>
-            </a:pPr>
-            <a:endParaRPr lang="en-US" sz="2800" dirty="0"/>
-          </a:p>
-          <a:p>
-            <a:pPr marL="1028700" lvl="1" indent="-571500">
+            <a:pPr marL="342900" indent="-342900">
               <a:buFont typeface="Arial" panose="020B0604020202020204" pitchFamily="34" charset="0"/>
               <a:buChar char="•"/>
             </a:pPr>
             <a:r>
-              <a:rPr lang="en-US" sz="2800" dirty="0"/>
-              <a:t>Only 1 RESULT SET allowed (may be more soon)</a:t>
+              <a:rPr lang="en-US" sz="2400" i="1" dirty="0"/>
+              <a:t>Must install new packages as administrator</a:t>
             </a:r>
           </a:p>
           <a:p>
-            <a:pPr marL="1028700" lvl="1" indent="-571500">
-              <a:buFont typeface="Arial" panose="020B0604020202020204" pitchFamily="34" charset="0"/>
-              <a:buChar char="•"/>
-            </a:pPr>
-            <a:endParaRPr lang="en-US" sz="2800" dirty="0"/>
-          </a:p>
-          <a:p>
-            <a:pPr marL="1028700" lvl="1" indent="-571500">
+            <a:pPr lvl="1"/>
+            <a:endParaRPr lang="en-US" sz="2400" i="1" dirty="0"/>
+          </a:p>
+        </p:txBody>
+      </p:sp>
+      <p:sp>
+        <p:nvSpPr>
+          <p:cNvPr id="9" name="TextBox 8"/>
+          <p:cNvSpPr txBox="1"/>
+          <p:nvPr/>
+        </p:nvSpPr>
+        <p:spPr>
+          <a:xfrm>
+            <a:off x="290943" y="3203270"/>
+            <a:ext cx="10141631" cy="2123658"/>
+          </a:xfrm>
+          <a:prstGeom prst="rect">
+            <a:avLst/>
+          </a:prstGeom>
+          <a:noFill/>
+        </p:spPr>
+        <p:txBody>
+          <a:bodyPr wrap="square" rtlCol="0">
+            <a:spAutoFit/>
+          </a:bodyPr>
+          <a:lstStyle/>
+          <a:p>
+            <a:r>
+              <a:rPr lang="en-US" sz="3600" i="1" dirty="0"/>
+              <a:t>Permissions</a:t>
+            </a:r>
+          </a:p>
+          <a:p>
+            <a:endParaRPr lang="en-US" sz="2400" i="1" dirty="0"/>
+          </a:p>
+          <a:p>
+            <a:pPr marL="342900" indent="-342900">
               <a:buFont typeface="Arial" panose="020B0604020202020204" pitchFamily="34" charset="0"/>
               <a:buChar char="•"/>
             </a:pPr>
             <a:r>
-              <a:rPr lang="en-US" sz="2800" dirty="0"/>
-              <a:t>Only 1 </a:t>
+              <a:rPr lang="en-US" sz="2400" i="1" dirty="0"/>
+              <a:t>In database:</a:t>
             </a:r>
+          </a:p>
+          <a:p>
+            <a:pPr lvl="1"/>
             <a:r>
-              <a:rPr lang="en-US" sz="2800" dirty="0" err="1"/>
-              <a:t>input_data</a:t>
+              <a:rPr lang="en-US" sz="2400" i="1" dirty="0"/>
+              <a:t>	GRANT EXECUTE ANY EXTERNAL SCRIPT TO &lt;user name&gt;</a:t>
             </a:r>
-            <a:endParaRPr lang="en-US" sz="2800" dirty="0"/>
-          </a:p>
-          <a:p>
-            <a:pPr marL="1485900" lvl="2" indent="-571500">
+          </a:p>
+          <a:p>
+            <a:pPr marL="342900" indent="-342900">
               <a:buFont typeface="Arial" panose="020B0604020202020204" pitchFamily="34" charset="0"/>
               <a:buChar char="•"/>
             </a:pPr>
-            <a:r>
-              <a:rPr lang="en-US" sz="2800" dirty="0"/>
-              <a:t>Possible workaround – package inside your R code</a:t>
-            </a:r>
-          </a:p>
-          <a:p>
-            <a:pPr marL="1028700" lvl="1" indent="-571500">
-              <a:buFont typeface="Arial" panose="020B0604020202020204" pitchFamily="34" charset="0"/>
-              <a:buChar char="•"/>
-            </a:pPr>
-            <a:endParaRPr lang="en-US" sz="2800" dirty="0"/>
-          </a:p>
-          <a:p>
-            <a:pPr marL="1028700" lvl="1" indent="-571500">
-              <a:buFont typeface="Arial" panose="020B0604020202020204" pitchFamily="34" charset="0"/>
-              <a:buChar char="•"/>
-            </a:pPr>
-            <a:r>
-              <a:rPr lang="en-US" sz="2800" dirty="0"/>
-              <a:t>SQL columns can’t be certain data types (</a:t>
-            </a:r>
-            <a:r>
-              <a:rPr lang="en-US" sz="2800" dirty="0" err="1"/>
-              <a:t>nchar</a:t>
-            </a:r>
-            <a:r>
-              <a:rPr lang="en-US" sz="2800" dirty="0"/>
-              <a:t>, </a:t>
-            </a:r>
-            <a:r>
-              <a:rPr lang="en-US" sz="2800" dirty="0" err="1"/>
-              <a:t>nvarchar</a:t>
-            </a:r>
-            <a:r>
-              <a:rPr lang="en-US" sz="2800" dirty="0"/>
-              <a:t>, cursor). </a:t>
-            </a:r>
-          </a:p>
-          <a:p>
-            <a:pPr marL="1485900" lvl="2" indent="-571500">
-              <a:buFont typeface="Arial" panose="020B0604020202020204" pitchFamily="34" charset="0"/>
-              <a:buChar char="•"/>
-            </a:pPr>
-            <a:r>
-              <a:rPr lang="en-US" sz="2800" dirty="0"/>
-              <a:t>Convert before sending to R</a:t>
-            </a:r>
-          </a:p>
-          <a:p>
-            <a:pPr marL="1485900" lvl="2" indent="-571500">
-              <a:buFont typeface="Arial" panose="020B0604020202020204" pitchFamily="34" charset="0"/>
-              <a:buChar char="•"/>
-            </a:pPr>
-            <a:endParaRPr lang="en-US" sz="2800" dirty="0"/>
-          </a:p>
-          <a:p>
-            <a:pPr marL="1028700" lvl="1" indent="-571500">
-              <a:buFont typeface="Arial" panose="020B0604020202020204" pitchFamily="34" charset="0"/>
-              <a:buChar char="•"/>
-            </a:pPr>
-            <a:r>
-              <a:rPr lang="en-US" sz="2800" dirty="0"/>
-              <a:t>Certain columns can’t recognized by R (</a:t>
-            </a:r>
-            <a:r>
-              <a:rPr lang="en-US" sz="2800" dirty="0" err="1"/>
-              <a:t>AlwaysEncrypted</a:t>
-            </a:r>
-            <a:r>
-              <a:rPr lang="en-US" sz="2800" dirty="0"/>
-              <a:t>, Masked)</a:t>
-            </a:r>
-          </a:p>
-          <a:p>
-            <a:pPr marL="1485900" lvl="2" indent="-571500">
-              <a:buFont typeface="Arial" panose="020B0604020202020204" pitchFamily="34" charset="0"/>
-              <a:buChar char="•"/>
-            </a:pPr>
-            <a:r>
-              <a:rPr lang="en-US" sz="2800" dirty="0"/>
-              <a:t>Possible work around – put in temp table first.</a:t>
-            </a:r>
-          </a:p>
-          <a:p>
-            <a:pPr marL="1028700" lvl="1" indent="-571500">
-              <a:buFont typeface="Arial" panose="020B0604020202020204" pitchFamily="34" charset="0"/>
-              <a:buChar char="•"/>
-            </a:pPr>
-            <a:endParaRPr lang="en-US" sz="2800" dirty="0"/>
+            <a:endParaRPr lang="en-US" sz="2400" i="1" dirty="0"/>
           </a:p>
         </p:txBody>
       </p:sp>
     </p:spTree>
     <p:extLst>
       <p:ext uri="{BB962C8B-B14F-4D97-AF65-F5344CB8AC3E}">
-        <p14:creationId xmlns:p14="http://schemas.microsoft.com/office/powerpoint/2010/main" val="625747378"/>
+        <p14:creationId xmlns:p14="http://schemas.microsoft.com/office/powerpoint/2010/main" val="1768717212"/>
       </p:ext>
     </p:extLst>
   </p:cSld>
@@ -31351,8 +31592,8 @@
         </p:nvSpPr>
         <p:spPr>
           <a:xfrm>
-            <a:off x="2325756" y="2915134"/>
-            <a:ext cx="10151461" cy="1200329"/>
+            <a:off x="307676" y="190669"/>
+            <a:ext cx="11803459" cy="6247864"/>
           </a:xfrm>
           <a:prstGeom prst="rect">
             <a:avLst/>
@@ -31366,8 +31607,177 @@
           <a:lstStyle/>
           <a:p>
             <a:r>
-              <a:rPr lang="en-US" sz="7200" dirty="0"/>
-              <a:t>SQL 2016 R Demos</a:t>
+              <a:rPr lang="en-US" sz="2800" i="1" dirty="0"/>
+              <a:t>EXEC </a:t>
+            </a:r>
+            <a:r>
+              <a:rPr lang="en-US" sz="2800" i="1" dirty="0" err="1"/>
+              <a:t>sp_execute_external_script</a:t>
+            </a:r>
+            <a:endParaRPr lang="en-US" sz="2800" i="1" dirty="0"/>
+          </a:p>
+          <a:p>
+            <a:r>
+              <a:rPr lang="en-US" sz="2800" i="1" dirty="0"/>
+              <a:t>	</a:t>
+            </a:r>
+            <a:r>
+              <a:rPr lang="en-US" sz="2800" b="1" i="1" dirty="0">
+                <a:solidFill>
+                  <a:srgbClr val="FF0000"/>
+                </a:solidFill>
+              </a:rPr>
+              <a:t>@language = </a:t>
+            </a:r>
+            <a:r>
+              <a:rPr lang="en-US" sz="2800" b="1" i="1" dirty="0" err="1">
+                <a:solidFill>
+                  <a:srgbClr val="FF0000"/>
+                </a:solidFill>
+              </a:rPr>
+              <a:t>N’language</a:t>
+            </a:r>
+            <a:r>
+              <a:rPr lang="en-US" sz="2800" b="1" i="1" dirty="0">
+                <a:solidFill>
+                  <a:srgbClr val="FF0000"/>
+                </a:solidFill>
+              </a:rPr>
+              <a:t>’,</a:t>
+            </a:r>
+          </a:p>
+          <a:p>
+            <a:r>
+              <a:rPr lang="en-US" sz="2800" b="1" i="1" dirty="0">
+                <a:solidFill>
+                  <a:srgbClr val="FF0000"/>
+                </a:solidFill>
+              </a:rPr>
+              <a:t>	@script = </a:t>
+            </a:r>
+            <a:r>
+              <a:rPr lang="en-US" sz="2800" b="1" i="1" dirty="0" err="1">
+                <a:solidFill>
+                  <a:srgbClr val="FF0000"/>
+                </a:solidFill>
+              </a:rPr>
+              <a:t>N’Your</a:t>
+            </a:r>
+            <a:r>
+              <a:rPr lang="en-US" sz="2800" b="1" i="1" dirty="0">
+                <a:solidFill>
+                  <a:srgbClr val="FF0000"/>
+                </a:solidFill>
+              </a:rPr>
+              <a:t> R code goes here’,</a:t>
+            </a:r>
+          </a:p>
+          <a:p>
+            <a:r>
+              <a:rPr lang="en-US" sz="2800" i="1" dirty="0"/>
+              <a:t>	@input_data_1 = N’’,</a:t>
+            </a:r>
+          </a:p>
+          <a:p>
+            <a:r>
+              <a:rPr lang="en-US" sz="2800" i="1" dirty="0"/>
+              <a:t>  	[@input_data_1_name = N’’],</a:t>
+            </a:r>
+          </a:p>
+          <a:p>
+            <a:r>
+              <a:rPr lang="en-US" sz="2800" i="1" dirty="0"/>
+              <a:t>	[@output_data_1_name = N’’],</a:t>
+            </a:r>
+            <a:r>
+              <a:rPr lang="en-US" i="1" dirty="0"/>
+              <a:t> </a:t>
+            </a:r>
+          </a:p>
+          <a:p>
+            <a:r>
+              <a:rPr lang="en-US" sz="2800" i="1" dirty="0"/>
+              <a:t>	[@parallel = 0 | 1],</a:t>
+            </a:r>
+          </a:p>
+          <a:p>
+            <a:r>
+              <a:rPr lang="en-US" sz="2800" dirty="0"/>
+              <a:t>	</a:t>
+            </a:r>
+            <a:r>
+              <a:rPr lang="en-US" sz="2800" i="1" dirty="0"/>
+              <a:t>[@</a:t>
+            </a:r>
+            <a:r>
+              <a:rPr lang="en-US" sz="2800" i="1" dirty="0" err="1"/>
+              <a:t>params</a:t>
+            </a:r>
+            <a:r>
+              <a:rPr lang="en-US" sz="2800" i="1" dirty="0"/>
+              <a:t> = N'@</a:t>
+            </a:r>
+            <a:r>
+              <a:rPr lang="en-US" sz="2800" i="1" dirty="0" err="1"/>
+              <a:t>parameter_name</a:t>
+            </a:r>
+            <a:r>
+              <a:rPr lang="en-US" sz="2800" i="1" dirty="0"/>
+              <a:t> </a:t>
+            </a:r>
+            <a:r>
+              <a:rPr lang="en-US" sz="2800" i="1" dirty="0" err="1"/>
+              <a:t>data_type</a:t>
+            </a:r>
+            <a:r>
+              <a:rPr lang="en-US" sz="2800" i="1" dirty="0"/>
+              <a:t> [ OUT | OUTPUT ] [ ,...n ]' ], 	[@parameter1 = 'value1' [ OUT | OUTPUT ] [ ,...n ] ]</a:t>
+            </a:r>
+          </a:p>
+          <a:p>
+            <a:r>
+              <a:rPr lang="en-US" sz="2800" i="1" dirty="0"/>
+              <a:t>WITH RESULT_SETS (</a:t>
+            </a:r>
+          </a:p>
+          <a:p>
+            <a:r>
+              <a:rPr lang="en-US" sz="2800" i="1" dirty="0"/>
+              <a:t>	{</a:t>
+            </a:r>
+            <a:r>
+              <a:rPr lang="en-US" sz="2800" i="1" dirty="0" err="1"/>
+              <a:t>column_name</a:t>
+            </a:r>
+            <a:r>
+              <a:rPr lang="en-US" sz="2800" i="1" dirty="0"/>
+              <a:t>, </a:t>
+            </a:r>
+            <a:r>
+              <a:rPr lang="en-US" sz="2800" i="1" dirty="0" err="1"/>
+              <a:t>data_type</a:t>
+            </a:r>
+            <a:r>
+              <a:rPr lang="en-US" sz="2800" i="1" dirty="0"/>
+              <a:t> [,,,n]}</a:t>
+            </a:r>
+          </a:p>
+          <a:p>
+            <a:r>
+              <a:rPr lang="en-US" sz="2800" i="1" dirty="0"/>
+              <a:t>         {UNDEFINED}</a:t>
+            </a:r>
+          </a:p>
+          <a:p>
+            <a:r>
+              <a:rPr lang="en-US" sz="2800" i="1" dirty="0"/>
+              <a:t>	{NONE})</a:t>
+            </a:r>
+          </a:p>
+          <a:p>
+            <a:r>
+              <a:rPr lang="en-US" sz="3600" dirty="0"/>
+              <a:t>	</a:t>
             </a:r>
           </a:p>
         </p:txBody>
@@ -31375,7 +31785,7 @@
     </p:spTree>
     <p:extLst>
       <p:ext uri="{BB962C8B-B14F-4D97-AF65-F5344CB8AC3E}">
-        <p14:creationId xmlns:p14="http://schemas.microsoft.com/office/powerpoint/2010/main" val="508549405"/>
+        <p14:creationId xmlns:p14="http://schemas.microsoft.com/office/powerpoint/2010/main" val="2950449558"/>
       </p:ext>
     </p:extLst>
   </p:cSld>
@@ -31570,8 +31980,8 @@
         </p:nvSpPr>
         <p:spPr>
           <a:xfrm>
-            <a:off x="3376092" y="327547"/>
-            <a:ext cx="5263881" cy="646331"/>
+            <a:off x="307676" y="190669"/>
+            <a:ext cx="11803459" cy="6678751"/>
           </a:xfrm>
           <a:prstGeom prst="rect">
             <a:avLst/>
@@ -31585,58 +31995,8 @@
           <a:lstStyle/>
           <a:p>
             <a:r>
-              <a:rPr lang="en-US" sz="3600" dirty="0"/>
-              <a:t>SQL 2016 R Known Issues</a:t>
-            </a:r>
-          </a:p>
-        </p:txBody>
-      </p:sp>
-      <p:sp>
-        <p:nvSpPr>
-          <p:cNvPr id="3" name="TextBox 2"/>
-          <p:cNvSpPr txBox="1"/>
-          <p:nvPr/>
-        </p:nvSpPr>
-        <p:spPr>
-          <a:xfrm>
-            <a:off x="558417" y="1610437"/>
-            <a:ext cx="10097142" cy="3539430"/>
-          </a:xfrm>
-          <a:prstGeom prst="rect">
-            <a:avLst/>
-          </a:prstGeom>
-          <a:noFill/>
-        </p:spPr>
-        <p:txBody>
-          <a:bodyPr wrap="square" rtlCol="0">
-            <a:spAutoFit/>
-          </a:bodyPr>
-          <a:lstStyle/>
-          <a:p>
-            <a:pPr marL="285750" indent="-285750">
-              <a:buFont typeface="Arial" panose="020B0604020202020204" pitchFamily="34" charset="0"/>
-              <a:buChar char="•"/>
-            </a:pPr>
-            <a:r>
               <a:rPr lang="en-US" sz="2800" i="1" dirty="0"/>
-              <a:t>Parallel execution not in CTP – Fixed in RC</a:t>
-            </a:r>
-          </a:p>
-          <a:p>
-            <a:pPr marL="285750" indent="-285750">
-              <a:buFont typeface="Arial" panose="020B0604020202020204" pitchFamily="34" charset="0"/>
-              <a:buChar char="•"/>
-            </a:pPr>
-            <a:endParaRPr lang="en-US" sz="2800" i="1" dirty="0"/>
-          </a:p>
-          <a:p>
-            <a:pPr marL="285750" indent="-285750">
-              <a:buFont typeface="Arial" panose="020B0604020202020204" pitchFamily="34" charset="0"/>
-              <a:buChar char="•"/>
-            </a:pPr>
-            <a:r>
-              <a:rPr lang="en-US" sz="2800" i="1" dirty="0"/>
-              <a:t>No output parameters in </a:t>
+              <a:t>EXEC </a:t>
             </a:r>
             <a:r>
               <a:rPr lang="en-US" sz="2800" i="1" dirty="0" err="1"/>
@@ -31644,56 +32004,166 @@
             </a:r>
             <a:r>
               <a:rPr lang="en-US" sz="2800" i="1" dirty="0"/>
-              <a:t> – Fixed in RC</a:t>
+              <a:t>…</a:t>
             </a:r>
           </a:p>
           <a:p>
-            <a:pPr marL="285750" indent="-285750">
+            <a:pPr marL="1028700" lvl="1" indent="-571500">
               <a:buFont typeface="Arial" panose="020B0604020202020204" pitchFamily="34" charset="0"/>
               <a:buChar char="•"/>
             </a:pPr>
-            <a:endParaRPr lang="en-US" sz="2800" i="1" dirty="0"/>
-          </a:p>
-          <a:p>
-            <a:pPr marL="285750" indent="-285750">
+            <a:endParaRPr lang="en-US" sz="3600" dirty="0"/>
+          </a:p>
+          <a:p>
+            <a:pPr marL="1028700" lvl="1" indent="-571500">
               <a:buFont typeface="Arial" panose="020B0604020202020204" pitchFamily="34" charset="0"/>
               <a:buChar char="•"/>
             </a:pPr>
             <a:r>
-              <a:rPr lang="en-US" sz="2800" i="1" dirty="0"/>
-              <a:t>Possible loss of precision between some R and SQL data types.</a:t>
+              <a:rPr lang="en-US" sz="2800" dirty="0"/>
+              <a:t>RESULT SET must be a data frame from R</a:t>
             </a:r>
           </a:p>
           <a:p>
-            <a:pPr marL="285750" indent="-285750">
+            <a:pPr marL="1028700" lvl="1" indent="-571500">
               <a:buFont typeface="Arial" panose="020B0604020202020204" pitchFamily="34" charset="0"/>
               <a:buChar char="•"/>
             </a:pPr>
-            <a:endParaRPr lang="en-US" sz="2800" i="1" dirty="0"/>
-          </a:p>
-          <a:p>
-            <a:pPr marL="285750" indent="-285750">
+            <a:endParaRPr lang="en-US" sz="2800" dirty="0"/>
+          </a:p>
+          <a:p>
+            <a:pPr marL="1028700" lvl="1" indent="-571500">
               <a:buFont typeface="Arial" panose="020B0604020202020204" pitchFamily="34" charset="0"/>
               <a:buChar char="•"/>
             </a:pPr>
             <a:r>
-              <a:rPr lang="en-US" sz="2800" i="1" dirty="0"/>
-              <a:t>Only 1 raw value can be returned – multiple outputs planned</a:t>
+              <a:rPr lang="en-US" sz="2800" dirty="0"/>
+              <a:t>Only 1 RESULT SET allowed (may be more soon)</a:t>
             </a:r>
           </a:p>
           <a:p>
-            <a:pPr marL="285750" indent="-285750">
+            <a:pPr marL="1028700" lvl="1" indent="-571500">
               <a:buFont typeface="Arial" panose="020B0604020202020204" pitchFamily="34" charset="0"/>
               <a:buChar char="•"/>
             </a:pPr>
-            <a:endParaRPr lang="en-US" sz="2800" i="1" dirty="0"/>
+            <a:endParaRPr lang="en-US" sz="2800" dirty="0"/>
+          </a:p>
+          <a:p>
+            <a:pPr marL="1028700" lvl="1" indent="-571500">
+              <a:buFont typeface="Arial" panose="020B0604020202020204" pitchFamily="34" charset="0"/>
+              <a:buChar char="•"/>
+            </a:pPr>
+            <a:r>
+              <a:rPr lang="en-US" sz="2800" dirty="0"/>
+              <a:t>Only 1 </a:t>
+            </a:r>
+            <a:r>
+              <a:rPr lang="en-US" sz="2800" dirty="0" err="1"/>
+              <a:t>input_data</a:t>
+            </a:r>
+            <a:endParaRPr lang="en-US" sz="2800" dirty="0"/>
+          </a:p>
+          <a:p>
+            <a:pPr marL="1485900" lvl="2" indent="-571500">
+              <a:buFont typeface="Arial" panose="020B0604020202020204" pitchFamily="34" charset="0"/>
+              <a:buChar char="•"/>
+            </a:pPr>
+            <a:r>
+              <a:rPr lang="en-US" sz="2800" dirty="0"/>
+              <a:t>Possible workaround – package inside your R code</a:t>
+            </a:r>
+          </a:p>
+          <a:p>
+            <a:pPr marL="1028700" lvl="1" indent="-571500">
+              <a:buFont typeface="Arial" panose="020B0604020202020204" pitchFamily="34" charset="0"/>
+              <a:buChar char="•"/>
+            </a:pPr>
+            <a:endParaRPr lang="en-US" sz="2800" dirty="0"/>
+          </a:p>
+          <a:p>
+            <a:pPr marL="1028700" lvl="1" indent="-571500">
+              <a:buFont typeface="Arial" panose="020B0604020202020204" pitchFamily="34" charset="0"/>
+              <a:buChar char="•"/>
+            </a:pPr>
+            <a:r>
+              <a:rPr lang="en-US" sz="2800" dirty="0"/>
+              <a:t>SQL columns can’t be certain data types (</a:t>
+            </a:r>
+            <a:r>
+              <a:rPr lang="en-US" sz="2800" dirty="0" err="1"/>
+              <a:t>nchar</a:t>
+            </a:r>
+            <a:r>
+              <a:rPr lang="en-US" sz="2800" dirty="0"/>
+              <a:t>, </a:t>
+            </a:r>
+            <a:r>
+              <a:rPr lang="en-US" sz="2800" dirty="0" err="1"/>
+              <a:t>nvarchar</a:t>
+            </a:r>
+            <a:r>
+              <a:rPr lang="en-US" sz="2800" dirty="0"/>
+              <a:t>, cursor). </a:t>
+            </a:r>
+          </a:p>
+          <a:p>
+            <a:pPr marL="1485900" lvl="2" indent="-571500">
+              <a:buFont typeface="Arial" panose="020B0604020202020204" pitchFamily="34" charset="0"/>
+              <a:buChar char="•"/>
+            </a:pPr>
+            <a:r>
+              <a:rPr lang="en-US" sz="2800" dirty="0"/>
+              <a:t>Convert before sending to R</a:t>
+            </a:r>
+          </a:p>
+          <a:p>
+            <a:pPr marL="1485900" lvl="2" indent="-571500">
+              <a:buFont typeface="Arial" panose="020B0604020202020204" pitchFamily="34" charset="0"/>
+              <a:buChar char="•"/>
+            </a:pPr>
+            <a:endParaRPr lang="en-US" sz="2800" dirty="0"/>
+          </a:p>
+          <a:p>
+            <a:pPr marL="1028700" lvl="1" indent="-571500">
+              <a:buFont typeface="Arial" panose="020B0604020202020204" pitchFamily="34" charset="0"/>
+              <a:buChar char="•"/>
+            </a:pPr>
+            <a:r>
+              <a:rPr lang="en-US" sz="2800" dirty="0"/>
+              <a:t>Certain columns can’t recognized by R (</a:t>
+            </a:r>
+            <a:r>
+              <a:rPr lang="en-US" sz="2800" dirty="0" err="1"/>
+              <a:t>AlwaysEncrypted</a:t>
+            </a:r>
+            <a:r>
+              <a:rPr lang="en-US" sz="2800" dirty="0"/>
+              <a:t>, Masked)</a:t>
+            </a:r>
+          </a:p>
+          <a:p>
+            <a:pPr marL="1485900" lvl="2" indent="-571500">
+              <a:buFont typeface="Arial" panose="020B0604020202020204" pitchFamily="34" charset="0"/>
+              <a:buChar char="•"/>
+            </a:pPr>
+            <a:r>
+              <a:rPr lang="en-US" sz="2800" dirty="0"/>
+              <a:t>Possible work around – put in temp table first.</a:t>
+            </a:r>
+          </a:p>
+          <a:p>
+            <a:pPr marL="1028700" lvl="1" indent="-571500">
+              <a:buFont typeface="Arial" panose="020B0604020202020204" pitchFamily="34" charset="0"/>
+              <a:buChar char="•"/>
+            </a:pPr>
+            <a:endParaRPr lang="en-US" sz="2800" dirty="0"/>
           </a:p>
         </p:txBody>
       </p:sp>
     </p:spTree>
     <p:extLst>
       <p:ext uri="{BB962C8B-B14F-4D97-AF65-F5344CB8AC3E}">
-        <p14:creationId xmlns:p14="http://schemas.microsoft.com/office/powerpoint/2010/main" val="3956228964"/>
+        <p14:creationId xmlns:p14="http://schemas.microsoft.com/office/powerpoint/2010/main" val="625747378"/>
       </p:ext>
     </p:extLst>
   </p:cSld>
@@ -31882,14 +32352,14 @@
       </p:cxnSp>
       <p:sp>
         <p:nvSpPr>
-          <p:cNvPr id="9" name="TextBox 8"/>
+          <p:cNvPr id="2" name="TextBox 1"/>
           <p:cNvSpPr txBox="1"/>
           <p:nvPr/>
         </p:nvSpPr>
         <p:spPr>
           <a:xfrm>
-            <a:off x="884583" y="242040"/>
-            <a:ext cx="9398906" cy="6247864"/>
+            <a:off x="2325756" y="2915134"/>
+            <a:ext cx="10151461" cy="1200329"/>
           </a:xfrm>
           <a:prstGeom prst="rect">
             <a:avLst/>
@@ -31903,128 +32373,16 @@
           <a:lstStyle/>
           <a:p>
             <a:r>
-              <a:rPr lang="en-US" sz="3600" i="1" dirty="0"/>
-              <a:t>Summary - 1</a:t>
+              <a:rPr lang="en-US" sz="7200" dirty="0"/>
+              <a:t>SQL 2016 R Demos</a:t>
             </a:r>
-          </a:p>
-          <a:p>
-            <a:pPr marL="571500" indent="-571500">
-              <a:buFont typeface="Arial" panose="020B0604020202020204" pitchFamily="34" charset="0"/>
-              <a:buChar char="•"/>
-            </a:pPr>
-            <a:endParaRPr lang="en-US" sz="2800" i="1" dirty="0"/>
-          </a:p>
-          <a:p>
-            <a:pPr marL="457200" indent="-457200">
-              <a:buFont typeface="Arial" panose="020B0604020202020204" pitchFamily="34" charset="0"/>
-              <a:buChar char="•"/>
-            </a:pPr>
-            <a:r>
-              <a:rPr lang="en-US" sz="2800" i="1" dirty="0"/>
-              <a:t>Microsoft acquired Revolution Analytics in 2015</a:t>
-            </a:r>
-          </a:p>
-          <a:p>
-            <a:pPr marL="571500" indent="-571500">
-              <a:buFont typeface="Arial" panose="020B0604020202020204" pitchFamily="34" charset="0"/>
-              <a:buChar char="•"/>
-            </a:pPr>
-            <a:endParaRPr lang="en-US" sz="2800" i="1" dirty="0"/>
-          </a:p>
-          <a:p>
-            <a:pPr marL="457200" indent="-457200">
-              <a:buFont typeface="Arial" panose="020B0604020202020204" pitchFamily="34" charset="0"/>
-              <a:buChar char="•"/>
-            </a:pPr>
-            <a:r>
-              <a:rPr lang="en-US" sz="2800" i="1" dirty="0"/>
-              <a:t>Revolution R Open - Microsoft R Open(MRO)</a:t>
-            </a:r>
-          </a:p>
-          <a:p>
-            <a:pPr marL="1028700" lvl="1" indent="-571500">
-              <a:buFont typeface="Arial" panose="020B0604020202020204" pitchFamily="34" charset="0"/>
-              <a:buChar char="•"/>
-            </a:pPr>
-            <a:r>
-              <a:rPr lang="en-US" sz="2800" i="1" dirty="0"/>
-              <a:t>Free, open source, enhanced version of R</a:t>
-            </a:r>
-          </a:p>
-          <a:p>
-            <a:pPr marL="1028700" lvl="1" indent="-571500">
-              <a:buFont typeface="Arial" panose="020B0604020202020204" pitchFamily="34" charset="0"/>
-              <a:buChar char="•"/>
-            </a:pPr>
-            <a:r>
-              <a:rPr lang="en-US" sz="2800" i="1" dirty="0"/>
-              <a:t>Easier multithreading</a:t>
-            </a:r>
-          </a:p>
-          <a:p>
-            <a:pPr marL="1028700" lvl="1" indent="-571500">
-              <a:buFont typeface="Arial" panose="020B0604020202020204" pitchFamily="34" charset="0"/>
-              <a:buChar char="•"/>
-            </a:pPr>
-            <a:r>
-              <a:rPr lang="en-US" sz="2800" i="1" dirty="0"/>
-              <a:t>Package Time Machine with checkpoint</a:t>
-            </a:r>
-          </a:p>
-          <a:p>
-            <a:pPr marL="571500" indent="-571500">
-              <a:buFont typeface="Arial" panose="020B0604020202020204" pitchFamily="34" charset="0"/>
-              <a:buChar char="•"/>
-            </a:pPr>
-            <a:endParaRPr lang="en-US" sz="2800" i="1" dirty="0"/>
-          </a:p>
-          <a:p>
-            <a:pPr marL="571500" indent="-571500">
-              <a:buFont typeface="Arial" panose="020B0604020202020204" pitchFamily="34" charset="0"/>
-              <a:buChar char="•"/>
-            </a:pPr>
-            <a:r>
-              <a:rPr lang="en-US" sz="2800" i="1" dirty="0"/>
-              <a:t>Revolution R Enterprise - SQL 2016 R Server &amp; Microsoft R Server</a:t>
-            </a:r>
-          </a:p>
-          <a:p>
-            <a:pPr marL="1028700" lvl="1" indent="-571500">
-              <a:buFont typeface="Arial" panose="020B0604020202020204" pitchFamily="34" charset="0"/>
-              <a:buChar char="•"/>
-            </a:pPr>
-            <a:r>
-              <a:rPr lang="en-US" sz="2800" i="1" dirty="0"/>
-              <a:t>Advanced Analytics Extensions</a:t>
-            </a:r>
-          </a:p>
-          <a:p>
-            <a:pPr marL="1028700" lvl="1" indent="-571500">
-              <a:buFont typeface="Arial" panose="020B0604020202020204" pitchFamily="34" charset="0"/>
-              <a:buChar char="•"/>
-            </a:pPr>
-            <a:r>
-              <a:rPr lang="en-US" sz="2800" i="1" dirty="0"/>
-              <a:t>Run R code in database through system stored procedure</a:t>
-            </a:r>
-          </a:p>
-          <a:p>
-            <a:pPr marL="1028700" lvl="1" indent="-571500">
-              <a:buFont typeface="Arial" panose="020B0604020202020204" pitchFamily="34" charset="0"/>
-              <a:buChar char="•"/>
-            </a:pPr>
-            <a:r>
-              <a:rPr lang="en-US" sz="2800" i="1" dirty="0"/>
-              <a:t>Return results and plots to application</a:t>
-            </a:r>
-            <a:endParaRPr lang="en-US" sz="3200" i="1" dirty="0"/>
           </a:p>
         </p:txBody>
       </p:sp>
     </p:spTree>
     <p:extLst>
       <p:ext uri="{BB962C8B-B14F-4D97-AF65-F5344CB8AC3E}">
-        <p14:creationId xmlns:p14="http://schemas.microsoft.com/office/powerpoint/2010/main" val="798354270"/>
+        <p14:creationId xmlns:p14="http://schemas.microsoft.com/office/powerpoint/2010/main" val="508549405"/>
       </p:ext>
     </p:extLst>
   </p:cSld>
@@ -32213,14 +32571,14 @@
       </p:cxnSp>
       <p:sp>
         <p:nvSpPr>
-          <p:cNvPr id="9" name="TextBox 8"/>
+          <p:cNvPr id="2" name="TextBox 1"/>
           <p:cNvSpPr txBox="1"/>
           <p:nvPr/>
         </p:nvSpPr>
         <p:spPr>
           <a:xfrm>
-            <a:off x="268358" y="79858"/>
-            <a:ext cx="10505412" cy="6678751"/>
+            <a:off x="3376092" y="327547"/>
+            <a:ext cx="5263881" cy="646331"/>
           </a:xfrm>
           <a:prstGeom prst="rect">
             <a:avLst/>
@@ -32234,185 +32592,115 @@
           <a:lstStyle/>
           <a:p>
             <a:r>
-              <a:rPr lang="en-US" sz="3600" i="1" dirty="0"/>
-              <a:t>Summary - 2</a:t>
+              <a:rPr lang="en-US" sz="3600" dirty="0"/>
+              <a:t>SQL 2016 R Known Issues</a:t>
             </a:r>
           </a:p>
-          <a:p>
-            <a:pPr marL="571500" indent="-571500">
-              <a:buFont typeface="Arial" panose="020B0604020202020204" pitchFamily="34" charset="0"/>
-              <a:buChar char="•"/>
-            </a:pPr>
-            <a:endParaRPr lang="en-US" sz="2800" i="1" dirty="0"/>
-          </a:p>
-          <a:p>
-            <a:pPr marL="457200" indent="-457200">
+        </p:txBody>
+      </p:sp>
+      <p:sp>
+        <p:nvSpPr>
+          <p:cNvPr id="3" name="TextBox 2"/>
+          <p:cNvSpPr txBox="1"/>
+          <p:nvPr/>
+        </p:nvSpPr>
+        <p:spPr>
+          <a:xfrm>
+            <a:off x="558417" y="1610437"/>
+            <a:ext cx="10097142" cy="3539430"/>
+          </a:xfrm>
+          <a:prstGeom prst="rect">
+            <a:avLst/>
+          </a:prstGeom>
+          <a:noFill/>
+        </p:spPr>
+        <p:txBody>
+          <a:bodyPr wrap="square" rtlCol="0">
+            <a:spAutoFit/>
+          </a:bodyPr>
+          <a:lstStyle/>
+          <a:p>
+            <a:pPr marL="285750" indent="-285750">
               <a:buFont typeface="Arial" panose="020B0604020202020204" pitchFamily="34" charset="0"/>
               <a:buChar char="•"/>
             </a:pPr>
             <a:r>
               <a:rPr lang="en-US" sz="2800" i="1" dirty="0"/>
-              <a:t>Choose R (In Database)feature during SQL install</a:t>
+              <a:t>Parallel execution not in CTP – Fixed in RC</a:t>
             </a:r>
           </a:p>
           <a:p>
-            <a:pPr marL="457200" indent="-457200">
+            <a:pPr marL="285750" indent="-285750">
               <a:buFont typeface="Arial" panose="020B0604020202020204" pitchFamily="34" charset="0"/>
               <a:buChar char="•"/>
             </a:pPr>
             <a:endParaRPr lang="en-US" sz="2800" i="1" dirty="0"/>
           </a:p>
           <a:p>
-            <a:pPr marL="457200" indent="-457200">
+            <a:pPr marL="285750" indent="-285750">
               <a:buFont typeface="Arial" panose="020B0604020202020204" pitchFamily="34" charset="0"/>
               <a:buChar char="•"/>
             </a:pPr>
             <a:r>
               <a:rPr lang="en-US" sz="2800" i="1" dirty="0"/>
-              <a:t>Install RRO and RRE (before </a:t>
+              <a:t>No output parameters in </a:t>
             </a:r>
             <a:r>
-              <a:rPr lang="en-US" sz="2800" i="1"/>
-              <a:t>RC2 or </a:t>
+              <a:rPr lang="en-US" sz="2800" i="1" dirty="0" err="1"/>
+              <a:t>sp_execute_external_script</a:t>
             </a:r>
             <a:r>
               <a:rPr lang="en-US" sz="2800" i="1" dirty="0"/>
-              <a:t>if server has </a:t>
+              <a:t> – Fixed in RC</a:t>
             </a:r>
-            <a:r>
-              <a:rPr lang="en-US" sz="2800" i="1"/>
-              <a:t>no internet)</a:t>
-            </a:r>
-            <a:endParaRPr lang="en-US" sz="2800" i="1" dirty="0"/>
-          </a:p>
-          <a:p>
-            <a:pPr marL="457200" indent="-457200">
+          </a:p>
+          <a:p>
+            <a:pPr marL="285750" indent="-285750">
               <a:buFont typeface="Arial" panose="020B0604020202020204" pitchFamily="34" charset="0"/>
               <a:buChar char="•"/>
             </a:pPr>
             <a:endParaRPr lang="en-US" sz="2800" i="1" dirty="0"/>
           </a:p>
           <a:p>
-            <a:pPr marL="457200" indent="-457200">
-              <a:buFont typeface="Arial" panose="020B0604020202020204" pitchFamily="34" charset="0"/>
-              <a:buChar char="•"/>
-            </a:pPr>
-            <a:r>
-              <a:rPr lang="en-US" sz="2800" i="1" dirty="0" err="1"/>
-              <a:t>Sp_configure</a:t>
-            </a:r>
-            <a:r>
-              <a:rPr lang="en-US" sz="2800" i="1" dirty="0"/>
-              <a:t> ‘</a:t>
-            </a:r>
-            <a:r>
-              <a:rPr lang="en-US" sz="2800" i="1" dirty="0" err="1"/>
-              <a:t>external_scripts_enabled</a:t>
-            </a:r>
-            <a:r>
-              <a:rPr lang="en-US" sz="2800" i="1" dirty="0"/>
-              <a:t>’, 1</a:t>
-            </a:r>
-          </a:p>
-          <a:p>
-            <a:pPr marL="571500" indent="-571500">
-              <a:buFont typeface="Arial" panose="020B0604020202020204" pitchFamily="34" charset="0"/>
-              <a:buChar char="•"/>
-            </a:pPr>
-            <a:endParaRPr lang="en-US" sz="2800" i="1" dirty="0"/>
-          </a:p>
-          <a:p>
-            <a:pPr marL="457200" indent="-457200">
+            <a:pPr marL="285750" indent="-285750">
               <a:buFont typeface="Arial" panose="020B0604020202020204" pitchFamily="34" charset="0"/>
               <a:buChar char="•"/>
             </a:pPr>
             <a:r>
               <a:rPr lang="en-US" sz="2800" i="1" dirty="0"/>
-              <a:t>Configure </a:t>
+              <a:t>Possible loss of precision between some R and SQL data types.</a:t>
             </a:r>
-            <a:r>
-              <a:rPr lang="en-US" sz="2800" i="1" dirty="0" err="1"/>
-              <a:t>Rlaunchpad</a:t>
-            </a:r>
-            <a:r>
-              <a:rPr lang="en-US" sz="2800" i="1" dirty="0"/>
-              <a:t> for memory</a:t>
-            </a:r>
-          </a:p>
-          <a:p>
-            <a:pPr marL="457200" indent="-457200">
+          </a:p>
+          <a:p>
+            <a:pPr marL="285750" indent="-285750">
               <a:buFont typeface="Arial" panose="020B0604020202020204" pitchFamily="34" charset="0"/>
               <a:buChar char="•"/>
             </a:pPr>
             <a:endParaRPr lang="en-US" sz="2800" i="1" dirty="0"/>
           </a:p>
           <a:p>
-            <a:pPr marL="457200" indent="-457200">
+            <a:pPr marL="285750" indent="-285750">
               <a:buFont typeface="Arial" panose="020B0604020202020204" pitchFamily="34" charset="0"/>
               <a:buChar char="•"/>
             </a:pPr>
             <a:r>
               <a:rPr lang="en-US" sz="2800" i="1" dirty="0"/>
-              <a:t>Configure </a:t>
+              <a:t>Only 1 raw value can be returned – multiple outputs planned</a:t>
             </a:r>
-            <a:r>
-              <a:rPr lang="en-US" sz="2800" i="1" dirty="0" err="1"/>
-              <a:t>RegisterRext.exe.config</a:t>
-            </a:r>
-            <a:r>
-              <a:rPr lang="en-US" sz="2800" i="1" dirty="0"/>
-              <a:t> for user account sessions </a:t>
-            </a:r>
-          </a:p>
-          <a:p>
-            <a:pPr marL="571500" indent="-571500">
+          </a:p>
+          <a:p>
+            <a:pPr marL="285750" indent="-285750">
               <a:buFont typeface="Arial" panose="020B0604020202020204" pitchFamily="34" charset="0"/>
               <a:buChar char="•"/>
             </a:pPr>
             <a:endParaRPr lang="en-US" sz="2800" i="1" dirty="0"/>
-          </a:p>
-          <a:p>
-            <a:pPr marL="457200" indent="-457200">
-              <a:buFont typeface="Arial" panose="020B0604020202020204" pitchFamily="34" charset="0"/>
-              <a:buChar char="•"/>
-            </a:pPr>
-            <a:r>
-              <a:rPr lang="en-US" sz="2800" i="1" dirty="0"/>
-              <a:t>Run R code through </a:t>
-            </a:r>
-            <a:r>
-              <a:rPr lang="en-US" sz="2800" i="1" dirty="0" err="1"/>
-              <a:t>sp_execute_external_script</a:t>
-            </a:r>
-            <a:endParaRPr lang="en-US" sz="2800" i="1" dirty="0"/>
-          </a:p>
-          <a:p>
-            <a:pPr marL="914400" lvl="1" indent="-457200">
-              <a:buFont typeface="Arial" panose="020B0604020202020204" pitchFamily="34" charset="0"/>
-              <a:buChar char="•"/>
-            </a:pPr>
-            <a:r>
-              <a:rPr lang="en-US" sz="2800" i="1" dirty="0"/>
-              <a:t>Only 1 input and 1output</a:t>
-            </a:r>
-          </a:p>
-          <a:p>
-            <a:pPr marL="914400" lvl="1" indent="-457200">
-              <a:buFont typeface="Arial" panose="020B0604020202020204" pitchFamily="34" charset="0"/>
-              <a:buChar char="•"/>
-            </a:pPr>
-            <a:r>
-              <a:rPr lang="en-US" sz="2800" i="1" dirty="0"/>
-              <a:t>R must return data frame </a:t>
-            </a:r>
-            <a:endParaRPr lang="en-US" sz="3200" i="1" dirty="0"/>
           </a:p>
         </p:txBody>
       </p:sp>
     </p:spTree>
     <p:extLst>
       <p:ext uri="{BB962C8B-B14F-4D97-AF65-F5344CB8AC3E}">
-        <p14:creationId xmlns:p14="http://schemas.microsoft.com/office/powerpoint/2010/main" val="4224310888"/>
+        <p14:creationId xmlns:p14="http://schemas.microsoft.com/office/powerpoint/2010/main" val="3956228964"/>
       </p:ext>
     </p:extLst>
   </p:cSld>
@@ -32423,7 +32711,7 @@
 </file>
 
 <file path=ppt/slides/slide39.xml><?xml version="1.0" encoding="utf-8"?>
-<p:sld xmlns:a="http://schemas.openxmlformats.org/drawingml/2006/main" xmlns:r="http://schemas.openxmlformats.org/officeDocument/2006/relationships" xmlns:p="http://schemas.openxmlformats.org/presentationml/2006/main" showMasterSp="0">
+<p:sld xmlns:a="http://schemas.openxmlformats.org/drawingml/2006/main" xmlns:r="http://schemas.openxmlformats.org/officeDocument/2006/relationships" xmlns:p="http://schemas.openxmlformats.org/presentationml/2006/main">
   <p:cSld>
     <p:spTree>
       <p:nvGrpSpPr>
@@ -32601,14 +32889,14 @@
       </p:cxnSp>
       <p:sp>
         <p:nvSpPr>
-          <p:cNvPr id="3" name="TextBox 2"/>
+          <p:cNvPr id="9" name="TextBox 8"/>
           <p:cNvSpPr txBox="1"/>
           <p:nvPr/>
         </p:nvSpPr>
         <p:spPr>
           <a:xfrm>
-            <a:off x="3815409" y="327547"/>
-            <a:ext cx="3155277" cy="584775"/>
+            <a:off x="884583" y="242040"/>
+            <a:ext cx="9398906" cy="6247864"/>
           </a:xfrm>
           <a:prstGeom prst="rect">
             <a:avLst/>
@@ -32622,141 +32910,128 @@
           <a:lstStyle/>
           <a:p>
             <a:r>
-              <a:rPr lang="en-US" sz="3200" dirty="0"/>
-              <a:t>References</a:t>
+              <a:rPr lang="en-US" sz="3600" i="1" dirty="0"/>
+              <a:t>Summary - 1</a:t>
             </a:r>
           </a:p>
-        </p:txBody>
-      </p:sp>
-      <p:sp>
-        <p:nvSpPr>
-          <p:cNvPr id="2" name="TextBox 1"/>
-          <p:cNvSpPr txBox="1"/>
-          <p:nvPr/>
-        </p:nvSpPr>
-        <p:spPr>
-          <a:xfrm>
-            <a:off x="385010" y="1119799"/>
-            <a:ext cx="10156748" cy="5632311"/>
-          </a:xfrm>
-          <a:prstGeom prst="rect">
-            <a:avLst/>
-          </a:prstGeom>
-          <a:noFill/>
-        </p:spPr>
-        <p:txBody>
-          <a:bodyPr wrap="square" rtlCol="0">
-            <a:spAutoFit/>
-          </a:bodyPr>
-          <a:lstStyle/>
-          <a:p>
+          <a:p>
+            <a:pPr marL="571500" indent="-571500">
+              <a:buFont typeface="Arial" panose="020B0604020202020204" pitchFamily="34" charset="0"/>
+              <a:buChar char="•"/>
+            </a:pPr>
+            <a:endParaRPr lang="en-US" sz="2800" i="1" dirty="0"/>
+          </a:p>
+          <a:p>
+            <a:pPr marL="457200" indent="-457200">
+              <a:buFont typeface="Arial" panose="020B0604020202020204" pitchFamily="34" charset="0"/>
+              <a:buChar char="•"/>
+            </a:pPr>
             <a:r>
-              <a:rPr lang="en-US" sz="2400" dirty="0"/>
-              <a:t>MSDN: SQL Server R Services</a:t>
+              <a:rPr lang="en-US" sz="2800" i="1" dirty="0"/>
+              <a:t>Microsoft acquired Revolution Analytics in 2015</a:t>
             </a:r>
-            <a:br>
-              <a:rPr lang="en-US" sz="2400" dirty="0"/>
-            </a:br>
+          </a:p>
+          <a:p>
+            <a:pPr marL="571500" indent="-571500">
+              <a:buFont typeface="Arial" panose="020B0604020202020204" pitchFamily="34" charset="0"/>
+              <a:buChar char="•"/>
+            </a:pPr>
+            <a:endParaRPr lang="en-US" sz="2800" i="1" dirty="0"/>
+          </a:p>
+          <a:p>
+            <a:pPr marL="457200" indent="-457200">
+              <a:buFont typeface="Arial" panose="020B0604020202020204" pitchFamily="34" charset="0"/>
+              <a:buChar char="•"/>
+            </a:pPr>
             <a:r>
-              <a:rPr lang="en-US" sz="2400" dirty="0">
-                <a:hlinkClick r:id="rId3"/>
-              </a:rPr>
-              <a:t>https://msdn.microsoft.com/en-us/library/mt604845.aspx</a:t>
+              <a:rPr lang="en-US" sz="2800" i="1" dirty="0"/>
+              <a:t>Revolution R Open - Microsoft R Open(MRO)</a:t>
             </a:r>
-            <a:endParaRPr lang="en-US" sz="2400" dirty="0"/>
-          </a:p>
-          <a:p>
-            <a:endParaRPr lang="en-US" sz="2400" dirty="0"/>
-          </a:p>
-          <a:p>
+          </a:p>
+          <a:p>
+            <a:pPr marL="1028700" lvl="1" indent="-571500">
+              <a:buFont typeface="Arial" panose="020B0604020202020204" pitchFamily="34" charset="0"/>
+              <a:buChar char="•"/>
+            </a:pPr>
             <a:r>
-              <a:rPr lang="en-US" sz="2400" dirty="0"/>
-              <a:t>MSDN: Getting Started with SQL Server R Services</a:t>
+              <a:rPr lang="en-US" sz="2800" i="1" dirty="0"/>
+              <a:t>Free, open source, enhanced version of R</a:t>
             </a:r>
-            <a:br>
-              <a:rPr lang="en-US" sz="2400" dirty="0"/>
-            </a:br>
+          </a:p>
+          <a:p>
+            <a:pPr marL="1028700" lvl="1" indent="-571500">
+              <a:buFont typeface="Arial" panose="020B0604020202020204" pitchFamily="34" charset="0"/>
+              <a:buChar char="•"/>
+            </a:pPr>
             <a:r>
-              <a:rPr lang="en-US" sz="2400" dirty="0">
-                <a:hlinkClick r:id="rId4"/>
-              </a:rPr>
-              <a:t>https://msdn.microsoft.com/en-us/library/mt604885.aspx</a:t>
+              <a:rPr lang="en-US" sz="2800" i="1" dirty="0"/>
+              <a:t>Easier multithreading</a:t>
             </a:r>
-            <a:endParaRPr lang="en-US" sz="2400" dirty="0"/>
-          </a:p>
-          <a:p>
-            <a:endParaRPr lang="en-US" sz="2400" dirty="0"/>
-          </a:p>
-          <a:p>
+          </a:p>
+          <a:p>
+            <a:pPr marL="1028700" lvl="1" indent="-571500">
+              <a:buFont typeface="Arial" panose="020B0604020202020204" pitchFamily="34" charset="0"/>
+              <a:buChar char="•"/>
+            </a:pPr>
             <a:r>
-              <a:rPr lang="en-US" sz="2400" dirty="0"/>
-              <a:t>MSDN: </a:t>
+              <a:rPr lang="en-US" sz="2800" i="1" dirty="0"/>
+              <a:t>Package Time Machine with checkpoint</a:t>
             </a:r>
+          </a:p>
+          <a:p>
+            <a:pPr marL="571500" indent="-571500">
+              <a:buFont typeface="Arial" panose="020B0604020202020204" pitchFamily="34" charset="0"/>
+              <a:buChar char="•"/>
+            </a:pPr>
+            <a:endParaRPr lang="en-US" sz="2800" i="1" dirty="0"/>
+          </a:p>
+          <a:p>
+            <a:pPr marL="571500" indent="-571500">
+              <a:buFont typeface="Arial" panose="020B0604020202020204" pitchFamily="34" charset="0"/>
+              <a:buChar char="•"/>
+            </a:pPr>
             <a:r>
-              <a:rPr lang="en-US" sz="2400" dirty="0" err="1"/>
-              <a:t>sp_execute_external_script</a:t>
+              <a:rPr lang="en-US" sz="2800" i="1" dirty="0"/>
+              <a:t>Revolution R Enterprise - SQL 2016 R Server &amp; Microsoft R Server</a:t>
             </a:r>
+          </a:p>
+          <a:p>
+            <a:pPr marL="1028700" lvl="1" indent="-571500">
+              <a:buFont typeface="Arial" panose="020B0604020202020204" pitchFamily="34" charset="0"/>
+              <a:buChar char="•"/>
+            </a:pPr>
             <a:r>
-              <a:rPr lang="en-US" sz="2400" dirty="0"/>
-              <a:t> (Transact-SQL)</a:t>
+              <a:rPr lang="en-US" sz="2800" i="1" dirty="0"/>
+              <a:t>Advanced Analytics Extensions</a:t>
             </a:r>
-            <a:br>
-              <a:rPr lang="en-US" sz="2400" dirty="0"/>
-            </a:br>
+          </a:p>
+          <a:p>
+            <a:pPr marL="1028700" lvl="1" indent="-571500">
+              <a:buFont typeface="Arial" panose="020B0604020202020204" pitchFamily="34" charset="0"/>
+              <a:buChar char="•"/>
+            </a:pPr>
             <a:r>
-              <a:rPr lang="en-US" sz="2400" dirty="0">
-                <a:hlinkClick r:id="rId5"/>
-              </a:rPr>
-              <a:t>https://msdn.microsoft.com/en-us/library/mt604368.aspx</a:t>
+              <a:rPr lang="en-US" sz="2800" i="1" dirty="0"/>
+              <a:t>Run R code in database through system stored procedure</a:t>
             </a:r>
-            <a:endParaRPr lang="en-US" sz="2400" dirty="0"/>
-          </a:p>
-          <a:p>
-            <a:endParaRPr lang="en-US" sz="2400" dirty="0"/>
-          </a:p>
-          <a:p>
+          </a:p>
+          <a:p>
+            <a:pPr marL="1028700" lvl="1" indent="-571500">
+              <a:buFont typeface="Arial" panose="020B0604020202020204" pitchFamily="34" charset="0"/>
+              <a:buChar char="•"/>
+            </a:pPr>
             <a:r>
-              <a:rPr lang="en-US" sz="2400" dirty="0"/>
-              <a:t>MSDN: Configure and Manage Advanced Analytics Extensions</a:t>
+              <a:rPr lang="en-US" sz="2800" i="1" dirty="0"/>
+              <a:t>Return results and plots to application</a:t>
             </a:r>
-          </a:p>
-          <a:p>
-            <a:r>
-              <a:rPr lang="en-US" sz="2400" dirty="0">
-                <a:hlinkClick r:id="rId6"/>
-              </a:rPr>
-              <a:t>https://msdn.microsoft.com/en-US/library/mt590869.aspx</a:t>
-            </a:r>
-            <a:endParaRPr lang="en-US" sz="2400" dirty="0"/>
-          </a:p>
-          <a:p>
-            <a:endParaRPr lang="en-US" sz="2400" dirty="0"/>
-          </a:p>
-          <a:p>
-            <a:r>
-              <a:rPr lang="en-US" sz="2400" dirty="0"/>
-              <a:t>Microsoft R Application Network (MRAN)</a:t>
-            </a:r>
-            <a:br>
-              <a:rPr lang="en-US" sz="2400" dirty="0"/>
-            </a:br>
-            <a:r>
-              <a:rPr lang="en-US" sz="2400" dirty="0">
-                <a:hlinkClick r:id="rId7"/>
-              </a:rPr>
-              <a:t>https://mran.revolutionanalytics.com/</a:t>
-            </a:r>
-            <a:endParaRPr lang="en-US" sz="2400" dirty="0"/>
-          </a:p>
-          <a:p>
-            <a:endParaRPr lang="en-US" sz="2400" dirty="0"/>
+            <a:endParaRPr lang="en-US" sz="3200" i="1" dirty="0"/>
           </a:p>
         </p:txBody>
       </p:sp>
     </p:spTree>
     <p:extLst>
       <p:ext uri="{BB962C8B-B14F-4D97-AF65-F5344CB8AC3E}">
-        <p14:creationId xmlns:p14="http://schemas.microsoft.com/office/powerpoint/2010/main" val="1062634877"/>
+        <p14:creationId xmlns:p14="http://schemas.microsoft.com/office/powerpoint/2010/main" val="798354270"/>
       </p:ext>
     </p:extLst>
   </p:cSld>
@@ -33483,7 +33758,7 @@
 </file>
 
 <file path=ppt/slides/slide40.xml><?xml version="1.0" encoding="utf-8"?>
-<p:sld xmlns:a="http://schemas.openxmlformats.org/drawingml/2006/main" xmlns:r="http://schemas.openxmlformats.org/officeDocument/2006/relationships" xmlns:p="http://schemas.openxmlformats.org/presentationml/2006/main" showMasterSp="0">
+<p:sld xmlns:a="http://schemas.openxmlformats.org/drawingml/2006/main" xmlns:r="http://schemas.openxmlformats.org/officeDocument/2006/relationships" xmlns:p="http://schemas.openxmlformats.org/presentationml/2006/main">
   <p:cSld>
     <p:spTree>
       <p:nvGrpSpPr>
@@ -33661,14 +33936,14 @@
       </p:cxnSp>
       <p:sp>
         <p:nvSpPr>
-          <p:cNvPr id="3" name="TextBox 2"/>
+          <p:cNvPr id="9" name="TextBox 8"/>
           <p:cNvSpPr txBox="1"/>
           <p:nvPr/>
         </p:nvSpPr>
         <p:spPr>
           <a:xfrm>
-            <a:off x="3815409" y="327547"/>
-            <a:ext cx="3155277" cy="1077218"/>
+            <a:off x="268358" y="79858"/>
+            <a:ext cx="10505412" cy="6678751"/>
           </a:xfrm>
           <a:prstGeom prst="rect">
             <a:avLst/>
@@ -33682,122 +33957,185 @@
           <a:lstStyle/>
           <a:p>
             <a:r>
-              <a:rPr lang="en-US" sz="3200" dirty="0"/>
-              <a:t>References – 2</a:t>
+              <a:rPr lang="en-US" sz="3600" i="1" dirty="0"/>
+              <a:t>Summary - 2</a:t>
             </a:r>
           </a:p>
           <a:p>
+            <a:pPr marL="571500" indent="-571500">
+              <a:buFont typeface="Arial" panose="020B0604020202020204" pitchFamily="34" charset="0"/>
+              <a:buChar char="•"/>
+            </a:pPr>
+            <a:endParaRPr lang="en-US" sz="2800" i="1" dirty="0"/>
+          </a:p>
+          <a:p>
+            <a:pPr marL="457200" indent="-457200">
+              <a:buFont typeface="Arial" panose="020B0604020202020204" pitchFamily="34" charset="0"/>
+              <a:buChar char="•"/>
+            </a:pPr>
             <a:r>
-              <a:rPr lang="en-US" sz="3200" dirty="0"/>
-              <a:t> </a:t>
+              <a:rPr lang="en-US" sz="2800" i="1" dirty="0"/>
+              <a:t>Choose R (In Database)feature during SQL install</a:t>
             </a:r>
           </a:p>
-        </p:txBody>
-      </p:sp>
-      <p:sp>
-        <p:nvSpPr>
-          <p:cNvPr id="2" name="TextBox 1"/>
-          <p:cNvSpPr txBox="1"/>
-          <p:nvPr/>
-        </p:nvSpPr>
-        <p:spPr>
-          <a:xfrm>
-            <a:off x="385010" y="1119799"/>
-            <a:ext cx="10156748" cy="4154984"/>
-          </a:xfrm>
-          <a:prstGeom prst="rect">
-            <a:avLst/>
-          </a:prstGeom>
-          <a:noFill/>
-        </p:spPr>
-        <p:txBody>
-          <a:bodyPr wrap="square" rtlCol="0">
-            <a:spAutoFit/>
-          </a:bodyPr>
-          <a:lstStyle/>
-          <a:p>
+          <a:p>
+            <a:pPr marL="457200" indent="-457200">
+              <a:buFont typeface="Arial" panose="020B0604020202020204" pitchFamily="34" charset="0"/>
+              <a:buChar char="•"/>
+            </a:pPr>
+            <a:endParaRPr lang="en-US" sz="2800" i="1" dirty="0"/>
+          </a:p>
+          <a:p>
+            <a:pPr marL="457200" indent="-457200">
+              <a:buFont typeface="Arial" panose="020B0604020202020204" pitchFamily="34" charset="0"/>
+              <a:buChar char="•"/>
+            </a:pPr>
             <a:r>
-              <a:rPr lang="en-US" sz="2400" dirty="0"/>
-              <a:t>MSSQL Tips: Koen Verbeeck – SQL Server 2016 R Services</a:t>
-            </a:r>
-            <a:br>
-              <a:rPr lang="en-US" sz="2400" dirty="0"/>
-            </a:br>
-            <a:r>
-              <a:rPr lang="en-US" sz="2400" dirty="0">
-                <a:hlinkClick r:id="rId3"/>
-              </a:rPr>
-              <a:t>https://www.mssqltips.com/sqlserverauthor/114/koen-verbeeck/</a:t>
-            </a:r>
-            <a:endParaRPr lang="en-US" sz="2400" dirty="0"/>
-          </a:p>
-          <a:p>
-            <a:endParaRPr lang="en-US" sz="2400" dirty="0"/>
-          </a:p>
-          <a:p>
-            <a:r>
-              <a:rPr lang="en-US" sz="2400" dirty="0"/>
-              <a:t>SQL Server R Services Tutorials</a:t>
-            </a:r>
-            <a:br>
-              <a:rPr lang="en-US" sz="2400" dirty="0"/>
-            </a:br>
-            <a:r>
-              <a:rPr lang="en-US" sz="2400" dirty="0">
-                <a:hlinkClick r:id="rId4"/>
-              </a:rPr>
-              <a:t>https://msdn.microsoft.com/en-us/library/mt591993.aspx</a:t>
-            </a:r>
-            <a:endParaRPr lang="en-US" sz="2400" dirty="0"/>
-          </a:p>
-          <a:p>
-            <a:endParaRPr lang="en-US" sz="2400" dirty="0"/>
-          </a:p>
-          <a:p>
-            <a:r>
-              <a:rPr lang="en-US" sz="2400" dirty="0" err="1"/>
-              <a:t>AdventureWorks</a:t>
+              <a:rPr lang="en-US" sz="2800" i="1" dirty="0"/>
+              <a:t>Install RRO and RRE (before </a:t>
             </a:r>
             <a:r>
-              <a:rPr lang="en-US" sz="2400" dirty="0"/>
-              <a:t> Sample Databases and Scripts for SQL Server 2016 CTP3</a:t>
+              <a:rPr lang="en-US" sz="2800" i="1"/>
+              <a:t>RC2 or </a:t>
             </a:r>
-            <a:br>
-              <a:rPr lang="en-US" sz="2400" dirty="0"/>
-            </a:br>
             <a:r>
-              <a:rPr lang="en-US" sz="2400" dirty="0">
-                <a:hlinkClick r:id="rId5"/>
-              </a:rPr>
-              <a:t>https://www.microsoft.com/en-us/download/details.aspx?id=49502</a:t>
+              <a:rPr lang="en-US" sz="2800" i="1" dirty="0"/>
+              <a:t>if server has </a:t>
             </a:r>
-            <a:endParaRPr lang="en-US" sz="2400" dirty="0"/>
-          </a:p>
-          <a:p>
-            <a:endParaRPr lang="en-US" sz="2400" dirty="0"/>
-          </a:p>
-          <a:p>
             <a:r>
-              <a:rPr lang="en-US" sz="2400" dirty="0"/>
-              <a:t>R Tools for Visual Studio beta</a:t>
+              <a:rPr lang="en-US" sz="2800" i="1"/>
+              <a:t>no internet)</a:t>
             </a:r>
-            <a:br>
-              <a:rPr lang="en-US" sz="2400" dirty="0"/>
-            </a:br>
+            <a:endParaRPr lang="en-US" sz="2800" i="1" dirty="0"/>
+          </a:p>
+          <a:p>
+            <a:pPr marL="457200" indent="-457200">
+              <a:buFont typeface="Arial" panose="020B0604020202020204" pitchFamily="34" charset="0"/>
+              <a:buChar char="•"/>
+            </a:pPr>
+            <a:endParaRPr lang="en-US" sz="2800" i="1" dirty="0"/>
+          </a:p>
+          <a:p>
+            <a:pPr marL="457200" indent="-457200">
+              <a:buFont typeface="Arial" panose="020B0604020202020204" pitchFamily="34" charset="0"/>
+              <a:buChar char="•"/>
+            </a:pPr>
             <a:r>
-              <a:rPr lang="en-US" sz="2400" dirty="0">
-                <a:hlinkClick r:id="rId6"/>
-              </a:rPr>
-              <a:t>https://rawgit.com/jflam/VSBlogPost/master/post.html</a:t>
+              <a:rPr lang="en-US" sz="2800" i="1" dirty="0" err="1"/>
+              <a:t>Sp_configure</a:t>
             </a:r>
-            <a:endParaRPr lang="en-US" sz="2400" dirty="0"/>
+            <a:r>
+              <a:rPr lang="en-US" sz="2800" i="1" dirty="0"/>
+              <a:t> ‘</a:t>
+            </a:r>
+            <a:r>
+              <a:rPr lang="en-US" sz="2800" i="1" dirty="0" err="1"/>
+              <a:t>external_scripts_enabled</a:t>
+            </a:r>
+            <a:r>
+              <a:rPr lang="en-US" sz="2800" i="1" dirty="0"/>
+              <a:t>’, 1</a:t>
+            </a:r>
+          </a:p>
+          <a:p>
+            <a:pPr marL="571500" indent="-571500">
+              <a:buFont typeface="Arial" panose="020B0604020202020204" pitchFamily="34" charset="0"/>
+              <a:buChar char="•"/>
+            </a:pPr>
+            <a:endParaRPr lang="en-US" sz="2800" i="1" dirty="0"/>
+          </a:p>
+          <a:p>
+            <a:pPr marL="457200" indent="-457200">
+              <a:buFont typeface="Arial" panose="020B0604020202020204" pitchFamily="34" charset="0"/>
+              <a:buChar char="•"/>
+            </a:pPr>
+            <a:r>
+              <a:rPr lang="en-US" sz="2800" i="1" dirty="0"/>
+              <a:t>Configure </a:t>
+            </a:r>
+            <a:r>
+              <a:rPr lang="en-US" sz="2800" i="1" dirty="0" err="1"/>
+              <a:t>Rlaunchpad</a:t>
+            </a:r>
+            <a:r>
+              <a:rPr lang="en-US" sz="2800" i="1" dirty="0"/>
+              <a:t> for memory</a:t>
+            </a:r>
+          </a:p>
+          <a:p>
+            <a:pPr marL="457200" indent="-457200">
+              <a:buFont typeface="Arial" panose="020B0604020202020204" pitchFamily="34" charset="0"/>
+              <a:buChar char="•"/>
+            </a:pPr>
+            <a:endParaRPr lang="en-US" sz="2800" i="1" dirty="0"/>
+          </a:p>
+          <a:p>
+            <a:pPr marL="457200" indent="-457200">
+              <a:buFont typeface="Arial" panose="020B0604020202020204" pitchFamily="34" charset="0"/>
+              <a:buChar char="•"/>
+            </a:pPr>
+            <a:r>
+              <a:rPr lang="en-US" sz="2800" i="1" dirty="0"/>
+              <a:t>Configure </a:t>
+            </a:r>
+            <a:r>
+              <a:rPr lang="en-US" sz="2800" i="1" dirty="0" err="1"/>
+              <a:t>RegisterRext.exe.config</a:t>
+            </a:r>
+            <a:r>
+              <a:rPr lang="en-US" sz="2800" i="1" dirty="0"/>
+              <a:t> for user account sessions </a:t>
+            </a:r>
+          </a:p>
+          <a:p>
+            <a:pPr marL="571500" indent="-571500">
+              <a:buFont typeface="Arial" panose="020B0604020202020204" pitchFamily="34" charset="0"/>
+              <a:buChar char="•"/>
+            </a:pPr>
+            <a:endParaRPr lang="en-US" sz="2800" i="1" dirty="0"/>
+          </a:p>
+          <a:p>
+            <a:pPr marL="457200" indent="-457200">
+              <a:buFont typeface="Arial" panose="020B0604020202020204" pitchFamily="34" charset="0"/>
+              <a:buChar char="•"/>
+            </a:pPr>
+            <a:r>
+              <a:rPr lang="en-US" sz="2800" i="1" dirty="0"/>
+              <a:t>Run R code through </a:t>
+            </a:r>
+            <a:r>
+              <a:rPr lang="en-US" sz="2800" i="1" dirty="0" err="1"/>
+              <a:t>sp_execute_external_script</a:t>
+            </a:r>
+            <a:endParaRPr lang="en-US" sz="2800" i="1" dirty="0"/>
+          </a:p>
+          <a:p>
+            <a:pPr marL="914400" lvl="1" indent="-457200">
+              <a:buFont typeface="Arial" panose="020B0604020202020204" pitchFamily="34" charset="0"/>
+              <a:buChar char="•"/>
+            </a:pPr>
+            <a:r>
+              <a:rPr lang="en-US" sz="2800" i="1" dirty="0"/>
+              <a:t>Only 1 input and 1output</a:t>
+            </a:r>
+          </a:p>
+          <a:p>
+            <a:pPr marL="914400" lvl="1" indent="-457200">
+              <a:buFont typeface="Arial" panose="020B0604020202020204" pitchFamily="34" charset="0"/>
+              <a:buChar char="•"/>
+            </a:pPr>
+            <a:r>
+              <a:rPr lang="en-US" sz="2800" i="1" dirty="0"/>
+              <a:t>R must return data frame </a:t>
+            </a:r>
+            <a:endParaRPr lang="en-US" sz="3200" i="1" dirty="0"/>
           </a:p>
         </p:txBody>
       </p:sp>
     </p:spTree>
     <p:extLst>
       <p:ext uri="{BB962C8B-B14F-4D97-AF65-F5344CB8AC3E}">
-        <p14:creationId xmlns:p14="http://schemas.microsoft.com/office/powerpoint/2010/main" val="54837519"/>
+        <p14:creationId xmlns:p14="http://schemas.microsoft.com/office/powerpoint/2010/main" val="4224310888"/>
       </p:ext>
     </p:extLst>
   </p:cSld>
@@ -34008,6 +34346,675 @@
           <a:p>
             <a:r>
               <a:rPr lang="en-US" sz="3200" dirty="0"/>
+              <a:t>References</a:t>
+            </a:r>
+          </a:p>
+        </p:txBody>
+      </p:sp>
+      <p:sp>
+        <p:nvSpPr>
+          <p:cNvPr id="2" name="TextBox 1"/>
+          <p:cNvSpPr txBox="1"/>
+          <p:nvPr/>
+        </p:nvSpPr>
+        <p:spPr>
+          <a:xfrm>
+            <a:off x="385010" y="1119799"/>
+            <a:ext cx="10156748" cy="5632311"/>
+          </a:xfrm>
+          <a:prstGeom prst="rect">
+            <a:avLst/>
+          </a:prstGeom>
+          <a:noFill/>
+        </p:spPr>
+        <p:txBody>
+          <a:bodyPr wrap="square" rtlCol="0">
+            <a:spAutoFit/>
+          </a:bodyPr>
+          <a:lstStyle/>
+          <a:p>
+            <a:r>
+              <a:rPr lang="en-US" sz="2400" dirty="0"/>
+              <a:t>MSDN: SQL Server R Services</a:t>
+            </a:r>
+            <a:br>
+              <a:rPr lang="en-US" sz="2400" dirty="0"/>
+            </a:br>
+            <a:r>
+              <a:rPr lang="en-US" sz="2400" dirty="0">
+                <a:hlinkClick r:id="rId3"/>
+              </a:rPr>
+              <a:t>https://msdn.microsoft.com/en-us/library/mt604845.aspx</a:t>
+            </a:r>
+            <a:endParaRPr lang="en-US" sz="2400" dirty="0"/>
+          </a:p>
+          <a:p>
+            <a:endParaRPr lang="en-US" sz="2400" dirty="0"/>
+          </a:p>
+          <a:p>
+            <a:r>
+              <a:rPr lang="en-US" sz="2400" dirty="0"/>
+              <a:t>MSDN: Getting Started with SQL Server R Services</a:t>
+            </a:r>
+            <a:br>
+              <a:rPr lang="en-US" sz="2400" dirty="0"/>
+            </a:br>
+            <a:r>
+              <a:rPr lang="en-US" sz="2400" dirty="0">
+                <a:hlinkClick r:id="rId4"/>
+              </a:rPr>
+              <a:t>https://msdn.microsoft.com/en-us/library/mt604885.aspx</a:t>
+            </a:r>
+            <a:endParaRPr lang="en-US" sz="2400" dirty="0"/>
+          </a:p>
+          <a:p>
+            <a:endParaRPr lang="en-US" sz="2400" dirty="0"/>
+          </a:p>
+          <a:p>
+            <a:r>
+              <a:rPr lang="en-US" sz="2400" dirty="0"/>
+              <a:t>MSDN: </a:t>
+            </a:r>
+            <a:r>
+              <a:rPr lang="en-US" sz="2400" dirty="0" err="1"/>
+              <a:t>sp_execute_external_script</a:t>
+            </a:r>
+            <a:r>
+              <a:rPr lang="en-US" sz="2400" dirty="0"/>
+              <a:t> (Transact-SQL)</a:t>
+            </a:r>
+            <a:br>
+              <a:rPr lang="en-US" sz="2400" dirty="0"/>
+            </a:br>
+            <a:r>
+              <a:rPr lang="en-US" sz="2400" dirty="0">
+                <a:hlinkClick r:id="rId5"/>
+              </a:rPr>
+              <a:t>https://msdn.microsoft.com/en-us/library/mt604368.aspx</a:t>
+            </a:r>
+            <a:endParaRPr lang="en-US" sz="2400" dirty="0"/>
+          </a:p>
+          <a:p>
+            <a:endParaRPr lang="en-US" sz="2400" dirty="0"/>
+          </a:p>
+          <a:p>
+            <a:r>
+              <a:rPr lang="en-US" sz="2400" dirty="0"/>
+              <a:t>MSDN: Configure and Manage Advanced Analytics Extensions</a:t>
+            </a:r>
+          </a:p>
+          <a:p>
+            <a:r>
+              <a:rPr lang="en-US" sz="2400" dirty="0">
+                <a:hlinkClick r:id="rId6"/>
+              </a:rPr>
+              <a:t>https://msdn.microsoft.com/en-US/library/mt590869.aspx</a:t>
+            </a:r>
+            <a:endParaRPr lang="en-US" sz="2400" dirty="0"/>
+          </a:p>
+          <a:p>
+            <a:endParaRPr lang="en-US" sz="2400" dirty="0"/>
+          </a:p>
+          <a:p>
+            <a:r>
+              <a:rPr lang="en-US" sz="2400" dirty="0"/>
+              <a:t>Microsoft R Application Network (MRAN)</a:t>
+            </a:r>
+            <a:br>
+              <a:rPr lang="en-US" sz="2400" dirty="0"/>
+            </a:br>
+            <a:r>
+              <a:rPr lang="en-US" sz="2400" dirty="0">
+                <a:hlinkClick r:id="rId7"/>
+              </a:rPr>
+              <a:t>https://mran.revolutionanalytics.com/</a:t>
+            </a:r>
+            <a:endParaRPr lang="en-US" sz="2400" dirty="0"/>
+          </a:p>
+          <a:p>
+            <a:endParaRPr lang="en-US" sz="2400" dirty="0"/>
+          </a:p>
+        </p:txBody>
+      </p:sp>
+    </p:spTree>
+    <p:extLst>
+      <p:ext uri="{BB962C8B-B14F-4D97-AF65-F5344CB8AC3E}">
+        <p14:creationId xmlns:p14="http://schemas.microsoft.com/office/powerpoint/2010/main" val="1062634877"/>
+      </p:ext>
+    </p:extLst>
+  </p:cSld>
+  <p:clrMapOvr>
+    <a:masterClrMapping/>
+  </p:clrMapOvr>
+</p:sld>
+</file>
+
+<file path=ppt/slides/slide42.xml><?xml version="1.0" encoding="utf-8"?>
+<p:sld xmlns:a="http://schemas.openxmlformats.org/drawingml/2006/main" xmlns:r="http://schemas.openxmlformats.org/officeDocument/2006/relationships" xmlns:p="http://schemas.openxmlformats.org/presentationml/2006/main" showMasterSp="0">
+  <p:cSld>
+    <p:spTree>
+      <p:nvGrpSpPr>
+        <p:cNvPr id="1" name=""/>
+        <p:cNvGrpSpPr/>
+        <p:nvPr/>
+      </p:nvGrpSpPr>
+      <p:grpSpPr>
+        <a:xfrm>
+          <a:off x="0" y="0"/>
+          <a:ext cx="0" cy="0"/>
+          <a:chOff x="0" y="0"/>
+          <a:chExt cx="0" cy="0"/>
+        </a:xfrm>
+      </p:grpSpPr>
+      <p:sp>
+        <p:nvSpPr>
+          <p:cNvPr id="4" name="Oval 3"/>
+          <p:cNvSpPr/>
+          <p:nvPr/>
+        </p:nvSpPr>
+        <p:spPr>
+          <a:xfrm>
+            <a:off x="10882952" y="327547"/>
+            <a:ext cx="504967" cy="504967"/>
+          </a:xfrm>
+          <a:prstGeom prst="ellipse">
+            <a:avLst/>
+          </a:prstGeom>
+        </p:spPr>
+        <p:style>
+          <a:lnRef idx="2">
+            <a:schemeClr val="accent6"/>
+          </a:lnRef>
+          <a:fillRef idx="1">
+            <a:schemeClr val="lt1"/>
+          </a:fillRef>
+          <a:effectRef idx="0">
+            <a:schemeClr val="accent6"/>
+          </a:effectRef>
+          <a:fontRef idx="minor">
+            <a:schemeClr val="dk1"/>
+          </a:fontRef>
+        </p:style>
+        <p:txBody>
+          <a:bodyPr rtlCol="0" anchor="ctr"/>
+          <a:lstStyle/>
+          <a:p>
+            <a:pPr algn="ctr"/>
+            <a:endParaRPr lang="en-US"/>
+          </a:p>
+        </p:txBody>
+      </p:sp>
+      <p:cxnSp>
+        <p:nvCxnSpPr>
+          <p:cNvPr id="5" name="Straight Connector 4"/>
+          <p:cNvCxnSpPr>
+            <a:stCxn id="4" idx="4"/>
+          </p:cNvCxnSpPr>
+          <p:nvPr/>
+        </p:nvCxnSpPr>
+        <p:spPr>
+          <a:xfrm>
+            <a:off x="11135436" y="832514"/>
+            <a:ext cx="20471" cy="777923"/>
+          </a:xfrm>
+          <a:prstGeom prst="line">
+            <a:avLst/>
+          </a:prstGeom>
+        </p:spPr>
+        <p:style>
+          <a:lnRef idx="1">
+            <a:schemeClr val="accent1"/>
+          </a:lnRef>
+          <a:fillRef idx="0">
+            <a:schemeClr val="accent1"/>
+          </a:fillRef>
+          <a:effectRef idx="0">
+            <a:schemeClr val="accent1"/>
+          </a:effectRef>
+          <a:fontRef idx="minor">
+            <a:schemeClr val="tx1"/>
+          </a:fontRef>
+        </p:style>
+      </p:cxnSp>
+      <p:cxnSp>
+        <p:nvCxnSpPr>
+          <p:cNvPr id="6" name="Straight Connector 5"/>
+          <p:cNvCxnSpPr/>
+          <p:nvPr/>
+        </p:nvCxnSpPr>
+        <p:spPr>
+          <a:xfrm>
+            <a:off x="10882952" y="1160061"/>
+            <a:ext cx="614149" cy="0"/>
+          </a:xfrm>
+          <a:prstGeom prst="line">
+            <a:avLst/>
+          </a:prstGeom>
+        </p:spPr>
+        <p:style>
+          <a:lnRef idx="1">
+            <a:schemeClr val="accent1"/>
+          </a:lnRef>
+          <a:fillRef idx="0">
+            <a:schemeClr val="accent1"/>
+          </a:fillRef>
+          <a:effectRef idx="0">
+            <a:schemeClr val="accent1"/>
+          </a:effectRef>
+          <a:fontRef idx="minor">
+            <a:schemeClr val="tx1"/>
+          </a:fontRef>
+        </p:style>
+      </p:cxnSp>
+      <p:cxnSp>
+        <p:nvCxnSpPr>
+          <p:cNvPr id="7" name="Straight Connector 6"/>
+          <p:cNvCxnSpPr/>
+          <p:nvPr/>
+        </p:nvCxnSpPr>
+        <p:spPr>
+          <a:xfrm flipH="1">
+            <a:off x="10773770" y="1610437"/>
+            <a:ext cx="382137" cy="218364"/>
+          </a:xfrm>
+          <a:prstGeom prst="line">
+            <a:avLst/>
+          </a:prstGeom>
+        </p:spPr>
+        <p:style>
+          <a:lnRef idx="1">
+            <a:schemeClr val="accent1"/>
+          </a:lnRef>
+          <a:fillRef idx="0">
+            <a:schemeClr val="accent1"/>
+          </a:fillRef>
+          <a:effectRef idx="0">
+            <a:schemeClr val="accent1"/>
+          </a:effectRef>
+          <a:fontRef idx="minor">
+            <a:schemeClr val="tx1"/>
+          </a:fontRef>
+        </p:style>
+      </p:cxnSp>
+      <p:cxnSp>
+        <p:nvCxnSpPr>
+          <p:cNvPr id="8" name="Straight Connector 7"/>
+          <p:cNvCxnSpPr/>
+          <p:nvPr/>
+        </p:nvCxnSpPr>
+        <p:spPr>
+          <a:xfrm>
+            <a:off x="11155907" y="1610437"/>
+            <a:ext cx="341194" cy="170596"/>
+          </a:xfrm>
+          <a:prstGeom prst="line">
+            <a:avLst/>
+          </a:prstGeom>
+        </p:spPr>
+        <p:style>
+          <a:lnRef idx="1">
+            <a:schemeClr val="accent1"/>
+          </a:lnRef>
+          <a:fillRef idx="0">
+            <a:schemeClr val="accent1"/>
+          </a:fillRef>
+          <a:effectRef idx="0">
+            <a:schemeClr val="accent1"/>
+          </a:effectRef>
+          <a:fontRef idx="minor">
+            <a:schemeClr val="tx1"/>
+          </a:fontRef>
+        </p:style>
+      </p:cxnSp>
+      <p:sp>
+        <p:nvSpPr>
+          <p:cNvPr id="3" name="TextBox 2"/>
+          <p:cNvSpPr txBox="1"/>
+          <p:nvPr/>
+        </p:nvSpPr>
+        <p:spPr>
+          <a:xfrm>
+            <a:off x="3815409" y="327547"/>
+            <a:ext cx="3155277" cy="1077218"/>
+          </a:xfrm>
+          <a:prstGeom prst="rect">
+            <a:avLst/>
+          </a:prstGeom>
+          <a:noFill/>
+        </p:spPr>
+        <p:txBody>
+          <a:bodyPr wrap="square" rtlCol="0">
+            <a:spAutoFit/>
+          </a:bodyPr>
+          <a:lstStyle/>
+          <a:p>
+            <a:r>
+              <a:rPr lang="en-US" sz="3200" dirty="0"/>
+              <a:t>References – 2</a:t>
+            </a:r>
+          </a:p>
+          <a:p>
+            <a:r>
+              <a:rPr lang="en-US" sz="3200" dirty="0"/>
+              <a:t> </a:t>
+            </a:r>
+          </a:p>
+        </p:txBody>
+      </p:sp>
+      <p:sp>
+        <p:nvSpPr>
+          <p:cNvPr id="2" name="TextBox 1"/>
+          <p:cNvSpPr txBox="1"/>
+          <p:nvPr/>
+        </p:nvSpPr>
+        <p:spPr>
+          <a:xfrm>
+            <a:off x="385010" y="1119799"/>
+            <a:ext cx="10156748" cy="4154984"/>
+          </a:xfrm>
+          <a:prstGeom prst="rect">
+            <a:avLst/>
+          </a:prstGeom>
+          <a:noFill/>
+        </p:spPr>
+        <p:txBody>
+          <a:bodyPr wrap="square" rtlCol="0">
+            <a:spAutoFit/>
+          </a:bodyPr>
+          <a:lstStyle/>
+          <a:p>
+            <a:r>
+              <a:rPr lang="en-US" sz="2400" dirty="0"/>
+              <a:t>MSSQL Tips: Koen Verbeeck – SQL Server 2016 R Services</a:t>
+            </a:r>
+            <a:br>
+              <a:rPr lang="en-US" sz="2400" dirty="0"/>
+            </a:br>
+            <a:r>
+              <a:rPr lang="en-US" sz="2400" dirty="0">
+                <a:hlinkClick r:id="rId3"/>
+              </a:rPr>
+              <a:t>https://www.mssqltips.com/sqlserverauthor/114/koen-verbeeck/</a:t>
+            </a:r>
+            <a:endParaRPr lang="en-US" sz="2400" dirty="0"/>
+          </a:p>
+          <a:p>
+            <a:endParaRPr lang="en-US" sz="2400" dirty="0"/>
+          </a:p>
+          <a:p>
+            <a:r>
+              <a:rPr lang="en-US" sz="2400" dirty="0"/>
+              <a:t>SQL Server R Services Tutorials</a:t>
+            </a:r>
+            <a:br>
+              <a:rPr lang="en-US" sz="2400" dirty="0"/>
+            </a:br>
+            <a:r>
+              <a:rPr lang="en-US" sz="2400" dirty="0">
+                <a:hlinkClick r:id="rId4"/>
+              </a:rPr>
+              <a:t>https://msdn.microsoft.com/en-us/library/mt591993.aspx</a:t>
+            </a:r>
+            <a:endParaRPr lang="en-US" sz="2400" dirty="0"/>
+          </a:p>
+          <a:p>
+            <a:endParaRPr lang="en-US" sz="2400" dirty="0"/>
+          </a:p>
+          <a:p>
+            <a:r>
+              <a:rPr lang="en-US" sz="2400" dirty="0" err="1"/>
+              <a:t>AdventureWorks</a:t>
+            </a:r>
+            <a:r>
+              <a:rPr lang="en-US" sz="2400" dirty="0"/>
+              <a:t> Sample Databases and Scripts for SQL Server 2016 CTP3</a:t>
+            </a:r>
+            <a:br>
+              <a:rPr lang="en-US" sz="2400" dirty="0"/>
+            </a:br>
+            <a:r>
+              <a:rPr lang="en-US" sz="2400" dirty="0">
+                <a:hlinkClick r:id="rId5"/>
+              </a:rPr>
+              <a:t>https://www.microsoft.com/en-us/download/details.aspx?id=49502</a:t>
+            </a:r>
+            <a:endParaRPr lang="en-US" sz="2400" dirty="0"/>
+          </a:p>
+          <a:p>
+            <a:endParaRPr lang="en-US" sz="2400" dirty="0"/>
+          </a:p>
+          <a:p>
+            <a:r>
+              <a:rPr lang="en-US" sz="2400" dirty="0"/>
+              <a:t>R Tools for Visual Studio beta</a:t>
+            </a:r>
+            <a:br>
+              <a:rPr lang="en-US" sz="2400" dirty="0"/>
+            </a:br>
+            <a:r>
+              <a:rPr lang="en-US" sz="2400" dirty="0">
+                <a:hlinkClick r:id="rId6"/>
+              </a:rPr>
+              <a:t>https://rawgit.com/jflam/VSBlogPost/master/post.html</a:t>
+            </a:r>
+            <a:endParaRPr lang="en-US" sz="2400" dirty="0"/>
+          </a:p>
+        </p:txBody>
+      </p:sp>
+    </p:spTree>
+    <p:extLst>
+      <p:ext uri="{BB962C8B-B14F-4D97-AF65-F5344CB8AC3E}">
+        <p14:creationId xmlns:p14="http://schemas.microsoft.com/office/powerpoint/2010/main" val="54837519"/>
+      </p:ext>
+    </p:extLst>
+  </p:cSld>
+  <p:clrMapOvr>
+    <a:masterClrMapping/>
+  </p:clrMapOvr>
+</p:sld>
+</file>
+
+<file path=ppt/slides/slide43.xml><?xml version="1.0" encoding="utf-8"?>
+<p:sld xmlns:a="http://schemas.openxmlformats.org/drawingml/2006/main" xmlns:r="http://schemas.openxmlformats.org/officeDocument/2006/relationships" xmlns:p="http://schemas.openxmlformats.org/presentationml/2006/main" showMasterSp="0">
+  <p:cSld>
+    <p:spTree>
+      <p:nvGrpSpPr>
+        <p:cNvPr id="1" name=""/>
+        <p:cNvGrpSpPr/>
+        <p:nvPr/>
+      </p:nvGrpSpPr>
+      <p:grpSpPr>
+        <a:xfrm>
+          <a:off x="0" y="0"/>
+          <a:ext cx="0" cy="0"/>
+          <a:chOff x="0" y="0"/>
+          <a:chExt cx="0" cy="0"/>
+        </a:xfrm>
+      </p:grpSpPr>
+      <p:sp>
+        <p:nvSpPr>
+          <p:cNvPr id="4" name="Oval 3"/>
+          <p:cNvSpPr/>
+          <p:nvPr/>
+        </p:nvSpPr>
+        <p:spPr>
+          <a:xfrm>
+            <a:off x="10882952" y="327547"/>
+            <a:ext cx="504967" cy="504967"/>
+          </a:xfrm>
+          <a:prstGeom prst="ellipse">
+            <a:avLst/>
+          </a:prstGeom>
+        </p:spPr>
+        <p:style>
+          <a:lnRef idx="2">
+            <a:schemeClr val="accent6"/>
+          </a:lnRef>
+          <a:fillRef idx="1">
+            <a:schemeClr val="lt1"/>
+          </a:fillRef>
+          <a:effectRef idx="0">
+            <a:schemeClr val="accent6"/>
+          </a:effectRef>
+          <a:fontRef idx="minor">
+            <a:schemeClr val="dk1"/>
+          </a:fontRef>
+        </p:style>
+        <p:txBody>
+          <a:bodyPr rtlCol="0" anchor="ctr"/>
+          <a:lstStyle/>
+          <a:p>
+            <a:pPr algn="ctr"/>
+            <a:endParaRPr lang="en-US"/>
+          </a:p>
+        </p:txBody>
+      </p:sp>
+      <p:cxnSp>
+        <p:nvCxnSpPr>
+          <p:cNvPr id="5" name="Straight Connector 4"/>
+          <p:cNvCxnSpPr>
+            <a:stCxn id="4" idx="4"/>
+          </p:cNvCxnSpPr>
+          <p:nvPr/>
+        </p:nvCxnSpPr>
+        <p:spPr>
+          <a:xfrm>
+            <a:off x="11135436" y="832514"/>
+            <a:ext cx="20471" cy="777923"/>
+          </a:xfrm>
+          <a:prstGeom prst="line">
+            <a:avLst/>
+          </a:prstGeom>
+        </p:spPr>
+        <p:style>
+          <a:lnRef idx="1">
+            <a:schemeClr val="accent1"/>
+          </a:lnRef>
+          <a:fillRef idx="0">
+            <a:schemeClr val="accent1"/>
+          </a:fillRef>
+          <a:effectRef idx="0">
+            <a:schemeClr val="accent1"/>
+          </a:effectRef>
+          <a:fontRef idx="minor">
+            <a:schemeClr val="tx1"/>
+          </a:fontRef>
+        </p:style>
+      </p:cxnSp>
+      <p:cxnSp>
+        <p:nvCxnSpPr>
+          <p:cNvPr id="6" name="Straight Connector 5"/>
+          <p:cNvCxnSpPr/>
+          <p:nvPr/>
+        </p:nvCxnSpPr>
+        <p:spPr>
+          <a:xfrm>
+            <a:off x="10882952" y="1160061"/>
+            <a:ext cx="614149" cy="0"/>
+          </a:xfrm>
+          <a:prstGeom prst="line">
+            <a:avLst/>
+          </a:prstGeom>
+        </p:spPr>
+        <p:style>
+          <a:lnRef idx="1">
+            <a:schemeClr val="accent1"/>
+          </a:lnRef>
+          <a:fillRef idx="0">
+            <a:schemeClr val="accent1"/>
+          </a:fillRef>
+          <a:effectRef idx="0">
+            <a:schemeClr val="accent1"/>
+          </a:effectRef>
+          <a:fontRef idx="minor">
+            <a:schemeClr val="tx1"/>
+          </a:fontRef>
+        </p:style>
+      </p:cxnSp>
+      <p:cxnSp>
+        <p:nvCxnSpPr>
+          <p:cNvPr id="7" name="Straight Connector 6"/>
+          <p:cNvCxnSpPr/>
+          <p:nvPr/>
+        </p:nvCxnSpPr>
+        <p:spPr>
+          <a:xfrm flipH="1">
+            <a:off x="10773770" y="1610437"/>
+            <a:ext cx="382137" cy="218364"/>
+          </a:xfrm>
+          <a:prstGeom prst="line">
+            <a:avLst/>
+          </a:prstGeom>
+        </p:spPr>
+        <p:style>
+          <a:lnRef idx="1">
+            <a:schemeClr val="accent1"/>
+          </a:lnRef>
+          <a:fillRef idx="0">
+            <a:schemeClr val="accent1"/>
+          </a:fillRef>
+          <a:effectRef idx="0">
+            <a:schemeClr val="accent1"/>
+          </a:effectRef>
+          <a:fontRef idx="minor">
+            <a:schemeClr val="tx1"/>
+          </a:fontRef>
+        </p:style>
+      </p:cxnSp>
+      <p:cxnSp>
+        <p:nvCxnSpPr>
+          <p:cNvPr id="8" name="Straight Connector 7"/>
+          <p:cNvCxnSpPr/>
+          <p:nvPr/>
+        </p:nvCxnSpPr>
+        <p:spPr>
+          <a:xfrm>
+            <a:off x="11155907" y="1610437"/>
+            <a:ext cx="341194" cy="170596"/>
+          </a:xfrm>
+          <a:prstGeom prst="line">
+            <a:avLst/>
+          </a:prstGeom>
+        </p:spPr>
+        <p:style>
+          <a:lnRef idx="1">
+            <a:schemeClr val="accent1"/>
+          </a:lnRef>
+          <a:fillRef idx="0">
+            <a:schemeClr val="accent1"/>
+          </a:fillRef>
+          <a:effectRef idx="0">
+            <a:schemeClr val="accent1"/>
+          </a:effectRef>
+          <a:fontRef idx="minor">
+            <a:schemeClr val="tx1"/>
+          </a:fontRef>
+        </p:style>
+      </p:cxnSp>
+      <p:sp>
+        <p:nvSpPr>
+          <p:cNvPr id="3" name="TextBox 2"/>
+          <p:cNvSpPr txBox="1"/>
+          <p:nvPr/>
+        </p:nvSpPr>
+        <p:spPr>
+          <a:xfrm>
+            <a:off x="3815409" y="327547"/>
+            <a:ext cx="3155277" cy="584775"/>
+          </a:xfrm>
+          <a:prstGeom prst="rect">
+            <a:avLst/>
+          </a:prstGeom>
+          <a:noFill/>
+        </p:spPr>
+        <p:txBody>
+          <a:bodyPr wrap="square" rtlCol="0">
+            <a:spAutoFit/>
+          </a:bodyPr>
+          <a:lstStyle/>
+          <a:p>
+            <a:r>
+              <a:rPr lang="en-US" sz="3200" dirty="0"/>
               <a:t>References – 3 </a:t>
             </a:r>
           </a:p>
@@ -34107,7 +35114,7 @@
 </p:sld>
 </file>
 
-<file path=ppt/slides/slide42.xml><?xml version="1.0" encoding="utf-8"?>
+<file path=ppt/slides/slide44.xml><?xml version="1.0" encoding="utf-8"?>
 <p:sld xmlns:a="http://schemas.openxmlformats.org/drawingml/2006/main" xmlns:r="http://schemas.openxmlformats.org/officeDocument/2006/relationships" xmlns:p="http://schemas.openxmlformats.org/presentationml/2006/main" showMasterSp="0">
   <p:cSld>
     <p:spTree>
@@ -34892,13 +35899,13 @@
       </p:cxnSp>
       <p:pic>
         <p:nvPicPr>
-          <p:cNvPr id="1026" name="Picture 2" descr="https://pbs.twimg.com/media/CNqXmcbUAAUwZGX.png:large"/>
+          <p:cNvPr id="2" name="Picture 1"/>
           <p:cNvPicPr>
-            <a:picLocks noChangeAspect="1" noChangeArrowheads="1"/>
+            <a:picLocks noChangeAspect="1"/>
           </p:cNvPicPr>
           <p:nvPr/>
         </p:nvPicPr>
-        <p:blipFill rotWithShape="1">
+        <p:blipFill>
           <a:blip r:embed="rId3">
             <a:extLst>
               <a:ext uri="{28A0092B-C50C-407E-A947-70E740481C1C}">
@@ -34906,33 +35913,56 @@
               </a:ext>
             </a:extLst>
           </a:blip>
-          <a:srcRect l="-1598" t="16224" r="2823" b="17625"/>
-          <a:stretch/>
+          <a:stretch>
+            <a:fillRect/>
+          </a:stretch>
         </p:blipFill>
-        <p:spPr bwMode="auto">
+        <p:spPr>
           <a:xfrm>
-            <a:off x="94315" y="1160061"/>
-            <a:ext cx="10338261" cy="5192735"/>
+            <a:off x="2043211" y="327547"/>
+            <a:ext cx="7216032" cy="5667528"/>
+          </a:xfrm>
+          <a:prstGeom prst="rect">
+            <a:avLst/>
+          </a:prstGeom>
+        </p:spPr>
+      </p:pic>
+      <p:sp>
+        <p:nvSpPr>
+          <p:cNvPr id="11" name="TextBox 10"/>
+          <p:cNvSpPr txBox="1"/>
+          <p:nvPr/>
+        </p:nvSpPr>
+        <p:spPr>
+          <a:xfrm>
+            <a:off x="4111646" y="6104408"/>
+            <a:ext cx="4048585" cy="523220"/>
           </a:xfrm>
           <a:prstGeom prst="rect">
             <a:avLst/>
           </a:prstGeom>
           <a:noFill/>
-          <a:extLst>
-            <a:ext uri="{909E8E84-426E-40DD-AFC4-6F175D3DCCD1}">
-              <a14:hiddenFill xmlns:a14="http://schemas.microsoft.com/office/drawing/2010/main">
-                <a:solidFill>
-                  <a:srgbClr val="FFFFFF"/>
-                </a:solidFill>
-              </a14:hiddenFill>
-            </a:ext>
-          </a:extLst>
         </p:spPr>
-      </p:pic>
+        <p:txBody>
+          <a:bodyPr wrap="square" rtlCol="0">
+            <a:spAutoFit/>
+          </a:bodyPr>
+          <a:lstStyle/>
+          <a:p>
+            <a:r>
+              <a:rPr lang="en-US" sz="2800" dirty="0">
+                <a:hlinkClick r:id="rId4"/>
+              </a:rPr>
+              <a:t>http://xkcd.com/1281/</a:t>
+            </a:r>
+            <a:endParaRPr lang="en-US" sz="2800" dirty="0"/>
+          </a:p>
+        </p:txBody>
+      </p:sp>
     </p:spTree>
     <p:extLst>
       <p:ext uri="{BB962C8B-B14F-4D97-AF65-F5344CB8AC3E}">
-        <p14:creationId xmlns:p14="http://schemas.microsoft.com/office/powerpoint/2010/main" val="187117169"/>
+        <p14:creationId xmlns:p14="http://schemas.microsoft.com/office/powerpoint/2010/main" val="2177820121"/>
       </p:ext>
     </p:extLst>
   </p:cSld>
@@ -35119,46 +36149,16 @@
           </a:fontRef>
         </p:style>
       </p:cxnSp>
-      <p:pic>
-        <p:nvPicPr>
-          <p:cNvPr id="2" name="Picture 1"/>
-          <p:cNvPicPr>
-            <a:picLocks noChangeAspect="1"/>
-          </p:cNvPicPr>
-          <p:nvPr/>
-        </p:nvPicPr>
-        <p:blipFill>
-          <a:blip r:embed="rId3">
-            <a:extLst>
-              <a:ext uri="{28A0092B-C50C-407E-A947-70E740481C1C}">
-                <a14:useLocalDpi xmlns:a14="http://schemas.microsoft.com/office/drawing/2010/main" val="0"/>
-              </a:ext>
-            </a:extLst>
-          </a:blip>
-          <a:stretch>
-            <a:fillRect/>
-          </a:stretch>
-        </p:blipFill>
-        <p:spPr>
-          <a:xfrm>
-            <a:off x="2043211" y="327547"/>
-            <a:ext cx="7216032" cy="5667528"/>
-          </a:xfrm>
-          <a:prstGeom prst="rect">
-            <a:avLst/>
-          </a:prstGeom>
-        </p:spPr>
-      </p:pic>
       <p:sp>
         <p:nvSpPr>
-          <p:cNvPr id="11" name="TextBox 10"/>
+          <p:cNvPr id="2" name="TextBox 1"/>
           <p:cNvSpPr txBox="1"/>
           <p:nvPr/>
         </p:nvSpPr>
         <p:spPr>
           <a:xfrm>
-            <a:off x="4111646" y="6104408"/>
-            <a:ext cx="4048585" cy="523220"/>
+            <a:off x="3168183" y="256864"/>
+            <a:ext cx="5059018" cy="646331"/>
           </a:xfrm>
           <a:prstGeom prst="rect">
             <a:avLst/>
@@ -35172,19 +36172,143 @@
           <a:lstStyle/>
           <a:p>
             <a:r>
-              <a:rPr lang="en-US" sz="2800" dirty="0">
-                <a:hlinkClick r:id="rId4"/>
-              </a:rPr>
-              <a:t>http://xkcd.com/1281/</a:t>
+              <a:rPr lang="en-US" sz="3600" i="1" dirty="0"/>
+              <a:t>A Little “</a:t>
             </a:r>
-            <a:endParaRPr lang="en-US" sz="2800" dirty="0"/>
+            <a:r>
+              <a:rPr lang="en-US" sz="3600" i="1" dirty="0" err="1"/>
+              <a:t>R”efresher</a:t>
+            </a:r>
+            <a:r>
+              <a:rPr lang="en-US" sz="3600" i="1" dirty="0"/>
+              <a:t> </a:t>
+            </a:r>
+          </a:p>
+        </p:txBody>
+      </p:sp>
+      <p:sp>
+        <p:nvSpPr>
+          <p:cNvPr id="3" name="TextBox 2"/>
+          <p:cNvSpPr txBox="1"/>
+          <p:nvPr/>
+        </p:nvSpPr>
+        <p:spPr>
+          <a:xfrm>
+            <a:off x="238539" y="1012753"/>
+            <a:ext cx="9993302" cy="4401205"/>
+          </a:xfrm>
+          <a:prstGeom prst="rect">
+            <a:avLst/>
+          </a:prstGeom>
+          <a:noFill/>
+        </p:spPr>
+        <p:txBody>
+          <a:bodyPr wrap="square" rtlCol="0">
+            <a:spAutoFit/>
+          </a:bodyPr>
+          <a:lstStyle/>
+          <a:p>
+            <a:pPr lvl="1"/>
+            <a:r>
+              <a:rPr lang="en-US" sz="2800" i="1" dirty="0"/>
+              <a:t>Basic atomic classes of objects</a:t>
+            </a:r>
+          </a:p>
+          <a:p>
+            <a:pPr marL="1371600" lvl="2" indent="-457200">
+              <a:buFont typeface="Arial" panose="020B0604020202020204" pitchFamily="34" charset="0"/>
+              <a:buChar char="•"/>
+            </a:pPr>
+            <a:r>
+              <a:rPr lang="en-US" sz="2800" i="1" dirty="0"/>
+              <a:t>Character</a:t>
+            </a:r>
+          </a:p>
+          <a:p>
+            <a:pPr marL="1371600" lvl="2" indent="-457200">
+              <a:buFont typeface="Arial" panose="020B0604020202020204" pitchFamily="34" charset="0"/>
+              <a:buChar char="•"/>
+            </a:pPr>
+            <a:r>
+              <a:rPr lang="en-US" sz="2800" i="1" dirty="0"/>
+              <a:t>Numeric</a:t>
+            </a:r>
+          </a:p>
+          <a:p>
+            <a:pPr marL="1371600" lvl="2" indent="-457200">
+              <a:buFont typeface="Arial" panose="020B0604020202020204" pitchFamily="34" charset="0"/>
+              <a:buChar char="•"/>
+            </a:pPr>
+            <a:r>
+              <a:rPr lang="en-US" sz="2800" i="1" dirty="0"/>
+              <a:t>Integer</a:t>
+            </a:r>
+          </a:p>
+          <a:p>
+            <a:pPr marL="1371600" lvl="2" indent="-457200">
+              <a:buFont typeface="Arial" panose="020B0604020202020204" pitchFamily="34" charset="0"/>
+              <a:buChar char="•"/>
+            </a:pPr>
+            <a:r>
+              <a:rPr lang="en-US" sz="2800" i="1" dirty="0"/>
+              <a:t>Logical (True or False)</a:t>
+            </a:r>
+          </a:p>
+          <a:p>
+            <a:pPr marL="1371600" lvl="2" indent="-457200">
+              <a:buFont typeface="Arial" panose="020B0604020202020204" pitchFamily="34" charset="0"/>
+              <a:buChar char="•"/>
+            </a:pPr>
+            <a:endParaRPr lang="en-US" sz="2800" i="1" dirty="0"/>
+          </a:p>
+          <a:p>
+            <a:pPr lvl="1"/>
+            <a:r>
+              <a:rPr lang="en-US" sz="2800" i="1" dirty="0"/>
+              <a:t>Most basic object is a vector</a:t>
+            </a:r>
+          </a:p>
+          <a:p>
+            <a:pPr marL="1371600" lvl="2" indent="-457200">
+              <a:buFont typeface="Arial" panose="020B0604020202020204" pitchFamily="34" charset="0"/>
+              <a:buChar char="•"/>
+            </a:pPr>
+            <a:r>
+              <a:rPr lang="en-US" sz="2800" i="1" dirty="0"/>
+              <a:t>Can only contain objects of the same class (character, </a:t>
+            </a:r>
+            <a:r>
+              <a:rPr lang="en-US" sz="2800" i="1" dirty="0" err="1"/>
+              <a:t>etc</a:t>
+            </a:r>
+            <a:r>
+              <a:rPr lang="en-US" sz="2800" i="1" dirty="0"/>
+              <a:t>)</a:t>
+            </a:r>
+          </a:p>
+          <a:p>
+            <a:pPr marL="1371600" lvl="2" indent="-457200">
+              <a:buFont typeface="Arial" panose="020B0604020202020204" pitchFamily="34" charset="0"/>
+              <a:buChar char="•"/>
+            </a:pPr>
+            <a:r>
+              <a:rPr lang="en-US" sz="2800" i="1" dirty="0"/>
+              <a:t>But you can create a list with different classes</a:t>
+            </a:r>
+          </a:p>
+          <a:p>
+            <a:pPr marL="1371600" lvl="2" indent="-457200">
+              <a:buFont typeface="Arial" panose="020B0604020202020204" pitchFamily="34" charset="0"/>
+              <a:buChar char="•"/>
+            </a:pPr>
+            <a:endParaRPr lang="en-US" sz="2800" i="1" dirty="0"/>
           </a:p>
         </p:txBody>
       </p:sp>
     </p:spTree>
     <p:extLst>
       <p:ext uri="{BB962C8B-B14F-4D97-AF65-F5344CB8AC3E}">
-        <p14:creationId xmlns:p14="http://schemas.microsoft.com/office/powerpoint/2010/main" val="2177820121"/>
+        <p14:creationId xmlns:p14="http://schemas.microsoft.com/office/powerpoint/2010/main" val="2065702117"/>
       </p:ext>
     </p:extLst>
   </p:cSld>
@@ -35417,7 +36541,7 @@
         <p:spPr>
           <a:xfrm>
             <a:off x="238539" y="1012753"/>
-            <a:ext cx="9993302" cy="4401205"/>
+            <a:ext cx="9993302" cy="5262979"/>
           </a:xfrm>
           <a:prstGeom prst="rect">
             <a:avLst/>
@@ -35433,8 +36557,12 @@
             <a:pPr lvl="1"/>
             <a:r>
               <a:rPr lang="en-US" sz="2800" i="1" dirty="0"/>
-              <a:t>Basic atomic classes of objects</a:t>
+              <a:t>Other object types:</a:t>
             </a:r>
+          </a:p>
+          <a:p>
+            <a:pPr lvl="1"/>
+            <a:endParaRPr lang="en-US" sz="2800" i="1" dirty="0"/>
           </a:p>
           <a:p>
             <a:pPr marL="1371600" lvl="2" indent="-457200">
@@ -35443,7 +36571,17 @@
             </a:pPr>
             <a:r>
               <a:rPr lang="en-US" sz="2800" i="1" dirty="0"/>
-              <a:t>Character</a:t>
+              <a:t>Matrix – vectors with elements in 2 dimensional layout</a:t>
+            </a:r>
+          </a:p>
+          <a:p>
+            <a:pPr marL="1828800" lvl="3" indent="-457200">
+              <a:buFont typeface="Arial" panose="020B0604020202020204" pitchFamily="34" charset="0"/>
+              <a:buChar char="•"/>
+            </a:pPr>
+            <a:r>
+              <a:rPr lang="en-US" sz="2800" i="1" dirty="0"/>
+              <a:t>Each element must be the same object class</a:t>
             </a:r>
           </a:p>
           <a:p>
@@ -35453,7 +36591,27 @@
             </a:pPr>
             <a:r>
               <a:rPr lang="en-US" sz="2800" i="1" dirty="0"/>
-              <a:t>Numeric</a:t>
+              <a:t>Factors – represent categorical data</a:t>
+            </a:r>
+          </a:p>
+          <a:p>
+            <a:pPr marL="1828800" lvl="3" indent="-457200">
+              <a:buFont typeface="Arial" panose="020B0604020202020204" pitchFamily="34" charset="0"/>
+              <a:buChar char="•"/>
+            </a:pPr>
+            <a:r>
+              <a:rPr lang="en-US" sz="2800" i="1" dirty="0"/>
+              <a:t>Useful for modeling data</a:t>
+            </a:r>
+          </a:p>
+          <a:p>
+            <a:pPr marL="1828800" lvl="3" indent="-457200">
+              <a:buFont typeface="Arial" panose="020B0604020202020204" pitchFamily="34" charset="0"/>
+              <a:buChar char="•"/>
+            </a:pPr>
+            <a:r>
+              <a:rPr lang="en-US" sz="2800" i="1" dirty="0"/>
+              <a:t>Use labels (“Yes”, “No”) instead of integer(1, 2)</a:t>
             </a:r>
           </a:p>
           <a:p>
@@ -35463,74 +36621,45 @@
             </a:pPr>
             <a:r>
               <a:rPr lang="en-US" sz="2800" i="1" dirty="0"/>
-              <a:t>Integer</a:t>
+              <a:t>Data Frames – stores tabular data</a:t>
             </a:r>
           </a:p>
           <a:p>
-            <a:pPr marL="1371600" lvl="2" indent="-457200">
+            <a:pPr marL="1828800" lvl="3" indent="-457200">
               <a:buFont typeface="Arial" panose="020B0604020202020204" pitchFamily="34" charset="0"/>
               <a:buChar char="•"/>
             </a:pPr>
             <a:r>
               <a:rPr lang="en-US" sz="2800" i="1" dirty="0"/>
-              <a:t>Logical (True or False)</a:t>
+              <a:t>Rows are observations</a:t>
             </a:r>
           </a:p>
           <a:p>
-            <a:pPr marL="1371600" lvl="2" indent="-457200">
-              <a:buFont typeface="Arial" panose="020B0604020202020204" pitchFamily="34" charset="0"/>
-              <a:buChar char="•"/>
-            </a:pPr>
-            <a:endParaRPr lang="en-US" sz="2800" i="1" dirty="0"/>
-          </a:p>
-          <a:p>
-            <a:pPr lvl="1"/>
-            <a:r>
-              <a:rPr lang="en-US" sz="2800" i="1" dirty="0"/>
-              <a:t>Most basic object is a vector</a:t>
-            </a:r>
-          </a:p>
-          <a:p>
-            <a:pPr marL="1371600" lvl="2" indent="-457200">
+            <a:pPr marL="1828800" lvl="3" indent="-457200">
               <a:buFont typeface="Arial" panose="020B0604020202020204" pitchFamily="34" charset="0"/>
               <a:buChar char="•"/>
             </a:pPr>
             <a:r>
               <a:rPr lang="en-US" sz="2800" i="1" dirty="0"/>
-              <a:t>Can only contain objects of the same class (character, </a:t>
+              <a:t>Columns are variables</a:t>
             </a:r>
-            <a:r>
-              <a:rPr lang="en-US" sz="2800" i="1" dirty="0" err="1"/>
-              <a:t>etc</a:t>
-            </a:r>
-            <a:r>
-              <a:rPr lang="en-US" sz="2800" i="1" dirty="0"/>
-              <a:t>)</a:t>
-            </a:r>
-          </a:p>
-          <a:p>
-            <a:pPr marL="1371600" lvl="2" indent="-457200">
+          </a:p>
+          <a:p>
+            <a:pPr marL="1828800" lvl="3" indent="-457200">
               <a:buFont typeface="Arial" panose="020B0604020202020204" pitchFamily="34" charset="0"/>
               <a:buChar char="•"/>
             </a:pPr>
             <a:r>
               <a:rPr lang="en-US" sz="2800" i="1" dirty="0"/>
-              <a:t>But you can create a list with different classes</a:t>
+              <a:t>Variables have to be same class, but you can have different variables with different classes</a:t>
             </a:r>
-          </a:p>
-          <a:p>
-            <a:pPr marL="1371600" lvl="2" indent="-457200">
-              <a:buFont typeface="Arial" panose="020B0604020202020204" pitchFamily="34" charset="0"/>
-              <a:buChar char="•"/>
-            </a:pPr>
-            <a:endParaRPr lang="en-US" sz="2800" i="1" dirty="0"/>
           </a:p>
         </p:txBody>
       </p:sp>
     </p:spTree>
     <p:extLst>
       <p:ext uri="{BB962C8B-B14F-4D97-AF65-F5344CB8AC3E}">
-        <p14:creationId xmlns:p14="http://schemas.microsoft.com/office/powerpoint/2010/main" val="2065702117"/>
+        <p14:creationId xmlns:p14="http://schemas.microsoft.com/office/powerpoint/2010/main" val="1660012900"/>
       </p:ext>
     </p:extLst>
   </p:cSld>
@@ -35726,7 +36855,7 @@
         <p:spPr>
           <a:xfrm>
             <a:off x="3168183" y="256864"/>
-            <a:ext cx="5059018" cy="646331"/>
+            <a:ext cx="5835858" cy="646331"/>
           </a:xfrm>
           <a:prstGeom prst="rect">
             <a:avLst/>
@@ -35749,126 +36878,430 @@
             </a:r>
             <a:r>
               <a:rPr lang="en-US" sz="3600" i="1" dirty="0"/>
-              <a:t> </a:t>
+              <a:t> - Syntax </a:t>
             </a:r>
           </a:p>
         </p:txBody>
       </p:sp>
-      <p:sp>
-        <p:nvSpPr>
-          <p:cNvPr id="3" name="TextBox 2"/>
-          <p:cNvSpPr txBox="1"/>
-          <p:nvPr/>
-        </p:nvSpPr>
-        <p:spPr>
-          <a:xfrm>
-            <a:off x="238539" y="1012753"/>
-            <a:ext cx="9993302" cy="4401205"/>
-          </a:xfrm>
-          <a:prstGeom prst="rect">
-            <a:avLst/>
-          </a:prstGeom>
-          <a:noFill/>
-        </p:spPr>
-        <p:txBody>
-          <a:bodyPr wrap="square" rtlCol="0">
-            <a:spAutoFit/>
-          </a:bodyPr>
-          <a:lstStyle/>
-          <a:p>
-            <a:pPr lvl="1"/>
-            <a:r>
-              <a:rPr lang="en-US" sz="2800" i="1" dirty="0"/>
-              <a:t>Other object types:</a:t>
-            </a:r>
-          </a:p>
-          <a:p>
-            <a:pPr lvl="1"/>
-            <a:endParaRPr lang="en-US" sz="2800" i="1" dirty="0"/>
-          </a:p>
-          <a:p>
-            <a:pPr marL="1371600" lvl="2" indent="-457200">
-              <a:buFont typeface="Arial" panose="020B0604020202020204" pitchFamily="34" charset="0"/>
-              <a:buChar char="•"/>
-            </a:pPr>
-            <a:r>
-              <a:rPr lang="en-US" sz="2800" i="1" dirty="0"/>
-              <a:t>Matrix – vectors with dimensions</a:t>
-            </a:r>
-          </a:p>
-          <a:p>
-            <a:pPr marL="1828800" lvl="3" indent="-457200">
-              <a:buFont typeface="Arial" panose="020B0604020202020204" pitchFamily="34" charset="0"/>
-              <a:buChar char="•"/>
-            </a:pPr>
-            <a:r>
-              <a:rPr lang="en-US" sz="2800" i="1" dirty="0"/>
-              <a:t>Each element must be the same object class</a:t>
-            </a:r>
-          </a:p>
-          <a:p>
-            <a:pPr marL="1371600" lvl="2" indent="-457200">
-              <a:buFont typeface="Arial" panose="020B0604020202020204" pitchFamily="34" charset="0"/>
-              <a:buChar char="•"/>
-            </a:pPr>
-            <a:r>
-              <a:rPr lang="en-US" sz="2800" i="1" dirty="0"/>
-              <a:t>Factors – represent categorical data</a:t>
-            </a:r>
-          </a:p>
-          <a:p>
-            <a:pPr marL="1828800" lvl="3" indent="-457200">
-              <a:buFont typeface="Arial" panose="020B0604020202020204" pitchFamily="34" charset="0"/>
-              <a:buChar char="•"/>
-            </a:pPr>
-            <a:r>
-              <a:rPr lang="en-US" sz="2800" i="1" dirty="0"/>
-              <a:t>Useful for modeling data</a:t>
-            </a:r>
-          </a:p>
-          <a:p>
-            <a:pPr marL="1828800" lvl="3" indent="-457200">
-              <a:buFont typeface="Arial" panose="020B0604020202020204" pitchFamily="34" charset="0"/>
-              <a:buChar char="•"/>
-            </a:pPr>
-            <a:r>
-              <a:rPr lang="en-US" sz="2800" i="1" dirty="0"/>
-              <a:t>Use labels (“Yes”, “No”) instead of integer(1, 2)</a:t>
-            </a:r>
-          </a:p>
-          <a:p>
-            <a:pPr marL="1371600" lvl="2" indent="-457200">
-              <a:buFont typeface="Arial" panose="020B0604020202020204" pitchFamily="34" charset="0"/>
-              <a:buChar char="•"/>
-            </a:pPr>
-            <a:r>
-              <a:rPr lang="en-US" sz="2800" i="1" dirty="0"/>
-              <a:t>Data Frames – stores tabular data</a:t>
-            </a:r>
-          </a:p>
-          <a:p>
-            <a:pPr marL="1828800" lvl="3" indent="-457200">
-              <a:buFont typeface="Arial" panose="020B0604020202020204" pitchFamily="34" charset="0"/>
-              <a:buChar char="•"/>
-            </a:pPr>
-            <a:r>
-              <a:rPr lang="en-US" sz="2800" i="1" dirty="0"/>
-              <a:t>Can store different object classes </a:t>
-            </a:r>
-          </a:p>
-          <a:p>
-            <a:pPr marL="1828800" lvl="3" indent="-457200">
-              <a:buFont typeface="Arial" panose="020B0604020202020204" pitchFamily="34" charset="0"/>
-              <a:buChar char="•"/>
-            </a:pPr>
-            <a:endParaRPr lang="en-US" sz="2800" i="1" dirty="0"/>
-          </a:p>
-        </p:txBody>
-      </p:sp>
+      <p:graphicFrame>
+        <p:nvGraphicFramePr>
+          <p:cNvPr id="9" name="Table 8"/>
+          <p:cNvGraphicFramePr>
+            <a:graphicFrameLocks noGrp="1"/>
+          </p:cNvGraphicFramePr>
+          <p:nvPr>
+            <p:extLst>
+              <p:ext uri="{D42A27DB-BD31-4B8C-83A1-F6EECF244321}">
+                <p14:modId xmlns:p14="http://schemas.microsoft.com/office/powerpoint/2010/main" val="575432905"/>
+              </p:ext>
+            </p:extLst>
+          </p:nvPr>
+        </p:nvGraphicFramePr>
+        <p:xfrm>
+          <a:off x="109331" y="1352938"/>
+          <a:ext cx="10525541" cy="4480560"/>
+        </p:xfrm>
+        <a:graphic>
+          <a:graphicData uri="http://schemas.openxmlformats.org/drawingml/2006/table">
+            <a:tbl>
+              <a:tblPr firstRow="1" bandRow="1">
+                <a:tableStyleId>{5940675A-B579-460E-94D1-54222C63F5DA}</a:tableStyleId>
+              </a:tblPr>
+              <a:tblGrid>
+                <a:gridCol w="1938130">
+                  <a:extLst>
+                    <a:ext uri="{9D8B030D-6E8A-4147-A177-3AD203B41FA5}">
+                      <a16:colId xmlns:a16="http://schemas.microsoft.com/office/drawing/2014/main" val="1181532389"/>
+                    </a:ext>
+                  </a:extLst>
+                </a:gridCol>
+                <a:gridCol w="3892948">
+                  <a:extLst>
+                    <a:ext uri="{9D8B030D-6E8A-4147-A177-3AD203B41FA5}">
+                      <a16:colId xmlns:a16="http://schemas.microsoft.com/office/drawing/2014/main" val="2146270149"/>
+                    </a:ext>
+                  </a:extLst>
+                </a:gridCol>
+                <a:gridCol w="4694463">
+                  <a:extLst>
+                    <a:ext uri="{9D8B030D-6E8A-4147-A177-3AD203B41FA5}">
+                      <a16:colId xmlns:a16="http://schemas.microsoft.com/office/drawing/2014/main" val="1215416758"/>
+                    </a:ext>
+                  </a:extLst>
+                </a:gridCol>
+              </a:tblGrid>
+              <a:tr h="291681">
+                <a:tc>
+                  <a:txBody>
+                    <a:bodyPr/>
+                    <a:lstStyle/>
+                    <a:p>
+                      <a:r>
+                        <a:rPr lang="en-US" sz="2800" dirty="0"/>
+                        <a:t>#</a:t>
+                      </a:r>
+                    </a:p>
+                  </a:txBody>
+                  <a:tcPr/>
+                </a:tc>
+                <a:tc>
+                  <a:txBody>
+                    <a:bodyPr/>
+                    <a:lstStyle/>
+                    <a:p>
+                      <a:r>
+                        <a:rPr lang="en-US" sz="2800" dirty="0"/>
+                        <a:t>Comments</a:t>
+                      </a:r>
+                    </a:p>
+                  </a:txBody>
+                  <a:tcPr/>
+                </a:tc>
+                <a:tc>
+                  <a:txBody>
+                    <a:bodyPr/>
+                    <a:lstStyle/>
+                    <a:p>
+                      <a:r>
+                        <a:rPr lang="en-US" sz="2800" dirty="0"/>
+                        <a:t># This is</a:t>
+                      </a:r>
+                      <a:r>
+                        <a:rPr lang="en-US" sz="2800" baseline="0" dirty="0"/>
+                        <a:t> a comment</a:t>
+                      </a:r>
+                      <a:endParaRPr lang="en-US" sz="2800" dirty="0"/>
+                    </a:p>
+                  </a:txBody>
+                  <a:tcPr/>
+                </a:tc>
+                <a:extLst>
+                  <a:ext uri="{0D108BD9-81ED-4DB2-BD59-A6C34878D82A}">
+                    <a16:rowId xmlns:a16="http://schemas.microsoft.com/office/drawing/2014/main" val="4018408536"/>
+                  </a:ext>
+                </a:extLst>
+              </a:tr>
+              <a:tr h="291681">
+                <a:tc>
+                  <a:txBody>
+                    <a:bodyPr/>
+                    <a:lstStyle/>
+                    <a:p>
+                      <a:r>
+                        <a:rPr lang="en-US" sz="2800" dirty="0"/>
+                        <a:t>&lt;- or =</a:t>
+                      </a:r>
+                    </a:p>
+                  </a:txBody>
+                  <a:tcPr/>
+                </a:tc>
+                <a:tc>
+                  <a:txBody>
+                    <a:bodyPr/>
+                    <a:lstStyle/>
+                    <a:p>
+                      <a:r>
+                        <a:rPr lang="en-US" sz="2800" dirty="0"/>
+                        <a:t>Assignment (&lt;- is preferred)</a:t>
+                      </a:r>
+                    </a:p>
+                  </a:txBody>
+                  <a:tcPr/>
+                </a:tc>
+                <a:tc>
+                  <a:txBody>
+                    <a:bodyPr/>
+                    <a:lstStyle/>
+                    <a:p>
+                      <a:r>
+                        <a:rPr lang="en-US" sz="2800" dirty="0"/>
+                        <a:t>a &lt;- 1 or b = 2</a:t>
+                      </a:r>
+                    </a:p>
+                  </a:txBody>
+                  <a:tcPr/>
+                </a:tc>
+                <a:extLst>
+                  <a:ext uri="{0D108BD9-81ED-4DB2-BD59-A6C34878D82A}">
+                    <a16:rowId xmlns:a16="http://schemas.microsoft.com/office/drawing/2014/main" val="731116331"/>
+                  </a:ext>
+                </a:extLst>
+              </a:tr>
+              <a:tr h="291681">
+                <a:tc>
+                  <a:txBody>
+                    <a:bodyPr/>
+                    <a:lstStyle/>
+                    <a:p>
+                      <a:r>
+                        <a:rPr lang="en-US" sz="2800" dirty="0"/>
+                        <a:t>a[1]</a:t>
+                      </a:r>
+                    </a:p>
+                  </a:txBody>
+                  <a:tcPr/>
+                </a:tc>
+                <a:tc>
+                  <a:txBody>
+                    <a:bodyPr/>
+                    <a:lstStyle/>
+                    <a:p>
+                      <a:r>
+                        <a:rPr lang="en-US" sz="2800" dirty="0"/>
+                        <a:t>First element in a vector</a:t>
+                      </a:r>
+                    </a:p>
+                  </a:txBody>
+                  <a:tcPr/>
+                </a:tc>
+                <a:tc>
+                  <a:txBody>
+                    <a:bodyPr/>
+                    <a:lstStyle/>
+                    <a:p>
+                      <a:r>
+                        <a:rPr lang="en-US" sz="2800" dirty="0"/>
+                        <a:t>a[1]</a:t>
+                      </a:r>
+                    </a:p>
+                  </a:txBody>
+                  <a:tcPr/>
+                </a:tc>
+                <a:extLst>
+                  <a:ext uri="{0D108BD9-81ED-4DB2-BD59-A6C34878D82A}">
+                    <a16:rowId xmlns:a16="http://schemas.microsoft.com/office/drawing/2014/main" val="4266040652"/>
+                  </a:ext>
+                </a:extLst>
+              </a:tr>
+              <a:tr h="291681">
+                <a:tc>
+                  <a:txBody>
+                    <a:bodyPr/>
+                    <a:lstStyle/>
+                    <a:p>
+                      <a:r>
+                        <a:rPr lang="en-US" sz="2800" dirty="0" err="1"/>
+                        <a:t>df</a:t>
+                      </a:r>
+                      <a:r>
+                        <a:rPr lang="en-US" sz="2800" dirty="0"/>
+                        <a:t>[</a:t>
+                      </a:r>
+                      <a:r>
+                        <a:rPr lang="en-US" sz="2800" baseline="0" dirty="0"/>
+                        <a:t> </a:t>
+                      </a:r>
+                      <a:r>
+                        <a:rPr lang="en-US" sz="2800" dirty="0"/>
+                        <a:t>, ]</a:t>
+                      </a:r>
+                    </a:p>
+                  </a:txBody>
+                  <a:tcPr/>
+                </a:tc>
+                <a:tc>
+                  <a:txBody>
+                    <a:bodyPr/>
+                    <a:lstStyle/>
+                    <a:p>
+                      <a:r>
+                        <a:rPr lang="en-US" sz="2800" dirty="0"/>
+                        <a:t>Select data</a:t>
+                      </a:r>
+                      <a:r>
+                        <a:rPr lang="en-US" sz="2800" baseline="0" dirty="0"/>
+                        <a:t> frame or matrix elements</a:t>
+                      </a:r>
+                      <a:endParaRPr lang="en-US" sz="2800" dirty="0"/>
+                    </a:p>
+                  </a:txBody>
+                  <a:tcPr/>
+                </a:tc>
+                <a:tc>
+                  <a:txBody>
+                    <a:bodyPr/>
+                    <a:lstStyle/>
+                    <a:p>
+                      <a:r>
+                        <a:rPr lang="en-US" sz="2800" dirty="0" err="1"/>
+                        <a:t>df</a:t>
+                      </a:r>
+                      <a:r>
+                        <a:rPr lang="en-US" sz="2800" dirty="0"/>
+                        <a:t>[</a:t>
+                      </a:r>
+                      <a:r>
+                        <a:rPr lang="en-US" sz="2800" baseline="0" dirty="0"/>
+                        <a:t> </a:t>
+                      </a:r>
+                      <a:r>
+                        <a:rPr lang="en-US" sz="2800" dirty="0"/>
+                        <a:t>, 1] = all rows in first column</a:t>
+                      </a:r>
+                    </a:p>
+                    <a:p>
+                      <a:r>
+                        <a:rPr lang="en-US" sz="2800" dirty="0" err="1"/>
+                        <a:t>df</a:t>
+                      </a:r>
+                      <a:r>
+                        <a:rPr lang="en-US" sz="2800" dirty="0"/>
+                        <a:t>[1, ] = first row in all columns</a:t>
+                      </a:r>
+                    </a:p>
+                  </a:txBody>
+                  <a:tcPr/>
+                </a:tc>
+                <a:extLst>
+                  <a:ext uri="{0D108BD9-81ED-4DB2-BD59-A6C34878D82A}">
+                    <a16:rowId xmlns:a16="http://schemas.microsoft.com/office/drawing/2014/main" val="4111463717"/>
+                  </a:ext>
+                </a:extLst>
+              </a:tr>
+              <a:tr h="291681">
+                <a:tc>
+                  <a:txBody>
+                    <a:bodyPr/>
+                    <a:lstStyle/>
+                    <a:p>
+                      <a:r>
+                        <a:rPr lang="en-US" sz="2800" dirty="0" err="1"/>
+                        <a:t>df$colName</a:t>
+                      </a:r>
+                      <a:endParaRPr lang="en-US" sz="2800" dirty="0"/>
+                    </a:p>
+                  </a:txBody>
+                  <a:tcPr/>
+                </a:tc>
+                <a:tc>
+                  <a:txBody>
+                    <a:bodyPr/>
+                    <a:lstStyle/>
+                    <a:p>
+                      <a:r>
+                        <a:rPr lang="en-US" sz="2800" dirty="0"/>
+                        <a:t>Select column</a:t>
+                      </a:r>
+                    </a:p>
+                  </a:txBody>
+                  <a:tcPr/>
+                </a:tc>
+                <a:tc>
+                  <a:txBody>
+                    <a:bodyPr/>
+                    <a:lstStyle/>
+                    <a:p>
+                      <a:endParaRPr lang="en-US" sz="2800" dirty="0"/>
+                    </a:p>
+                  </a:txBody>
+                  <a:tcPr/>
+                </a:tc>
+                <a:extLst>
+                  <a:ext uri="{0D108BD9-81ED-4DB2-BD59-A6C34878D82A}">
+                    <a16:rowId xmlns:a16="http://schemas.microsoft.com/office/drawing/2014/main" val="4164079006"/>
+                  </a:ext>
+                </a:extLst>
+              </a:tr>
+              <a:tr h="291681">
+                <a:tc>
+                  <a:txBody>
+                    <a:bodyPr/>
+                    <a:lstStyle/>
+                    <a:p>
+                      <a:r>
+                        <a:rPr lang="en-US" sz="2800" dirty="0"/>
+                        <a:t>c()</a:t>
+                      </a:r>
+                    </a:p>
+                  </a:txBody>
+                  <a:tcPr/>
+                </a:tc>
+                <a:tc>
+                  <a:txBody>
+                    <a:bodyPr/>
+                    <a:lstStyle/>
+                    <a:p>
+                      <a:r>
+                        <a:rPr lang="en-US" sz="2800" dirty="0"/>
+                        <a:t>Concatenation</a:t>
+                      </a:r>
+                    </a:p>
+                  </a:txBody>
+                  <a:tcPr/>
+                </a:tc>
+                <a:tc>
+                  <a:txBody>
+                    <a:bodyPr/>
+                    <a:lstStyle/>
+                    <a:p>
+                      <a:r>
+                        <a:rPr lang="en-US" sz="2800" dirty="0"/>
+                        <a:t>a &lt;- c(1, 2, 3, 4, 5)</a:t>
+                      </a:r>
+                    </a:p>
+                  </a:txBody>
+                  <a:tcPr/>
+                </a:tc>
+                <a:extLst>
+                  <a:ext uri="{0D108BD9-81ED-4DB2-BD59-A6C34878D82A}">
+                    <a16:rowId xmlns:a16="http://schemas.microsoft.com/office/drawing/2014/main" val="1938743737"/>
+                  </a:ext>
+                </a:extLst>
+              </a:tr>
+              <a:tr h="291681">
+                <a:tc>
+                  <a:txBody>
+                    <a:bodyPr/>
+                    <a:lstStyle/>
+                    <a:p>
+                      <a:r>
+                        <a:rPr lang="en-US" sz="2800" dirty="0"/>
+                        <a:t>:</a:t>
+                      </a:r>
+                    </a:p>
+                  </a:txBody>
+                  <a:tcPr/>
+                </a:tc>
+                <a:tc>
+                  <a:txBody>
+                    <a:bodyPr/>
+                    <a:lstStyle/>
+                    <a:p>
+                      <a:r>
+                        <a:rPr lang="en-US" sz="2800" dirty="0"/>
+                        <a:t>Sequence</a:t>
+                      </a:r>
+                    </a:p>
+                  </a:txBody>
+                  <a:tcPr/>
+                </a:tc>
+                <a:tc>
+                  <a:txBody>
+                    <a:bodyPr/>
+                    <a:lstStyle/>
+                    <a:p>
+                      <a:r>
+                        <a:rPr lang="en-US" sz="2800" dirty="0"/>
+                        <a:t>a &lt;- c(1:5), same as above</a:t>
+                      </a:r>
+                    </a:p>
+                  </a:txBody>
+                  <a:tcPr/>
+                </a:tc>
+                <a:extLst>
+                  <a:ext uri="{0D108BD9-81ED-4DB2-BD59-A6C34878D82A}">
+                    <a16:rowId xmlns:a16="http://schemas.microsoft.com/office/drawing/2014/main" val="288305825"/>
+                  </a:ext>
+                </a:extLst>
+              </a:tr>
+            </a:tbl>
+          </a:graphicData>
+        </a:graphic>
+      </p:graphicFrame>
     </p:spTree>
     <p:extLst>
       <p:ext uri="{BB962C8B-B14F-4D97-AF65-F5344CB8AC3E}">
-        <p14:creationId xmlns:p14="http://schemas.microsoft.com/office/powerpoint/2010/main" val="1660012900"/>
+        <p14:creationId xmlns:p14="http://schemas.microsoft.com/office/powerpoint/2010/main" val="767628358"/>
       </p:ext>
     </p:extLst>
   </p:cSld>

--- a/R Session.pptx
+++ b/R Session.pptx
@@ -243,7 +243,7 @@
           <a:p>
             <a:fld id="{E81C8EEB-7BA9-464D-8F34-E5231E8E18BB}" type="datetimeFigureOut">
               <a:rPr lang="en-US" smtClean="0"/>
-              <a:t>9/18/2016</a:t>
+              <a:t>9/19/2016</a:t>
             </a:fld>
             <a:endParaRPr lang="en-US"/>
           </a:p>
@@ -11264,7 +11264,7 @@
           <a:p>
             <a:fld id="{C798C88A-3EB1-48EE-BAEA-CE01783A4B66}" type="datetimeFigureOut">
               <a:rPr lang="en-US" smtClean="0"/>
-              <a:t>9/18/2016</a:t>
+              <a:t>9/19/2016</a:t>
             </a:fld>
             <a:endParaRPr lang="en-US"/>
           </a:p>
@@ -11471,7 +11471,7 @@
           <a:p>
             <a:fld id="{C798C88A-3EB1-48EE-BAEA-CE01783A4B66}" type="datetimeFigureOut">
               <a:rPr lang="en-US" smtClean="0"/>
-              <a:t>9/18/2016</a:t>
+              <a:t>9/19/2016</a:t>
             </a:fld>
             <a:endParaRPr lang="en-US"/>
           </a:p>
@@ -11651,7 +11651,7 @@
           <a:p>
             <a:fld id="{C798C88A-3EB1-48EE-BAEA-CE01783A4B66}" type="datetimeFigureOut">
               <a:rPr lang="en-US" smtClean="0"/>
-              <a:t>9/18/2016</a:t>
+              <a:t>9/19/2016</a:t>
             </a:fld>
             <a:endParaRPr lang="en-US"/>
           </a:p>
@@ -11856,7 +11856,7 @@
           <a:p>
             <a:fld id="{C798C88A-3EB1-48EE-BAEA-CE01783A4B66}" type="datetimeFigureOut">
               <a:rPr lang="en-US" smtClean="0"/>
-              <a:t>9/18/2016</a:t>
+              <a:t>9/19/2016</a:t>
             </a:fld>
             <a:endParaRPr lang="en-US"/>
           </a:p>
@@ -20754,7 +20754,7 @@
           <a:p>
             <a:fld id="{C798C88A-3EB1-48EE-BAEA-CE01783A4B66}" type="datetimeFigureOut">
               <a:rPr lang="en-US" smtClean="0"/>
-              <a:t>9/18/2016</a:t>
+              <a:t>9/19/2016</a:t>
             </a:fld>
             <a:endParaRPr lang="en-US"/>
           </a:p>
@@ -21028,7 +21028,7 @@
           <a:p>
             <a:fld id="{C798C88A-3EB1-48EE-BAEA-CE01783A4B66}" type="datetimeFigureOut">
               <a:rPr lang="en-US" smtClean="0"/>
-              <a:t>9/18/2016</a:t>
+              <a:t>9/19/2016</a:t>
             </a:fld>
             <a:endParaRPr lang="en-US"/>
           </a:p>
@@ -21426,7 +21426,7 @@
           <a:p>
             <a:fld id="{C798C88A-3EB1-48EE-BAEA-CE01783A4B66}" type="datetimeFigureOut">
               <a:rPr lang="en-US" smtClean="0"/>
-              <a:t>9/18/2016</a:t>
+              <a:t>9/19/2016</a:t>
             </a:fld>
             <a:endParaRPr lang="en-US"/>
           </a:p>
@@ -21544,7 +21544,7 @@
           <a:p>
             <a:fld id="{C798C88A-3EB1-48EE-BAEA-CE01783A4B66}" type="datetimeFigureOut">
               <a:rPr lang="en-US" smtClean="0"/>
-              <a:t>9/18/2016</a:t>
+              <a:t>9/19/2016</a:t>
             </a:fld>
             <a:endParaRPr lang="en-US"/>
           </a:p>
@@ -21639,7 +21639,7 @@
           <a:p>
             <a:fld id="{C798C88A-3EB1-48EE-BAEA-CE01783A4B66}" type="datetimeFigureOut">
               <a:rPr lang="en-US" smtClean="0"/>
-              <a:t>9/18/2016</a:t>
+              <a:t>9/19/2016</a:t>
             </a:fld>
             <a:endParaRPr lang="en-US"/>
           </a:p>
@@ -21929,7 +21929,7 @@
           <a:p>
             <a:fld id="{C798C88A-3EB1-48EE-BAEA-CE01783A4B66}" type="datetimeFigureOut">
               <a:rPr lang="en-US" smtClean="0"/>
-              <a:t>9/18/2016</a:t>
+              <a:t>9/19/2016</a:t>
             </a:fld>
             <a:endParaRPr lang="en-US"/>
           </a:p>
@@ -22209,7 +22209,7 @@
           <a:p>
             <a:fld id="{C798C88A-3EB1-48EE-BAEA-CE01783A4B66}" type="datetimeFigureOut">
               <a:rPr lang="en-US" smtClean="0"/>
-              <a:t>9/18/2016</a:t>
+              <a:t>9/19/2016</a:t>
             </a:fld>
             <a:endParaRPr lang="en-US"/>
           </a:p>
@@ -22489,7 +22489,7 @@
           <a:p>
             <a:fld id="{C798C88A-3EB1-48EE-BAEA-CE01783A4B66}" type="datetimeFigureOut">
               <a:rPr lang="en-US" smtClean="0"/>
-              <a:t>9/18/2016</a:t>
+              <a:t>9/19/2016</a:t>
             </a:fld>
             <a:endParaRPr lang="en-US"/>
           </a:p>
@@ -23554,7 +23554,7 @@
           <p:nvPr>
             <p:extLst>
               <p:ext uri="{D42A27DB-BD31-4B8C-83A1-F6EECF244321}">
-                <p14:modId xmlns:p14="http://schemas.microsoft.com/office/powerpoint/2010/main" val="1328644851"/>
+                <p14:modId xmlns:p14="http://schemas.microsoft.com/office/powerpoint/2010/main" val="1806796608"/>
               </p:ext>
             </p:extLst>
           </p:nvPr>
@@ -23627,7 +23627,7 @@
                     <a:p>
                       <a:r>
                         <a:rPr lang="en-US" sz="2800" dirty="0"/>
-                        <a:t>a + b</a:t>
+                        <a:t>5 + 2 == 7</a:t>
                       </a:r>
                     </a:p>
                   </a:txBody>
@@ -23674,7 +23674,7 @@
                     <a:p>
                       <a:r>
                         <a:rPr lang="en-US" sz="2800" dirty="0"/>
-                        <a:t>a – b</a:t>
+                        <a:t>5 – 2 == 3</a:t>
                       </a:r>
                     </a:p>
                   </a:txBody>
@@ -23721,7 +23721,7 @@
                     <a:p>
                       <a:r>
                         <a:rPr lang="en-US" sz="2800" dirty="0"/>
-                        <a:t>a * b</a:t>
+                        <a:t>5 * 2 == 10</a:t>
                       </a:r>
                     </a:p>
                   </a:txBody>
@@ -23768,11 +23768,11 @@
                     <a:p>
                       <a:r>
                         <a:rPr lang="en-US" sz="2800" dirty="0"/>
-                        <a:t>a</a:t>
+                        <a:t>5</a:t>
                       </a:r>
                       <a:r>
                         <a:rPr lang="en-US" sz="2800" baseline="0" dirty="0"/>
-                        <a:t> / b</a:t>
+                        <a:t> / 2 == 2.5</a:t>
                       </a:r>
                       <a:endParaRPr lang="en-US" sz="2800" dirty="0"/>
                     </a:p>
@@ -23820,7 +23820,7 @@
                     <a:p>
                       <a:r>
                         <a:rPr lang="en-US" sz="2800" dirty="0"/>
-                        <a:t>a %/% b</a:t>
+                        <a:t>5 %/% 2 == 2</a:t>
                       </a:r>
                     </a:p>
                   </a:txBody>
@@ -23841,7 +23841,7 @@
                       <a:pPr algn="ctr"/>
                       <a:r>
                         <a:rPr lang="en-US" sz="2800" dirty="0"/>
-                        <a:t>%% or **</a:t>
+                        <a:t>%%</a:t>
                       </a:r>
                     </a:p>
                   </a:txBody>
@@ -23867,7 +23867,7 @@
                     <a:p>
                       <a:r>
                         <a:rPr lang="en-US" sz="2800" dirty="0"/>
-                        <a:t>a %% b</a:t>
+                        <a:t>5 %% 2 == 1</a:t>
                       </a:r>
                     </a:p>
                   </a:txBody>
@@ -23888,7 +23888,7 @@
                       <a:pPr algn="ctr"/>
                       <a:r>
                         <a:rPr lang="en-US" sz="2800" dirty="0"/>
-                        <a:t>^</a:t>
+                        <a:t>^ or **</a:t>
                       </a:r>
                     </a:p>
                   </a:txBody>
@@ -23914,7 +23914,7 @@
                     <a:p>
                       <a:r>
                         <a:rPr lang="en-US" sz="2800" dirty="0"/>
-                        <a:t>a ^ b</a:t>
+                        <a:t>5 ^ 2 == 25</a:t>
                       </a:r>
                     </a:p>
                   </a:txBody>
@@ -24166,7 +24166,7 @@
           <p:nvPr>
             <p:extLst>
               <p:ext uri="{D42A27DB-BD31-4B8C-83A1-F6EECF244321}">
-                <p14:modId xmlns:p14="http://schemas.microsoft.com/office/powerpoint/2010/main" val="2632922311"/>
+                <p14:modId xmlns:p14="http://schemas.microsoft.com/office/powerpoint/2010/main" val="307220238"/>
               </p:ext>
             </p:extLst>
           </p:nvPr>
@@ -24622,11 +24622,15 @@
                     <a:p>
                       <a:r>
                         <a:rPr lang="en-US" sz="2800" dirty="0"/>
-                        <a:t>Is missing</a:t>
+                        <a:t>Is </a:t>
                       </a:r>
                       <a:r>
-                        <a:rPr lang="en-US" sz="2800" baseline="0" dirty="0"/>
-                        <a:t> - </a:t>
+                        <a:rPr lang="en-US" sz="2800"/>
+                        <a:t>missing</a:t>
+                      </a:r>
+                      <a:r>
+                        <a:rPr lang="en-US" sz="2800" baseline="0"/>
+                        <a:t> </a:t>
                       </a:r>
                       <a:endParaRPr lang="en-US" sz="2800" dirty="0"/>
                     </a:p>

--- a/R Session.pptx
+++ b/R Session.pptx
@@ -243,7 +243,7 @@
           <a:p>
             <a:fld id="{E81C8EEB-7BA9-464D-8F34-E5231E8E18BB}" type="datetimeFigureOut">
               <a:rPr lang="en-US" smtClean="0"/>
-              <a:t>9/19/2016</a:t>
+              <a:t>9/21/2016</a:t>
             </a:fld>
             <a:endParaRPr lang="en-US"/>
           </a:p>
@@ -11264,7 +11264,7 @@
           <a:p>
             <a:fld id="{C798C88A-3EB1-48EE-BAEA-CE01783A4B66}" type="datetimeFigureOut">
               <a:rPr lang="en-US" smtClean="0"/>
-              <a:t>9/19/2016</a:t>
+              <a:t>9/21/2016</a:t>
             </a:fld>
             <a:endParaRPr lang="en-US"/>
           </a:p>
@@ -11471,7 +11471,7 @@
           <a:p>
             <a:fld id="{C798C88A-3EB1-48EE-BAEA-CE01783A4B66}" type="datetimeFigureOut">
               <a:rPr lang="en-US" smtClean="0"/>
-              <a:t>9/19/2016</a:t>
+              <a:t>9/21/2016</a:t>
             </a:fld>
             <a:endParaRPr lang="en-US"/>
           </a:p>
@@ -11651,7 +11651,7 @@
           <a:p>
             <a:fld id="{C798C88A-3EB1-48EE-BAEA-CE01783A4B66}" type="datetimeFigureOut">
               <a:rPr lang="en-US" smtClean="0"/>
-              <a:t>9/19/2016</a:t>
+              <a:t>9/21/2016</a:t>
             </a:fld>
             <a:endParaRPr lang="en-US"/>
           </a:p>
@@ -11856,7 +11856,7 @@
           <a:p>
             <a:fld id="{C798C88A-3EB1-48EE-BAEA-CE01783A4B66}" type="datetimeFigureOut">
               <a:rPr lang="en-US" smtClean="0"/>
-              <a:t>9/19/2016</a:t>
+              <a:t>9/21/2016</a:t>
             </a:fld>
             <a:endParaRPr lang="en-US"/>
           </a:p>
@@ -20754,7 +20754,7 @@
           <a:p>
             <a:fld id="{C798C88A-3EB1-48EE-BAEA-CE01783A4B66}" type="datetimeFigureOut">
               <a:rPr lang="en-US" smtClean="0"/>
-              <a:t>9/19/2016</a:t>
+              <a:t>9/21/2016</a:t>
             </a:fld>
             <a:endParaRPr lang="en-US"/>
           </a:p>
@@ -21028,7 +21028,7 @@
           <a:p>
             <a:fld id="{C798C88A-3EB1-48EE-BAEA-CE01783A4B66}" type="datetimeFigureOut">
               <a:rPr lang="en-US" smtClean="0"/>
-              <a:t>9/19/2016</a:t>
+              <a:t>9/21/2016</a:t>
             </a:fld>
             <a:endParaRPr lang="en-US"/>
           </a:p>
@@ -21426,7 +21426,7 @@
           <a:p>
             <a:fld id="{C798C88A-3EB1-48EE-BAEA-CE01783A4B66}" type="datetimeFigureOut">
               <a:rPr lang="en-US" smtClean="0"/>
-              <a:t>9/19/2016</a:t>
+              <a:t>9/21/2016</a:t>
             </a:fld>
             <a:endParaRPr lang="en-US"/>
           </a:p>
@@ -21544,7 +21544,7 @@
           <a:p>
             <a:fld id="{C798C88A-3EB1-48EE-BAEA-CE01783A4B66}" type="datetimeFigureOut">
               <a:rPr lang="en-US" smtClean="0"/>
-              <a:t>9/19/2016</a:t>
+              <a:t>9/21/2016</a:t>
             </a:fld>
             <a:endParaRPr lang="en-US"/>
           </a:p>
@@ -21639,7 +21639,7 @@
           <a:p>
             <a:fld id="{C798C88A-3EB1-48EE-BAEA-CE01783A4B66}" type="datetimeFigureOut">
               <a:rPr lang="en-US" smtClean="0"/>
-              <a:t>9/19/2016</a:t>
+              <a:t>9/21/2016</a:t>
             </a:fld>
             <a:endParaRPr lang="en-US"/>
           </a:p>
@@ -21929,7 +21929,7 @@
           <a:p>
             <a:fld id="{C798C88A-3EB1-48EE-BAEA-CE01783A4B66}" type="datetimeFigureOut">
               <a:rPr lang="en-US" smtClean="0"/>
-              <a:t>9/19/2016</a:t>
+              <a:t>9/21/2016</a:t>
             </a:fld>
             <a:endParaRPr lang="en-US"/>
           </a:p>
@@ -22209,7 +22209,7 @@
           <a:p>
             <a:fld id="{C798C88A-3EB1-48EE-BAEA-CE01783A4B66}" type="datetimeFigureOut">
               <a:rPr lang="en-US" smtClean="0"/>
-              <a:t>9/19/2016</a:t>
+              <a:t>9/21/2016</a:t>
             </a:fld>
             <a:endParaRPr lang="en-US"/>
           </a:p>
@@ -22489,7 +22489,7 @@
           <a:p>
             <a:fld id="{C798C88A-3EB1-48EE-BAEA-CE01783A4B66}" type="datetimeFigureOut">
               <a:rPr lang="en-US" smtClean="0"/>
-              <a:t>9/19/2016</a:t>
+              <a:t>9/21/2016</a:t>
             </a:fld>
             <a:endParaRPr lang="en-US"/>
           </a:p>
@@ -23003,8 +23003,8 @@
         </p:nvSpPr>
         <p:spPr>
           <a:xfrm>
-            <a:off x="600880" y="4260243"/>
-            <a:ext cx="9711519" cy="1738648"/>
+            <a:off x="575479" y="3611146"/>
+            <a:ext cx="9711519" cy="2849289"/>
           </a:xfrm>
         </p:spPr>
         <p:txBody>
@@ -23046,6 +23046,19 @@
                 <a:hlinkClick r:id="rId4"/>
               </a:rPr>
               <a:t>http://www.pertell.com/sqlservings</a:t>
+            </a:r>
+            <a:endParaRPr lang="en-US" sz="3600" i="1" dirty="0"/>
+          </a:p>
+          <a:p>
+            <a:r>
+              <a:rPr lang="en-US" sz="3600" i="1" dirty="0"/>
+              <a:t>Code &amp; Slides: </a:t>
+            </a:r>
+            <a:r>
+              <a:rPr lang="en-US" sz="3600" i="1" dirty="0">
+                <a:hlinkClick r:id="rId5"/>
+              </a:rPr>
+              <a:t>https://github.com/jayape/WestWI</a:t>
             </a:r>
             <a:endParaRPr lang="en-US" sz="3600" i="1" dirty="0"/>
           </a:p>
@@ -23257,7 +23270,7 @@
         </p:nvSpPr>
         <p:spPr>
           <a:xfrm>
-            <a:off x="600880" y="2449040"/>
+            <a:off x="575480" y="2091527"/>
             <a:ext cx="9711519" cy="1200329"/>
           </a:xfrm>
           <a:prstGeom prst="rect">
@@ -35033,7 +35046,7 @@
         <p:spPr>
           <a:xfrm>
             <a:off x="385010" y="1119799"/>
-            <a:ext cx="10156748" cy="3046988"/>
+            <a:ext cx="10156748" cy="3416320"/>
           </a:xfrm>
           <a:prstGeom prst="rect">
             <a:avLst/>
@@ -35101,6 +35114,9 @@
               </a:rPr>
               <a:t>https://www.rstudio.com/resources/cheatsheets/</a:t>
             </a:r>
+            <a:endParaRPr lang="en-US" sz="2400" dirty="0"/>
+          </a:p>
+          <a:p>
             <a:endParaRPr lang="en-US" sz="2400" dirty="0"/>
           </a:p>
         </p:txBody>
@@ -35209,6 +35225,16 @@
             <a:endParaRPr lang="en-US" sz="3600" i="1" dirty="0"/>
           </a:p>
           <a:p>
+            <a:r>
+              <a:rPr lang="en-US" sz="3600" i="1" dirty="0"/>
+              <a:t>Code &amp; Slides: </a:t>
+            </a:r>
+            <a:r>
+              <a:rPr lang="en-US" sz="3600" i="1" dirty="0">
+                <a:hlinkClick r:id="rId5"/>
+              </a:rPr>
+              <a:t>https://github.com/jayape/WestWI</a:t>
+            </a:r>
             <a:endParaRPr lang="en-US" sz="3600" i="1" dirty="0"/>
           </a:p>
           <a:p>
